--- a/Docs/Presentation/Pres_1.pptx
+++ b/Docs/Presentation/Pres_1.pptx
@@ -2,7 +2,7 @@
 <file path=ppt/presentation.xml><?xml version="1.0" encoding="utf-8"?>
 <p:presentation xmlns:a="http://schemas.openxmlformats.org/drawingml/2006/main" xmlns:r="http://schemas.openxmlformats.org/officeDocument/2006/relationships" xmlns:p="http://schemas.openxmlformats.org/presentationml/2006/main" saveSubsetFonts="1">
   <p:sldMasterIdLst>
-    <p:sldMasterId id="2147483648" r:id="rId1"/>
+    <p:sldMasterId id="2147483660" r:id="rId1"/>
   </p:sldMasterIdLst>
   <p:notesMasterIdLst>
     <p:notesMasterId r:id="rId9"/>
@@ -13,16 +13,16 @@
     <p:sldId id="258" r:id="rId4"/>
     <p:sldId id="259" r:id="rId5"/>
     <p:sldId id="260" r:id="rId6"/>
-    <p:sldId id="261" r:id="rId7"/>
+    <p:sldId id="263" r:id="rId7"/>
     <p:sldId id="262" r:id="rId8"/>
   </p:sldIdLst>
   <p:sldSz cx="12192000" cy="6858000"/>
   <p:notesSz cx="6858000" cy="9144000"/>
   <p:defaultTextStyle>
     <a:defPPr>
-      <a:defRPr lang="fr-FR"/>
+      <a:defRPr lang="en-US"/>
     </a:defPPr>
-    <a:lvl1pPr marL="0" algn="l" defTabSz="914400" rtl="0" eaLnBrk="1" latinLnBrk="0" hangingPunct="1">
+    <a:lvl1pPr marL="0" algn="l" defTabSz="457200" rtl="0" eaLnBrk="1" latinLnBrk="0" hangingPunct="1">
       <a:defRPr sz="1800" kern="1200">
         <a:solidFill>
           <a:schemeClr val="tx1"/>
@@ -32,7 +32,7 @@
         <a:cs typeface="+mn-cs"/>
       </a:defRPr>
     </a:lvl1pPr>
-    <a:lvl2pPr marL="457200" algn="l" defTabSz="914400" rtl="0" eaLnBrk="1" latinLnBrk="0" hangingPunct="1">
+    <a:lvl2pPr marL="457200" algn="l" defTabSz="457200" rtl="0" eaLnBrk="1" latinLnBrk="0" hangingPunct="1">
       <a:defRPr sz="1800" kern="1200">
         <a:solidFill>
           <a:schemeClr val="tx1"/>
@@ -42,7 +42,7 @@
         <a:cs typeface="+mn-cs"/>
       </a:defRPr>
     </a:lvl2pPr>
-    <a:lvl3pPr marL="914400" algn="l" defTabSz="914400" rtl="0" eaLnBrk="1" latinLnBrk="0" hangingPunct="1">
+    <a:lvl3pPr marL="914400" algn="l" defTabSz="457200" rtl="0" eaLnBrk="1" latinLnBrk="0" hangingPunct="1">
       <a:defRPr sz="1800" kern="1200">
         <a:solidFill>
           <a:schemeClr val="tx1"/>
@@ -52,7 +52,7 @@
         <a:cs typeface="+mn-cs"/>
       </a:defRPr>
     </a:lvl3pPr>
-    <a:lvl4pPr marL="1371600" algn="l" defTabSz="914400" rtl="0" eaLnBrk="1" latinLnBrk="0" hangingPunct="1">
+    <a:lvl4pPr marL="1371600" algn="l" defTabSz="457200" rtl="0" eaLnBrk="1" latinLnBrk="0" hangingPunct="1">
       <a:defRPr sz="1800" kern="1200">
         <a:solidFill>
           <a:schemeClr val="tx1"/>
@@ -62,7 +62,7 @@
         <a:cs typeface="+mn-cs"/>
       </a:defRPr>
     </a:lvl4pPr>
-    <a:lvl5pPr marL="1828800" algn="l" defTabSz="914400" rtl="0" eaLnBrk="1" latinLnBrk="0" hangingPunct="1">
+    <a:lvl5pPr marL="1828800" algn="l" defTabSz="457200" rtl="0" eaLnBrk="1" latinLnBrk="0" hangingPunct="1">
       <a:defRPr sz="1800" kern="1200">
         <a:solidFill>
           <a:schemeClr val="tx1"/>
@@ -72,7 +72,7 @@
         <a:cs typeface="+mn-cs"/>
       </a:defRPr>
     </a:lvl5pPr>
-    <a:lvl6pPr marL="2286000" algn="l" defTabSz="914400" rtl="0" eaLnBrk="1" latinLnBrk="0" hangingPunct="1">
+    <a:lvl6pPr marL="2286000" algn="l" defTabSz="457200" rtl="0" eaLnBrk="1" latinLnBrk="0" hangingPunct="1">
       <a:defRPr sz="1800" kern="1200">
         <a:solidFill>
           <a:schemeClr val="tx1"/>
@@ -82,7 +82,7 @@
         <a:cs typeface="+mn-cs"/>
       </a:defRPr>
     </a:lvl6pPr>
-    <a:lvl7pPr marL="2743200" algn="l" defTabSz="914400" rtl="0" eaLnBrk="1" latinLnBrk="0" hangingPunct="1">
+    <a:lvl7pPr marL="2743200" algn="l" defTabSz="457200" rtl="0" eaLnBrk="1" latinLnBrk="0" hangingPunct="1">
       <a:defRPr sz="1800" kern="1200">
         <a:solidFill>
           <a:schemeClr val="tx1"/>
@@ -92,7 +92,7 @@
         <a:cs typeface="+mn-cs"/>
       </a:defRPr>
     </a:lvl7pPr>
-    <a:lvl8pPr marL="3200400" algn="l" defTabSz="914400" rtl="0" eaLnBrk="1" latinLnBrk="0" hangingPunct="1">
+    <a:lvl8pPr marL="3200400" algn="l" defTabSz="457200" rtl="0" eaLnBrk="1" latinLnBrk="0" hangingPunct="1">
       <a:defRPr sz="1800" kern="1200">
         <a:solidFill>
           <a:schemeClr val="tx1"/>
@@ -102,7 +102,7 @@
         <a:cs typeface="+mn-cs"/>
       </a:defRPr>
     </a:lvl8pPr>
-    <a:lvl9pPr marL="3657600" algn="l" defTabSz="914400" rtl="0" eaLnBrk="1" latinLnBrk="0" hangingPunct="1">
+    <a:lvl9pPr marL="3657600" algn="l" defTabSz="457200" rtl="0" eaLnBrk="1" latinLnBrk="0" hangingPunct="1">
       <a:defRPr sz="1800" kern="1200">
         <a:solidFill>
           <a:schemeClr val="tx1"/>
@@ -113,6 +113,11 @@
       </a:defRPr>
     </a:lvl9pPr>
   </p:defaultTextStyle>
+  <p:extLst>
+    <p:ext uri="{EFAFB233-063F-42B5-8137-9DF3F51BA10A}">
+      <p15:sldGuideLst xmlns:p15="http://schemas.microsoft.com/office/powerpoint/2012/main"/>
+    </p:ext>
+  </p:extLst>
 </p:presentation>
 </file>
 
@@ -198,7 +203,7 @@
           <a:p>
             <a:fld id="{3D4D0121-AD04-4CEE-B068-23A25781959C}" type="datetimeFigureOut">
               <a:rPr lang="fr-FR" smtClean="0"/>
-              <a:t>09/04/2019</a:t>
+              <a:t>11/04/2019</a:t>
             </a:fld>
             <a:endParaRPr lang="fr-FR"/>
           </a:p>
@@ -465,9 +470,9 @@
 </p:notesMaster>
 </file>
 
-<file path=ppt/slideLayouts/slideLayout1.xml><?xml version="1.0" encoding="utf-8"?>
-<p:sldLayout xmlns:a="http://schemas.openxmlformats.org/drawingml/2006/main" xmlns:r="http://schemas.openxmlformats.org/officeDocument/2006/relationships" xmlns:p="http://schemas.openxmlformats.org/presentationml/2006/main" type="title" preserve="1">
-  <p:cSld name="Diapositive de titre">
+<file path=ppt/notesSlides/notesSlide1.xml><?xml version="1.0" encoding="utf-8"?>
+<p:notes xmlns:a="http://schemas.openxmlformats.org/drawingml/2006/main" xmlns:r="http://schemas.openxmlformats.org/officeDocument/2006/relationships" xmlns:p="http://schemas.openxmlformats.org/presentationml/2006/main">
+  <p:cSld>
     <p:spTree>
       <p:nvGrpSpPr>
         <p:cNvPr id="1" name=""/>
@@ -484,13 +489,1013 @@
       </p:grpSpPr>
       <p:sp>
         <p:nvSpPr>
-          <p:cNvPr id="2" name="Titre 1">
-            <a:extLst>
-              <a:ext uri="{FF2B5EF4-FFF2-40B4-BE49-F238E27FC236}">
-                <a16:creationId xmlns:a16="http://schemas.microsoft.com/office/drawing/2014/main" id="{43E5A40D-9016-4680-8B3E-716BDD33869E}"/>
-              </a:ext>
-            </a:extLst>
-          </p:cNvPr>
+          <p:cNvPr id="2" name="Espace réservé de l'image des diapositives 1"/>
+          <p:cNvSpPr>
+            <a:spLocks noGrp="1" noRot="1" noChangeAspect="1"/>
+          </p:cNvSpPr>
+          <p:nvPr>
+            <p:ph type="sldImg"/>
+          </p:nvPr>
+        </p:nvSpPr>
+        <p:spPr/>
+      </p:sp>
+      <p:sp>
+        <p:nvSpPr>
+          <p:cNvPr id="3" name="Espace réservé des notes 2"/>
+          <p:cNvSpPr>
+            <a:spLocks noGrp="1"/>
+          </p:cNvSpPr>
+          <p:nvPr>
+            <p:ph type="body" idx="1"/>
+          </p:nvPr>
+        </p:nvSpPr>
+        <p:spPr/>
+        <p:txBody>
+          <a:bodyPr/>
+          <a:lstStyle/>
+          <a:p>
+            <a:endParaRPr lang="en-GB" dirty="0"/>
+          </a:p>
+        </p:txBody>
+      </p:sp>
+      <p:sp>
+        <p:nvSpPr>
+          <p:cNvPr id="4" name="Espace réservé du numéro de diapositive 3"/>
+          <p:cNvSpPr>
+            <a:spLocks noGrp="1"/>
+          </p:cNvSpPr>
+          <p:nvPr>
+            <p:ph type="sldNum" sz="quarter" idx="5"/>
+          </p:nvPr>
+        </p:nvSpPr>
+        <p:spPr/>
+        <p:txBody>
+          <a:bodyPr/>
+          <a:lstStyle/>
+          <a:p>
+            <a:fld id="{5EE062EE-B787-4BCB-A918-211457510161}" type="slidenum">
+              <a:rPr lang="fr-FR" smtClean="0"/>
+              <a:t>2</a:t>
+            </a:fld>
+            <a:endParaRPr lang="fr-FR"/>
+          </a:p>
+        </p:txBody>
+      </p:sp>
+    </p:spTree>
+    <p:extLst>
+      <p:ext uri="{BB962C8B-B14F-4D97-AF65-F5344CB8AC3E}">
+        <p14:creationId xmlns:p14="http://schemas.microsoft.com/office/powerpoint/2010/main" val="1485614964"/>
+      </p:ext>
+    </p:extLst>
+  </p:cSld>
+  <p:clrMapOvr>
+    <a:masterClrMapping/>
+  </p:clrMapOvr>
+</p:notes>
+</file>
+
+<file path=ppt/notesSlides/notesSlide2.xml><?xml version="1.0" encoding="utf-8"?>
+<p:notes xmlns:a="http://schemas.openxmlformats.org/drawingml/2006/main" xmlns:r="http://schemas.openxmlformats.org/officeDocument/2006/relationships" xmlns:p="http://schemas.openxmlformats.org/presentationml/2006/main">
+  <p:cSld>
+    <p:spTree>
+      <p:nvGrpSpPr>
+        <p:cNvPr id="1" name=""/>
+        <p:cNvGrpSpPr/>
+        <p:nvPr/>
+      </p:nvGrpSpPr>
+      <p:grpSpPr>
+        <a:xfrm>
+          <a:off x="0" y="0"/>
+          <a:ext cx="0" cy="0"/>
+          <a:chOff x="0" y="0"/>
+          <a:chExt cx="0" cy="0"/>
+        </a:xfrm>
+      </p:grpSpPr>
+      <p:sp>
+        <p:nvSpPr>
+          <p:cNvPr id="2" name="Espace réservé de l'image des diapositives 1"/>
+          <p:cNvSpPr>
+            <a:spLocks noGrp="1" noRot="1" noChangeAspect="1"/>
+          </p:cNvSpPr>
+          <p:nvPr>
+            <p:ph type="sldImg"/>
+          </p:nvPr>
+        </p:nvSpPr>
+        <p:spPr/>
+      </p:sp>
+      <p:sp>
+        <p:nvSpPr>
+          <p:cNvPr id="3" name="Espace réservé des notes 2"/>
+          <p:cNvSpPr>
+            <a:spLocks noGrp="1"/>
+          </p:cNvSpPr>
+          <p:nvPr>
+            <p:ph type="body" idx="1"/>
+          </p:nvPr>
+        </p:nvSpPr>
+        <p:spPr/>
+        <p:txBody>
+          <a:bodyPr/>
+          <a:lstStyle/>
+          <a:p>
+            <a:r>
+              <a:rPr lang="en-GB" dirty="0"/>
+              <a:t>Maven -&gt; build tool</a:t>
+            </a:r>
+          </a:p>
+          <a:p>
+            <a:r>
+              <a:rPr lang="en-GB" dirty="0"/>
+              <a:t>Kafka -&gt; message broker </a:t>
+            </a:r>
+          </a:p>
+          <a:p>
+            <a:r>
+              <a:rPr lang="en-GB" dirty="0"/>
+              <a:t>Kong -&gt; </a:t>
+            </a:r>
+            <a:r>
+              <a:rPr lang="en-GB" dirty="0" err="1"/>
+              <a:t>Api</a:t>
+            </a:r>
+            <a:r>
+              <a:rPr lang="en-GB" dirty="0"/>
+              <a:t> gateway services</a:t>
+            </a:r>
+          </a:p>
+          <a:p>
+            <a:r>
+              <a:rPr lang="en-GB" dirty="0"/>
+              <a:t>Docker -&gt; Container</a:t>
+            </a:r>
+          </a:p>
+          <a:p>
+            <a:r>
+              <a:rPr lang="en-GB" dirty="0"/>
+              <a:t>Angular -&gt; Frontend</a:t>
+            </a:r>
+          </a:p>
+        </p:txBody>
+      </p:sp>
+      <p:sp>
+        <p:nvSpPr>
+          <p:cNvPr id="4" name="Espace réservé du numéro de diapositive 3"/>
+          <p:cNvSpPr>
+            <a:spLocks noGrp="1"/>
+          </p:cNvSpPr>
+          <p:nvPr>
+            <p:ph type="sldNum" sz="quarter" idx="5"/>
+          </p:nvPr>
+        </p:nvSpPr>
+        <p:spPr/>
+        <p:txBody>
+          <a:bodyPr/>
+          <a:lstStyle/>
+          <a:p>
+            <a:fld id="{5EE062EE-B787-4BCB-A918-211457510161}" type="slidenum">
+              <a:rPr lang="fr-FR" smtClean="0"/>
+              <a:t>3</a:t>
+            </a:fld>
+            <a:endParaRPr lang="fr-FR"/>
+          </a:p>
+        </p:txBody>
+      </p:sp>
+    </p:spTree>
+    <p:extLst>
+      <p:ext uri="{BB962C8B-B14F-4D97-AF65-F5344CB8AC3E}">
+        <p14:creationId xmlns:p14="http://schemas.microsoft.com/office/powerpoint/2010/main" val="1299115959"/>
+      </p:ext>
+    </p:extLst>
+  </p:cSld>
+  <p:clrMapOvr>
+    <a:masterClrMapping/>
+  </p:clrMapOvr>
+</p:notes>
+</file>
+
+<file path=ppt/notesSlides/notesSlide3.xml><?xml version="1.0" encoding="utf-8"?>
+<p:notes xmlns:a="http://schemas.openxmlformats.org/drawingml/2006/main" xmlns:r="http://schemas.openxmlformats.org/officeDocument/2006/relationships" xmlns:p="http://schemas.openxmlformats.org/presentationml/2006/main">
+  <p:cSld>
+    <p:spTree>
+      <p:nvGrpSpPr>
+        <p:cNvPr id="1" name=""/>
+        <p:cNvGrpSpPr/>
+        <p:nvPr/>
+      </p:nvGrpSpPr>
+      <p:grpSpPr>
+        <a:xfrm>
+          <a:off x="0" y="0"/>
+          <a:ext cx="0" cy="0"/>
+          <a:chOff x="0" y="0"/>
+          <a:chExt cx="0" cy="0"/>
+        </a:xfrm>
+      </p:grpSpPr>
+      <p:sp>
+        <p:nvSpPr>
+          <p:cNvPr id="2" name="Espace réservé de l'image des diapositives 1"/>
+          <p:cNvSpPr>
+            <a:spLocks noGrp="1" noRot="1" noChangeAspect="1"/>
+          </p:cNvSpPr>
+          <p:nvPr>
+            <p:ph type="sldImg"/>
+          </p:nvPr>
+        </p:nvSpPr>
+        <p:spPr/>
+      </p:sp>
+      <p:sp>
+        <p:nvSpPr>
+          <p:cNvPr id="3" name="Espace réservé des notes 2"/>
+          <p:cNvSpPr>
+            <a:spLocks noGrp="1"/>
+          </p:cNvSpPr>
+          <p:nvPr>
+            <p:ph type="body" idx="1"/>
+          </p:nvPr>
+        </p:nvSpPr>
+        <p:spPr/>
+        <p:txBody>
+          <a:bodyPr/>
+          <a:lstStyle/>
+          <a:p>
+            <a:r>
+              <a:rPr lang="en-GB" dirty="0"/>
+              <a:t>CONFLITS :</a:t>
+            </a:r>
+          </a:p>
+          <a:p>
+            <a:r>
+              <a:rPr lang="en-GB" dirty="0"/>
+              <a:t>-&gt; Impact : </a:t>
+            </a:r>
+            <a:r>
+              <a:rPr lang="en-GB" dirty="0" err="1"/>
+              <a:t>Peu</a:t>
+            </a:r>
+            <a:r>
+              <a:rPr lang="en-GB" dirty="0"/>
+              <a:t> </a:t>
+            </a:r>
+            <a:r>
+              <a:rPr lang="en-GB" dirty="0" err="1"/>
+              <a:t>avoir</a:t>
+            </a:r>
+            <a:r>
+              <a:rPr lang="en-GB" dirty="0"/>
+              <a:t> un </a:t>
+            </a:r>
+            <a:r>
+              <a:rPr lang="en-GB" dirty="0" err="1"/>
+              <a:t>gros</a:t>
+            </a:r>
+            <a:r>
+              <a:rPr lang="en-GB" dirty="0"/>
+              <a:t> impact sur le </a:t>
+            </a:r>
+            <a:r>
+              <a:rPr lang="en-GB" dirty="0" err="1"/>
+              <a:t>projet</a:t>
+            </a:r>
+            <a:endParaRPr lang="en-GB" dirty="0"/>
+          </a:p>
+          <a:p>
+            <a:r>
+              <a:rPr lang="en-GB" dirty="0"/>
+              <a:t>-&gt; </a:t>
+            </a:r>
+            <a:r>
+              <a:rPr lang="en-GB" dirty="0" err="1"/>
+              <a:t>Signes</a:t>
+            </a:r>
+            <a:r>
+              <a:rPr lang="en-GB" dirty="0"/>
+              <a:t> : Tension ca se </a:t>
+            </a:r>
+            <a:r>
+              <a:rPr lang="en-GB" dirty="0" err="1"/>
+              <a:t>voit</a:t>
+            </a:r>
+            <a:endParaRPr lang="en-GB" dirty="0"/>
+          </a:p>
+          <a:p>
+            <a:r>
+              <a:rPr lang="en-GB" dirty="0"/>
+              <a:t>-&gt; Faire </a:t>
+            </a:r>
+            <a:r>
+              <a:rPr lang="en-GB" dirty="0" err="1"/>
+              <a:t>en</a:t>
+            </a:r>
+            <a:r>
+              <a:rPr lang="en-GB" dirty="0"/>
+              <a:t> </a:t>
+            </a:r>
+            <a:r>
+              <a:rPr lang="en-GB" dirty="0" err="1"/>
+              <a:t>sorte</a:t>
+            </a:r>
+            <a:r>
+              <a:rPr lang="en-GB" dirty="0"/>
+              <a:t> que ca arrive pas : </a:t>
+            </a:r>
+            <a:r>
+              <a:rPr lang="en-GB" dirty="0" err="1"/>
+              <a:t>Communiquer</a:t>
+            </a:r>
+            <a:r>
+              <a:rPr lang="en-GB" dirty="0"/>
+              <a:t> entre </a:t>
+            </a:r>
+            <a:r>
+              <a:rPr lang="en-GB" dirty="0" err="1"/>
+              <a:t>collegues</a:t>
+            </a:r>
+            <a:r>
+              <a:rPr lang="en-GB" dirty="0"/>
+              <a:t> pour </a:t>
+            </a:r>
+            <a:r>
+              <a:rPr lang="en-GB" dirty="0" err="1"/>
+              <a:t>resoudre</a:t>
+            </a:r>
+            <a:r>
+              <a:rPr lang="en-GB" dirty="0"/>
+              <a:t> ca</a:t>
+            </a:r>
+          </a:p>
+          <a:p>
+            <a:r>
+              <a:rPr lang="en-GB" dirty="0"/>
+              <a:t>-&gt; Si jamais ca arrive plan B : faire des efforts, </a:t>
+            </a:r>
+            <a:r>
+              <a:rPr lang="en-GB" dirty="0" err="1"/>
+              <a:t>peut</a:t>
+            </a:r>
+            <a:r>
+              <a:rPr lang="en-GB" dirty="0"/>
+              <a:t> </a:t>
+            </a:r>
+            <a:r>
+              <a:rPr lang="en-GB" dirty="0" err="1"/>
+              <a:t>etre</a:t>
+            </a:r>
+            <a:r>
+              <a:rPr lang="en-GB" dirty="0"/>
+              <a:t> </a:t>
+            </a:r>
+            <a:r>
+              <a:rPr lang="en-GB" dirty="0" err="1"/>
+              <a:t>repartir</a:t>
+            </a:r>
+            <a:r>
+              <a:rPr lang="en-GB" dirty="0"/>
+              <a:t> les taches pour </a:t>
+            </a:r>
+            <a:r>
+              <a:rPr lang="en-GB" dirty="0" err="1"/>
+              <a:t>moins</a:t>
+            </a:r>
+            <a:r>
+              <a:rPr lang="en-GB" dirty="0"/>
+              <a:t> se </a:t>
+            </a:r>
+            <a:r>
+              <a:rPr lang="en-GB" dirty="0" err="1"/>
+              <a:t>voir</a:t>
+            </a:r>
+            <a:r>
+              <a:rPr lang="en-GB" dirty="0"/>
+              <a:t> =&gt; </a:t>
+            </a:r>
+            <a:r>
+              <a:rPr lang="en-GB" dirty="0" err="1"/>
+              <a:t>Favoriser</a:t>
+            </a:r>
+            <a:r>
+              <a:rPr lang="en-GB" dirty="0"/>
+              <a:t> la cohesion </a:t>
+            </a:r>
+          </a:p>
+          <a:p>
+            <a:endParaRPr lang="en-GB" dirty="0"/>
+          </a:p>
+          <a:p>
+            <a:endParaRPr lang="en-GB" dirty="0"/>
+          </a:p>
+          <a:p>
+            <a:r>
+              <a:rPr lang="en-GB" dirty="0"/>
+              <a:t>MALADIE :</a:t>
+            </a:r>
+          </a:p>
+          <a:p>
+            <a:r>
+              <a:rPr lang="en-GB" dirty="0"/>
+              <a:t>-&gt; Impact : </a:t>
+            </a:r>
+            <a:r>
+              <a:rPr lang="en-GB" dirty="0" err="1"/>
+              <a:t>Peu</a:t>
+            </a:r>
+            <a:r>
+              <a:rPr lang="en-GB" dirty="0"/>
+              <a:t> </a:t>
+            </a:r>
+            <a:r>
+              <a:rPr lang="en-GB" dirty="0" err="1"/>
+              <a:t>avoir</a:t>
+            </a:r>
+            <a:r>
+              <a:rPr lang="en-GB" dirty="0"/>
+              <a:t> un </a:t>
+            </a:r>
+            <a:r>
+              <a:rPr lang="en-GB" dirty="0" err="1"/>
+              <a:t>gros</a:t>
+            </a:r>
+            <a:r>
+              <a:rPr lang="en-GB" dirty="0"/>
+              <a:t> impact sur le </a:t>
+            </a:r>
+            <a:r>
+              <a:rPr lang="en-GB" dirty="0" err="1"/>
+              <a:t>projet</a:t>
+            </a:r>
+            <a:endParaRPr lang="en-GB" dirty="0"/>
+          </a:p>
+          <a:p>
+            <a:r>
+              <a:rPr lang="en-GB" dirty="0"/>
+              <a:t>-&gt; </a:t>
+            </a:r>
+            <a:r>
+              <a:rPr lang="en-GB" dirty="0" err="1"/>
+              <a:t>Signes</a:t>
+            </a:r>
+            <a:r>
+              <a:rPr lang="en-GB" dirty="0"/>
+              <a:t> : Bah </a:t>
+            </a:r>
+            <a:r>
+              <a:rPr lang="en-GB" dirty="0" err="1"/>
+              <a:t>y’en</a:t>
+            </a:r>
+            <a:r>
+              <a:rPr lang="en-GB" dirty="0"/>
+              <a:t> a un qui </a:t>
+            </a:r>
+            <a:r>
+              <a:rPr lang="en-GB" dirty="0" err="1"/>
+              <a:t>est</a:t>
+            </a:r>
+            <a:r>
+              <a:rPr lang="en-GB" dirty="0"/>
+              <a:t> pas la et qui a </a:t>
+            </a:r>
+            <a:r>
+              <a:rPr lang="en-GB" dirty="0" err="1"/>
+              <a:t>prevenu</a:t>
+            </a:r>
+            <a:endParaRPr lang="en-GB" dirty="0"/>
+          </a:p>
+          <a:p>
+            <a:r>
+              <a:rPr lang="en-GB" dirty="0"/>
+              <a:t>-&gt; Faire </a:t>
+            </a:r>
+            <a:r>
+              <a:rPr lang="en-GB" dirty="0" err="1"/>
+              <a:t>en</a:t>
+            </a:r>
+            <a:r>
+              <a:rPr lang="en-GB" dirty="0"/>
+              <a:t> </a:t>
+            </a:r>
+            <a:r>
+              <a:rPr lang="en-GB" dirty="0" err="1"/>
+              <a:t>sorte</a:t>
+            </a:r>
+            <a:r>
+              <a:rPr lang="en-GB" dirty="0"/>
+              <a:t> que ca arrive pas : On </a:t>
+            </a:r>
+            <a:r>
+              <a:rPr lang="en-GB" dirty="0" err="1"/>
+              <a:t>peut</a:t>
+            </a:r>
+            <a:r>
+              <a:rPr lang="en-GB" dirty="0"/>
+              <a:t> pas et </a:t>
+            </a:r>
+            <a:r>
+              <a:rPr lang="en-GB" dirty="0" err="1"/>
+              <a:t>si</a:t>
+            </a:r>
+            <a:r>
+              <a:rPr lang="en-GB" dirty="0"/>
+              <a:t> on </a:t>
+            </a:r>
+            <a:r>
+              <a:rPr lang="en-GB" dirty="0" err="1"/>
+              <a:t>est</a:t>
+            </a:r>
+            <a:r>
+              <a:rPr lang="en-GB" dirty="0"/>
+              <a:t> </a:t>
+            </a:r>
+            <a:r>
+              <a:rPr lang="en-GB" dirty="0" err="1"/>
+              <a:t>malade</a:t>
+            </a:r>
+            <a:r>
+              <a:rPr lang="en-GB" dirty="0"/>
+              <a:t> on </a:t>
+            </a:r>
+            <a:r>
+              <a:rPr lang="en-GB" dirty="0" err="1"/>
+              <a:t>reste</a:t>
+            </a:r>
+            <a:r>
+              <a:rPr lang="en-GB" dirty="0"/>
+              <a:t> chez </a:t>
+            </a:r>
+            <a:r>
+              <a:rPr lang="en-GB" dirty="0" err="1"/>
+              <a:t>soi</a:t>
+            </a:r>
+            <a:endParaRPr lang="en-GB" dirty="0"/>
+          </a:p>
+          <a:p>
+            <a:r>
+              <a:rPr lang="en-GB" dirty="0"/>
+              <a:t>-&gt; Si jamais ca arrive plan B : On se </a:t>
+            </a:r>
+            <a:r>
+              <a:rPr lang="en-GB" dirty="0" err="1"/>
+              <a:t>reparti</a:t>
+            </a:r>
+            <a:r>
+              <a:rPr lang="en-GB" dirty="0"/>
+              <a:t> le travail </a:t>
+            </a:r>
+            <a:r>
+              <a:rPr lang="en-GB" dirty="0" err="1"/>
+              <a:t>qu’il</a:t>
+            </a:r>
+            <a:r>
+              <a:rPr lang="en-GB" dirty="0"/>
+              <a:t> y </a:t>
+            </a:r>
+            <a:r>
+              <a:rPr lang="en-GB" dirty="0" err="1"/>
+              <a:t>avait</a:t>
+            </a:r>
+            <a:r>
+              <a:rPr lang="en-GB" dirty="0"/>
+              <a:t> a faire, </a:t>
+            </a:r>
+            <a:r>
+              <a:rPr lang="en-GB" dirty="0" err="1"/>
+              <a:t>si</a:t>
+            </a:r>
+            <a:r>
+              <a:rPr lang="en-GB" dirty="0"/>
+              <a:t> </a:t>
+            </a:r>
+            <a:r>
+              <a:rPr lang="en-GB" dirty="0" err="1"/>
+              <a:t>c’etati</a:t>
+            </a:r>
+            <a:r>
+              <a:rPr lang="en-GB" dirty="0"/>
+              <a:t> backend bah on </a:t>
+            </a:r>
+            <a:r>
+              <a:rPr lang="en-GB" dirty="0" err="1"/>
+              <a:t>aidera</a:t>
+            </a:r>
+            <a:r>
+              <a:rPr lang="en-GB" dirty="0"/>
+              <a:t> le backend</a:t>
+            </a:r>
+          </a:p>
+          <a:p>
+            <a:endParaRPr lang="en-GB" dirty="0"/>
+          </a:p>
+          <a:p>
+            <a:endParaRPr lang="en-GB" dirty="0"/>
+          </a:p>
+          <a:p>
+            <a:r>
+              <a:rPr lang="en-GB" dirty="0"/>
+              <a:t>TECHNOLOGIES :</a:t>
+            </a:r>
+          </a:p>
+          <a:p>
+            <a:r>
+              <a:rPr lang="en-GB" dirty="0"/>
+              <a:t>-&gt; Impact : </a:t>
+            </a:r>
+            <a:r>
+              <a:rPr lang="en-GB" dirty="0" err="1"/>
+              <a:t>Peu</a:t>
+            </a:r>
+            <a:r>
+              <a:rPr lang="en-GB" dirty="0"/>
+              <a:t> </a:t>
+            </a:r>
+            <a:r>
+              <a:rPr lang="en-GB" dirty="0" err="1"/>
+              <a:t>avoir</a:t>
+            </a:r>
+            <a:r>
+              <a:rPr lang="en-GB" dirty="0"/>
+              <a:t> un </a:t>
+            </a:r>
+            <a:r>
+              <a:rPr lang="en-GB" dirty="0" err="1"/>
+              <a:t>gros</a:t>
+            </a:r>
+            <a:r>
+              <a:rPr lang="en-GB" dirty="0"/>
+              <a:t> impact sur le </a:t>
+            </a:r>
+            <a:r>
+              <a:rPr lang="en-GB" dirty="0" err="1"/>
+              <a:t>projet</a:t>
+            </a:r>
+            <a:endParaRPr lang="en-GB" dirty="0"/>
+          </a:p>
+          <a:p>
+            <a:r>
+              <a:rPr lang="en-GB" dirty="0"/>
+              <a:t>-&gt; </a:t>
+            </a:r>
+            <a:r>
+              <a:rPr lang="en-GB" dirty="0" err="1"/>
+              <a:t>Signes</a:t>
+            </a:r>
+            <a:r>
+              <a:rPr lang="en-GB" dirty="0"/>
+              <a:t> : </a:t>
+            </a:r>
+            <a:r>
+              <a:rPr lang="en-GB" dirty="0" err="1"/>
+              <a:t>Quelqu’un</a:t>
+            </a:r>
+            <a:r>
+              <a:rPr lang="en-GB" dirty="0"/>
+              <a:t> qui </a:t>
+            </a:r>
+            <a:r>
+              <a:rPr lang="en-GB" dirty="0" err="1"/>
+              <a:t>est</a:t>
+            </a:r>
+            <a:r>
+              <a:rPr lang="en-GB" dirty="0"/>
+              <a:t> </a:t>
+            </a:r>
+            <a:r>
+              <a:rPr lang="en-GB" dirty="0" err="1"/>
+              <a:t>en</a:t>
+            </a:r>
+            <a:r>
+              <a:rPr lang="en-GB" dirty="0"/>
+              <a:t> </a:t>
+            </a:r>
+            <a:r>
+              <a:rPr lang="en-GB" dirty="0" err="1"/>
+              <a:t>galere</a:t>
+            </a:r>
+            <a:r>
+              <a:rPr lang="en-GB" dirty="0"/>
+              <a:t> </a:t>
+            </a:r>
+          </a:p>
+          <a:p>
+            <a:r>
+              <a:rPr lang="en-GB" dirty="0"/>
+              <a:t>-&gt; Faire </a:t>
+            </a:r>
+            <a:r>
+              <a:rPr lang="en-GB" dirty="0" err="1"/>
+              <a:t>en</a:t>
+            </a:r>
+            <a:r>
+              <a:rPr lang="en-GB" dirty="0"/>
+              <a:t> </a:t>
+            </a:r>
+            <a:r>
+              <a:rPr lang="en-GB" dirty="0" err="1"/>
+              <a:t>sorte</a:t>
+            </a:r>
+            <a:r>
+              <a:rPr lang="en-GB" dirty="0"/>
+              <a:t> que ca arrive pas : Dire a la team </a:t>
+            </a:r>
+            <a:r>
+              <a:rPr lang="en-GB" dirty="0" err="1"/>
+              <a:t>si</a:t>
+            </a:r>
+            <a:r>
+              <a:rPr lang="en-GB" dirty="0"/>
+              <a:t> </a:t>
+            </a:r>
+            <a:r>
+              <a:rPr lang="en-GB" dirty="0" err="1"/>
+              <a:t>y’a</a:t>
+            </a:r>
+            <a:r>
+              <a:rPr lang="en-GB" dirty="0"/>
+              <a:t> des pb de comprehension =&gt; </a:t>
+            </a:r>
+            <a:r>
+              <a:rPr lang="en-GB" dirty="0" err="1"/>
+              <a:t>vraiment</a:t>
+            </a:r>
+            <a:r>
+              <a:rPr lang="en-GB" dirty="0"/>
+              <a:t> </a:t>
+            </a:r>
+            <a:r>
+              <a:rPr lang="en-GB" dirty="0" err="1"/>
+              <a:t>communiquer</a:t>
+            </a:r>
+            <a:endParaRPr lang="en-GB" dirty="0"/>
+          </a:p>
+          <a:p>
+            <a:r>
+              <a:rPr lang="en-GB" dirty="0"/>
+              <a:t>-&gt; Si jamais ca arrive plan B :Si </a:t>
+            </a:r>
+            <a:r>
+              <a:rPr lang="en-GB" dirty="0" err="1"/>
+              <a:t>il</a:t>
+            </a:r>
+            <a:r>
+              <a:rPr lang="en-GB" dirty="0"/>
+              <a:t> </a:t>
+            </a:r>
+            <a:r>
+              <a:rPr lang="en-GB" dirty="0" err="1"/>
+              <a:t>reste</a:t>
+            </a:r>
+            <a:r>
+              <a:rPr lang="en-GB" dirty="0"/>
+              <a:t> du temps : </a:t>
+            </a:r>
+            <a:r>
+              <a:rPr lang="en-GB" dirty="0" err="1"/>
+              <a:t>chagner</a:t>
+            </a:r>
+            <a:r>
+              <a:rPr lang="en-GB" dirty="0"/>
+              <a:t> de </a:t>
+            </a:r>
+            <a:r>
+              <a:rPr lang="en-GB" dirty="0" err="1"/>
+              <a:t>technologie</a:t>
+            </a:r>
+            <a:r>
+              <a:rPr lang="en-GB" dirty="0"/>
+              <a:t>, </a:t>
+            </a:r>
+            <a:r>
+              <a:rPr lang="en-GB" dirty="0" err="1"/>
+              <a:t>sino</a:t>
+            </a:r>
+            <a:r>
+              <a:rPr lang="en-GB" dirty="0"/>
+              <a:t> </a:t>
+            </a:r>
+            <a:r>
+              <a:rPr lang="en-GB" dirty="0" err="1"/>
+              <a:t>ntryhard</a:t>
+            </a:r>
+            <a:r>
+              <a:rPr lang="en-GB" dirty="0"/>
+              <a:t> </a:t>
+            </a:r>
+            <a:r>
+              <a:rPr lang="en-GB" dirty="0" err="1"/>
+              <a:t>en</a:t>
+            </a:r>
+            <a:r>
+              <a:rPr lang="en-GB" dirty="0"/>
+              <a:t> team la </a:t>
+            </a:r>
+            <a:r>
+              <a:rPr lang="en-GB" dirty="0" err="1"/>
+              <a:t>comphrension</a:t>
+            </a:r>
+            <a:endParaRPr lang="en-GB" dirty="0"/>
+          </a:p>
+          <a:p>
+            <a:endParaRPr lang="en-GB" dirty="0"/>
+          </a:p>
+          <a:p>
+            <a:endParaRPr lang="en-GB" dirty="0"/>
+          </a:p>
+          <a:p>
+            <a:r>
+              <a:rPr lang="en-GB" dirty="0"/>
+              <a:t>TEMPS :</a:t>
+            </a:r>
+          </a:p>
+          <a:p>
+            <a:r>
+              <a:rPr lang="en-GB" dirty="0"/>
+              <a:t>-&gt; Impact : </a:t>
+            </a:r>
+            <a:r>
+              <a:rPr lang="en-GB" dirty="0" err="1"/>
+              <a:t>Peu</a:t>
+            </a:r>
+            <a:r>
+              <a:rPr lang="en-GB" dirty="0"/>
+              <a:t> </a:t>
+            </a:r>
+            <a:r>
+              <a:rPr lang="en-GB" dirty="0" err="1"/>
+              <a:t>avoir</a:t>
+            </a:r>
+            <a:r>
+              <a:rPr lang="en-GB" dirty="0"/>
+              <a:t> un </a:t>
+            </a:r>
+            <a:r>
+              <a:rPr lang="en-GB" dirty="0" err="1"/>
+              <a:t>gros</a:t>
+            </a:r>
+            <a:r>
+              <a:rPr lang="en-GB" dirty="0"/>
+              <a:t> impact sur le </a:t>
+            </a:r>
+            <a:r>
+              <a:rPr lang="en-GB" dirty="0" err="1"/>
+              <a:t>projet</a:t>
+            </a:r>
+            <a:endParaRPr lang="en-GB" dirty="0"/>
+          </a:p>
+          <a:p>
+            <a:r>
+              <a:rPr lang="en-GB" dirty="0"/>
+              <a:t>-&gt; </a:t>
+            </a:r>
+            <a:r>
+              <a:rPr lang="en-GB" dirty="0" err="1"/>
+              <a:t>Signes</a:t>
+            </a:r>
+            <a:r>
+              <a:rPr lang="en-GB" dirty="0"/>
+              <a:t> : Il </a:t>
+            </a:r>
+            <a:r>
+              <a:rPr lang="en-GB" dirty="0" err="1"/>
+              <a:t>reste</a:t>
+            </a:r>
+            <a:r>
+              <a:rPr lang="en-GB" dirty="0"/>
+              <a:t> 2 </a:t>
+            </a:r>
+            <a:r>
+              <a:rPr lang="en-GB" dirty="0" err="1"/>
+              <a:t>semaines</a:t>
+            </a:r>
+            <a:r>
+              <a:rPr lang="en-GB" dirty="0"/>
+              <a:t> et 3 microservices a implementer</a:t>
+            </a:r>
+          </a:p>
+          <a:p>
+            <a:r>
+              <a:rPr lang="en-GB" dirty="0"/>
+              <a:t>-&gt; Faire </a:t>
+            </a:r>
+            <a:r>
+              <a:rPr lang="en-GB" dirty="0" err="1"/>
+              <a:t>en</a:t>
+            </a:r>
+            <a:r>
+              <a:rPr lang="en-GB" dirty="0"/>
+              <a:t> </a:t>
+            </a:r>
+            <a:r>
+              <a:rPr lang="en-GB" dirty="0" err="1"/>
+              <a:t>sorte</a:t>
+            </a:r>
+            <a:r>
+              <a:rPr lang="en-GB" dirty="0"/>
+              <a:t> que ca arrive pas : </a:t>
+            </a:r>
+            <a:r>
+              <a:rPr lang="en-GB" dirty="0" err="1"/>
+              <a:t>Voir</a:t>
+            </a:r>
+            <a:r>
+              <a:rPr lang="en-GB" dirty="0"/>
+              <a:t> </a:t>
+            </a:r>
+            <a:r>
+              <a:rPr lang="en-GB" dirty="0" err="1"/>
+              <a:t>l’avancee</a:t>
+            </a:r>
+            <a:r>
+              <a:rPr lang="en-GB" dirty="0"/>
+              <a:t> du </a:t>
+            </a:r>
+            <a:r>
+              <a:rPr lang="en-GB" dirty="0" err="1"/>
+              <a:t>projet</a:t>
+            </a:r>
+            <a:r>
+              <a:rPr lang="en-GB" dirty="0"/>
+              <a:t> tout au long, avec velocity burndown chart par </a:t>
+            </a:r>
+            <a:r>
+              <a:rPr lang="en-GB" dirty="0" err="1"/>
+              <a:t>exemple</a:t>
+            </a:r>
+            <a:r>
+              <a:rPr lang="en-GB" dirty="0"/>
+              <a:t>..</a:t>
+            </a:r>
+          </a:p>
+          <a:p>
+            <a:r>
+              <a:rPr lang="en-GB" dirty="0"/>
+              <a:t>-&gt; Si jamais ca arrive plan B : On set up des priorities a implementer, faire le maximum</a:t>
+            </a:r>
+          </a:p>
+          <a:p>
+            <a:endParaRPr lang="en-GB" dirty="0"/>
+          </a:p>
+        </p:txBody>
+      </p:sp>
+      <p:sp>
+        <p:nvSpPr>
+          <p:cNvPr id="4" name="Espace réservé du numéro de diapositive 3"/>
+          <p:cNvSpPr>
+            <a:spLocks noGrp="1"/>
+          </p:cNvSpPr>
+          <p:nvPr>
+            <p:ph type="sldNum" sz="quarter" idx="5"/>
+          </p:nvPr>
+        </p:nvSpPr>
+        <p:spPr/>
+        <p:txBody>
+          <a:bodyPr/>
+          <a:lstStyle/>
+          <a:p>
+            <a:fld id="{5EE062EE-B787-4BCB-A918-211457510161}" type="slidenum">
+              <a:rPr lang="fr-FR" smtClean="0"/>
+              <a:t>7</a:t>
+            </a:fld>
+            <a:endParaRPr lang="fr-FR"/>
+          </a:p>
+        </p:txBody>
+      </p:sp>
+    </p:spTree>
+    <p:extLst>
+      <p:ext uri="{BB962C8B-B14F-4D97-AF65-F5344CB8AC3E}">
+        <p14:creationId xmlns:p14="http://schemas.microsoft.com/office/powerpoint/2010/main" val="1730301270"/>
+      </p:ext>
+    </p:extLst>
+  </p:cSld>
+  <p:clrMapOvr>
+    <a:masterClrMapping/>
+  </p:clrMapOvr>
+</p:notes>
+</file>
+
+<file path=ppt/slideLayouts/slideLayout1.xml><?xml version="1.0" encoding="utf-8"?>
+<p:sldLayout xmlns:a="http://schemas.openxmlformats.org/drawingml/2006/main" xmlns:r="http://schemas.openxmlformats.org/officeDocument/2006/relationships" xmlns:p="http://schemas.openxmlformats.org/presentationml/2006/main" showMasterSp="0" type="title" preserve="1">
+  <p:cSld name="Diapositive de titre">
+    <p:bg>
+      <p:bgPr>
+        <a:solidFill>
+          <a:schemeClr val="bg2"/>
+        </a:solidFill>
+        <a:effectLst/>
+      </p:bgPr>
+    </p:bg>
+    <p:spTree>
+      <p:nvGrpSpPr>
+        <p:cNvPr id="1" name=""/>
+        <p:cNvGrpSpPr/>
+        <p:nvPr/>
+      </p:nvGrpSpPr>
+      <p:grpSpPr>
+        <a:xfrm>
+          <a:off x="0" y="0"/>
+          <a:ext cx="0" cy="0"/>
+          <a:chOff x="0" y="0"/>
+          <a:chExt cx="0" cy="0"/>
+        </a:xfrm>
+      </p:grpSpPr>
+      <p:sp>
+        <p:nvSpPr>
+          <p:cNvPr id="2" name="Title 1"/>
           <p:cNvSpPr>
             <a:spLocks noGrp="1"/>
           </p:cNvSpPr>
@@ -500,15 +1505,21 @@
         </p:nvSpPr>
         <p:spPr>
           <a:xfrm>
-            <a:off x="1524000" y="1122363"/>
-            <a:ext cx="9144000" cy="2387600"/>
+            <a:off x="1915128" y="1788454"/>
+            <a:ext cx="8361229" cy="2098226"/>
           </a:xfrm>
         </p:spPr>
         <p:txBody>
-          <a:bodyPr anchor="b"/>
+          <a:bodyPr anchor="b">
+            <a:noAutofit/>
+          </a:bodyPr>
           <a:lstStyle>
             <a:lvl1pPr algn="ctr">
-              <a:defRPr sz="6000"/>
+              <a:defRPr sz="7200" cap="all" baseline="0">
+                <a:solidFill>
+                  <a:schemeClr val="tx2"/>
+                </a:solidFill>
+              </a:defRPr>
             </a:lvl1pPr>
           </a:lstStyle>
           <a:p>
@@ -516,18 +1527,13 @@
               <a:rPr lang="fr-FR"/>
               <a:t>Modifiez le style du titre</a:t>
             </a:r>
-          </a:p>
-        </p:txBody>
-      </p:sp>
-      <p:sp>
-        <p:nvSpPr>
-          <p:cNvPr id="3" name="Sous-titre 2">
-            <a:extLst>
-              <a:ext uri="{FF2B5EF4-FFF2-40B4-BE49-F238E27FC236}">
-                <a16:creationId xmlns:a16="http://schemas.microsoft.com/office/drawing/2014/main" id="{ED85F05C-1027-4ED9-8045-DFAE11E92810}"/>
-              </a:ext>
-            </a:extLst>
-          </p:cNvPr>
+            <a:endParaRPr lang="en-US" dirty="0"/>
+          </a:p>
+        </p:txBody>
+      </p:sp>
+      <p:sp>
+        <p:nvSpPr>
+          <p:cNvPr id="3" name="Subtitle 2"/>
           <p:cNvSpPr>
             <a:spLocks noGrp="1"/>
           </p:cNvSpPr>
@@ -537,16 +1543,27 @@
         </p:nvSpPr>
         <p:spPr>
           <a:xfrm>
-            <a:off x="1524000" y="3602038"/>
-            <a:ext cx="9144000" cy="1655762"/>
+            <a:off x="2679906" y="3956279"/>
+            <a:ext cx="6831673" cy="1086237"/>
           </a:xfrm>
         </p:spPr>
         <p:txBody>
-          <a:bodyPr/>
+          <a:bodyPr>
+            <a:normAutofit/>
+          </a:bodyPr>
           <a:lstStyle>
             <a:lvl1pPr marL="0" indent="0" algn="ctr">
+              <a:lnSpc>
+                <a:spcPct val="112000"/>
+              </a:lnSpc>
+              <a:spcBef>
+                <a:spcPts val="0"/>
+              </a:spcBef>
+              <a:spcAft>
+                <a:spcPts val="0"/>
+              </a:spcAft>
               <a:buNone/>
-              <a:defRPr sz="2400"/>
+              <a:defRPr sz="2300"/>
             </a:lvl1pPr>
             <a:lvl2pPr marL="457200" indent="0" algn="ctr">
               <a:buNone/>
@@ -586,18 +1603,13 @@
               <a:rPr lang="fr-FR"/>
               <a:t>Modifiez le style des sous-titres du masque</a:t>
             </a:r>
-          </a:p>
-        </p:txBody>
-      </p:sp>
-      <p:sp>
-        <p:nvSpPr>
-          <p:cNvPr id="4" name="Espace réservé de la date 3">
-            <a:extLst>
-              <a:ext uri="{FF2B5EF4-FFF2-40B4-BE49-F238E27FC236}">
-                <a16:creationId xmlns:a16="http://schemas.microsoft.com/office/drawing/2014/main" id="{E6C3590C-6196-4413-95C5-350667FCA267}"/>
-              </a:ext>
-            </a:extLst>
-          </p:cNvPr>
+            <a:endParaRPr lang="en-US" dirty="0"/>
+          </a:p>
+        </p:txBody>
+      </p:sp>
+      <p:sp>
+        <p:nvSpPr>
+          <p:cNvPr id="4" name="Date Placeholder 3"/>
           <p:cNvSpPr>
             <a:spLocks noGrp="1"/>
           </p:cNvSpPr>
@@ -605,14 +1617,27 @@
             <p:ph type="dt" sz="half" idx="10"/>
           </p:nvPr>
         </p:nvSpPr>
-        <p:spPr/>
+        <p:spPr>
+          <a:xfrm>
+            <a:off x="752858" y="6453386"/>
+            <a:ext cx="1607944" cy="404614"/>
+          </a:xfrm>
+        </p:spPr>
         <p:txBody>
           <a:bodyPr/>
-          <a:lstStyle/>
+          <a:lstStyle>
+            <a:lvl1pPr>
+              <a:defRPr baseline="0">
+                <a:solidFill>
+                  <a:schemeClr val="tx2"/>
+                </a:solidFill>
+              </a:defRPr>
+            </a:lvl1pPr>
+          </a:lstStyle>
           <a:p>
             <a:fld id="{1B498702-ED62-466F-973F-6AF7CFD9E4D1}" type="datetime1">
               <a:rPr lang="fr-FR" smtClean="0"/>
-              <a:t>09/04/2019</a:t>
+              <a:t>11/04/2019</a:t>
             </a:fld>
             <a:endParaRPr lang="fr-FR"/>
           </a:p>
@@ -620,13 +1645,7 @@
       </p:sp>
       <p:sp>
         <p:nvSpPr>
-          <p:cNvPr id="5" name="Espace réservé du pied de page 4">
-            <a:extLst>
-              <a:ext uri="{FF2B5EF4-FFF2-40B4-BE49-F238E27FC236}">
-                <a16:creationId xmlns:a16="http://schemas.microsoft.com/office/drawing/2014/main" id="{E4DCF7DE-D536-4F20-BA41-9A8D38C17F06}"/>
-              </a:ext>
-            </a:extLst>
-          </p:cNvPr>
+          <p:cNvPr id="5" name="Footer Placeholder 4"/>
           <p:cNvSpPr>
             <a:spLocks noGrp="1"/>
           </p:cNvSpPr>
@@ -634,10 +1653,23 @@
             <p:ph type="ftr" sz="quarter" idx="11"/>
           </p:nvPr>
         </p:nvSpPr>
-        <p:spPr/>
+        <p:spPr>
+          <a:xfrm>
+            <a:off x="2584054" y="6453386"/>
+            <a:ext cx="7023377" cy="404614"/>
+          </a:xfrm>
+        </p:spPr>
         <p:txBody>
           <a:bodyPr/>
-          <a:lstStyle/>
+          <a:lstStyle>
+            <a:lvl1pPr algn="ctr">
+              <a:defRPr baseline="0">
+                <a:solidFill>
+                  <a:schemeClr val="tx2"/>
+                </a:solidFill>
+              </a:defRPr>
+            </a:lvl1pPr>
+          </a:lstStyle>
           <a:p>
             <a:endParaRPr lang="fr-FR"/>
           </a:p>
@@ -645,13 +1677,7 @@
       </p:sp>
       <p:sp>
         <p:nvSpPr>
-          <p:cNvPr id="6" name="Espace réservé du numéro de diapositive 5">
-            <a:extLst>
-              <a:ext uri="{FF2B5EF4-FFF2-40B4-BE49-F238E27FC236}">
-                <a16:creationId xmlns:a16="http://schemas.microsoft.com/office/drawing/2014/main" id="{B6B60707-9F8C-4B5B-BFBF-B331A23171CD}"/>
-              </a:ext>
-            </a:extLst>
-          </p:cNvPr>
+          <p:cNvPr id="6" name="Slide Number Placeholder 5"/>
           <p:cNvSpPr>
             <a:spLocks noGrp="1"/>
           </p:cNvSpPr>
@@ -659,10 +1685,23 @@
             <p:ph type="sldNum" sz="quarter" idx="12"/>
           </p:nvPr>
         </p:nvSpPr>
-        <p:spPr/>
+        <p:spPr>
+          <a:xfrm>
+            <a:off x="9830683" y="6453386"/>
+            <a:ext cx="1596292" cy="404614"/>
+          </a:xfrm>
+        </p:spPr>
         <p:txBody>
           <a:bodyPr/>
-          <a:lstStyle/>
+          <a:lstStyle>
+            <a:lvl1pPr>
+              <a:defRPr baseline="0">
+                <a:solidFill>
+                  <a:schemeClr val="tx2"/>
+                </a:solidFill>
+              </a:defRPr>
+            </a:lvl1pPr>
+          </a:lstStyle>
           <a:p>
             <a:fld id="{3129B59D-1082-45EE-B7B3-5CCEC6A72756}" type="slidenum">
               <a:rPr lang="fr-FR" smtClean="0"/>
@@ -672,15 +1711,144 @@
           </a:p>
         </p:txBody>
       </p:sp>
+      <p:grpSp>
+        <p:nvGrpSpPr>
+          <p:cNvPr id="7" name="Group 6"/>
+          <p:cNvGrpSpPr/>
+          <p:nvPr/>
+        </p:nvGrpSpPr>
+        <p:grpSpPr>
+          <a:xfrm>
+            <a:off x="752858" y="744469"/>
+            <a:ext cx="10674117" cy="5349671"/>
+            <a:chOff x="752858" y="744469"/>
+            <a:chExt cx="10674117" cy="5349671"/>
+          </a:xfrm>
+        </p:grpSpPr>
+        <p:sp>
+          <p:nvSpPr>
+            <p:cNvPr id="11" name="Freeform 6"/>
+            <p:cNvSpPr/>
+            <p:nvPr/>
+          </p:nvSpPr>
+          <p:spPr bwMode="auto">
+            <a:xfrm>
+              <a:off x="8151962" y="1685652"/>
+              <a:ext cx="3275013" cy="4408488"/>
+            </a:xfrm>
+            <a:custGeom>
+              <a:avLst/>
+              <a:gdLst/>
+              <a:ahLst/>
+              <a:cxnLst/>
+              <a:rect l="l" t="t" r="r" b="b"/>
+              <a:pathLst>
+                <a:path w="10000" h="10000">
+                  <a:moveTo>
+                    <a:pt x="8761" y="0"/>
+                  </a:moveTo>
+                  <a:lnTo>
+                    <a:pt x="10000" y="0"/>
+                  </a:lnTo>
+                  <a:lnTo>
+                    <a:pt x="10000" y="10000"/>
+                  </a:lnTo>
+                  <a:lnTo>
+                    <a:pt x="0" y="10000"/>
+                  </a:lnTo>
+                  <a:lnTo>
+                    <a:pt x="0" y="9126"/>
+                  </a:lnTo>
+                  <a:lnTo>
+                    <a:pt x="8761" y="9127"/>
+                  </a:lnTo>
+                  <a:lnTo>
+                    <a:pt x="8761" y="0"/>
+                  </a:lnTo>
+                  <a:close/>
+                </a:path>
+              </a:pathLst>
+            </a:custGeom>
+            <a:solidFill>
+              <a:schemeClr val="tx2"/>
+            </a:solidFill>
+            <a:ln w="0">
+              <a:noFill/>
+              <a:prstDash val="solid"/>
+              <a:round/>
+              <a:headEnd/>
+              <a:tailEnd/>
+            </a:ln>
+          </p:spPr>
+        </p:sp>
+        <p:sp>
+          <p:nvSpPr>
+            <p:cNvPr id="14" name="Freeform 6"/>
+            <p:cNvSpPr/>
+            <p:nvPr/>
+          </p:nvSpPr>
+          <p:spPr bwMode="auto">
+            <a:xfrm flipH="1" flipV="1">
+              <a:off x="752858" y="744469"/>
+              <a:ext cx="3275668" cy="4408488"/>
+            </a:xfrm>
+            <a:custGeom>
+              <a:avLst/>
+              <a:gdLst/>
+              <a:ahLst/>
+              <a:cxnLst/>
+              <a:rect l="l" t="t" r="r" b="b"/>
+              <a:pathLst>
+                <a:path w="10002" h="10000">
+                  <a:moveTo>
+                    <a:pt x="8763" y="0"/>
+                  </a:moveTo>
+                  <a:lnTo>
+                    <a:pt x="10002" y="0"/>
+                  </a:lnTo>
+                  <a:lnTo>
+                    <a:pt x="10002" y="10000"/>
+                  </a:lnTo>
+                  <a:lnTo>
+                    <a:pt x="2" y="10000"/>
+                  </a:lnTo>
+                  <a:cubicBezTo>
+                    <a:pt x="-2" y="9698"/>
+                    <a:pt x="4" y="9427"/>
+                    <a:pt x="0" y="9125"/>
+                  </a:cubicBezTo>
+                  <a:lnTo>
+                    <a:pt x="8763" y="9128"/>
+                  </a:lnTo>
+                  <a:lnTo>
+                    <a:pt x="8763" y="0"/>
+                  </a:lnTo>
+                  <a:close/>
+                </a:path>
+              </a:pathLst>
+            </a:custGeom>
+            <a:solidFill>
+              <a:schemeClr val="tx2"/>
+            </a:solidFill>
+            <a:ln w="0">
+              <a:noFill/>
+              <a:prstDash val="solid"/>
+              <a:round/>
+              <a:headEnd/>
+              <a:tailEnd/>
+            </a:ln>
+          </p:spPr>
+        </p:sp>
+      </p:grpSp>
     </p:spTree>
     <p:extLst>
       <p:ext uri="{BB962C8B-B14F-4D97-AF65-F5344CB8AC3E}">
-        <p14:creationId xmlns:p14="http://schemas.microsoft.com/office/powerpoint/2010/main" val="659583200"/>
+        <p14:creationId xmlns:p14="http://schemas.microsoft.com/office/powerpoint/2010/main" val="2116400279"/>
       </p:ext>
     </p:extLst>
   </p:cSld>
   <p:clrMapOvr>
-    <a:masterClrMapping/>
+    <a:overrideClrMapping bg1="lt1" tx1="dk1" bg2="lt2" tx2="dk2" accent1="accent1" accent2="accent2" accent3="accent3" accent4="accent4" accent5="accent5" accent6="accent6" hlink="hlink" folHlink="folHlink"/>
   </p:clrMapOvr>
 </p:sldLayout>
 </file>
@@ -704,13 +1872,7 @@
       </p:grpSpPr>
       <p:sp>
         <p:nvSpPr>
-          <p:cNvPr id="2" name="Titre 1">
-            <a:extLst>
-              <a:ext uri="{FF2B5EF4-FFF2-40B4-BE49-F238E27FC236}">
-                <a16:creationId xmlns:a16="http://schemas.microsoft.com/office/drawing/2014/main" id="{65159B80-FCB7-495A-9052-4FCB9AD3E0E2}"/>
-              </a:ext>
-            </a:extLst>
-          </p:cNvPr>
+          <p:cNvPr id="2" name="Title 1"/>
           <p:cNvSpPr>
             <a:spLocks noGrp="1"/>
           </p:cNvSpPr>
@@ -727,18 +1889,13 @@
               <a:rPr lang="fr-FR"/>
               <a:t>Modifiez le style du titre</a:t>
             </a:r>
-          </a:p>
-        </p:txBody>
-      </p:sp>
-      <p:sp>
-        <p:nvSpPr>
-          <p:cNvPr id="3" name="Espace réservé du texte vertical 2">
-            <a:extLst>
-              <a:ext uri="{FF2B5EF4-FFF2-40B4-BE49-F238E27FC236}">
-                <a16:creationId xmlns:a16="http://schemas.microsoft.com/office/drawing/2014/main" id="{570DADE9-F03A-4F7F-A65E-F4560A9414B3}"/>
-              </a:ext>
-            </a:extLst>
-          </p:cNvPr>
+            <a:endParaRPr lang="en-US" dirty="0"/>
+          </a:p>
+        </p:txBody>
+      </p:sp>
+      <p:sp>
+        <p:nvSpPr>
+          <p:cNvPr id="3" name="Vertical Text Placeholder 2"/>
           <p:cNvSpPr>
             <a:spLocks noGrp="1"/>
           </p:cNvSpPr>
@@ -746,7 +1903,12 @@
             <p:ph type="body" orient="vert" idx="1"/>
           </p:nvPr>
         </p:nvSpPr>
-        <p:spPr/>
+        <p:spPr>
+          <a:xfrm>
+            <a:off x="1371600" y="2295525"/>
+            <a:ext cx="9601200" cy="3571875"/>
+          </a:xfrm>
+        </p:spPr>
         <p:txBody>
           <a:bodyPr vert="eaVert"/>
           <a:lstStyle/>
@@ -784,18 +1946,13 @@
               <a:rPr lang="fr-FR"/>
               <a:t>Cinquième niveau</a:t>
             </a:r>
-          </a:p>
-        </p:txBody>
-      </p:sp>
-      <p:sp>
-        <p:nvSpPr>
-          <p:cNvPr id="4" name="Espace réservé de la date 3">
-            <a:extLst>
-              <a:ext uri="{FF2B5EF4-FFF2-40B4-BE49-F238E27FC236}">
-                <a16:creationId xmlns:a16="http://schemas.microsoft.com/office/drawing/2014/main" id="{1B26F9C8-68F1-41DB-9940-7D2243FB6618}"/>
-              </a:ext>
-            </a:extLst>
-          </p:cNvPr>
+            <a:endParaRPr lang="en-US" dirty="0"/>
+          </a:p>
+        </p:txBody>
+      </p:sp>
+      <p:sp>
+        <p:nvSpPr>
+          <p:cNvPr id="4" name="Date Placeholder 3"/>
           <p:cNvSpPr>
             <a:spLocks noGrp="1"/>
           </p:cNvSpPr>
@@ -810,7 +1967,7 @@
           <a:p>
             <a:fld id="{A4EE47B1-3242-4C47-BD9E-CF6B7814BC05}" type="datetime1">
               <a:rPr lang="fr-FR" smtClean="0"/>
-              <a:t>09/04/2019</a:t>
+              <a:t>11/04/2019</a:t>
             </a:fld>
             <a:endParaRPr lang="fr-FR"/>
           </a:p>
@@ -818,13 +1975,7 @@
       </p:sp>
       <p:sp>
         <p:nvSpPr>
-          <p:cNvPr id="5" name="Espace réservé du pied de page 4">
-            <a:extLst>
-              <a:ext uri="{FF2B5EF4-FFF2-40B4-BE49-F238E27FC236}">
-                <a16:creationId xmlns:a16="http://schemas.microsoft.com/office/drawing/2014/main" id="{D1E6213B-4775-425B-A3D6-AE97D06C80EE}"/>
-              </a:ext>
-            </a:extLst>
-          </p:cNvPr>
+          <p:cNvPr id="5" name="Footer Placeholder 4"/>
           <p:cNvSpPr>
             <a:spLocks noGrp="1"/>
           </p:cNvSpPr>
@@ -843,13 +1994,7 @@
       </p:sp>
       <p:sp>
         <p:nvSpPr>
-          <p:cNvPr id="6" name="Espace réservé du numéro de diapositive 5">
-            <a:extLst>
-              <a:ext uri="{FF2B5EF4-FFF2-40B4-BE49-F238E27FC236}">
-                <a16:creationId xmlns:a16="http://schemas.microsoft.com/office/drawing/2014/main" id="{7466356C-85FD-4FB4-8C58-C479BE3E4D58}"/>
-              </a:ext>
-            </a:extLst>
-          </p:cNvPr>
+          <p:cNvPr id="6" name="Slide Number Placeholder 5"/>
           <p:cNvSpPr>
             <a:spLocks noGrp="1"/>
           </p:cNvSpPr>
@@ -873,7 +2018,7 @@
     </p:spTree>
     <p:extLst>
       <p:ext uri="{BB962C8B-B14F-4D97-AF65-F5344CB8AC3E}">
-        <p14:creationId xmlns:p14="http://schemas.microsoft.com/office/powerpoint/2010/main" val="2605611395"/>
+        <p14:creationId xmlns:p14="http://schemas.microsoft.com/office/powerpoint/2010/main" val="699660438"/>
       </p:ext>
     </p:extLst>
   </p:cSld>
@@ -902,13 +2047,7 @@
       </p:grpSpPr>
       <p:sp>
         <p:nvSpPr>
-          <p:cNvPr id="2" name="Titre vertical 1">
-            <a:extLst>
-              <a:ext uri="{FF2B5EF4-FFF2-40B4-BE49-F238E27FC236}">
-                <a16:creationId xmlns:a16="http://schemas.microsoft.com/office/drawing/2014/main" id="{FB6442CE-3D3A-4DBC-B990-2046BAE48250}"/>
-              </a:ext>
-            </a:extLst>
-          </p:cNvPr>
+          <p:cNvPr id="2" name="Vertical Title 1"/>
           <p:cNvSpPr>
             <a:spLocks noGrp="1"/>
           </p:cNvSpPr>
@@ -918,8 +2057,8 @@
         </p:nvSpPr>
         <p:spPr>
           <a:xfrm>
-            <a:off x="8724900" y="365125"/>
-            <a:ext cx="2628900" cy="5811838"/>
+            <a:off x="9596561" y="624156"/>
+            <a:ext cx="1565766" cy="5243244"/>
           </a:xfrm>
         </p:spPr>
         <p:txBody>
@@ -930,18 +2069,13 @@
               <a:rPr lang="fr-FR"/>
               <a:t>Modifiez le style du titre</a:t>
             </a:r>
-          </a:p>
-        </p:txBody>
-      </p:sp>
-      <p:sp>
-        <p:nvSpPr>
-          <p:cNvPr id="3" name="Espace réservé du texte vertical 2">
-            <a:extLst>
-              <a:ext uri="{FF2B5EF4-FFF2-40B4-BE49-F238E27FC236}">
-                <a16:creationId xmlns:a16="http://schemas.microsoft.com/office/drawing/2014/main" id="{88DF0DC8-AF02-45C1-97A3-E00B70927ADC}"/>
-              </a:ext>
-            </a:extLst>
-          </p:cNvPr>
+            <a:endParaRPr lang="en-US" dirty="0"/>
+          </a:p>
+        </p:txBody>
+      </p:sp>
+      <p:sp>
+        <p:nvSpPr>
+          <p:cNvPr id="3" name="Vertical Text Placeholder 2"/>
           <p:cNvSpPr>
             <a:spLocks noGrp="1"/>
           </p:cNvSpPr>
@@ -951,8 +2085,8 @@
         </p:nvSpPr>
         <p:spPr>
           <a:xfrm>
-            <a:off x="838200" y="365125"/>
-            <a:ext cx="7734300" cy="5811838"/>
+            <a:off x="1371600" y="624156"/>
+            <a:ext cx="8179641" cy="5243244"/>
           </a:xfrm>
         </p:spPr>
         <p:txBody>
@@ -992,18 +2126,13 @@
               <a:rPr lang="fr-FR"/>
               <a:t>Cinquième niveau</a:t>
             </a:r>
-          </a:p>
-        </p:txBody>
-      </p:sp>
-      <p:sp>
-        <p:nvSpPr>
-          <p:cNvPr id="4" name="Espace réservé de la date 3">
-            <a:extLst>
-              <a:ext uri="{FF2B5EF4-FFF2-40B4-BE49-F238E27FC236}">
-                <a16:creationId xmlns:a16="http://schemas.microsoft.com/office/drawing/2014/main" id="{7A5D3046-0B21-49B6-B8B9-FE6B4FFBD232}"/>
-              </a:ext>
-            </a:extLst>
-          </p:cNvPr>
+            <a:endParaRPr lang="en-US" dirty="0"/>
+          </a:p>
+        </p:txBody>
+      </p:sp>
+      <p:sp>
+        <p:nvSpPr>
+          <p:cNvPr id="4" name="Date Placeholder 3"/>
           <p:cNvSpPr>
             <a:spLocks noGrp="1"/>
           </p:cNvSpPr>
@@ -1018,7 +2147,7 @@
           <a:p>
             <a:fld id="{6C107521-40EB-4043-B595-2258B76D6983}" type="datetime1">
               <a:rPr lang="fr-FR" smtClean="0"/>
-              <a:t>09/04/2019</a:t>
+              <a:t>11/04/2019</a:t>
             </a:fld>
             <a:endParaRPr lang="fr-FR"/>
           </a:p>
@@ -1026,13 +2155,7 @@
       </p:sp>
       <p:sp>
         <p:nvSpPr>
-          <p:cNvPr id="5" name="Espace réservé du pied de page 4">
-            <a:extLst>
-              <a:ext uri="{FF2B5EF4-FFF2-40B4-BE49-F238E27FC236}">
-                <a16:creationId xmlns:a16="http://schemas.microsoft.com/office/drawing/2014/main" id="{88C82461-0E58-46AB-A991-6409C1CDB437}"/>
-              </a:ext>
-            </a:extLst>
-          </p:cNvPr>
+          <p:cNvPr id="5" name="Footer Placeholder 4"/>
           <p:cNvSpPr>
             <a:spLocks noGrp="1"/>
           </p:cNvSpPr>
@@ -1051,13 +2174,7 @@
       </p:sp>
       <p:sp>
         <p:nvSpPr>
-          <p:cNvPr id="6" name="Espace réservé du numéro de diapositive 5">
-            <a:extLst>
-              <a:ext uri="{FF2B5EF4-FFF2-40B4-BE49-F238E27FC236}">
-                <a16:creationId xmlns:a16="http://schemas.microsoft.com/office/drawing/2014/main" id="{36CDF03E-AEC5-4166-A767-FFB3D4A2B0C6}"/>
-              </a:ext>
-            </a:extLst>
-          </p:cNvPr>
+          <p:cNvPr id="6" name="Slide Number Placeholder 5"/>
           <p:cNvSpPr>
             <a:spLocks noGrp="1"/>
           </p:cNvSpPr>
@@ -1081,7 +2198,7 @@
     </p:spTree>
     <p:extLst>
       <p:ext uri="{BB962C8B-B14F-4D97-AF65-F5344CB8AC3E}">
-        <p14:creationId xmlns:p14="http://schemas.microsoft.com/office/powerpoint/2010/main" val="1461009079"/>
+        <p14:creationId xmlns:p14="http://schemas.microsoft.com/office/powerpoint/2010/main" val="2267681611"/>
       </p:ext>
     </p:extLst>
   </p:cSld>
@@ -1110,13 +2227,7 @@
       </p:grpSpPr>
       <p:sp>
         <p:nvSpPr>
-          <p:cNvPr id="2" name="Titre 1">
-            <a:extLst>
-              <a:ext uri="{FF2B5EF4-FFF2-40B4-BE49-F238E27FC236}">
-                <a16:creationId xmlns:a16="http://schemas.microsoft.com/office/drawing/2014/main" id="{542E0F38-450C-4E9A-B01F-7BFEF9F2D25D}"/>
-              </a:ext>
-            </a:extLst>
-          </p:cNvPr>
+          <p:cNvPr id="2" name="Title 1"/>
           <p:cNvSpPr>
             <a:spLocks noGrp="1"/>
           </p:cNvSpPr>
@@ -1133,18 +2244,13 @@
               <a:rPr lang="fr-FR"/>
               <a:t>Modifiez le style du titre</a:t>
             </a:r>
-          </a:p>
-        </p:txBody>
-      </p:sp>
-      <p:sp>
-        <p:nvSpPr>
-          <p:cNvPr id="3" name="Espace réservé du contenu 2">
-            <a:extLst>
-              <a:ext uri="{FF2B5EF4-FFF2-40B4-BE49-F238E27FC236}">
-                <a16:creationId xmlns:a16="http://schemas.microsoft.com/office/drawing/2014/main" id="{49A0B47D-2A07-486E-B6D4-DD64BCD5057D}"/>
-              </a:ext>
-            </a:extLst>
-          </p:cNvPr>
+            <a:endParaRPr lang="en-US" dirty="0"/>
+          </a:p>
+        </p:txBody>
+      </p:sp>
+      <p:sp>
+        <p:nvSpPr>
+          <p:cNvPr id="3" name="Content Placeholder 2"/>
           <p:cNvSpPr>
             <a:spLocks noGrp="1"/>
           </p:cNvSpPr>
@@ -1190,18 +2296,13 @@
               <a:rPr lang="fr-FR"/>
               <a:t>Cinquième niveau</a:t>
             </a:r>
-          </a:p>
-        </p:txBody>
-      </p:sp>
-      <p:sp>
-        <p:nvSpPr>
-          <p:cNvPr id="4" name="Espace réservé de la date 3">
-            <a:extLst>
-              <a:ext uri="{FF2B5EF4-FFF2-40B4-BE49-F238E27FC236}">
-                <a16:creationId xmlns:a16="http://schemas.microsoft.com/office/drawing/2014/main" id="{417CC1FF-FD58-4CAB-8285-56B4F986C8E7}"/>
-              </a:ext>
-            </a:extLst>
-          </p:cNvPr>
+            <a:endParaRPr lang="en-US" dirty="0"/>
+          </a:p>
+        </p:txBody>
+      </p:sp>
+      <p:sp>
+        <p:nvSpPr>
+          <p:cNvPr id="4" name="Date Placeholder 3"/>
           <p:cNvSpPr>
             <a:spLocks noGrp="1"/>
           </p:cNvSpPr>
@@ -1216,7 +2317,7 @@
           <a:p>
             <a:fld id="{6B3683F2-0608-43B8-86C7-1EF326ABA0DA}" type="datetime1">
               <a:rPr lang="fr-FR" smtClean="0"/>
-              <a:t>09/04/2019</a:t>
+              <a:t>11/04/2019</a:t>
             </a:fld>
             <a:endParaRPr lang="fr-FR"/>
           </a:p>
@@ -1224,13 +2325,7 @@
       </p:sp>
       <p:sp>
         <p:nvSpPr>
-          <p:cNvPr id="5" name="Espace réservé du pied de page 4">
-            <a:extLst>
-              <a:ext uri="{FF2B5EF4-FFF2-40B4-BE49-F238E27FC236}">
-                <a16:creationId xmlns:a16="http://schemas.microsoft.com/office/drawing/2014/main" id="{B34A6D39-8FF8-41AE-98A9-6D3BBD9AEF30}"/>
-              </a:ext>
-            </a:extLst>
-          </p:cNvPr>
+          <p:cNvPr id="5" name="Footer Placeholder 4"/>
           <p:cNvSpPr>
             <a:spLocks noGrp="1"/>
           </p:cNvSpPr>
@@ -1249,13 +2344,7 @@
       </p:sp>
       <p:sp>
         <p:nvSpPr>
-          <p:cNvPr id="6" name="Espace réservé du numéro de diapositive 5">
-            <a:extLst>
-              <a:ext uri="{FF2B5EF4-FFF2-40B4-BE49-F238E27FC236}">
-                <a16:creationId xmlns:a16="http://schemas.microsoft.com/office/drawing/2014/main" id="{959A042C-D71E-49DF-ADA8-A170F1E1E2B9}"/>
-              </a:ext>
-            </a:extLst>
-          </p:cNvPr>
+          <p:cNvPr id="6" name="Slide Number Placeholder 5"/>
           <p:cNvSpPr>
             <a:spLocks noGrp="1"/>
           </p:cNvSpPr>
@@ -1279,7 +2368,7 @@
     </p:spTree>
     <p:extLst>
       <p:ext uri="{BB962C8B-B14F-4D97-AF65-F5344CB8AC3E}">
-        <p14:creationId xmlns:p14="http://schemas.microsoft.com/office/powerpoint/2010/main" val="759175443"/>
+        <p14:creationId xmlns:p14="http://schemas.microsoft.com/office/powerpoint/2010/main" val="3098801580"/>
       </p:ext>
     </p:extLst>
   </p:cSld>
@@ -1290,8 +2379,13 @@
 </file>
 
 <file path=ppt/slideLayouts/slideLayout3.xml><?xml version="1.0" encoding="utf-8"?>
-<p:sldLayout xmlns:a="http://schemas.openxmlformats.org/drawingml/2006/main" xmlns:r="http://schemas.openxmlformats.org/officeDocument/2006/relationships" xmlns:p="http://schemas.openxmlformats.org/presentationml/2006/main" type="secHead" preserve="1">
+<p:sldLayout xmlns:a="http://schemas.openxmlformats.org/drawingml/2006/main" xmlns:r="http://schemas.openxmlformats.org/officeDocument/2006/relationships" xmlns:p="http://schemas.openxmlformats.org/presentationml/2006/main" showMasterSp="0" type="secHead" preserve="1">
   <p:cSld name="Titre de section">
+    <p:bg>
+      <p:bgRef idx="1001">
+        <a:schemeClr val="bg2"/>
+      </p:bgRef>
+    </p:bg>
     <p:spTree>
       <p:nvGrpSpPr>
         <p:cNvPr id="1" name=""/>
@@ -1308,13 +2402,7 @@
       </p:grpSpPr>
       <p:sp>
         <p:nvSpPr>
-          <p:cNvPr id="2" name="Titre 1">
-            <a:extLst>
-              <a:ext uri="{FF2B5EF4-FFF2-40B4-BE49-F238E27FC236}">
-                <a16:creationId xmlns:a16="http://schemas.microsoft.com/office/drawing/2014/main" id="{3DA1265E-9D92-4DBE-8A6F-DE1BB1AAA7A7}"/>
-              </a:ext>
-            </a:extLst>
-          </p:cNvPr>
+          <p:cNvPr id="2" name="Title 1"/>
           <p:cNvSpPr>
             <a:spLocks noGrp="1"/>
           </p:cNvSpPr>
@@ -1324,15 +2412,21 @@
         </p:nvSpPr>
         <p:spPr>
           <a:xfrm>
-            <a:off x="831850" y="1709738"/>
-            <a:ext cx="10515600" cy="2852737"/>
+            <a:off x="765025" y="1301360"/>
+            <a:ext cx="9612971" cy="2852737"/>
           </a:xfrm>
         </p:spPr>
         <p:txBody>
-          <a:bodyPr anchor="b"/>
+          <a:bodyPr anchor="b">
+            <a:normAutofit/>
+          </a:bodyPr>
           <a:lstStyle>
-            <a:lvl1pPr>
-              <a:defRPr sz="6000"/>
+            <a:lvl1pPr algn="r">
+              <a:defRPr sz="7200" cap="all" baseline="0">
+                <a:solidFill>
+                  <a:schemeClr val="tx2"/>
+                </a:solidFill>
+              </a:defRPr>
             </a:lvl1pPr>
           </a:lstStyle>
           <a:p>
@@ -1340,18 +2434,13 @@
               <a:rPr lang="fr-FR"/>
               <a:t>Modifiez le style du titre</a:t>
             </a:r>
-          </a:p>
-        </p:txBody>
-      </p:sp>
-      <p:sp>
-        <p:nvSpPr>
-          <p:cNvPr id="3" name="Espace réservé du texte 2">
-            <a:extLst>
-              <a:ext uri="{FF2B5EF4-FFF2-40B4-BE49-F238E27FC236}">
-                <a16:creationId xmlns:a16="http://schemas.microsoft.com/office/drawing/2014/main" id="{F2C0B199-5499-4B28-8381-C44A74302E0A}"/>
-              </a:ext>
-            </a:extLst>
-          </p:cNvPr>
+            <a:endParaRPr lang="en-US" dirty="0"/>
+          </a:p>
+        </p:txBody>
+      </p:sp>
+      <p:sp>
+        <p:nvSpPr>
+          <p:cNvPr id="3" name="Text Placeholder 2"/>
           <p:cNvSpPr>
             <a:spLocks noGrp="1"/>
           </p:cNvSpPr>
@@ -1361,20 +2450,27 @@
         </p:nvSpPr>
         <p:spPr>
           <a:xfrm>
-            <a:off x="831850" y="4589463"/>
-            <a:ext cx="10515600" cy="1500187"/>
+            <a:off x="765025" y="4216328"/>
+            <a:ext cx="9612971" cy="1143324"/>
           </a:xfrm>
         </p:spPr>
         <p:txBody>
           <a:bodyPr/>
           <a:lstStyle>
-            <a:lvl1pPr marL="0" indent="0">
+            <a:lvl1pPr marL="0" indent="0" algn="r">
+              <a:lnSpc>
+                <a:spcPct val="112000"/>
+              </a:lnSpc>
+              <a:spcBef>
+                <a:spcPts val="0"/>
+              </a:spcBef>
+              <a:spcAft>
+                <a:spcPts val="0"/>
+              </a:spcAft>
               <a:buNone/>
               <a:defRPr sz="2400">
                 <a:solidFill>
-                  <a:schemeClr val="tx1">
-                    <a:tint val="75000"/>
-                  </a:schemeClr>
+                  <a:schemeClr val="tx2"/>
                 </a:solidFill>
               </a:defRPr>
             </a:lvl1pPr>
@@ -1470,13 +2566,7 @@
       </p:sp>
       <p:sp>
         <p:nvSpPr>
-          <p:cNvPr id="4" name="Espace réservé de la date 3">
-            <a:extLst>
-              <a:ext uri="{FF2B5EF4-FFF2-40B4-BE49-F238E27FC236}">
-                <a16:creationId xmlns:a16="http://schemas.microsoft.com/office/drawing/2014/main" id="{CA937473-3D2C-4745-A7BD-8F64A755F8F8}"/>
-              </a:ext>
-            </a:extLst>
-          </p:cNvPr>
+          <p:cNvPr id="4" name="Date Placeholder 3"/>
           <p:cNvSpPr>
             <a:spLocks noGrp="1"/>
           </p:cNvSpPr>
@@ -1484,14 +2574,27 @@
             <p:ph type="dt" sz="half" idx="10"/>
           </p:nvPr>
         </p:nvSpPr>
-        <p:spPr/>
+        <p:spPr>
+          <a:xfrm>
+            <a:off x="738908" y="6453386"/>
+            <a:ext cx="1622409" cy="404614"/>
+          </a:xfrm>
+        </p:spPr>
         <p:txBody>
           <a:bodyPr/>
-          <a:lstStyle/>
+          <a:lstStyle>
+            <a:lvl1pPr>
+              <a:defRPr>
+                <a:solidFill>
+                  <a:schemeClr val="tx2"/>
+                </a:solidFill>
+              </a:defRPr>
+            </a:lvl1pPr>
+          </a:lstStyle>
           <a:p>
             <a:fld id="{18154137-7BF6-449A-86D4-2492E0EC126A}" type="datetime1">
               <a:rPr lang="fr-FR" smtClean="0"/>
-              <a:t>09/04/2019</a:t>
+              <a:t>11/04/2019</a:t>
             </a:fld>
             <a:endParaRPr lang="fr-FR"/>
           </a:p>
@@ -1499,13 +2602,7 @@
       </p:sp>
       <p:sp>
         <p:nvSpPr>
-          <p:cNvPr id="5" name="Espace réservé du pied de page 4">
-            <a:extLst>
-              <a:ext uri="{FF2B5EF4-FFF2-40B4-BE49-F238E27FC236}">
-                <a16:creationId xmlns:a16="http://schemas.microsoft.com/office/drawing/2014/main" id="{D05E6483-F076-427A-B96A-D33ACAB28298}"/>
-              </a:ext>
-            </a:extLst>
-          </p:cNvPr>
+          <p:cNvPr id="5" name="Footer Placeholder 4"/>
           <p:cNvSpPr>
             <a:spLocks noGrp="1"/>
           </p:cNvSpPr>
@@ -1513,10 +2610,23 @@
             <p:ph type="ftr" sz="quarter" idx="11"/>
           </p:nvPr>
         </p:nvSpPr>
-        <p:spPr/>
+        <p:spPr>
+          <a:xfrm>
+            <a:off x="2584312" y="6453386"/>
+            <a:ext cx="7023377" cy="404614"/>
+          </a:xfrm>
+        </p:spPr>
         <p:txBody>
           <a:bodyPr/>
-          <a:lstStyle/>
+          <a:lstStyle>
+            <a:lvl1pPr algn="ctr">
+              <a:defRPr>
+                <a:solidFill>
+                  <a:schemeClr val="tx2"/>
+                </a:solidFill>
+              </a:defRPr>
+            </a:lvl1pPr>
+          </a:lstStyle>
           <a:p>
             <a:endParaRPr lang="fr-FR"/>
           </a:p>
@@ -1524,13 +2634,7 @@
       </p:sp>
       <p:sp>
         <p:nvSpPr>
-          <p:cNvPr id="6" name="Espace réservé du numéro de diapositive 5">
-            <a:extLst>
-              <a:ext uri="{FF2B5EF4-FFF2-40B4-BE49-F238E27FC236}">
-                <a16:creationId xmlns:a16="http://schemas.microsoft.com/office/drawing/2014/main" id="{58CD7D3B-C0AA-49A1-A109-C8AB13EA6A2A}"/>
-              </a:ext>
-            </a:extLst>
-          </p:cNvPr>
+          <p:cNvPr id="6" name="Slide Number Placeholder 5"/>
           <p:cNvSpPr>
             <a:spLocks noGrp="1"/>
           </p:cNvSpPr>
@@ -1538,10 +2642,23 @@
             <p:ph type="sldNum" sz="quarter" idx="12"/>
           </p:nvPr>
         </p:nvSpPr>
-        <p:spPr/>
+        <p:spPr>
+          <a:xfrm>
+            <a:off x="9830683" y="6453386"/>
+            <a:ext cx="1596292" cy="404614"/>
+          </a:xfrm>
+        </p:spPr>
         <p:txBody>
           <a:bodyPr/>
-          <a:lstStyle/>
+          <a:lstStyle>
+            <a:lvl1pPr>
+              <a:defRPr>
+                <a:solidFill>
+                  <a:schemeClr val="tx2"/>
+                </a:solidFill>
+              </a:defRPr>
+            </a:lvl1pPr>
+          </a:lstStyle>
           <a:p>
             <a:fld id="{3129B59D-1082-45EE-B7B3-5CCEC6A72756}" type="slidenum">
               <a:rPr lang="fr-FR" smtClean="0"/>
@@ -1551,15 +2668,71 @@
           </a:p>
         </p:txBody>
       </p:sp>
+      <p:sp>
+        <p:nvSpPr>
+          <p:cNvPr id="7" name="Freeform 6" title="Crop Mark"/>
+          <p:cNvSpPr/>
+          <p:nvPr/>
+        </p:nvSpPr>
+        <p:spPr bwMode="auto">
+          <a:xfrm>
+            <a:off x="8151962" y="1685652"/>
+            <a:ext cx="3275013" cy="4408488"/>
+          </a:xfrm>
+          <a:custGeom>
+            <a:avLst/>
+            <a:gdLst/>
+            <a:ahLst/>
+            <a:cxnLst/>
+            <a:rect l="0" t="0" r="r" b="b"/>
+            <a:pathLst>
+              <a:path w="4125" h="5554">
+                <a:moveTo>
+                  <a:pt x="3614" y="0"/>
+                </a:moveTo>
+                <a:lnTo>
+                  <a:pt x="4125" y="0"/>
+                </a:lnTo>
+                <a:lnTo>
+                  <a:pt x="4125" y="5554"/>
+                </a:lnTo>
+                <a:lnTo>
+                  <a:pt x="0" y="5554"/>
+                </a:lnTo>
+                <a:lnTo>
+                  <a:pt x="0" y="5074"/>
+                </a:lnTo>
+                <a:lnTo>
+                  <a:pt x="3614" y="5074"/>
+                </a:lnTo>
+                <a:lnTo>
+                  <a:pt x="3614" y="0"/>
+                </a:lnTo>
+                <a:close/>
+              </a:path>
+            </a:pathLst>
+          </a:custGeom>
+          <a:solidFill>
+            <a:schemeClr val="tx2"/>
+          </a:solidFill>
+          <a:ln w="0">
+            <a:noFill/>
+            <a:prstDash val="solid"/>
+            <a:round/>
+            <a:headEnd/>
+            <a:tailEnd/>
+          </a:ln>
+        </p:spPr>
+      </p:sp>
     </p:spTree>
     <p:extLst>
       <p:ext uri="{BB962C8B-B14F-4D97-AF65-F5344CB8AC3E}">
-        <p14:creationId xmlns:p14="http://schemas.microsoft.com/office/powerpoint/2010/main" val="3129537867"/>
+        <p14:creationId xmlns:p14="http://schemas.microsoft.com/office/powerpoint/2010/main" val="447665577"/>
       </p:ext>
     </p:extLst>
   </p:cSld>
   <p:clrMapOvr>
-    <a:masterClrMapping/>
+    <a:overrideClrMapping bg1="dk1" tx1="lt1" bg2="dk2" tx2="lt2" accent1="accent1" accent2="accent2" accent3="accent3" accent4="accent4" accent5="accent5" accent6="accent6" hlink="hlink" folHlink="folHlink"/>
   </p:clrMapOvr>
 </p:sldLayout>
 </file>
@@ -1583,18 +2756,229 @@
       </p:grpSpPr>
       <p:sp>
         <p:nvSpPr>
-          <p:cNvPr id="2" name="Titre 1">
-            <a:extLst>
-              <a:ext uri="{FF2B5EF4-FFF2-40B4-BE49-F238E27FC236}">
-                <a16:creationId xmlns:a16="http://schemas.microsoft.com/office/drawing/2014/main" id="{6B9B1F0E-5D86-4767-97E1-DD362460E9C3}"/>
-              </a:ext>
-            </a:extLst>
-          </p:cNvPr>
+          <p:cNvPr id="2" name="Title 1"/>
           <p:cNvSpPr>
             <a:spLocks noGrp="1"/>
           </p:cNvSpPr>
           <p:nvPr>
             <p:ph type="title"/>
+          </p:nvPr>
+        </p:nvSpPr>
+        <p:spPr/>
+        <p:txBody>
+          <a:bodyPr/>
+          <a:lstStyle>
+            <a:lvl1pPr>
+              <a:defRPr>
+                <a:solidFill>
+                  <a:schemeClr val="tx2"/>
+                </a:solidFill>
+              </a:defRPr>
+            </a:lvl1pPr>
+          </a:lstStyle>
+          <a:p>
+            <a:r>
+              <a:rPr lang="fr-FR"/>
+              <a:t>Modifiez le style du titre</a:t>
+            </a:r>
+            <a:endParaRPr lang="en-US" dirty="0"/>
+          </a:p>
+        </p:txBody>
+      </p:sp>
+      <p:sp>
+        <p:nvSpPr>
+          <p:cNvPr id="3" name="Content Placeholder 2"/>
+          <p:cNvSpPr>
+            <a:spLocks noGrp="1"/>
+          </p:cNvSpPr>
+          <p:nvPr>
+            <p:ph sz="half" idx="1"/>
+          </p:nvPr>
+        </p:nvSpPr>
+        <p:spPr>
+          <a:xfrm>
+            <a:off x="1371600" y="2285999"/>
+            <a:ext cx="4447786" cy="3581401"/>
+          </a:xfrm>
+        </p:spPr>
+        <p:txBody>
+          <a:bodyPr/>
+          <a:lstStyle>
+            <a:lvl1pPr>
+              <a:defRPr baseline="0">
+                <a:solidFill>
+                  <a:schemeClr val="tx2"/>
+                </a:solidFill>
+              </a:defRPr>
+            </a:lvl1pPr>
+            <a:lvl2pPr>
+              <a:defRPr baseline="0">
+                <a:solidFill>
+                  <a:schemeClr val="tx2"/>
+                </a:solidFill>
+              </a:defRPr>
+            </a:lvl2pPr>
+            <a:lvl3pPr>
+              <a:defRPr baseline="0">
+                <a:solidFill>
+                  <a:schemeClr val="tx2"/>
+                </a:solidFill>
+              </a:defRPr>
+            </a:lvl3pPr>
+            <a:lvl4pPr>
+              <a:defRPr baseline="0">
+                <a:solidFill>
+                  <a:schemeClr val="tx2"/>
+                </a:solidFill>
+              </a:defRPr>
+            </a:lvl4pPr>
+            <a:lvl5pPr>
+              <a:defRPr baseline="0">
+                <a:solidFill>
+                  <a:schemeClr val="tx2"/>
+                </a:solidFill>
+              </a:defRPr>
+            </a:lvl5pPr>
+          </a:lstStyle>
+          <a:p>
+            <a:pPr lvl="0"/>
+            <a:r>
+              <a:rPr lang="fr-FR"/>
+              <a:t>Cliquez pour modifier les styles du texte du masque</a:t>
+            </a:r>
+          </a:p>
+          <a:p>
+            <a:pPr lvl="1"/>
+            <a:r>
+              <a:rPr lang="fr-FR"/>
+              <a:t>Deuxième niveau</a:t>
+            </a:r>
+          </a:p>
+          <a:p>
+            <a:pPr lvl="2"/>
+            <a:r>
+              <a:rPr lang="fr-FR"/>
+              <a:t>Troisième niveau</a:t>
+            </a:r>
+          </a:p>
+          <a:p>
+            <a:pPr lvl="3"/>
+            <a:r>
+              <a:rPr lang="fr-FR"/>
+              <a:t>Quatrième niveau</a:t>
+            </a:r>
+          </a:p>
+          <a:p>
+            <a:pPr lvl="4"/>
+            <a:r>
+              <a:rPr lang="fr-FR"/>
+              <a:t>Cinquième niveau</a:t>
+            </a:r>
+            <a:endParaRPr lang="en-US" dirty="0"/>
+          </a:p>
+        </p:txBody>
+      </p:sp>
+      <p:sp>
+        <p:nvSpPr>
+          <p:cNvPr id="4" name="Content Placeholder 3"/>
+          <p:cNvSpPr>
+            <a:spLocks noGrp="1"/>
+          </p:cNvSpPr>
+          <p:nvPr>
+            <p:ph sz="half" idx="2"/>
+          </p:nvPr>
+        </p:nvSpPr>
+        <p:spPr>
+          <a:xfrm>
+            <a:off x="6525403" y="2285999"/>
+            <a:ext cx="4447786" cy="3581401"/>
+          </a:xfrm>
+        </p:spPr>
+        <p:txBody>
+          <a:bodyPr/>
+          <a:lstStyle>
+            <a:lvl1pPr>
+              <a:defRPr>
+                <a:solidFill>
+                  <a:schemeClr val="tx2"/>
+                </a:solidFill>
+              </a:defRPr>
+            </a:lvl1pPr>
+            <a:lvl2pPr>
+              <a:defRPr>
+                <a:solidFill>
+                  <a:schemeClr val="tx2"/>
+                </a:solidFill>
+              </a:defRPr>
+            </a:lvl2pPr>
+            <a:lvl3pPr>
+              <a:defRPr>
+                <a:solidFill>
+                  <a:schemeClr val="tx2"/>
+                </a:solidFill>
+              </a:defRPr>
+            </a:lvl3pPr>
+            <a:lvl4pPr>
+              <a:defRPr>
+                <a:solidFill>
+                  <a:schemeClr val="tx2"/>
+                </a:solidFill>
+              </a:defRPr>
+            </a:lvl4pPr>
+            <a:lvl5pPr>
+              <a:defRPr>
+                <a:solidFill>
+                  <a:schemeClr val="tx2"/>
+                </a:solidFill>
+              </a:defRPr>
+            </a:lvl5pPr>
+          </a:lstStyle>
+          <a:p>
+            <a:pPr lvl="0"/>
+            <a:r>
+              <a:rPr lang="fr-FR"/>
+              <a:t>Cliquez pour modifier les styles du texte du masque</a:t>
+            </a:r>
+          </a:p>
+          <a:p>
+            <a:pPr lvl="1"/>
+            <a:r>
+              <a:rPr lang="fr-FR"/>
+              <a:t>Deuxième niveau</a:t>
+            </a:r>
+          </a:p>
+          <a:p>
+            <a:pPr lvl="2"/>
+            <a:r>
+              <a:rPr lang="fr-FR"/>
+              <a:t>Troisième niveau</a:t>
+            </a:r>
+          </a:p>
+          <a:p>
+            <a:pPr lvl="3"/>
+            <a:r>
+              <a:rPr lang="fr-FR"/>
+              <a:t>Quatrième niveau</a:t>
+            </a:r>
+          </a:p>
+          <a:p>
+            <a:pPr lvl="4"/>
+            <a:r>
+              <a:rPr lang="fr-FR"/>
+              <a:t>Cinquième niveau</a:t>
+            </a:r>
+            <a:endParaRPr lang="en-US" dirty="0"/>
+          </a:p>
+        </p:txBody>
+      </p:sp>
+      <p:sp>
+        <p:nvSpPr>
+          <p:cNvPr id="5" name="Date Placeholder 4"/>
+          <p:cNvSpPr>
+            <a:spLocks noGrp="1"/>
+          </p:cNvSpPr>
+          <p:nvPr>
+            <p:ph type="dt" sz="half" idx="10"/>
           </p:nvPr>
         </p:nvSpPr>
         <p:spPr/>
@@ -1602,200 +2986,36 @@
           <a:bodyPr/>
           <a:lstStyle/>
           <a:p>
-            <a:r>
-              <a:rPr lang="fr-FR"/>
-              <a:t>Modifiez le style du titre</a:t>
-            </a:r>
-          </a:p>
-        </p:txBody>
-      </p:sp>
-      <p:sp>
-        <p:nvSpPr>
-          <p:cNvPr id="3" name="Espace réservé du contenu 2">
-            <a:extLst>
-              <a:ext uri="{FF2B5EF4-FFF2-40B4-BE49-F238E27FC236}">
-                <a16:creationId xmlns:a16="http://schemas.microsoft.com/office/drawing/2014/main" id="{70668A18-A266-4692-A0F2-55D3FDE1A48C}"/>
-              </a:ext>
-            </a:extLst>
-          </p:cNvPr>
-          <p:cNvSpPr>
-            <a:spLocks noGrp="1"/>
-          </p:cNvSpPr>
-          <p:nvPr>
-            <p:ph sz="half" idx="1"/>
-          </p:nvPr>
-        </p:nvSpPr>
-        <p:spPr>
-          <a:xfrm>
-            <a:off x="838200" y="1825625"/>
-            <a:ext cx="5181600" cy="4351338"/>
-          </a:xfrm>
-        </p:spPr>
+            <a:fld id="{1E8216B1-7782-40D2-BCAF-5FCF59F3764F}" type="datetime1">
+              <a:rPr lang="fr-FR" smtClean="0"/>
+              <a:t>11/04/2019</a:t>
+            </a:fld>
+            <a:endParaRPr lang="fr-FR"/>
+          </a:p>
+        </p:txBody>
+      </p:sp>
+      <p:sp>
+        <p:nvSpPr>
+          <p:cNvPr id="6" name="Footer Placeholder 5"/>
+          <p:cNvSpPr>
+            <a:spLocks noGrp="1"/>
+          </p:cNvSpPr>
+          <p:nvPr>
+            <p:ph type="ftr" sz="quarter" idx="11"/>
+          </p:nvPr>
+        </p:nvSpPr>
+        <p:spPr/>
         <p:txBody>
           <a:bodyPr/>
           <a:lstStyle/>
           <a:p>
-            <a:pPr lvl="0"/>
-            <a:r>
-              <a:rPr lang="fr-FR"/>
-              <a:t>Cliquez pour modifier les styles du texte du masque</a:t>
-            </a:r>
-          </a:p>
-          <a:p>
-            <a:pPr lvl="1"/>
-            <a:r>
-              <a:rPr lang="fr-FR"/>
-              <a:t>Deuxième niveau</a:t>
-            </a:r>
-          </a:p>
-          <a:p>
-            <a:pPr lvl="2"/>
-            <a:r>
-              <a:rPr lang="fr-FR"/>
-              <a:t>Troisième niveau</a:t>
-            </a:r>
-          </a:p>
-          <a:p>
-            <a:pPr lvl="3"/>
-            <a:r>
-              <a:rPr lang="fr-FR"/>
-              <a:t>Quatrième niveau</a:t>
-            </a:r>
-          </a:p>
-          <a:p>
-            <a:pPr lvl="4"/>
-            <a:r>
-              <a:rPr lang="fr-FR"/>
-              <a:t>Cinquième niveau</a:t>
-            </a:r>
-          </a:p>
-        </p:txBody>
-      </p:sp>
-      <p:sp>
-        <p:nvSpPr>
-          <p:cNvPr id="4" name="Espace réservé du contenu 3">
-            <a:extLst>
-              <a:ext uri="{FF2B5EF4-FFF2-40B4-BE49-F238E27FC236}">
-                <a16:creationId xmlns:a16="http://schemas.microsoft.com/office/drawing/2014/main" id="{4833C4B6-9245-424F-AB28-381ABBC79339}"/>
-              </a:ext>
-            </a:extLst>
-          </p:cNvPr>
-          <p:cNvSpPr>
-            <a:spLocks noGrp="1"/>
-          </p:cNvSpPr>
-          <p:nvPr>
-            <p:ph sz="half" idx="2"/>
-          </p:nvPr>
-        </p:nvSpPr>
-        <p:spPr>
-          <a:xfrm>
-            <a:off x="6172200" y="1825625"/>
-            <a:ext cx="5181600" cy="4351338"/>
-          </a:xfrm>
-        </p:spPr>
-        <p:txBody>
-          <a:bodyPr/>
-          <a:lstStyle/>
-          <a:p>
-            <a:pPr lvl="0"/>
-            <a:r>
-              <a:rPr lang="fr-FR"/>
-              <a:t>Cliquez pour modifier les styles du texte du masque</a:t>
-            </a:r>
-          </a:p>
-          <a:p>
-            <a:pPr lvl="1"/>
-            <a:r>
-              <a:rPr lang="fr-FR"/>
-              <a:t>Deuxième niveau</a:t>
-            </a:r>
-          </a:p>
-          <a:p>
-            <a:pPr lvl="2"/>
-            <a:r>
-              <a:rPr lang="fr-FR"/>
-              <a:t>Troisième niveau</a:t>
-            </a:r>
-          </a:p>
-          <a:p>
-            <a:pPr lvl="3"/>
-            <a:r>
-              <a:rPr lang="fr-FR"/>
-              <a:t>Quatrième niveau</a:t>
-            </a:r>
-          </a:p>
-          <a:p>
-            <a:pPr lvl="4"/>
-            <a:r>
-              <a:rPr lang="fr-FR"/>
-              <a:t>Cinquième niveau</a:t>
-            </a:r>
-          </a:p>
-        </p:txBody>
-      </p:sp>
-      <p:sp>
-        <p:nvSpPr>
-          <p:cNvPr id="5" name="Espace réservé de la date 4">
-            <a:extLst>
-              <a:ext uri="{FF2B5EF4-FFF2-40B4-BE49-F238E27FC236}">
-                <a16:creationId xmlns:a16="http://schemas.microsoft.com/office/drawing/2014/main" id="{73E1BD2E-A11C-4A1D-8506-9319559E238F}"/>
-              </a:ext>
-            </a:extLst>
-          </p:cNvPr>
-          <p:cNvSpPr>
-            <a:spLocks noGrp="1"/>
-          </p:cNvSpPr>
-          <p:nvPr>
-            <p:ph type="dt" sz="half" idx="10"/>
-          </p:nvPr>
-        </p:nvSpPr>
-        <p:spPr/>
-        <p:txBody>
-          <a:bodyPr/>
-          <a:lstStyle/>
-          <a:p>
-            <a:fld id="{1E8216B1-7782-40D2-BCAF-5FCF59F3764F}" type="datetime1">
-              <a:rPr lang="fr-FR" smtClean="0"/>
-              <a:t>09/04/2019</a:t>
-            </a:fld>
             <a:endParaRPr lang="fr-FR"/>
           </a:p>
         </p:txBody>
       </p:sp>
       <p:sp>
         <p:nvSpPr>
-          <p:cNvPr id="6" name="Espace réservé du pied de page 5">
-            <a:extLst>
-              <a:ext uri="{FF2B5EF4-FFF2-40B4-BE49-F238E27FC236}">
-                <a16:creationId xmlns:a16="http://schemas.microsoft.com/office/drawing/2014/main" id="{B0ED6548-EFAB-49D8-B560-6CBE0226AF2C}"/>
-              </a:ext>
-            </a:extLst>
-          </p:cNvPr>
-          <p:cNvSpPr>
-            <a:spLocks noGrp="1"/>
-          </p:cNvSpPr>
-          <p:nvPr>
-            <p:ph type="ftr" sz="quarter" idx="11"/>
-          </p:nvPr>
-        </p:nvSpPr>
-        <p:spPr/>
-        <p:txBody>
-          <a:bodyPr/>
-          <a:lstStyle/>
-          <a:p>
-            <a:endParaRPr lang="fr-FR"/>
-          </a:p>
-        </p:txBody>
-      </p:sp>
-      <p:sp>
-        <p:nvSpPr>
-          <p:cNvPr id="7" name="Espace réservé du numéro de diapositive 6">
-            <a:extLst>
-              <a:ext uri="{FF2B5EF4-FFF2-40B4-BE49-F238E27FC236}">
-                <a16:creationId xmlns:a16="http://schemas.microsoft.com/office/drawing/2014/main" id="{E8B4F5A3-5526-4536-B4AA-5D90DE57D15F}"/>
-              </a:ext>
-            </a:extLst>
-          </p:cNvPr>
+          <p:cNvPr id="7" name="Slide Number Placeholder 6"/>
           <p:cNvSpPr>
             <a:spLocks noGrp="1"/>
           </p:cNvSpPr>
@@ -1819,7 +3039,7 @@
     </p:spTree>
     <p:extLst>
       <p:ext uri="{BB962C8B-B14F-4D97-AF65-F5344CB8AC3E}">
-        <p14:creationId xmlns:p14="http://schemas.microsoft.com/office/powerpoint/2010/main" val="1103970420"/>
+        <p14:creationId xmlns:p14="http://schemas.microsoft.com/office/powerpoint/2010/main" val="3823497822"/>
       </p:ext>
     </p:extLst>
   </p:cSld>
@@ -1848,13 +3068,7 @@
       </p:grpSpPr>
       <p:sp>
         <p:nvSpPr>
-          <p:cNvPr id="2" name="Titre 1">
-            <a:extLst>
-              <a:ext uri="{FF2B5EF4-FFF2-40B4-BE49-F238E27FC236}">
-                <a16:creationId xmlns:a16="http://schemas.microsoft.com/office/drawing/2014/main" id="{A528DAF6-536D-4621-8F74-F8ADC0B0FFC9}"/>
-              </a:ext>
-            </a:extLst>
-          </p:cNvPr>
+          <p:cNvPr id="2" name="Title 1"/>
           <p:cNvSpPr>
             <a:spLocks noGrp="1"/>
           </p:cNvSpPr>
@@ -1864,30 +3078,33 @@
         </p:nvSpPr>
         <p:spPr>
           <a:xfrm>
-            <a:off x="839788" y="365125"/>
-            <a:ext cx="10515600" cy="1325563"/>
+            <a:off x="1371600" y="685800"/>
+            <a:ext cx="9601200" cy="1485900"/>
           </a:xfrm>
         </p:spPr>
         <p:txBody>
           <a:bodyPr/>
-          <a:lstStyle/>
+          <a:lstStyle>
+            <a:lvl1pPr>
+              <a:defRPr>
+                <a:solidFill>
+                  <a:schemeClr val="tx2"/>
+                </a:solidFill>
+              </a:defRPr>
+            </a:lvl1pPr>
+          </a:lstStyle>
           <a:p>
             <a:r>
               <a:rPr lang="fr-FR"/>
               <a:t>Modifiez le style du titre</a:t>
             </a:r>
-          </a:p>
-        </p:txBody>
-      </p:sp>
-      <p:sp>
-        <p:nvSpPr>
-          <p:cNvPr id="3" name="Espace réservé du texte 2">
-            <a:extLst>
-              <a:ext uri="{FF2B5EF4-FFF2-40B4-BE49-F238E27FC236}">
-                <a16:creationId xmlns:a16="http://schemas.microsoft.com/office/drawing/2014/main" id="{FF086FCE-A9EC-475B-A1E7-E043AA8F3389}"/>
-              </a:ext>
-            </a:extLst>
-          </p:cNvPr>
+            <a:endParaRPr lang="en-US" dirty="0"/>
+          </a:p>
+        </p:txBody>
+      </p:sp>
+      <p:sp>
+        <p:nvSpPr>
+          <p:cNvPr id="3" name="Text Placeholder 2"/>
           <p:cNvSpPr>
             <a:spLocks noGrp="1"/>
           </p:cNvSpPr>
@@ -1897,16 +3114,31 @@
         </p:nvSpPr>
         <p:spPr>
           <a:xfrm>
-            <a:off x="839788" y="1681163"/>
-            <a:ext cx="5157787" cy="823912"/>
+            <a:off x="1371600" y="2340864"/>
+            <a:ext cx="4443984" cy="823912"/>
           </a:xfrm>
         </p:spPr>
         <p:txBody>
-          <a:bodyPr anchor="b"/>
+          <a:bodyPr anchor="b">
+            <a:noAutofit/>
+          </a:bodyPr>
           <a:lstStyle>
             <a:lvl1pPr marL="0" indent="0">
+              <a:lnSpc>
+                <a:spcPct val="84000"/>
+              </a:lnSpc>
+              <a:spcBef>
+                <a:spcPts val="0"/>
+              </a:spcBef>
+              <a:spcAft>
+                <a:spcPts val="0"/>
+              </a:spcAft>
               <a:buNone/>
-              <a:defRPr sz="2400" b="1"/>
+              <a:defRPr sz="3000" b="0" baseline="0">
+                <a:solidFill>
+                  <a:schemeClr val="tx2"/>
+                </a:solidFill>
+              </a:defRPr>
             </a:lvl1pPr>
             <a:lvl2pPr marL="457200" indent="0">
               <a:buNone/>
@@ -1952,13 +3184,7 @@
       </p:sp>
       <p:sp>
         <p:nvSpPr>
-          <p:cNvPr id="4" name="Espace réservé du contenu 3">
-            <a:extLst>
-              <a:ext uri="{FF2B5EF4-FFF2-40B4-BE49-F238E27FC236}">
-                <a16:creationId xmlns:a16="http://schemas.microsoft.com/office/drawing/2014/main" id="{4C50BF20-C91F-4272-8DE8-0E9CC3F9ED4F}"/>
-              </a:ext>
-            </a:extLst>
-          </p:cNvPr>
+          <p:cNvPr id="4" name="Content Placeholder 3"/>
           <p:cNvSpPr>
             <a:spLocks noGrp="1"/>
           </p:cNvSpPr>
@@ -1968,13 +3194,49 @@
         </p:nvSpPr>
         <p:spPr>
           <a:xfrm>
-            <a:off x="839788" y="2505075"/>
-            <a:ext cx="5157787" cy="3684588"/>
+            <a:off x="1371600" y="3305207"/>
+            <a:ext cx="4443984" cy="2562193"/>
           </a:xfrm>
         </p:spPr>
         <p:txBody>
           <a:bodyPr/>
-          <a:lstStyle/>
+          <a:lstStyle>
+            <a:lvl1pPr>
+              <a:defRPr baseline="0">
+                <a:solidFill>
+                  <a:schemeClr val="tx2"/>
+                </a:solidFill>
+              </a:defRPr>
+            </a:lvl1pPr>
+            <a:lvl2pPr>
+              <a:defRPr baseline="0">
+                <a:solidFill>
+                  <a:schemeClr val="tx2"/>
+                </a:solidFill>
+              </a:defRPr>
+            </a:lvl2pPr>
+            <a:lvl3pPr>
+              <a:defRPr baseline="0">
+                <a:solidFill>
+                  <a:schemeClr val="tx2"/>
+                </a:solidFill>
+              </a:defRPr>
+            </a:lvl3pPr>
+            <a:lvl4pPr>
+              <a:defRPr baseline="0">
+                <a:solidFill>
+                  <a:schemeClr val="tx2"/>
+                </a:solidFill>
+              </a:defRPr>
+            </a:lvl4pPr>
+            <a:lvl5pPr>
+              <a:defRPr baseline="0">
+                <a:solidFill>
+                  <a:schemeClr val="tx2"/>
+                </a:solidFill>
+              </a:defRPr>
+            </a:lvl5pPr>
+          </a:lstStyle>
           <a:p>
             <a:pPr lvl="0"/>
             <a:r>
@@ -2009,18 +3271,13 @@
               <a:rPr lang="fr-FR"/>
               <a:t>Cinquième niveau</a:t>
             </a:r>
-          </a:p>
-        </p:txBody>
-      </p:sp>
-      <p:sp>
-        <p:nvSpPr>
-          <p:cNvPr id="5" name="Espace réservé du texte 4">
-            <a:extLst>
-              <a:ext uri="{FF2B5EF4-FFF2-40B4-BE49-F238E27FC236}">
-                <a16:creationId xmlns:a16="http://schemas.microsoft.com/office/drawing/2014/main" id="{D928F20E-03F7-49F6-8051-036546DC9842}"/>
-              </a:ext>
-            </a:extLst>
-          </p:cNvPr>
+            <a:endParaRPr lang="en-US" dirty="0"/>
+          </a:p>
+        </p:txBody>
+      </p:sp>
+      <p:sp>
+        <p:nvSpPr>
+          <p:cNvPr id="5" name="Text Placeholder 4"/>
           <p:cNvSpPr>
             <a:spLocks noGrp="1"/>
           </p:cNvSpPr>
@@ -2030,16 +3287,31 @@
         </p:nvSpPr>
         <p:spPr>
           <a:xfrm>
-            <a:off x="6172200" y="1681163"/>
-            <a:ext cx="5183188" cy="823912"/>
+            <a:off x="6525014" y="2340864"/>
+            <a:ext cx="4443984" cy="823912"/>
           </a:xfrm>
         </p:spPr>
         <p:txBody>
-          <a:bodyPr anchor="b"/>
+          <a:bodyPr anchor="b">
+            <a:noAutofit/>
+          </a:bodyPr>
           <a:lstStyle>
             <a:lvl1pPr marL="0" indent="0">
+              <a:lnSpc>
+                <a:spcPct val="84000"/>
+              </a:lnSpc>
+              <a:spcBef>
+                <a:spcPts val="0"/>
+              </a:spcBef>
+              <a:spcAft>
+                <a:spcPts val="0"/>
+              </a:spcAft>
               <a:buNone/>
-              <a:defRPr sz="2400" b="1"/>
+              <a:defRPr sz="3000" b="0" baseline="0">
+                <a:solidFill>
+                  <a:schemeClr val="tx2"/>
+                </a:solidFill>
+              </a:defRPr>
             </a:lvl1pPr>
             <a:lvl2pPr marL="457200" indent="0">
               <a:buNone/>
@@ -2085,13 +3357,7 @@
       </p:sp>
       <p:sp>
         <p:nvSpPr>
-          <p:cNvPr id="6" name="Espace réservé du contenu 5">
-            <a:extLst>
-              <a:ext uri="{FF2B5EF4-FFF2-40B4-BE49-F238E27FC236}">
-                <a16:creationId xmlns:a16="http://schemas.microsoft.com/office/drawing/2014/main" id="{585C405E-F9F1-4763-A4D2-3FAB39D00761}"/>
-              </a:ext>
-            </a:extLst>
-          </p:cNvPr>
+          <p:cNvPr id="6" name="Content Placeholder 5"/>
           <p:cNvSpPr>
             <a:spLocks noGrp="1"/>
           </p:cNvSpPr>
@@ -2101,64 +3367,118 @@
         </p:nvSpPr>
         <p:spPr>
           <a:xfrm>
-            <a:off x="6172200" y="2505075"/>
-            <a:ext cx="5183188" cy="3684588"/>
+            <a:off x="6525014" y="3305207"/>
+            <a:ext cx="4443984" cy="2562193"/>
           </a:xfrm>
         </p:spPr>
+        <p:txBody>
+          <a:bodyPr/>
+          <a:lstStyle>
+            <a:lvl1pPr>
+              <a:defRPr baseline="0">
+                <a:solidFill>
+                  <a:schemeClr val="tx2"/>
+                </a:solidFill>
+              </a:defRPr>
+            </a:lvl1pPr>
+            <a:lvl2pPr>
+              <a:defRPr baseline="0">
+                <a:solidFill>
+                  <a:schemeClr val="tx2"/>
+                </a:solidFill>
+              </a:defRPr>
+            </a:lvl2pPr>
+            <a:lvl3pPr>
+              <a:defRPr baseline="0">
+                <a:solidFill>
+                  <a:schemeClr val="tx2"/>
+                </a:solidFill>
+              </a:defRPr>
+            </a:lvl3pPr>
+            <a:lvl4pPr>
+              <a:defRPr baseline="0">
+                <a:solidFill>
+                  <a:schemeClr val="tx2"/>
+                </a:solidFill>
+              </a:defRPr>
+            </a:lvl4pPr>
+            <a:lvl5pPr>
+              <a:defRPr baseline="0">
+                <a:solidFill>
+                  <a:schemeClr val="tx2"/>
+                </a:solidFill>
+              </a:defRPr>
+            </a:lvl5pPr>
+          </a:lstStyle>
+          <a:p>
+            <a:pPr lvl="0"/>
+            <a:r>
+              <a:rPr lang="fr-FR"/>
+              <a:t>Cliquez pour modifier les styles du texte du masque</a:t>
+            </a:r>
+          </a:p>
+          <a:p>
+            <a:pPr lvl="1"/>
+            <a:r>
+              <a:rPr lang="fr-FR"/>
+              <a:t>Deuxième niveau</a:t>
+            </a:r>
+          </a:p>
+          <a:p>
+            <a:pPr lvl="2"/>
+            <a:r>
+              <a:rPr lang="fr-FR"/>
+              <a:t>Troisième niveau</a:t>
+            </a:r>
+          </a:p>
+          <a:p>
+            <a:pPr lvl="3"/>
+            <a:r>
+              <a:rPr lang="fr-FR"/>
+              <a:t>Quatrième niveau</a:t>
+            </a:r>
+          </a:p>
+          <a:p>
+            <a:pPr lvl="4"/>
+            <a:r>
+              <a:rPr lang="fr-FR"/>
+              <a:t>Cinquième niveau</a:t>
+            </a:r>
+            <a:endParaRPr lang="en-US" dirty="0"/>
+          </a:p>
+        </p:txBody>
+      </p:sp>
+      <p:sp>
+        <p:nvSpPr>
+          <p:cNvPr id="7" name="Date Placeholder 6"/>
+          <p:cNvSpPr>
+            <a:spLocks noGrp="1"/>
+          </p:cNvSpPr>
+          <p:nvPr>
+            <p:ph type="dt" sz="half" idx="10"/>
+          </p:nvPr>
+        </p:nvSpPr>
+        <p:spPr/>
         <p:txBody>
           <a:bodyPr/>
           <a:lstStyle/>
           <a:p>
-            <a:pPr lvl="0"/>
-            <a:r>
-              <a:rPr lang="fr-FR"/>
-              <a:t>Cliquez pour modifier les styles du texte du masque</a:t>
-            </a:r>
-          </a:p>
-          <a:p>
-            <a:pPr lvl="1"/>
-            <a:r>
-              <a:rPr lang="fr-FR"/>
-              <a:t>Deuxième niveau</a:t>
-            </a:r>
-          </a:p>
-          <a:p>
-            <a:pPr lvl="2"/>
-            <a:r>
-              <a:rPr lang="fr-FR"/>
-              <a:t>Troisième niveau</a:t>
-            </a:r>
-          </a:p>
-          <a:p>
-            <a:pPr lvl="3"/>
-            <a:r>
-              <a:rPr lang="fr-FR"/>
-              <a:t>Quatrième niveau</a:t>
-            </a:r>
-          </a:p>
-          <a:p>
-            <a:pPr lvl="4"/>
-            <a:r>
-              <a:rPr lang="fr-FR"/>
-              <a:t>Cinquième niveau</a:t>
-            </a:r>
-          </a:p>
-        </p:txBody>
-      </p:sp>
-      <p:sp>
-        <p:nvSpPr>
-          <p:cNvPr id="7" name="Espace réservé de la date 6">
-            <a:extLst>
-              <a:ext uri="{FF2B5EF4-FFF2-40B4-BE49-F238E27FC236}">
-                <a16:creationId xmlns:a16="http://schemas.microsoft.com/office/drawing/2014/main" id="{B7DAB86E-76CB-47DF-8B24-C0E3F9DBF179}"/>
-              </a:ext>
-            </a:extLst>
-          </p:cNvPr>
-          <p:cNvSpPr>
-            <a:spLocks noGrp="1"/>
-          </p:cNvSpPr>
-          <p:nvPr>
-            <p:ph type="dt" sz="half" idx="10"/>
+            <a:fld id="{4DE2996A-7AED-42AB-A8A3-C2CBD12E08C5}" type="datetime1">
+              <a:rPr lang="fr-FR" smtClean="0"/>
+              <a:t>11/04/2019</a:t>
+            </a:fld>
+            <a:endParaRPr lang="fr-FR"/>
+          </a:p>
+        </p:txBody>
+      </p:sp>
+      <p:sp>
+        <p:nvSpPr>
+          <p:cNvPr id="8" name="Footer Placeholder 7"/>
+          <p:cNvSpPr>
+            <a:spLocks noGrp="1"/>
+          </p:cNvSpPr>
+          <p:nvPr>
+            <p:ph type="ftr" sz="quarter" idx="11"/>
           </p:nvPr>
         </p:nvSpPr>
         <p:spPr/>
@@ -2166,48 +3486,13 @@
           <a:bodyPr/>
           <a:lstStyle/>
           <a:p>
-            <a:fld id="{4DE2996A-7AED-42AB-A8A3-C2CBD12E08C5}" type="datetime1">
-              <a:rPr lang="fr-FR" smtClean="0"/>
-              <a:t>09/04/2019</a:t>
-            </a:fld>
             <a:endParaRPr lang="fr-FR"/>
           </a:p>
         </p:txBody>
       </p:sp>
       <p:sp>
         <p:nvSpPr>
-          <p:cNvPr id="8" name="Espace réservé du pied de page 7">
-            <a:extLst>
-              <a:ext uri="{FF2B5EF4-FFF2-40B4-BE49-F238E27FC236}">
-                <a16:creationId xmlns:a16="http://schemas.microsoft.com/office/drawing/2014/main" id="{003A2203-EA1B-4A50-BAFA-B4250E82CE77}"/>
-              </a:ext>
-            </a:extLst>
-          </p:cNvPr>
-          <p:cNvSpPr>
-            <a:spLocks noGrp="1"/>
-          </p:cNvSpPr>
-          <p:nvPr>
-            <p:ph type="ftr" sz="quarter" idx="11"/>
-          </p:nvPr>
-        </p:nvSpPr>
-        <p:spPr/>
-        <p:txBody>
-          <a:bodyPr/>
-          <a:lstStyle/>
-          <a:p>
-            <a:endParaRPr lang="fr-FR"/>
-          </a:p>
-        </p:txBody>
-      </p:sp>
-      <p:sp>
-        <p:nvSpPr>
-          <p:cNvPr id="9" name="Espace réservé du numéro de diapositive 8">
-            <a:extLst>
-              <a:ext uri="{FF2B5EF4-FFF2-40B4-BE49-F238E27FC236}">
-                <a16:creationId xmlns:a16="http://schemas.microsoft.com/office/drawing/2014/main" id="{6AB1E5F1-AE5E-45DB-AD1B-420D4005639E}"/>
-              </a:ext>
-            </a:extLst>
-          </p:cNvPr>
+          <p:cNvPr id="9" name="Slide Number Placeholder 8"/>
           <p:cNvSpPr>
             <a:spLocks noGrp="1"/>
           </p:cNvSpPr>
@@ -2231,7 +3516,7 @@
     </p:spTree>
     <p:extLst>
       <p:ext uri="{BB962C8B-B14F-4D97-AF65-F5344CB8AC3E}">
-        <p14:creationId xmlns:p14="http://schemas.microsoft.com/office/powerpoint/2010/main" val="2204093776"/>
+        <p14:creationId xmlns:p14="http://schemas.microsoft.com/office/powerpoint/2010/main" val="3701510246"/>
       </p:ext>
     </p:extLst>
   </p:cSld>
@@ -2260,13 +3545,7 @@
       </p:grpSpPr>
       <p:sp>
         <p:nvSpPr>
-          <p:cNvPr id="2" name="Titre 1">
-            <a:extLst>
-              <a:ext uri="{FF2B5EF4-FFF2-40B4-BE49-F238E27FC236}">
-                <a16:creationId xmlns:a16="http://schemas.microsoft.com/office/drawing/2014/main" id="{EB523C25-8E1B-4BAA-8A1C-9A423533E83D}"/>
-              </a:ext>
-            </a:extLst>
-          </p:cNvPr>
+          <p:cNvPr id="2" name="Title 1"/>
           <p:cNvSpPr>
             <a:spLocks noGrp="1"/>
           </p:cNvSpPr>
@@ -2283,18 +3562,13 @@
               <a:rPr lang="fr-FR"/>
               <a:t>Modifiez le style du titre</a:t>
             </a:r>
-          </a:p>
-        </p:txBody>
-      </p:sp>
-      <p:sp>
-        <p:nvSpPr>
-          <p:cNvPr id="3" name="Espace réservé de la date 2">
-            <a:extLst>
-              <a:ext uri="{FF2B5EF4-FFF2-40B4-BE49-F238E27FC236}">
-                <a16:creationId xmlns:a16="http://schemas.microsoft.com/office/drawing/2014/main" id="{B0C5935D-A4AA-41F0-824C-67096067DEAC}"/>
-              </a:ext>
-            </a:extLst>
-          </p:cNvPr>
+            <a:endParaRPr lang="en-US" dirty="0"/>
+          </a:p>
+        </p:txBody>
+      </p:sp>
+      <p:sp>
+        <p:nvSpPr>
+          <p:cNvPr id="3" name="Date Placeholder 2"/>
           <p:cNvSpPr>
             <a:spLocks noGrp="1"/>
           </p:cNvSpPr>
@@ -2309,7 +3583,7 @@
           <a:p>
             <a:fld id="{BC20445E-C097-4449-A346-E7A2AC64279E}" type="datetime1">
               <a:rPr lang="fr-FR" smtClean="0"/>
-              <a:t>09/04/2019</a:t>
+              <a:t>11/04/2019</a:t>
             </a:fld>
             <a:endParaRPr lang="fr-FR"/>
           </a:p>
@@ -2317,13 +3591,7 @@
       </p:sp>
       <p:sp>
         <p:nvSpPr>
-          <p:cNvPr id="4" name="Espace réservé du pied de page 3">
-            <a:extLst>
-              <a:ext uri="{FF2B5EF4-FFF2-40B4-BE49-F238E27FC236}">
-                <a16:creationId xmlns:a16="http://schemas.microsoft.com/office/drawing/2014/main" id="{75CE50AD-8B3D-4061-824A-EDDDF28C7553}"/>
-              </a:ext>
-            </a:extLst>
-          </p:cNvPr>
+          <p:cNvPr id="4" name="Footer Placeholder 3"/>
           <p:cNvSpPr>
             <a:spLocks noGrp="1"/>
           </p:cNvSpPr>
@@ -2342,13 +3610,7 @@
       </p:sp>
       <p:sp>
         <p:nvSpPr>
-          <p:cNvPr id="5" name="Espace réservé du numéro de diapositive 4">
-            <a:extLst>
-              <a:ext uri="{FF2B5EF4-FFF2-40B4-BE49-F238E27FC236}">
-                <a16:creationId xmlns:a16="http://schemas.microsoft.com/office/drawing/2014/main" id="{E61C6DCE-312E-4A6A-8721-3D17031C6FFE}"/>
-              </a:ext>
-            </a:extLst>
-          </p:cNvPr>
+          <p:cNvPr id="5" name="Slide Number Placeholder 4"/>
           <p:cNvSpPr>
             <a:spLocks noGrp="1"/>
           </p:cNvSpPr>
@@ -2372,7 +3634,7 @@
     </p:spTree>
     <p:extLst>
       <p:ext uri="{BB962C8B-B14F-4D97-AF65-F5344CB8AC3E}">
-        <p14:creationId xmlns:p14="http://schemas.microsoft.com/office/powerpoint/2010/main" val="4233808655"/>
+        <p14:creationId xmlns:p14="http://schemas.microsoft.com/office/powerpoint/2010/main" val="4269040675"/>
       </p:ext>
     </p:extLst>
   </p:cSld>
@@ -2401,13 +3663,7 @@
       </p:grpSpPr>
       <p:sp>
         <p:nvSpPr>
-          <p:cNvPr id="2" name="Espace réservé de la date 1">
-            <a:extLst>
-              <a:ext uri="{FF2B5EF4-FFF2-40B4-BE49-F238E27FC236}">
-                <a16:creationId xmlns:a16="http://schemas.microsoft.com/office/drawing/2014/main" id="{008E4FAA-FB15-4BBD-BF40-F7424BAD4FC2}"/>
-              </a:ext>
-            </a:extLst>
-          </p:cNvPr>
+          <p:cNvPr id="2" name="Date Placeholder 1"/>
           <p:cNvSpPr>
             <a:spLocks noGrp="1"/>
           </p:cNvSpPr>
@@ -2422,7 +3678,7 @@
           <a:p>
             <a:fld id="{4D51378F-1B7C-4765-B556-414BBA697852}" type="datetime1">
               <a:rPr lang="fr-FR" smtClean="0"/>
-              <a:t>09/04/2019</a:t>
+              <a:t>11/04/2019</a:t>
             </a:fld>
             <a:endParaRPr lang="fr-FR"/>
           </a:p>
@@ -2430,13 +3686,7 @@
       </p:sp>
       <p:sp>
         <p:nvSpPr>
-          <p:cNvPr id="3" name="Espace réservé du pied de page 2">
-            <a:extLst>
-              <a:ext uri="{FF2B5EF4-FFF2-40B4-BE49-F238E27FC236}">
-                <a16:creationId xmlns:a16="http://schemas.microsoft.com/office/drawing/2014/main" id="{BCDB339D-70AC-4464-847A-27CC754D39ED}"/>
-              </a:ext>
-            </a:extLst>
-          </p:cNvPr>
+          <p:cNvPr id="3" name="Footer Placeholder 2"/>
           <p:cNvSpPr>
             <a:spLocks noGrp="1"/>
           </p:cNvSpPr>
@@ -2455,13 +3705,7 @@
       </p:sp>
       <p:sp>
         <p:nvSpPr>
-          <p:cNvPr id="4" name="Espace réservé du numéro de diapositive 3">
-            <a:extLst>
-              <a:ext uri="{FF2B5EF4-FFF2-40B4-BE49-F238E27FC236}">
-                <a16:creationId xmlns:a16="http://schemas.microsoft.com/office/drawing/2014/main" id="{065C61F4-C539-40A5-8C12-038381B1129B}"/>
-              </a:ext>
-            </a:extLst>
-          </p:cNvPr>
+          <p:cNvPr id="4" name="Slide Number Placeholder 3"/>
           <p:cNvSpPr>
             <a:spLocks noGrp="1"/>
           </p:cNvSpPr>
@@ -2485,7 +3729,7 @@
     </p:spTree>
     <p:extLst>
       <p:ext uri="{BB962C8B-B14F-4D97-AF65-F5344CB8AC3E}">
-        <p14:creationId xmlns:p14="http://schemas.microsoft.com/office/powerpoint/2010/main" val="135453807"/>
+        <p14:creationId xmlns:p14="http://schemas.microsoft.com/office/powerpoint/2010/main" val="2500945173"/>
       </p:ext>
     </p:extLst>
   </p:cSld>
@@ -2496,7 +3740,7 @@
 </file>
 
 <file path=ppt/slideLayouts/slideLayout8.xml><?xml version="1.0" encoding="utf-8"?>
-<p:sldLayout xmlns:a="http://schemas.openxmlformats.org/drawingml/2006/main" xmlns:r="http://schemas.openxmlformats.org/officeDocument/2006/relationships" xmlns:p="http://schemas.openxmlformats.org/presentationml/2006/main" type="objTx" preserve="1">
+<p:sldLayout xmlns:a="http://schemas.openxmlformats.org/drawingml/2006/main" xmlns:r="http://schemas.openxmlformats.org/officeDocument/2006/relationships" xmlns:p="http://schemas.openxmlformats.org/presentationml/2006/main" showMasterSp="0" type="objTx" preserve="1">
   <p:cSld name="Contenu avec légende">
     <p:spTree>
       <p:nvGrpSpPr>
@@ -2514,13 +3758,45 @@
       </p:grpSpPr>
       <p:sp>
         <p:nvSpPr>
-          <p:cNvPr id="2" name="Titre 1">
-            <a:extLst>
-              <a:ext uri="{FF2B5EF4-FFF2-40B4-BE49-F238E27FC236}">
-                <a16:creationId xmlns:a16="http://schemas.microsoft.com/office/drawing/2014/main" id="{F21C06E8-988D-4AE9-9C55-142D2F5C2868}"/>
-              </a:ext>
-            </a:extLst>
-          </p:cNvPr>
+          <p:cNvPr id="8" name="Rectangle 7" title="Background Shape"/>
+          <p:cNvSpPr/>
+          <p:nvPr/>
+        </p:nvSpPr>
+        <p:spPr>
+          <a:xfrm>
+            <a:off x="0" y="376"/>
+            <a:ext cx="5303520" cy="6857624"/>
+          </a:xfrm>
+          <a:prstGeom prst="rect">
+            <a:avLst/>
+          </a:prstGeom>
+          <a:solidFill>
+            <a:schemeClr val="accent1"/>
+          </a:solidFill>
+          <a:ln>
+            <a:noFill/>
+          </a:ln>
+        </p:spPr>
+        <p:style>
+          <a:lnRef idx="2">
+            <a:schemeClr val="accent1">
+              <a:shade val="50000"/>
+            </a:schemeClr>
+          </a:lnRef>
+          <a:fillRef idx="1">
+            <a:schemeClr val="accent1"/>
+          </a:fillRef>
+          <a:effectRef idx="0">
+            <a:schemeClr val="accent1"/>
+          </a:effectRef>
+          <a:fontRef idx="minor">
+            <a:schemeClr val="lt1"/>
+          </a:fontRef>
+        </p:style>
+      </p:sp>
+      <p:sp>
+        <p:nvSpPr>
+          <p:cNvPr id="2" name="Title 1"/>
           <p:cNvSpPr>
             <a:spLocks noGrp="1"/>
           </p:cNvSpPr>
@@ -2530,15 +3806,24 @@
         </p:nvSpPr>
         <p:spPr>
           <a:xfrm>
-            <a:off x="839788" y="457200"/>
-            <a:ext cx="3932237" cy="1600200"/>
+            <a:off x="723900" y="685800"/>
+            <a:ext cx="3855720" cy="2157884"/>
           </a:xfrm>
         </p:spPr>
         <p:txBody>
-          <a:bodyPr anchor="b"/>
+          <a:bodyPr anchor="t">
+            <a:noAutofit/>
+          </a:bodyPr>
           <a:lstStyle>
             <a:lvl1pPr>
-              <a:defRPr sz="3200"/>
+              <a:lnSpc>
+                <a:spcPct val="84000"/>
+              </a:lnSpc>
+              <a:defRPr sz="4800" baseline="0">
+                <a:solidFill>
+                  <a:schemeClr val="tx2"/>
+                </a:solidFill>
+              </a:defRPr>
             </a:lvl1pPr>
           </a:lstStyle>
           <a:p>
@@ -2546,18 +3831,13 @@
               <a:rPr lang="fr-FR"/>
               <a:t>Modifiez le style du titre</a:t>
             </a:r>
-          </a:p>
-        </p:txBody>
-      </p:sp>
-      <p:sp>
-        <p:nvSpPr>
-          <p:cNvPr id="3" name="Espace réservé du contenu 2">
-            <a:extLst>
-              <a:ext uri="{FF2B5EF4-FFF2-40B4-BE49-F238E27FC236}">
-                <a16:creationId xmlns:a16="http://schemas.microsoft.com/office/drawing/2014/main" id="{3E56C823-2E22-4070-B6F9-97F869757FA9}"/>
-              </a:ext>
-            </a:extLst>
-          </p:cNvPr>
+            <a:endParaRPr lang="en-US" dirty="0"/>
+          </a:p>
+        </p:txBody>
+      </p:sp>
+      <p:sp>
+        <p:nvSpPr>
+          <p:cNvPr id="3" name="Content Placeholder 2"/>
           <p:cNvSpPr>
             <a:spLocks noGrp="1"/>
           </p:cNvSpPr>
@@ -2567,39 +3847,39 @@
         </p:nvSpPr>
         <p:spPr>
           <a:xfrm>
-            <a:off x="5183188" y="987425"/>
-            <a:ext cx="6172200" cy="4873625"/>
+            <a:off x="6256020" y="685801"/>
+            <a:ext cx="5212080" cy="5175250"/>
           </a:xfrm>
         </p:spPr>
         <p:txBody>
           <a:bodyPr/>
           <a:lstStyle>
             <a:lvl1pPr>
-              <a:defRPr sz="3200"/>
+              <a:defRPr sz="2000"/>
             </a:lvl1pPr>
             <a:lvl2pPr>
-              <a:defRPr sz="2800"/>
+              <a:defRPr sz="2000"/>
             </a:lvl2pPr>
             <a:lvl3pPr>
-              <a:defRPr sz="2400"/>
+              <a:defRPr sz="1800"/>
             </a:lvl3pPr>
             <a:lvl4pPr>
-              <a:defRPr sz="2000"/>
+              <a:defRPr sz="1800"/>
             </a:lvl4pPr>
             <a:lvl5pPr>
-              <a:defRPr sz="2000"/>
+              <a:defRPr sz="1600"/>
             </a:lvl5pPr>
             <a:lvl6pPr>
-              <a:defRPr sz="2000"/>
+              <a:defRPr sz="1600"/>
             </a:lvl6pPr>
             <a:lvl7pPr>
-              <a:defRPr sz="2000"/>
+              <a:defRPr sz="1600"/>
             </a:lvl7pPr>
             <a:lvl8pPr>
-              <a:defRPr sz="2000"/>
+              <a:defRPr sz="1600"/>
             </a:lvl8pPr>
             <a:lvl9pPr>
-              <a:defRPr sz="2000"/>
+              <a:defRPr sz="1600"/>
             </a:lvl9pPr>
           </a:lstStyle>
           <a:p>
@@ -2636,18 +3916,13 @@
               <a:rPr lang="fr-FR"/>
               <a:t>Cinquième niveau</a:t>
             </a:r>
-          </a:p>
-        </p:txBody>
-      </p:sp>
-      <p:sp>
-        <p:nvSpPr>
-          <p:cNvPr id="4" name="Espace réservé du texte 3">
-            <a:extLst>
-              <a:ext uri="{FF2B5EF4-FFF2-40B4-BE49-F238E27FC236}">
-                <a16:creationId xmlns:a16="http://schemas.microsoft.com/office/drawing/2014/main" id="{0964CF2B-32BF-42BB-9610-9260225CCED9}"/>
-              </a:ext>
-            </a:extLst>
-          </p:cNvPr>
+            <a:endParaRPr lang="en-US" dirty="0"/>
+          </a:p>
+        </p:txBody>
+      </p:sp>
+      <p:sp>
+        <p:nvSpPr>
+          <p:cNvPr id="4" name="Text Placeholder 3"/>
           <p:cNvSpPr>
             <a:spLocks noGrp="1"/>
           </p:cNvSpPr>
@@ -2657,14 +3932,23 @@
         </p:nvSpPr>
         <p:spPr>
           <a:xfrm>
-            <a:off x="839788" y="2057400"/>
-            <a:ext cx="3932237" cy="3811588"/>
+            <a:off x="723900" y="2856344"/>
+            <a:ext cx="3855720" cy="3011056"/>
           </a:xfrm>
         </p:spPr>
         <p:txBody>
           <a:bodyPr/>
           <a:lstStyle>
             <a:lvl1pPr marL="0" indent="0">
+              <a:lnSpc>
+                <a:spcPct val="113000"/>
+              </a:lnSpc>
+              <a:spcBef>
+                <a:spcPts val="0"/>
+              </a:spcBef>
+              <a:spcAft>
+                <a:spcPts val="1500"/>
+              </a:spcAft>
               <a:buNone/>
               <a:defRPr sz="1600"/>
             </a:lvl1pPr>
@@ -2712,13 +3996,7 @@
       </p:sp>
       <p:sp>
         <p:nvSpPr>
-          <p:cNvPr id="5" name="Espace réservé de la date 4">
-            <a:extLst>
-              <a:ext uri="{FF2B5EF4-FFF2-40B4-BE49-F238E27FC236}">
-                <a16:creationId xmlns:a16="http://schemas.microsoft.com/office/drawing/2014/main" id="{F9AFC34E-FF63-4488-8861-E7FD0F2C8CC0}"/>
-              </a:ext>
-            </a:extLst>
-          </p:cNvPr>
+          <p:cNvPr id="5" name="Date Placeholder 4"/>
           <p:cNvSpPr>
             <a:spLocks noGrp="1"/>
           </p:cNvSpPr>
@@ -2726,14 +4004,27 @@
             <p:ph type="dt" sz="half" idx="10"/>
           </p:nvPr>
         </p:nvSpPr>
-        <p:spPr/>
+        <p:spPr>
+          <a:xfrm>
+            <a:off x="723900" y="6453386"/>
+            <a:ext cx="1204572" cy="404614"/>
+          </a:xfrm>
+        </p:spPr>
         <p:txBody>
           <a:bodyPr/>
-          <a:lstStyle/>
+          <a:lstStyle>
+            <a:lvl1pPr>
+              <a:defRPr>
+                <a:solidFill>
+                  <a:schemeClr val="tx2"/>
+                </a:solidFill>
+              </a:defRPr>
+            </a:lvl1pPr>
+          </a:lstStyle>
           <a:p>
             <a:fld id="{7E3C0D5E-83B9-4537-9F43-7CA77285A67A}" type="datetime1">
               <a:rPr lang="fr-FR" smtClean="0"/>
-              <a:t>09/04/2019</a:t>
+              <a:t>11/04/2019</a:t>
             </a:fld>
             <a:endParaRPr lang="fr-FR"/>
           </a:p>
@@ -2741,13 +4032,7 @@
       </p:sp>
       <p:sp>
         <p:nvSpPr>
-          <p:cNvPr id="6" name="Espace réservé du pied de page 5">
-            <a:extLst>
-              <a:ext uri="{FF2B5EF4-FFF2-40B4-BE49-F238E27FC236}">
-                <a16:creationId xmlns:a16="http://schemas.microsoft.com/office/drawing/2014/main" id="{3235A3BF-6613-4F96-9B47-29B420EB73E2}"/>
-              </a:ext>
-            </a:extLst>
-          </p:cNvPr>
+          <p:cNvPr id="6" name="Footer Placeholder 5"/>
           <p:cNvSpPr>
             <a:spLocks noGrp="1"/>
           </p:cNvSpPr>
@@ -2755,10 +4040,23 @@
             <p:ph type="ftr" sz="quarter" idx="11"/>
           </p:nvPr>
         </p:nvSpPr>
-        <p:spPr/>
+        <p:spPr>
+          <a:xfrm>
+            <a:off x="2205945" y="6453386"/>
+            <a:ext cx="2373675" cy="404614"/>
+          </a:xfrm>
+        </p:spPr>
         <p:txBody>
           <a:bodyPr/>
-          <a:lstStyle/>
+          <a:lstStyle>
+            <a:lvl1pPr>
+              <a:defRPr>
+                <a:solidFill>
+                  <a:schemeClr val="tx2"/>
+                </a:solidFill>
+              </a:defRPr>
+            </a:lvl1pPr>
+          </a:lstStyle>
           <a:p>
             <a:endParaRPr lang="fr-FR"/>
           </a:p>
@@ -2766,13 +4064,7 @@
       </p:sp>
       <p:sp>
         <p:nvSpPr>
-          <p:cNvPr id="7" name="Espace réservé du numéro de diapositive 6">
-            <a:extLst>
-              <a:ext uri="{FF2B5EF4-FFF2-40B4-BE49-F238E27FC236}">
-                <a16:creationId xmlns:a16="http://schemas.microsoft.com/office/drawing/2014/main" id="{3CFF9DCB-C593-4DAA-B9F2-EAEC409F6701}"/>
-              </a:ext>
-            </a:extLst>
-          </p:cNvPr>
+          <p:cNvPr id="7" name="Slide Number Placeholder 6"/>
           <p:cNvSpPr>
             <a:spLocks noGrp="1"/>
           </p:cNvSpPr>
@@ -2780,10 +4072,23 @@
             <p:ph type="sldNum" sz="quarter" idx="12"/>
           </p:nvPr>
         </p:nvSpPr>
-        <p:spPr/>
+        <p:spPr>
+          <a:xfrm>
+            <a:off x="9883140" y="6453386"/>
+            <a:ext cx="1596292" cy="404614"/>
+          </a:xfrm>
+        </p:spPr>
         <p:txBody>
           <a:bodyPr/>
-          <a:lstStyle/>
+          <a:lstStyle>
+            <a:lvl1pPr>
+              <a:defRPr>
+                <a:solidFill>
+                  <a:schemeClr val="tx2"/>
+                </a:solidFill>
+              </a:defRPr>
+            </a:lvl1pPr>
+          </a:lstStyle>
           <a:p>
             <a:fld id="{3129B59D-1082-45EE-B7B3-5CCEC6A72756}" type="slidenum">
               <a:rPr lang="fr-FR" smtClean="0"/>
@@ -2793,10 +4098,48 @@
           </a:p>
         </p:txBody>
       </p:sp>
+      <p:sp>
+        <p:nvSpPr>
+          <p:cNvPr id="9" name="Rectangle 8" title="Divider Bar"/>
+          <p:cNvSpPr/>
+          <p:nvPr/>
+        </p:nvSpPr>
+        <p:spPr>
+          <a:xfrm>
+            <a:off x="5303520" y="376"/>
+            <a:ext cx="228600" cy="6858000"/>
+          </a:xfrm>
+          <a:prstGeom prst="rect">
+            <a:avLst/>
+          </a:prstGeom>
+          <a:solidFill>
+            <a:schemeClr val="tx2"/>
+          </a:solidFill>
+          <a:ln>
+            <a:noFill/>
+          </a:ln>
+        </p:spPr>
+        <p:style>
+          <a:lnRef idx="2">
+            <a:schemeClr val="accent1">
+              <a:shade val="50000"/>
+            </a:schemeClr>
+          </a:lnRef>
+          <a:fillRef idx="1">
+            <a:schemeClr val="accent1"/>
+          </a:fillRef>
+          <a:effectRef idx="0">
+            <a:schemeClr val="accent1"/>
+          </a:effectRef>
+          <a:fontRef idx="minor">
+            <a:schemeClr val="lt1"/>
+          </a:fontRef>
+        </p:style>
+      </p:sp>
     </p:spTree>
     <p:extLst>
       <p:ext uri="{BB962C8B-B14F-4D97-AF65-F5344CB8AC3E}">
-        <p14:creationId xmlns:p14="http://schemas.microsoft.com/office/powerpoint/2010/main" val="1567939267"/>
+        <p14:creationId xmlns:p14="http://schemas.microsoft.com/office/powerpoint/2010/main" val="3452416363"/>
       </p:ext>
     </p:extLst>
   </p:cSld>
@@ -2807,7 +4150,7 @@
 </file>
 
 <file path=ppt/slideLayouts/slideLayout9.xml><?xml version="1.0" encoding="utf-8"?>
-<p:sldLayout xmlns:a="http://schemas.openxmlformats.org/drawingml/2006/main" xmlns:r="http://schemas.openxmlformats.org/officeDocument/2006/relationships" xmlns:p="http://schemas.openxmlformats.org/presentationml/2006/main" type="picTx" preserve="1">
+<p:sldLayout xmlns:a="http://schemas.openxmlformats.org/drawingml/2006/main" xmlns:r="http://schemas.openxmlformats.org/officeDocument/2006/relationships" xmlns:p="http://schemas.openxmlformats.org/presentationml/2006/main" showMasterSp="0" type="picTx" preserve="1">
   <p:cSld name="Image avec légende">
     <p:spTree>
       <p:nvGrpSpPr>
@@ -2825,13 +4168,45 @@
       </p:grpSpPr>
       <p:sp>
         <p:nvSpPr>
-          <p:cNvPr id="2" name="Titre 1">
-            <a:extLst>
-              <a:ext uri="{FF2B5EF4-FFF2-40B4-BE49-F238E27FC236}">
-                <a16:creationId xmlns:a16="http://schemas.microsoft.com/office/drawing/2014/main" id="{7692CDC1-93C8-40CA-BC97-D9B3149ED39D}"/>
-              </a:ext>
-            </a:extLst>
-          </p:cNvPr>
+          <p:cNvPr id="8" name="Rectangle 7" title="Background Shape"/>
+          <p:cNvSpPr/>
+          <p:nvPr/>
+        </p:nvSpPr>
+        <p:spPr>
+          <a:xfrm>
+            <a:off x="0" y="376"/>
+            <a:ext cx="5303520" cy="6857624"/>
+          </a:xfrm>
+          <a:prstGeom prst="rect">
+            <a:avLst/>
+          </a:prstGeom>
+          <a:solidFill>
+            <a:schemeClr val="accent1"/>
+          </a:solidFill>
+          <a:ln>
+            <a:noFill/>
+          </a:ln>
+        </p:spPr>
+        <p:style>
+          <a:lnRef idx="2">
+            <a:schemeClr val="accent1">
+              <a:shade val="50000"/>
+            </a:schemeClr>
+          </a:lnRef>
+          <a:fillRef idx="1">
+            <a:schemeClr val="accent1"/>
+          </a:fillRef>
+          <a:effectRef idx="0">
+            <a:schemeClr val="accent1"/>
+          </a:effectRef>
+          <a:fontRef idx="minor">
+            <a:schemeClr val="lt1"/>
+          </a:fontRef>
+        </p:style>
+      </p:sp>
+      <p:sp>
+        <p:nvSpPr>
+          <p:cNvPr id="2" name="Title 1"/>
           <p:cNvSpPr>
             <a:spLocks noGrp="1"/>
           </p:cNvSpPr>
@@ -2841,15 +4216,20 @@
         </p:nvSpPr>
         <p:spPr>
           <a:xfrm>
-            <a:off x="839788" y="457200"/>
-            <a:ext cx="3932237" cy="1600200"/>
+            <a:off x="723900" y="685800"/>
+            <a:ext cx="3855720" cy="2157884"/>
           </a:xfrm>
         </p:spPr>
         <p:txBody>
-          <a:bodyPr anchor="b"/>
+          <a:bodyPr anchor="t">
+            <a:normAutofit/>
+          </a:bodyPr>
           <a:lstStyle>
             <a:lvl1pPr>
-              <a:defRPr sz="3200"/>
+              <a:lnSpc>
+                <a:spcPct val="84000"/>
+              </a:lnSpc>
+              <a:defRPr sz="4800" baseline="0"/>
             </a:lvl1pPr>
           </a:lstStyle>
           <a:p>
@@ -2857,20 +4237,15 @@
               <a:rPr lang="fr-FR"/>
               <a:t>Modifiez le style du titre</a:t>
             </a:r>
-          </a:p>
-        </p:txBody>
-      </p:sp>
-      <p:sp>
-        <p:nvSpPr>
-          <p:cNvPr id="3" name="Espace réservé pour une image  2">
-            <a:extLst>
-              <a:ext uri="{FF2B5EF4-FFF2-40B4-BE49-F238E27FC236}">
-                <a16:creationId xmlns:a16="http://schemas.microsoft.com/office/drawing/2014/main" id="{3A01544D-2F62-472E-864D-569E9FD6C0A5}"/>
-              </a:ext>
-            </a:extLst>
-          </p:cNvPr>
-          <p:cNvSpPr>
-            <a:spLocks noGrp="1"/>
+            <a:endParaRPr lang="en-US" dirty="0"/>
+          </a:p>
+        </p:txBody>
+      </p:sp>
+      <p:sp>
+        <p:nvSpPr>
+          <p:cNvPr id="3" name="Picture Placeholder 2"/>
+          <p:cNvSpPr>
+            <a:spLocks noGrp="1" noChangeAspect="1"/>
           </p:cNvSpPr>
           <p:nvPr>
             <p:ph type="pic" idx="1"/>
@@ -2878,24 +4253,26 @@
         </p:nvSpPr>
         <p:spPr>
           <a:xfrm>
-            <a:off x="5183188" y="987425"/>
-            <a:ext cx="6172200" cy="4873625"/>
+            <a:off x="5532120" y="0"/>
+            <a:ext cx="6659880" cy="6857999"/>
           </a:xfrm>
         </p:spPr>
         <p:txBody>
-          <a:bodyPr/>
+          <a:bodyPr anchor="t">
+            <a:normAutofit/>
+          </a:bodyPr>
           <a:lstStyle>
             <a:lvl1pPr marL="0" indent="0">
               <a:buNone/>
-              <a:defRPr sz="3200"/>
+              <a:defRPr sz="2000"/>
             </a:lvl1pPr>
             <a:lvl2pPr marL="457200" indent="0">
               <a:buNone/>
-              <a:defRPr sz="2800"/>
+              <a:defRPr sz="2000"/>
             </a:lvl2pPr>
             <a:lvl3pPr marL="914400" indent="0">
               <a:buNone/>
-              <a:defRPr sz="2400"/>
+              <a:defRPr sz="2000"/>
             </a:lvl3pPr>
             <a:lvl4pPr marL="1371600" indent="0">
               <a:buNone/>
@@ -2923,19 +4300,17 @@
             </a:lvl9pPr>
           </a:lstStyle>
           <a:p>
-            <a:endParaRPr lang="fr-FR"/>
-          </a:p>
-        </p:txBody>
-      </p:sp>
-      <p:sp>
-        <p:nvSpPr>
-          <p:cNvPr id="4" name="Espace réservé du texte 3">
-            <a:extLst>
-              <a:ext uri="{FF2B5EF4-FFF2-40B4-BE49-F238E27FC236}">
-                <a16:creationId xmlns:a16="http://schemas.microsoft.com/office/drawing/2014/main" id="{87E8B4BB-8EB0-456D-BFC6-8255DFF5F5E0}"/>
-              </a:ext>
-            </a:extLst>
-          </p:cNvPr>
+            <a:r>
+              <a:rPr lang="fr-FR"/>
+              <a:t>Cliquez sur l'icône pour ajouter une image</a:t>
+            </a:r>
+            <a:endParaRPr lang="en-US" dirty="0"/>
+          </a:p>
+        </p:txBody>
+      </p:sp>
+      <p:sp>
+        <p:nvSpPr>
+          <p:cNvPr id="4" name="Text Placeholder 3"/>
           <p:cNvSpPr>
             <a:spLocks noGrp="1"/>
           </p:cNvSpPr>
@@ -2945,14 +4320,23 @@
         </p:nvSpPr>
         <p:spPr>
           <a:xfrm>
-            <a:off x="839788" y="2057400"/>
-            <a:ext cx="3932237" cy="3811588"/>
+            <a:off x="723900" y="2855968"/>
+            <a:ext cx="3855720" cy="3011432"/>
           </a:xfrm>
         </p:spPr>
         <p:txBody>
           <a:bodyPr/>
           <a:lstStyle>
             <a:lvl1pPr marL="0" indent="0">
+              <a:lnSpc>
+                <a:spcPct val="113000"/>
+              </a:lnSpc>
+              <a:spcBef>
+                <a:spcPts val="0"/>
+              </a:spcBef>
+              <a:spcAft>
+                <a:spcPts val="1500"/>
+              </a:spcAft>
               <a:buNone/>
               <a:defRPr sz="1600"/>
             </a:lvl1pPr>
@@ -3000,13 +4384,7 @@
       </p:sp>
       <p:sp>
         <p:nvSpPr>
-          <p:cNvPr id="5" name="Espace réservé de la date 4">
-            <a:extLst>
-              <a:ext uri="{FF2B5EF4-FFF2-40B4-BE49-F238E27FC236}">
-                <a16:creationId xmlns:a16="http://schemas.microsoft.com/office/drawing/2014/main" id="{A97AFD31-51E8-4E88-BB68-0DC61CEB46F0}"/>
-              </a:ext>
-            </a:extLst>
-          </p:cNvPr>
+          <p:cNvPr id="5" name="Date Placeholder 4"/>
           <p:cNvSpPr>
             <a:spLocks noGrp="1"/>
           </p:cNvSpPr>
@@ -3014,14 +4392,27 @@
             <p:ph type="dt" sz="half" idx="10"/>
           </p:nvPr>
         </p:nvSpPr>
-        <p:spPr/>
+        <p:spPr>
+          <a:xfrm>
+            <a:off x="723900" y="6453386"/>
+            <a:ext cx="1204572" cy="404614"/>
+          </a:xfrm>
+        </p:spPr>
         <p:txBody>
           <a:bodyPr/>
-          <a:lstStyle/>
+          <a:lstStyle>
+            <a:lvl1pPr>
+              <a:defRPr>
+                <a:solidFill>
+                  <a:schemeClr val="tx2"/>
+                </a:solidFill>
+              </a:defRPr>
+            </a:lvl1pPr>
+          </a:lstStyle>
           <a:p>
             <a:fld id="{2656B7E1-824B-4044-9A84-DB76C0FD0AF1}" type="datetime1">
               <a:rPr lang="fr-FR" smtClean="0"/>
-              <a:t>09/04/2019</a:t>
+              <a:t>11/04/2019</a:t>
             </a:fld>
             <a:endParaRPr lang="fr-FR"/>
           </a:p>
@@ -3029,13 +4420,7 @@
       </p:sp>
       <p:sp>
         <p:nvSpPr>
-          <p:cNvPr id="6" name="Espace réservé du pied de page 5">
-            <a:extLst>
-              <a:ext uri="{FF2B5EF4-FFF2-40B4-BE49-F238E27FC236}">
-                <a16:creationId xmlns:a16="http://schemas.microsoft.com/office/drawing/2014/main" id="{979B073B-87F6-427E-8C6D-F56AFB853D59}"/>
-              </a:ext>
-            </a:extLst>
-          </p:cNvPr>
+          <p:cNvPr id="6" name="Footer Placeholder 5"/>
           <p:cNvSpPr>
             <a:spLocks noGrp="1"/>
           </p:cNvSpPr>
@@ -3043,10 +4428,23 @@
             <p:ph type="ftr" sz="quarter" idx="11"/>
           </p:nvPr>
         </p:nvSpPr>
-        <p:spPr/>
+        <p:spPr>
+          <a:xfrm>
+            <a:off x="2205945" y="6453386"/>
+            <a:ext cx="2373675" cy="404614"/>
+          </a:xfrm>
+        </p:spPr>
         <p:txBody>
           <a:bodyPr/>
-          <a:lstStyle/>
+          <a:lstStyle>
+            <a:lvl1pPr>
+              <a:defRPr>
+                <a:solidFill>
+                  <a:schemeClr val="tx2"/>
+                </a:solidFill>
+              </a:defRPr>
+            </a:lvl1pPr>
+          </a:lstStyle>
           <a:p>
             <a:endParaRPr lang="fr-FR"/>
           </a:p>
@@ -3054,13 +4452,7 @@
       </p:sp>
       <p:sp>
         <p:nvSpPr>
-          <p:cNvPr id="7" name="Espace réservé du numéro de diapositive 6">
-            <a:extLst>
-              <a:ext uri="{FF2B5EF4-FFF2-40B4-BE49-F238E27FC236}">
-                <a16:creationId xmlns:a16="http://schemas.microsoft.com/office/drawing/2014/main" id="{CEB13639-78E2-4AF5-99CD-B838FECAB2B7}"/>
-              </a:ext>
-            </a:extLst>
-          </p:cNvPr>
+          <p:cNvPr id="7" name="Slide Number Placeholder 6"/>
           <p:cNvSpPr>
             <a:spLocks noGrp="1"/>
           </p:cNvSpPr>
@@ -3068,10 +4460,23 @@
             <p:ph type="sldNum" sz="quarter" idx="12"/>
           </p:nvPr>
         </p:nvSpPr>
-        <p:spPr/>
+        <p:spPr>
+          <a:xfrm>
+            <a:off x="9883140" y="6453386"/>
+            <a:ext cx="1596292" cy="404614"/>
+          </a:xfrm>
+        </p:spPr>
         <p:txBody>
           <a:bodyPr/>
-          <a:lstStyle/>
+          <a:lstStyle>
+            <a:lvl1pPr>
+              <a:defRPr>
+                <a:solidFill>
+                  <a:schemeClr val="tx2"/>
+                </a:solidFill>
+              </a:defRPr>
+            </a:lvl1pPr>
+          </a:lstStyle>
           <a:p>
             <a:fld id="{3129B59D-1082-45EE-B7B3-5CCEC6A72756}" type="slidenum">
               <a:rPr lang="fr-FR" smtClean="0"/>
@@ -3081,10 +4486,48 @@
           </a:p>
         </p:txBody>
       </p:sp>
+      <p:sp>
+        <p:nvSpPr>
+          <p:cNvPr id="9" name="Rectangle 8" title="Divider Bar"/>
+          <p:cNvSpPr/>
+          <p:nvPr/>
+        </p:nvSpPr>
+        <p:spPr>
+          <a:xfrm>
+            <a:off x="5303520" y="376"/>
+            <a:ext cx="228600" cy="6858000"/>
+          </a:xfrm>
+          <a:prstGeom prst="rect">
+            <a:avLst/>
+          </a:prstGeom>
+          <a:solidFill>
+            <a:schemeClr val="tx2"/>
+          </a:solidFill>
+          <a:ln>
+            <a:noFill/>
+          </a:ln>
+        </p:spPr>
+        <p:style>
+          <a:lnRef idx="2">
+            <a:schemeClr val="accent1">
+              <a:shade val="50000"/>
+            </a:schemeClr>
+          </a:lnRef>
+          <a:fillRef idx="1">
+            <a:schemeClr val="accent1"/>
+          </a:fillRef>
+          <a:effectRef idx="0">
+            <a:schemeClr val="accent1"/>
+          </a:effectRef>
+          <a:fontRef idx="minor">
+            <a:schemeClr val="lt1"/>
+          </a:fontRef>
+        </p:style>
+      </p:sp>
     </p:spTree>
     <p:extLst>
       <p:ext uri="{BB962C8B-B14F-4D97-AF65-F5344CB8AC3E}">
-        <p14:creationId xmlns:p14="http://schemas.microsoft.com/office/powerpoint/2010/main" val="2675861460"/>
+        <p14:creationId xmlns:p14="http://schemas.microsoft.com/office/powerpoint/2010/main" val="1000782393"/>
       </p:ext>
     </p:extLst>
   </p:cSld>
@@ -3098,9 +4541,12 @@
 <p:sldMaster xmlns:a="http://schemas.openxmlformats.org/drawingml/2006/main" xmlns:r="http://schemas.openxmlformats.org/officeDocument/2006/relationships" xmlns:p="http://schemas.openxmlformats.org/presentationml/2006/main">
   <p:cSld>
     <p:bg>
-      <p:bgRef idx="1001">
-        <a:schemeClr val="bg1"/>
-      </p:bgRef>
+      <p:bgPr>
+        <a:solidFill>
+          <a:schemeClr val="bg2"/>
+        </a:solidFill>
+        <a:effectLst/>
+      </p:bgPr>
     </p:bg>
     <p:spTree>
       <p:nvGrpSpPr>
@@ -3118,13 +4564,7 @@
       </p:grpSpPr>
       <p:sp>
         <p:nvSpPr>
-          <p:cNvPr id="2" name="Espace réservé du titre 1">
-            <a:extLst>
-              <a:ext uri="{FF2B5EF4-FFF2-40B4-BE49-F238E27FC236}">
-                <a16:creationId xmlns:a16="http://schemas.microsoft.com/office/drawing/2014/main" id="{F0D82A00-5D4F-42BA-A97E-BBF9DFB6B6FD}"/>
-              </a:ext>
-            </a:extLst>
-          </p:cNvPr>
+          <p:cNvPr id="2" name="Title Placeholder 1"/>
           <p:cNvSpPr>
             <a:spLocks noGrp="1"/>
           </p:cNvSpPr>
@@ -3134,15 +4574,15 @@
         </p:nvSpPr>
         <p:spPr>
           <a:xfrm>
-            <a:off x="838200" y="365125"/>
-            <a:ext cx="10515600" cy="1325563"/>
+            <a:off x="1371600" y="685800"/>
+            <a:ext cx="9601200" cy="1485900"/>
           </a:xfrm>
           <a:prstGeom prst="rect">
             <a:avLst/>
           </a:prstGeom>
         </p:spPr>
         <p:txBody>
-          <a:bodyPr vert="horz" lIns="91440" tIns="45720" rIns="91440" bIns="45720" rtlCol="0" anchor="ctr">
+          <a:bodyPr vert="horz" lIns="91440" tIns="45720" rIns="91440" bIns="45720" rtlCol="0" anchor="t">
             <a:normAutofit/>
           </a:bodyPr>
           <a:lstStyle/>
@@ -3151,18 +4591,13 @@
               <a:rPr lang="fr-FR"/>
               <a:t>Modifiez le style du titre</a:t>
             </a:r>
-          </a:p>
-        </p:txBody>
-      </p:sp>
-      <p:sp>
-        <p:nvSpPr>
-          <p:cNvPr id="3" name="Espace réservé du texte 2">
-            <a:extLst>
-              <a:ext uri="{FF2B5EF4-FFF2-40B4-BE49-F238E27FC236}">
-                <a16:creationId xmlns:a16="http://schemas.microsoft.com/office/drawing/2014/main" id="{00DB13BB-63D6-477F-92C3-98AE5B4FE497}"/>
-              </a:ext>
-            </a:extLst>
-          </p:cNvPr>
+            <a:endParaRPr lang="en-US" dirty="0"/>
+          </a:p>
+        </p:txBody>
+      </p:sp>
+      <p:sp>
+        <p:nvSpPr>
+          <p:cNvPr id="3" name="Text Placeholder 2"/>
           <p:cNvSpPr>
             <a:spLocks noGrp="1"/>
           </p:cNvSpPr>
@@ -3172,8 +4607,8 @@
         </p:nvSpPr>
         <p:spPr>
           <a:xfrm>
-            <a:off x="838200" y="1825625"/>
-            <a:ext cx="10515600" cy="4351338"/>
+            <a:off x="1371600" y="2286000"/>
+            <a:ext cx="9601200" cy="3581400"/>
           </a:xfrm>
           <a:prstGeom prst="rect">
             <a:avLst/>
@@ -3218,18 +4653,13 @@
               <a:rPr lang="fr-FR"/>
               <a:t>Cinquième niveau</a:t>
             </a:r>
-          </a:p>
-        </p:txBody>
-      </p:sp>
-      <p:sp>
-        <p:nvSpPr>
-          <p:cNvPr id="4" name="Espace réservé de la date 3">
-            <a:extLst>
-              <a:ext uri="{FF2B5EF4-FFF2-40B4-BE49-F238E27FC236}">
-                <a16:creationId xmlns:a16="http://schemas.microsoft.com/office/drawing/2014/main" id="{86F336AD-C413-4192-B0D7-E7735ADEC2F4}"/>
-              </a:ext>
-            </a:extLst>
-          </p:cNvPr>
+            <a:endParaRPr lang="en-US" dirty="0"/>
+          </a:p>
+        </p:txBody>
+      </p:sp>
+      <p:sp>
+        <p:nvSpPr>
+          <p:cNvPr id="4" name="Date Placeholder 3"/>
           <p:cNvSpPr>
             <a:spLocks noGrp="1"/>
           </p:cNvSpPr>
@@ -3239,8 +4669,8 @@
         </p:nvSpPr>
         <p:spPr>
           <a:xfrm>
-            <a:off x="838200" y="6356350"/>
-            <a:ext cx="2743200" cy="365125"/>
+            <a:off x="1390650" y="6453386"/>
+            <a:ext cx="1204572" cy="404614"/>
           </a:xfrm>
           <a:prstGeom prst="rect">
             <a:avLst/>
@@ -3250,11 +4680,9 @@
           <a:bodyPr vert="horz" lIns="91440" tIns="45720" rIns="91440" bIns="45720" rtlCol="0" anchor="ctr"/>
           <a:lstStyle>
             <a:lvl1pPr algn="l">
-              <a:defRPr sz="1200">
+              <a:defRPr sz="1200" baseline="0">
                 <a:solidFill>
-                  <a:schemeClr val="tx1">
-                    <a:tint val="75000"/>
-                  </a:schemeClr>
+                  <a:schemeClr val="tx2"/>
                 </a:solidFill>
               </a:defRPr>
             </a:lvl1pPr>
@@ -3262,7 +4690,7 @@
           <a:p>
             <a:fld id="{06394F4A-7D58-4D82-88B2-54CB712C27FA}" type="datetime1">
               <a:rPr lang="fr-FR" smtClean="0"/>
-              <a:t>09/04/2019</a:t>
+              <a:t>11/04/2019</a:t>
             </a:fld>
             <a:endParaRPr lang="fr-FR"/>
           </a:p>
@@ -3270,13 +4698,7 @@
       </p:sp>
       <p:sp>
         <p:nvSpPr>
-          <p:cNvPr id="5" name="Espace réservé du pied de page 4">
-            <a:extLst>
-              <a:ext uri="{FF2B5EF4-FFF2-40B4-BE49-F238E27FC236}">
-                <a16:creationId xmlns:a16="http://schemas.microsoft.com/office/drawing/2014/main" id="{3E681E3A-899E-435D-BDD1-6BEE9F3CA3D6}"/>
-              </a:ext>
-            </a:extLst>
-          </p:cNvPr>
+          <p:cNvPr id="5" name="Footer Placeholder 4"/>
           <p:cNvSpPr>
             <a:spLocks noGrp="1"/>
           </p:cNvSpPr>
@@ -3286,8 +4708,8 @@
         </p:nvSpPr>
         <p:spPr>
           <a:xfrm>
-            <a:off x="4038600" y="6356350"/>
-            <a:ext cx="4114800" cy="365125"/>
+            <a:off x="2893564" y="6453386"/>
+            <a:ext cx="6280830" cy="404614"/>
           </a:xfrm>
           <a:prstGeom prst="rect">
             <a:avLst/>
@@ -3296,12 +4718,10 @@
         <p:txBody>
           <a:bodyPr vert="horz" lIns="91440" tIns="45720" rIns="91440" bIns="45720" rtlCol="0" anchor="ctr"/>
           <a:lstStyle>
-            <a:lvl1pPr algn="ctr">
-              <a:defRPr sz="1200">
+            <a:lvl1pPr algn="l">
+              <a:defRPr sz="1200" baseline="0">
                 <a:solidFill>
-                  <a:schemeClr val="tx1">
-                    <a:tint val="75000"/>
-                  </a:schemeClr>
+                  <a:schemeClr val="tx2"/>
                 </a:solidFill>
               </a:defRPr>
             </a:lvl1pPr>
@@ -3313,13 +4733,7 @@
       </p:sp>
       <p:sp>
         <p:nvSpPr>
-          <p:cNvPr id="6" name="Espace réservé du numéro de diapositive 5">
-            <a:extLst>
-              <a:ext uri="{FF2B5EF4-FFF2-40B4-BE49-F238E27FC236}">
-                <a16:creationId xmlns:a16="http://schemas.microsoft.com/office/drawing/2014/main" id="{AC814A14-E7B0-4680-8183-A9765291F875}"/>
-              </a:ext>
-            </a:extLst>
-          </p:cNvPr>
+          <p:cNvPr id="6" name="Slide Number Placeholder 5"/>
           <p:cNvSpPr>
             <a:spLocks noGrp="1"/>
           </p:cNvSpPr>
@@ -3329,8 +4743,8 @@
         </p:nvSpPr>
         <p:spPr>
           <a:xfrm>
-            <a:off x="8610600" y="6356350"/>
-            <a:ext cx="2743200" cy="365125"/>
+            <a:off x="9472736" y="6453386"/>
+            <a:ext cx="1596292" cy="404614"/>
           </a:xfrm>
           <a:prstGeom prst="rect">
             <a:avLst/>
@@ -3340,11 +4754,9 @@
           <a:bodyPr vert="horz" lIns="91440" tIns="45720" rIns="91440" bIns="45720" rtlCol="0" anchor="ctr"/>
           <a:lstStyle>
             <a:lvl1pPr algn="r">
-              <a:defRPr sz="1200">
+              <a:defRPr sz="1200" baseline="0">
                 <a:solidFill>
-                  <a:schemeClr val="tx1">
-                    <a:tint val="75000"/>
-                  </a:schemeClr>
+                  <a:schemeClr val="tx2"/>
                 </a:solidFill>
               </a:defRPr>
             </a:lvl1pPr>
@@ -3358,41 +4770,79 @@
           </a:p>
         </p:txBody>
       </p:sp>
+      <p:sp>
+        <p:nvSpPr>
+          <p:cNvPr id="9" name="Rectangle 8" title="Side bar"/>
+          <p:cNvSpPr/>
+          <p:nvPr/>
+        </p:nvSpPr>
+        <p:spPr>
+          <a:xfrm>
+            <a:off x="478095" y="376"/>
+            <a:ext cx="228600" cy="6858000"/>
+          </a:xfrm>
+          <a:prstGeom prst="rect">
+            <a:avLst/>
+          </a:prstGeom>
+          <a:solidFill>
+            <a:schemeClr val="tx2"/>
+          </a:solidFill>
+          <a:ln>
+            <a:noFill/>
+          </a:ln>
+        </p:spPr>
+        <p:style>
+          <a:lnRef idx="2">
+            <a:schemeClr val="accent1">
+              <a:shade val="50000"/>
+            </a:schemeClr>
+          </a:lnRef>
+          <a:fillRef idx="1">
+            <a:schemeClr val="accent1"/>
+          </a:fillRef>
+          <a:effectRef idx="0">
+            <a:schemeClr val="accent1"/>
+          </a:effectRef>
+          <a:fontRef idx="minor">
+            <a:schemeClr val="lt1"/>
+          </a:fontRef>
+        </p:style>
+      </p:sp>
     </p:spTree>
     <p:extLst>
       <p:ext uri="{BB962C8B-B14F-4D97-AF65-F5344CB8AC3E}">
-        <p14:creationId xmlns:p14="http://schemas.microsoft.com/office/powerpoint/2010/main" val="3210738491"/>
+        <p14:creationId xmlns:p14="http://schemas.microsoft.com/office/powerpoint/2010/main" val="1693509021"/>
       </p:ext>
     </p:extLst>
   </p:cSld>
   <p:clrMap bg1="lt1" tx1="dk1" bg2="lt2" tx2="dk2" accent1="accent1" accent2="accent2" accent3="accent3" accent4="accent4" accent5="accent5" accent6="accent6" hlink="hlink" folHlink="folHlink"/>
   <p:sldLayoutIdLst>
-    <p:sldLayoutId id="2147483649" r:id="rId1"/>
-    <p:sldLayoutId id="2147483650" r:id="rId2"/>
-    <p:sldLayoutId id="2147483651" r:id="rId3"/>
-    <p:sldLayoutId id="2147483652" r:id="rId4"/>
-    <p:sldLayoutId id="2147483653" r:id="rId5"/>
-    <p:sldLayoutId id="2147483654" r:id="rId6"/>
-    <p:sldLayoutId id="2147483655" r:id="rId7"/>
-    <p:sldLayoutId id="2147483656" r:id="rId8"/>
-    <p:sldLayoutId id="2147483657" r:id="rId9"/>
-    <p:sldLayoutId id="2147483658" r:id="rId10"/>
-    <p:sldLayoutId id="2147483659" r:id="rId11"/>
+    <p:sldLayoutId id="2147483661" r:id="rId1"/>
+    <p:sldLayoutId id="2147483662" r:id="rId2"/>
+    <p:sldLayoutId id="2147483663" r:id="rId3"/>
+    <p:sldLayoutId id="2147483664" r:id="rId4"/>
+    <p:sldLayoutId id="2147483665" r:id="rId5"/>
+    <p:sldLayoutId id="2147483666" r:id="rId6"/>
+    <p:sldLayoutId id="2147483667" r:id="rId7"/>
+    <p:sldLayoutId id="2147483668" r:id="rId8"/>
+    <p:sldLayoutId id="2147483669" r:id="rId9"/>
+    <p:sldLayoutId id="2147483670" r:id="rId10"/>
+    <p:sldLayoutId id="2147483671" r:id="rId11"/>
   </p:sldLayoutIdLst>
   <p:hf hdr="0" ftr="0" dt="0"/>
   <p:txStyles>
     <p:titleStyle>
       <a:lvl1pPr algn="l" defTabSz="914400" rtl="0" eaLnBrk="1" latinLnBrk="0" hangingPunct="1">
         <a:lnSpc>
-          <a:spcPct val="90000"/>
+          <a:spcPct val="89000"/>
         </a:lnSpc>
         <a:spcBef>
           <a:spcPct val="0"/>
         </a:spcBef>
         <a:buNone/>
-        <a:defRPr sz="4400" kern="1200">
+        <a:defRPr sz="4400" kern="1200" baseline="0">
           <a:solidFill>
-            <a:schemeClr val="tx1"/>
+            <a:schemeClr val="tx2"/>
           </a:solidFill>
           <a:latin typeface="+mj-lt"/>
           <a:ea typeface="+mj-ea"/>
@@ -3401,162 +4851,189 @@
       </a:lvl1pPr>
     </p:titleStyle>
     <p:bodyStyle>
-      <a:lvl1pPr marL="228600" indent="-228600" algn="l" defTabSz="914400" rtl="0" eaLnBrk="1" latinLnBrk="0" hangingPunct="1">
+      <a:lvl1pPr marL="384048" indent="-384048" algn="l" defTabSz="914400" rtl="0" eaLnBrk="1" latinLnBrk="0" hangingPunct="1">
         <a:lnSpc>
-          <a:spcPct val="90000"/>
+          <a:spcPct val="94000"/>
         </a:lnSpc>
         <a:spcBef>
           <a:spcPts val="1000"/>
         </a:spcBef>
-        <a:buFont typeface="Arial" panose="020B0604020202020204" pitchFamily="34" charset="0"/>
-        <a:buChar char="•"/>
-        <a:defRPr sz="2800" kern="1200">
+        <a:spcAft>
+          <a:spcPts val="200"/>
+        </a:spcAft>
+        <a:buFont typeface="Franklin Gothic Book" panose="020B0503020102020204" pitchFamily="34" charset="0"/>
+        <a:buChar char="■"/>
+        <a:defRPr sz="2000" kern="1200" baseline="0">
           <a:solidFill>
-            <a:schemeClr val="tx1"/>
+            <a:schemeClr val="tx2"/>
           </a:solidFill>
           <a:latin typeface="+mn-lt"/>
           <a:ea typeface="+mn-ea"/>
           <a:cs typeface="+mn-cs"/>
         </a:defRPr>
       </a:lvl1pPr>
-      <a:lvl2pPr marL="685800" indent="-228600" algn="l" defTabSz="914400" rtl="0" eaLnBrk="1" latinLnBrk="0" hangingPunct="1">
+      <a:lvl2pPr marL="914400" indent="-384048" algn="l" defTabSz="914400" rtl="0" eaLnBrk="1" latinLnBrk="0" hangingPunct="1">
         <a:lnSpc>
-          <a:spcPct val="90000"/>
+          <a:spcPct val="94000"/>
         </a:lnSpc>
         <a:spcBef>
           <a:spcPts val="500"/>
         </a:spcBef>
-        <a:buFont typeface="Arial" panose="020B0604020202020204" pitchFamily="34" charset="0"/>
-        <a:buChar char="•"/>
-        <a:defRPr sz="2400" kern="1200">
+        <a:spcAft>
+          <a:spcPts val="200"/>
+        </a:spcAft>
+        <a:buFont typeface="Franklin Gothic Book" panose="020B0503020102020204" pitchFamily="34" charset="0"/>
+        <a:buChar char="–"/>
+        <a:defRPr sz="2000" i="1" kern="1200" baseline="0">
           <a:solidFill>
-            <a:schemeClr val="tx1"/>
+            <a:schemeClr val="tx2"/>
           </a:solidFill>
           <a:latin typeface="+mn-lt"/>
           <a:ea typeface="+mn-ea"/>
           <a:cs typeface="+mn-cs"/>
         </a:defRPr>
       </a:lvl2pPr>
-      <a:lvl3pPr marL="1143000" indent="-228600" algn="l" defTabSz="914400" rtl="0" eaLnBrk="1" latinLnBrk="0" hangingPunct="1">
+      <a:lvl3pPr marL="1371600" indent="-384048" algn="l" defTabSz="914400" rtl="0" eaLnBrk="1" latinLnBrk="0" hangingPunct="1">
         <a:lnSpc>
-          <a:spcPct val="90000"/>
+          <a:spcPct val="94000"/>
         </a:lnSpc>
         <a:spcBef>
           <a:spcPts val="500"/>
         </a:spcBef>
-        <a:buFont typeface="Arial" panose="020B0604020202020204" pitchFamily="34" charset="0"/>
-        <a:buChar char="•"/>
-        <a:defRPr sz="2000" kern="1200">
+        <a:spcAft>
+          <a:spcPts val="200"/>
+        </a:spcAft>
+        <a:buFont typeface="Franklin Gothic Book" panose="020B0503020102020204" pitchFamily="34" charset="0"/>
+        <a:buChar char="■"/>
+        <a:defRPr sz="1800" kern="1200" baseline="0">
           <a:solidFill>
-            <a:schemeClr val="tx1"/>
+            <a:schemeClr val="tx2"/>
           </a:solidFill>
           <a:latin typeface="+mn-lt"/>
           <a:ea typeface="+mn-ea"/>
           <a:cs typeface="+mn-cs"/>
         </a:defRPr>
       </a:lvl3pPr>
-      <a:lvl4pPr marL="1600200" indent="-228600" algn="l" defTabSz="914400" rtl="0" eaLnBrk="1" latinLnBrk="0" hangingPunct="1">
+      <a:lvl4pPr marL="1828800" indent="-384048" algn="l" defTabSz="914400" rtl="0" eaLnBrk="1" latinLnBrk="0" hangingPunct="1">
         <a:lnSpc>
-          <a:spcPct val="90000"/>
+          <a:spcPct val="94000"/>
         </a:lnSpc>
         <a:spcBef>
           <a:spcPts val="500"/>
         </a:spcBef>
-        <a:buFont typeface="Arial" panose="020B0604020202020204" pitchFamily="34" charset="0"/>
-        <a:buChar char="•"/>
-        <a:defRPr sz="1800" kern="1200">
+        <a:spcAft>
+          <a:spcPts val="200"/>
+        </a:spcAft>
+        <a:buFont typeface="Franklin Gothic Book" panose="020B0503020102020204" pitchFamily="34" charset="0"/>
+        <a:buChar char="–"/>
+        <a:defRPr sz="1800" i="1" kern="1200" baseline="0">
           <a:solidFill>
-            <a:schemeClr val="tx1"/>
+            <a:schemeClr val="tx2"/>
           </a:solidFill>
           <a:latin typeface="+mn-lt"/>
           <a:ea typeface="+mn-ea"/>
           <a:cs typeface="+mn-cs"/>
         </a:defRPr>
       </a:lvl4pPr>
-      <a:lvl5pPr marL="2057400" indent="-228600" algn="l" defTabSz="914400" rtl="0" eaLnBrk="1" latinLnBrk="0" hangingPunct="1">
+      <a:lvl5pPr marL="2286000" indent="-384048" algn="l" defTabSz="914400" rtl="0" eaLnBrk="1" latinLnBrk="0" hangingPunct="1">
         <a:lnSpc>
-          <a:spcPct val="90000"/>
+          <a:spcPct val="94000"/>
         </a:lnSpc>
         <a:spcBef>
           <a:spcPts val="500"/>
         </a:spcBef>
-        <a:buFont typeface="Arial" panose="020B0604020202020204" pitchFamily="34" charset="0"/>
-        <a:buChar char="•"/>
-        <a:defRPr sz="1800" kern="1200">
+        <a:spcAft>
+          <a:spcPts val="200"/>
+        </a:spcAft>
+        <a:buFont typeface="Franklin Gothic Book" panose="020B0503020102020204" pitchFamily="34" charset="0"/>
+        <a:buChar char="■"/>
+        <a:defRPr sz="1600" kern="1200" baseline="0">
           <a:solidFill>
-            <a:schemeClr val="tx1"/>
+            <a:schemeClr val="tx2"/>
           </a:solidFill>
           <a:latin typeface="+mn-lt"/>
           <a:ea typeface="+mn-ea"/>
           <a:cs typeface="+mn-cs"/>
         </a:defRPr>
       </a:lvl5pPr>
-      <a:lvl6pPr marL="2514600" indent="-228600" algn="l" defTabSz="914400" rtl="0" eaLnBrk="1" latinLnBrk="0" hangingPunct="1">
+      <a:lvl6pPr marL="2743200" indent="-384048" algn="l" defTabSz="914400" rtl="0" eaLnBrk="1" latinLnBrk="0" hangingPunct="1">
         <a:lnSpc>
-          <a:spcPct val="90000"/>
+          <a:spcPct val="94000"/>
         </a:lnSpc>
         <a:spcBef>
           <a:spcPts val="500"/>
         </a:spcBef>
-        <a:buFont typeface="Arial" panose="020B0604020202020204" pitchFamily="34" charset="0"/>
-        <a:buChar char="•"/>
-        <a:defRPr sz="1800" kern="1200">
+        <a:spcAft>
+          <a:spcPts val="200"/>
+        </a:spcAft>
+        <a:buFont typeface="Franklin Gothic Book" panose="020B0503020102020204" pitchFamily="34" charset="0"/>
+        <a:buChar char="–"/>
+        <a:defRPr sz="1600" i="1" kern="1200" baseline="0">
           <a:solidFill>
-            <a:schemeClr val="tx1"/>
+            <a:schemeClr val="tx2"/>
           </a:solidFill>
           <a:latin typeface="+mn-lt"/>
           <a:ea typeface="+mn-ea"/>
           <a:cs typeface="+mn-cs"/>
         </a:defRPr>
       </a:lvl6pPr>
-      <a:lvl7pPr marL="2971800" indent="-228600" algn="l" defTabSz="914400" rtl="0" eaLnBrk="1" latinLnBrk="0" hangingPunct="1">
+      <a:lvl7pPr marL="3200400" indent="-384048" algn="l" defTabSz="914400" rtl="0" eaLnBrk="1" latinLnBrk="0" hangingPunct="1">
         <a:lnSpc>
-          <a:spcPct val="90000"/>
+          <a:spcPct val="94000"/>
         </a:lnSpc>
         <a:spcBef>
           <a:spcPts val="500"/>
         </a:spcBef>
-        <a:buFont typeface="Arial" panose="020B0604020202020204" pitchFamily="34" charset="0"/>
-        <a:buChar char="•"/>
-        <a:defRPr sz="1800" kern="1200">
+        <a:spcAft>
+          <a:spcPts val="200"/>
+        </a:spcAft>
+        <a:buFont typeface="Franklin Gothic Book" panose="020B0503020102020204" pitchFamily="34" charset="0"/>
+        <a:buChar char="■"/>
+        <a:defRPr sz="1400" kern="1200" baseline="0">
           <a:solidFill>
-            <a:schemeClr val="tx1"/>
+            <a:schemeClr val="tx2"/>
           </a:solidFill>
           <a:latin typeface="+mn-lt"/>
           <a:ea typeface="+mn-ea"/>
           <a:cs typeface="+mn-cs"/>
         </a:defRPr>
       </a:lvl7pPr>
-      <a:lvl8pPr marL="3429000" indent="-228600" algn="l" defTabSz="914400" rtl="0" eaLnBrk="1" latinLnBrk="0" hangingPunct="1">
+      <a:lvl8pPr marL="3657600" indent="-384048" algn="l" defTabSz="914400" rtl="0" eaLnBrk="1" latinLnBrk="0" hangingPunct="1">
         <a:lnSpc>
-          <a:spcPct val="90000"/>
+          <a:spcPct val="94000"/>
         </a:lnSpc>
         <a:spcBef>
           <a:spcPts val="500"/>
         </a:spcBef>
-        <a:buFont typeface="Arial" panose="020B0604020202020204" pitchFamily="34" charset="0"/>
-        <a:buChar char="•"/>
-        <a:defRPr sz="1800" kern="1200">
+        <a:spcAft>
+          <a:spcPts val="200"/>
+        </a:spcAft>
+        <a:buFont typeface="Franklin Gothic Book" panose="020B0503020102020204" pitchFamily="34" charset="0"/>
+        <a:buChar char="–"/>
+        <a:defRPr sz="1400" i="1" kern="1200" baseline="0">
           <a:solidFill>
-            <a:schemeClr val="tx1"/>
+            <a:schemeClr val="tx2"/>
           </a:solidFill>
           <a:latin typeface="+mn-lt"/>
           <a:ea typeface="+mn-ea"/>
           <a:cs typeface="+mn-cs"/>
         </a:defRPr>
       </a:lvl8pPr>
-      <a:lvl9pPr marL="3886200" indent="-228600" algn="l" defTabSz="914400" rtl="0" eaLnBrk="1" latinLnBrk="0" hangingPunct="1">
+      <a:lvl9pPr marL="4114800" indent="-384048" algn="l" defTabSz="914400" rtl="0" eaLnBrk="1" latinLnBrk="0" hangingPunct="1">
         <a:lnSpc>
-          <a:spcPct val="90000"/>
+          <a:spcPct val="94000"/>
         </a:lnSpc>
         <a:spcBef>
           <a:spcPts val="500"/>
         </a:spcBef>
-        <a:buFont typeface="Arial" panose="020B0604020202020204" pitchFamily="34" charset="0"/>
-        <a:buChar char="•"/>
-        <a:defRPr sz="1800" kern="1200">
+        <a:spcAft>
+          <a:spcPts val="200"/>
+        </a:spcAft>
+        <a:buFont typeface="Franklin Gothic Book" panose="020B0503020102020204" pitchFamily="34" charset="0"/>
+        <a:buChar char="■"/>
+        <a:defRPr sz="1400" kern="1200" baseline="0">
           <a:solidFill>
-            <a:schemeClr val="tx1"/>
+            <a:schemeClr val="tx2"/>
           </a:solidFill>
           <a:latin typeface="+mn-lt"/>
           <a:ea typeface="+mn-ea"/>
@@ -3566,7 +5043,7 @@
     </p:bodyStyle>
     <p:otherStyle>
       <a:defPPr>
-        <a:defRPr lang="fr-FR"/>
+        <a:defRPr lang="en-US"/>
       </a:defPPr>
       <a:lvl1pPr marL="0" algn="l" defTabSz="914400" rtl="0" eaLnBrk="1" latinLnBrk="0" hangingPunct="1">
         <a:defRPr sz="1800" kern="1200">
@@ -3660,6 +5137,52 @@
       </a:lvl9pPr>
     </p:otherStyle>
   </p:txStyles>
+  <p:extLst mod="1">
+    <p:ext uri="{27BBF7A9-308A-43DC-89C8-2F10F3537804}">
+      <p15:sldGuideLst xmlns:p15="http://schemas.microsoft.com/office/powerpoint/2012/main">
+        <p15:guide id="3" orient="horz" pos="1368">
+          <p15:clr>
+            <a:srgbClr val="F26B43"/>
+          </p15:clr>
+        </p15:guide>
+        <p15:guide id="4" orient="horz" pos="1440">
+          <p15:clr>
+            <a:srgbClr val="F26B43"/>
+          </p15:clr>
+        </p15:guide>
+        <p15:guide id="6" orient="horz" pos="3696">
+          <p15:clr>
+            <a:srgbClr val="F26B43"/>
+          </p15:clr>
+        </p15:guide>
+        <p15:guide id="7" orient="horz" pos="432">
+          <p15:clr>
+            <a:srgbClr val="F26B43"/>
+          </p15:clr>
+        </p15:guide>
+        <p15:guide id="8" orient="horz" pos="1512">
+          <p15:clr>
+            <a:srgbClr val="F26B43"/>
+          </p15:clr>
+        </p15:guide>
+        <p15:guide id="9" pos="6912">
+          <p15:clr>
+            <a:srgbClr val="F26B43"/>
+          </p15:clr>
+        </p15:guide>
+        <p15:guide id="10" pos="936">
+          <p15:clr>
+            <a:srgbClr val="F26B43"/>
+          </p15:clr>
+        </p15:guide>
+        <p15:guide id="11" pos="864">
+          <p15:clr>
+            <a:srgbClr val="F26B43"/>
+          </p15:clr>
+        </p15:guide>
+      </p15:sldGuideLst>
+    </p:ext>
+  </p:extLst>
 </p:sldMaster>
 </file>
 
@@ -3840,13 +5363,13 @@
           <p:nvPr/>
         </p:nvPicPr>
         <p:blipFill>
-          <a:blip r:embed="rId2">
+          <a:blip r:embed="rId3">
             <a:extLst>
               <a:ext uri="{28A0092B-C50C-407E-A947-70E740481C1C}">
                 <a14:useLocalDpi xmlns:a14="http://schemas.microsoft.com/office/drawing/2010/main" val="0"/>
               </a:ext>
               <a:ext uri="{96DAC541-7B7A-43D3-8B79-37D633B846F1}">
-                <asvg:svgBlip xmlns:asvg="http://schemas.microsoft.com/office/drawing/2016/SVG/main" r:embed="rId3"/>
+                <asvg:svgBlip xmlns:asvg="http://schemas.microsoft.com/office/drawing/2016/SVG/main" r:embed="rId4"/>
               </a:ext>
             </a:extLst>
           </a:blip>
@@ -3856,7 +5379,7 @@
         </p:blipFill>
         <p:spPr>
           <a:xfrm>
-            <a:off x="2236796" y="2759477"/>
+            <a:off x="2236796" y="2759476"/>
             <a:ext cx="1339047" cy="1339047"/>
           </a:xfrm>
           <a:prstGeom prst="rect">
@@ -3879,13 +5402,13 @@
           <p:nvPr/>
         </p:nvPicPr>
         <p:blipFill>
-          <a:blip r:embed="rId4">
+          <a:blip r:embed="rId5">
             <a:extLst>
               <a:ext uri="{28A0092B-C50C-407E-A947-70E740481C1C}">
                 <a14:useLocalDpi xmlns:a14="http://schemas.microsoft.com/office/drawing/2010/main" val="0"/>
               </a:ext>
               <a:ext uri="{96DAC541-7B7A-43D3-8B79-37D633B846F1}">
-                <asvg:svgBlip xmlns:asvg="http://schemas.microsoft.com/office/drawing/2016/SVG/main" r:embed="rId5"/>
+                <asvg:svgBlip xmlns:asvg="http://schemas.microsoft.com/office/drawing/2016/SVG/main" r:embed="rId6"/>
               </a:ext>
             </a:extLst>
           </a:blip>
@@ -3895,7 +5418,7 @@
         </p:blipFill>
         <p:spPr>
           <a:xfrm>
-            <a:off x="8692537" y="2759476"/>
+            <a:off x="8866734" y="2759475"/>
             <a:ext cx="1339048" cy="1339048"/>
           </a:xfrm>
           <a:prstGeom prst="rect">
@@ -3918,7 +5441,7 @@
         <p:spPr>
           <a:xfrm>
             <a:off x="1944211" y="4012707"/>
-            <a:ext cx="1926454" cy="369332"/>
+            <a:ext cx="1926454" cy="646331"/>
           </a:xfrm>
           <a:prstGeom prst="rect">
             <a:avLst/>
@@ -3931,6 +5454,7 @@
           </a:bodyPr>
           <a:lstStyle/>
           <a:p>
+            <a:pPr algn="ctr"/>
             <a:r>
               <a:rPr lang="fr-FR" dirty="0">
                 <a:latin typeface="+mj-lt"/>
@@ -3955,13 +5479,13 @@
           <p:nvPr/>
         </p:nvPicPr>
         <p:blipFill>
-          <a:blip r:embed="rId6">
+          <a:blip r:embed="rId7">
             <a:extLst>
               <a:ext uri="{28A0092B-C50C-407E-A947-70E740481C1C}">
                 <a14:useLocalDpi xmlns:a14="http://schemas.microsoft.com/office/drawing/2010/main" val="0"/>
               </a:ext>
               <a:ext uri="{96DAC541-7B7A-43D3-8B79-37D633B846F1}">
-                <asvg:svgBlip xmlns:asvg="http://schemas.microsoft.com/office/drawing/2016/SVG/main" r:embed="rId7"/>
+                <asvg:svgBlip xmlns:asvg="http://schemas.microsoft.com/office/drawing/2016/SVG/main" r:embed="rId8"/>
               </a:ext>
             </a:extLst>
           </a:blip>
@@ -3971,7 +5495,7 @@
         </p:blipFill>
         <p:spPr>
           <a:xfrm>
-            <a:off x="5464666" y="2759476"/>
+            <a:off x="5709892" y="2759475"/>
             <a:ext cx="1339048" cy="1339048"/>
           </a:xfrm>
           <a:prstGeom prst="rect">
@@ -3993,8 +5517,8 @@
         </p:nvSpPr>
         <p:spPr>
           <a:xfrm>
-            <a:off x="5612077" y="4003830"/>
-            <a:ext cx="1339048" cy="369332"/>
+            <a:off x="5788539" y="4014888"/>
+            <a:ext cx="1534681" cy="369332"/>
           </a:xfrm>
           <a:prstGeom prst="rect">
             <a:avLst/>
@@ -4030,8 +5554,8 @@
         </p:nvSpPr>
         <p:spPr>
           <a:xfrm>
-            <a:off x="8768918" y="4012707"/>
-            <a:ext cx="1262667" cy="369332"/>
+            <a:off x="8888168" y="4012707"/>
+            <a:ext cx="1534681" cy="369332"/>
           </a:xfrm>
           <a:prstGeom prst="rect">
             <a:avLst/>
@@ -4127,7 +5651,7 @@
           <p:nvPr/>
         </p:nvPicPr>
         <p:blipFill>
-          <a:blip r:embed="rId2">
+          <a:blip r:embed="rId3">
             <a:extLst>
               <a:ext uri="{28A0092B-C50C-407E-A947-70E740481C1C}">
                 <a14:useLocalDpi xmlns:a14="http://schemas.microsoft.com/office/drawing/2010/main" val="0"/>
@@ -4140,7 +5664,7 @@
         </p:blipFill>
         <p:spPr>
           <a:xfrm>
-            <a:off x="1949608" y="1065321"/>
+            <a:off x="2096671" y="1249987"/>
             <a:ext cx="1579180" cy="1677879"/>
           </a:xfrm>
           <a:prstGeom prst="rect">
@@ -4163,7 +5687,7 @@
           <p:nvPr/>
         </p:nvPicPr>
         <p:blipFill>
-          <a:blip r:embed="rId3">
+          <a:blip r:embed="rId4">
             <a:extLst>
               <a:ext uri="{28A0092B-C50C-407E-A947-70E740481C1C}">
                 <a14:useLocalDpi xmlns:a14="http://schemas.microsoft.com/office/drawing/2010/main" val="0"/>
@@ -4176,7 +5700,7 @@
         </p:blipFill>
         <p:spPr>
           <a:xfrm>
-            <a:off x="4844110" y="2177110"/>
+            <a:off x="5117968" y="2177110"/>
             <a:ext cx="2503780" cy="2503780"/>
           </a:xfrm>
           <a:prstGeom prst="rect">
@@ -4199,11 +5723,11 @@
           <p:nvPr/>
         </p:nvPicPr>
         <p:blipFill rotWithShape="1">
-          <a:blip r:embed="rId4">
+          <a:blip r:embed="rId5">
             <a:extLst>
               <a:ext uri="{BEBA8EAE-BF5A-486C-A8C5-ECC9F3942E4B}">
                 <a14:imgProps xmlns:a14="http://schemas.microsoft.com/office/drawing/2010/main">
-                  <a14:imgLayer r:embed="rId5">
+                  <a14:imgLayer r:embed="rId6">
                     <a14:imgEffect>
                       <a14:brightnessContrast bright="40000" contrast="-40000"/>
                     </a14:imgEffect>
@@ -4220,7 +5744,7 @@
         </p:blipFill>
         <p:spPr>
           <a:xfrm>
-            <a:off x="8334828" y="1506060"/>
+            <a:off x="9128405" y="1506060"/>
             <a:ext cx="1492294" cy="1922940"/>
           </a:xfrm>
           <a:prstGeom prst="rect">
@@ -4234,42 +5758,6 @@
             <a:extLst>
               <a:ext uri="{FF2B5EF4-FFF2-40B4-BE49-F238E27FC236}">
                 <a16:creationId xmlns:a16="http://schemas.microsoft.com/office/drawing/2014/main" id="{561786F6-32A6-4B2B-987C-02D40C5EA696}"/>
-              </a:ext>
-            </a:extLst>
-          </p:cNvPr>
-          <p:cNvPicPr>
-            <a:picLocks noChangeAspect="1"/>
-          </p:cNvPicPr>
-          <p:nvPr/>
-        </p:nvPicPr>
-        <p:blipFill>
-          <a:blip r:embed="rId6">
-            <a:extLst>
-              <a:ext uri="{28A0092B-C50C-407E-A947-70E740481C1C}">
-                <a14:useLocalDpi xmlns:a14="http://schemas.microsoft.com/office/drawing/2010/main" val="0"/>
-              </a:ext>
-            </a:extLst>
-          </a:blip>
-          <a:stretch>
-            <a:fillRect/>
-          </a:stretch>
-        </p:blipFill>
-        <p:spPr>
-          <a:xfrm>
-            <a:off x="2171851" y="4114801"/>
-            <a:ext cx="1922941" cy="1922941"/>
-          </a:xfrm>
-          <a:prstGeom prst="rect">
-            <a:avLst/>
-          </a:prstGeom>
-        </p:spPr>
-      </p:pic>
-      <p:pic>
-        <p:nvPicPr>
-          <p:cNvPr id="17" name="Image 16">
-            <a:extLst>
-              <a:ext uri="{FF2B5EF4-FFF2-40B4-BE49-F238E27FC236}">
-                <a16:creationId xmlns:a16="http://schemas.microsoft.com/office/drawing/2014/main" id="{C54BAA22-35E6-407C-AD6E-14535DF46310}"/>
               </a:ext>
             </a:extLst>
           </p:cNvPr>
@@ -4292,8 +5780,8 @@
         </p:blipFill>
         <p:spPr>
           <a:xfrm>
-            <a:off x="8097208" y="4089821"/>
-            <a:ext cx="1791635" cy="1791635"/>
+            <a:off x="2337528" y="4110460"/>
+            <a:ext cx="1922941" cy="1922941"/>
           </a:xfrm>
           <a:prstGeom prst="rect">
             <a:avLst/>
@@ -4302,10 +5790,10 @@
       </p:pic>
       <p:pic>
         <p:nvPicPr>
-          <p:cNvPr id="19" name="Image 18">
+          <p:cNvPr id="17" name="Image 16">
             <a:extLst>
               <a:ext uri="{FF2B5EF4-FFF2-40B4-BE49-F238E27FC236}">
-                <a16:creationId xmlns:a16="http://schemas.microsoft.com/office/drawing/2014/main" id="{3A13430F-B4A2-40C4-9C8E-CA07FD28A751}"/>
+                <a16:creationId xmlns:a16="http://schemas.microsoft.com/office/drawing/2014/main" id="{C54BAA22-35E6-407C-AD6E-14535DF46310}"/>
               </a:ext>
             </a:extLst>
           </p:cNvPr>
@@ -4314,7 +5802,7 @@
           </p:cNvPicPr>
           <p:nvPr/>
         </p:nvPicPr>
-        <p:blipFill rotWithShape="1">
+        <p:blipFill>
           <a:blip r:embed="rId8">
             <a:extLst>
               <a:ext uri="{28A0092B-C50C-407E-A947-70E740481C1C}">
@@ -4322,13 +5810,50 @@
               </a:ext>
             </a:extLst>
           </a:blip>
-          <a:srcRect l="21092" r="22237"/>
-          <a:stretch/>
+          <a:stretch>
+            <a:fillRect/>
+          </a:stretch>
         </p:blipFill>
         <p:spPr>
           <a:xfrm>
-            <a:off x="5434475" y="108479"/>
-            <a:ext cx="1913415" cy="1960017"/>
+            <a:off x="8479247" y="4245801"/>
+            <a:ext cx="1791635" cy="1791635"/>
+          </a:xfrm>
+          <a:prstGeom prst="rect">
+            <a:avLst/>
+          </a:prstGeom>
+        </p:spPr>
+      </p:pic>
+      <p:pic>
+        <p:nvPicPr>
+          <p:cNvPr id="3" name="Image 2">
+            <a:extLst>
+              <a:ext uri="{FF2B5EF4-FFF2-40B4-BE49-F238E27FC236}">
+                <a16:creationId xmlns:a16="http://schemas.microsoft.com/office/drawing/2014/main" id="{E0936E20-4C7F-4038-A52C-2CB542C9EDEC}"/>
+              </a:ext>
+            </a:extLst>
+          </p:cNvPr>
+          <p:cNvPicPr>
+            <a:picLocks noChangeAspect="1"/>
+          </p:cNvPicPr>
+          <p:nvPr/>
+        </p:nvPicPr>
+        <p:blipFill>
+          <a:blip r:embed="rId9">
+            <a:extLst>
+              <a:ext uri="{28A0092B-C50C-407E-A947-70E740481C1C}">
+                <a14:useLocalDpi xmlns:a14="http://schemas.microsoft.com/office/drawing/2010/main" val="0"/>
+              </a:ext>
+            </a:extLst>
+          </a:blip>
+          <a:stretch>
+            <a:fillRect/>
+          </a:stretch>
+        </p:blipFill>
+        <p:spPr>
+          <a:xfrm>
+            <a:off x="4828775" y="679944"/>
+            <a:ext cx="3454699" cy="873836"/>
           </a:xfrm>
           <a:prstGeom prst="rect">
             <a:avLst/>
@@ -4425,7 +5950,7 @@
         </p:blipFill>
         <p:spPr>
           <a:xfrm>
-            <a:off x="5137951" y="2470951"/>
+            <a:off x="5459684" y="2183084"/>
             <a:ext cx="1916097" cy="1916097"/>
           </a:xfrm>
           <a:prstGeom prst="rect">
@@ -4464,7 +5989,7 @@
         </p:blipFill>
         <p:spPr>
           <a:xfrm>
-            <a:off x="9090851" y="2470951"/>
+            <a:off x="9268510" y="2625067"/>
             <a:ext cx="952633" cy="952633"/>
           </a:xfrm>
           <a:prstGeom prst="rect">
@@ -4500,7 +6025,7 @@
         </p:blipFill>
         <p:spPr>
           <a:xfrm>
-            <a:off x="2148515" y="2470951"/>
+            <a:off x="2521048" y="2625068"/>
             <a:ext cx="952633" cy="952633"/>
           </a:xfrm>
           <a:prstGeom prst="rect">
@@ -4522,7 +6047,7 @@
         </p:nvSpPr>
         <p:spPr>
           <a:xfrm>
-            <a:off x="2055239" y="3577701"/>
+            <a:off x="2427772" y="3645434"/>
             <a:ext cx="1139183" cy="381740"/>
           </a:xfrm>
           <a:prstGeom prst="rect">
@@ -4559,8 +6084,8 @@
         </p:nvSpPr>
         <p:spPr>
           <a:xfrm>
-            <a:off x="9044212" y="3577701"/>
-            <a:ext cx="1045909" cy="369332"/>
+            <a:off x="9210181" y="3577700"/>
+            <a:ext cx="1069290" cy="375536"/>
           </a:xfrm>
           <a:prstGeom prst="rect">
             <a:avLst/>
@@ -4881,39 +6406,10 @@
       </p:grpSpPr>
       <p:sp>
         <p:nvSpPr>
-          <p:cNvPr id="3" name="Espace réservé du contenu 2">
-            <a:extLst>
-              <a:ext uri="{FF2B5EF4-FFF2-40B4-BE49-F238E27FC236}">
-                <a16:creationId xmlns:a16="http://schemas.microsoft.com/office/drawing/2014/main" id="{E432E44F-4381-4D44-B096-CAC9D7CE1E88}"/>
-              </a:ext>
-            </a:extLst>
-          </p:cNvPr>
-          <p:cNvSpPr>
-            <a:spLocks noGrp="1"/>
-          </p:cNvSpPr>
-          <p:nvPr>
-            <p:ph idx="1"/>
-          </p:nvPr>
-        </p:nvSpPr>
-        <p:spPr/>
-        <p:txBody>
-          <a:bodyPr/>
-          <a:lstStyle/>
-          <a:p>
-            <a:r>
-              <a:rPr lang="fr-FR" dirty="0" err="1"/>
-              <a:t>mockup</a:t>
-            </a:r>
-            <a:endParaRPr lang="fr-FR" dirty="0"/>
-          </a:p>
-        </p:txBody>
-      </p:sp>
-      <p:sp>
-        <p:nvSpPr>
           <p:cNvPr id="4" name="Espace réservé du numéro de diapositive 3">
             <a:extLst>
               <a:ext uri="{FF2B5EF4-FFF2-40B4-BE49-F238E27FC236}">
-                <a16:creationId xmlns:a16="http://schemas.microsoft.com/office/drawing/2014/main" id="{21EAC62B-0FF5-475B-897E-42C070263787}"/>
+                <a16:creationId xmlns:a16="http://schemas.microsoft.com/office/drawing/2014/main" id="{F997A476-3512-466F-B02B-AA42D877172B}"/>
               </a:ext>
             </a:extLst>
           </p:cNvPr>
@@ -4940,7 +6436,7 @@
     </p:spTree>
     <p:extLst>
       <p:ext uri="{BB962C8B-B14F-4D97-AF65-F5344CB8AC3E}">
-        <p14:creationId xmlns:p14="http://schemas.microsoft.com/office/powerpoint/2010/main" val="4098307882"/>
+        <p14:creationId xmlns:p14="http://schemas.microsoft.com/office/powerpoint/2010/main" val="3771242756"/>
       </p:ext>
     </p:extLst>
   </p:cSld>
@@ -5031,13 +6527,13 @@
             <p:nvPr/>
           </p:nvPicPr>
           <p:blipFill>
-            <a:blip r:embed="rId2">
+            <a:blip r:embed="rId3">
               <a:extLst>
                 <a:ext uri="{28A0092B-C50C-407E-A947-70E740481C1C}">
                   <a14:useLocalDpi xmlns:a14="http://schemas.microsoft.com/office/drawing/2010/main" val="0"/>
                 </a:ext>
                 <a:ext uri="{96DAC541-7B7A-43D3-8B79-37D633B846F1}">
-                  <asvg:svgBlip xmlns:asvg="http://schemas.microsoft.com/office/drawing/2016/SVG/main" r:embed="rId3"/>
+                  <asvg:svgBlip xmlns:asvg="http://schemas.microsoft.com/office/drawing/2016/SVG/main" r:embed="rId4"/>
                 </a:ext>
               </a:extLst>
             </a:blip>
@@ -5070,13 +6566,13 @@
             <p:nvPr/>
           </p:nvPicPr>
           <p:blipFill>
-            <a:blip r:embed="rId2">
+            <a:blip r:embed="rId3">
               <a:extLst>
                 <a:ext uri="{28A0092B-C50C-407E-A947-70E740481C1C}">
                   <a14:useLocalDpi xmlns:a14="http://schemas.microsoft.com/office/drawing/2010/main" val="0"/>
                 </a:ext>
                 <a:ext uri="{96DAC541-7B7A-43D3-8B79-37D633B846F1}">
-                  <asvg:svgBlip xmlns:asvg="http://schemas.microsoft.com/office/drawing/2016/SVG/main" r:embed="rId3"/>
+                  <asvg:svgBlip xmlns:asvg="http://schemas.microsoft.com/office/drawing/2016/SVG/main" r:embed="rId4"/>
                 </a:ext>
               </a:extLst>
             </a:blip>
@@ -5109,13 +6605,13 @@
             <p:nvPr/>
           </p:nvPicPr>
           <p:blipFill>
-            <a:blip r:embed="rId4">
+            <a:blip r:embed="rId5">
               <a:extLst>
                 <a:ext uri="{28A0092B-C50C-407E-A947-70E740481C1C}">
                   <a14:useLocalDpi xmlns:a14="http://schemas.microsoft.com/office/drawing/2010/main" val="0"/>
                 </a:ext>
                 <a:ext uri="{96DAC541-7B7A-43D3-8B79-37D633B846F1}">
-                  <asvg:svgBlip xmlns:asvg="http://schemas.microsoft.com/office/drawing/2016/SVG/main" r:embed="rId5"/>
+                  <asvg:svgBlip xmlns:asvg="http://schemas.microsoft.com/office/drawing/2016/SVG/main" r:embed="rId6"/>
                 </a:ext>
               </a:extLst>
             </a:blip>
@@ -5149,13 +6645,13 @@
           <p:nvPr/>
         </p:nvPicPr>
         <p:blipFill>
-          <a:blip r:embed="rId6">
+          <a:blip r:embed="rId7">
             <a:extLst>
               <a:ext uri="{28A0092B-C50C-407E-A947-70E740481C1C}">
                 <a14:useLocalDpi xmlns:a14="http://schemas.microsoft.com/office/drawing/2010/main" val="0"/>
               </a:ext>
               <a:ext uri="{96DAC541-7B7A-43D3-8B79-37D633B846F1}">
-                <asvg:svgBlip xmlns:asvg="http://schemas.microsoft.com/office/drawing/2016/SVG/main" r:embed="rId7"/>
+                <asvg:svgBlip xmlns:asvg="http://schemas.microsoft.com/office/drawing/2016/SVG/main" r:embed="rId8"/>
               </a:ext>
             </a:extLst>
           </a:blip>
@@ -5188,13 +6684,13 @@
           <p:nvPr/>
         </p:nvPicPr>
         <p:blipFill>
-          <a:blip r:embed="rId8">
+          <a:blip r:embed="rId9">
             <a:extLst>
               <a:ext uri="{28A0092B-C50C-407E-A947-70E740481C1C}">
                 <a14:useLocalDpi xmlns:a14="http://schemas.microsoft.com/office/drawing/2010/main" val="0"/>
               </a:ext>
               <a:ext uri="{96DAC541-7B7A-43D3-8B79-37D633B846F1}">
-                <asvg:svgBlip xmlns:asvg="http://schemas.microsoft.com/office/drawing/2016/SVG/main" r:embed="rId9"/>
+                <asvg:svgBlip xmlns:asvg="http://schemas.microsoft.com/office/drawing/2016/SVG/main" r:embed="rId10"/>
               </a:ext>
             </a:extLst>
           </a:blip>
@@ -5227,13 +6723,13 @@
           <p:nvPr/>
         </p:nvPicPr>
         <p:blipFill>
-          <a:blip r:embed="rId10">
+          <a:blip r:embed="rId11">
             <a:extLst>
               <a:ext uri="{28A0092B-C50C-407E-A947-70E740481C1C}">
                 <a14:useLocalDpi xmlns:a14="http://schemas.microsoft.com/office/drawing/2010/main" val="0"/>
               </a:ext>
               <a:ext uri="{96DAC541-7B7A-43D3-8B79-37D633B846F1}">
-                <asvg:svgBlip xmlns:asvg="http://schemas.microsoft.com/office/drawing/2016/SVG/main" r:embed="rId11"/>
+                <asvg:svgBlip xmlns:asvg="http://schemas.microsoft.com/office/drawing/2016/SVG/main" r:embed="rId12"/>
               </a:ext>
             </a:extLst>
           </a:blip>
@@ -5377,7 +6873,7 @@
         <p:spPr>
           <a:xfrm>
             <a:off x="9982200" y="3685809"/>
-            <a:ext cx="782945" cy="369332"/>
+            <a:ext cx="982450" cy="369332"/>
           </a:xfrm>
           <a:prstGeom prst="rect">
             <a:avLst/>
@@ -5413,9 +6909,9 @@
 </file>
 
 <file path=ppt/theme/theme1.xml><?xml version="1.0" encoding="utf-8"?>
-<a:theme xmlns:a="http://schemas.openxmlformats.org/drawingml/2006/main" name="Thème Office">
+<a:theme xmlns:a="http://schemas.openxmlformats.org/drawingml/2006/main" name="Cadrage">
   <a:themeElements>
-    <a:clrScheme name="Office">
+    <a:clrScheme name="Cadrage">
       <a:dk1>
         <a:sysClr val="windowText" lastClr="000000"/>
       </a:dk1>
@@ -5423,100 +6919,48 @@
         <a:sysClr val="window" lastClr="FFFFFF"/>
       </a:lt1>
       <a:dk2>
-        <a:srgbClr val="44546A"/>
+        <a:srgbClr val="191B0E"/>
       </a:dk2>
       <a:lt2>
-        <a:srgbClr val="E7E6E6"/>
+        <a:srgbClr val="EFEDE3"/>
       </a:lt2>
       <a:accent1>
-        <a:srgbClr val="4472C4"/>
+        <a:srgbClr val="8C8D86"/>
       </a:accent1>
       <a:accent2>
-        <a:srgbClr val="ED7D31"/>
+        <a:srgbClr val="E6C069"/>
       </a:accent2>
       <a:accent3>
-        <a:srgbClr val="A5A5A5"/>
+        <a:srgbClr val="897B61"/>
       </a:accent3>
       <a:accent4>
-        <a:srgbClr val="FFC000"/>
+        <a:srgbClr val="8DAB8E"/>
       </a:accent4>
       <a:accent5>
-        <a:srgbClr val="5B9BD5"/>
+        <a:srgbClr val="77A2BB"/>
       </a:accent5>
       <a:accent6>
-        <a:srgbClr val="70AD47"/>
+        <a:srgbClr val="E28394"/>
       </a:accent6>
       <a:hlink>
-        <a:srgbClr val="0563C1"/>
+        <a:srgbClr val="77A2BB"/>
       </a:hlink>
       <a:folHlink>
-        <a:srgbClr val="954F72"/>
+        <a:srgbClr val="957A99"/>
       </a:folHlink>
     </a:clrScheme>
-    <a:fontScheme name="Office">
+    <a:fontScheme name="Cadrage">
       <a:majorFont>
-        <a:latin typeface="Calibri Light" panose="020F0302020204030204"/>
+        <a:latin typeface="Franklin Gothic Book" panose="020B0503020102020204"/>
         <a:ea typeface=""/>
         <a:cs typeface=""/>
-        <a:font script="Jpan" typeface="游ゴシック Light"/>
-        <a:font script="Hang" typeface="맑은 고딕"/>
-        <a:font script="Hans" typeface="等线 Light"/>
-        <a:font script="Hant" typeface="新細明體"/>
-        <a:font script="Arab" typeface="Times New Roman"/>
-        <a:font script="Hebr" typeface="Times New Roman"/>
-        <a:font script="Thai" typeface="Angsana New"/>
-        <a:font script="Ethi" typeface="Nyala"/>
-        <a:font script="Beng" typeface="Vrinda"/>
-        <a:font script="Gujr" typeface="Shruti"/>
-        <a:font script="Khmr" typeface="MoolBoran"/>
-        <a:font script="Knda" typeface="Tunga"/>
-        <a:font script="Guru" typeface="Raavi"/>
-        <a:font script="Cans" typeface="Euphemia"/>
-        <a:font script="Cher" typeface="Plantagenet Cherokee"/>
-        <a:font script="Yiii" typeface="Microsoft Yi Baiti"/>
-        <a:font script="Tibt" typeface="Microsoft Himalaya"/>
-        <a:font script="Thaa" typeface="MV Boli"/>
-        <a:font script="Deva" typeface="Mangal"/>
-        <a:font script="Telu" typeface="Gautami"/>
-        <a:font script="Taml" typeface="Latha"/>
-        <a:font script="Syrc" typeface="Estrangelo Edessa"/>
-        <a:font script="Orya" typeface="Kalinga"/>
-        <a:font script="Mlym" typeface="Kartika"/>
-        <a:font script="Laoo" typeface="DokChampa"/>
-        <a:font script="Sinh" typeface="Iskoola Pota"/>
-        <a:font script="Mong" typeface="Mongolian Baiti"/>
-        <a:font script="Viet" typeface="Times New Roman"/>
-        <a:font script="Uigh" typeface="Microsoft Uighur"/>
-        <a:font script="Geor" typeface="Sylfaen"/>
-        <a:font script="Armn" typeface="Arial"/>
-        <a:font script="Bugi" typeface="Leelawadee UI"/>
-        <a:font script="Bopo" typeface="Microsoft JhengHei"/>
-        <a:font script="Java" typeface="Javanese Text"/>
-        <a:font script="Lisu" typeface="Segoe UI"/>
-        <a:font script="Mymr" typeface="Myanmar Text"/>
-        <a:font script="Nkoo" typeface="Ebrima"/>
-        <a:font script="Olck" typeface="Nirmala UI"/>
-        <a:font script="Osma" typeface="Ebrima"/>
-        <a:font script="Phag" typeface="Phagspa"/>
-        <a:font script="Syrn" typeface="Estrangelo Edessa"/>
-        <a:font script="Syrj" typeface="Estrangelo Edessa"/>
-        <a:font script="Syre" typeface="Estrangelo Edessa"/>
-        <a:font script="Sora" typeface="Nirmala UI"/>
-        <a:font script="Tale" typeface="Microsoft Tai Le"/>
-        <a:font script="Talu" typeface="Microsoft New Tai Lue"/>
-        <a:font script="Tfng" typeface="Ebrima"/>
-      </a:majorFont>
-      <a:minorFont>
-        <a:latin typeface="Calibri" panose="020F0502020204030204"/>
-        <a:ea typeface=""/>
-        <a:cs typeface=""/>
-        <a:font script="Jpan" typeface="游ゴシック"/>
-        <a:font script="Hang" typeface="맑은 고딕"/>
-        <a:font script="Hans" typeface="等线"/>
-        <a:font script="Hant" typeface="新細明體"/>
-        <a:font script="Arab" typeface="Arial"/>
-        <a:font script="Hebr" typeface="Arial"/>
-        <a:font script="Thai" typeface="Cordia New"/>
+        <a:font script="Jpan" typeface="メイリオ"/>
+        <a:font script="Hang" typeface="돋움"/>
+        <a:font script="Hans" typeface="华文楷体"/>
+        <a:font script="Hant" typeface="微軟正黑體"/>
+        <a:font script="Arab" typeface="Tahoma"/>
+        <a:font script="Hebr" typeface="Aharoni"/>
+        <a:font script="Thai" typeface="LilyUPC"/>
         <a:font script="Ethi" typeface="Nyala"/>
         <a:font script="Beng" typeface="Vrinda"/>
         <a:font script="Gujr" typeface="Shruti"/>
@@ -5537,29 +6981,47 @@
         <a:font script="Laoo" typeface="DokChampa"/>
         <a:font script="Sinh" typeface="Iskoola Pota"/>
         <a:font script="Mong" typeface="Mongolian Baiti"/>
-        <a:font script="Viet" typeface="Arial"/>
+        <a:font script="Viet" typeface="Tahoma"/>
         <a:font script="Uigh" typeface="Microsoft Uighur"/>
         <a:font script="Geor" typeface="Sylfaen"/>
-        <a:font script="Armn" typeface="Arial"/>
-        <a:font script="Bugi" typeface="Leelawadee UI"/>
-        <a:font script="Bopo" typeface="Microsoft JhengHei"/>
-        <a:font script="Java" typeface="Javanese Text"/>
-        <a:font script="Lisu" typeface="Segoe UI"/>
-        <a:font script="Mymr" typeface="Myanmar Text"/>
-        <a:font script="Nkoo" typeface="Ebrima"/>
-        <a:font script="Olck" typeface="Nirmala UI"/>
-        <a:font script="Osma" typeface="Ebrima"/>
-        <a:font script="Phag" typeface="Phagspa"/>
-        <a:font script="Syrn" typeface="Estrangelo Edessa"/>
-        <a:font script="Syrj" typeface="Estrangelo Edessa"/>
-        <a:font script="Syre" typeface="Estrangelo Edessa"/>
-        <a:font script="Sora" typeface="Nirmala UI"/>
-        <a:font script="Tale" typeface="Microsoft Tai Le"/>
-        <a:font script="Talu" typeface="Microsoft New Tai Lue"/>
-        <a:font script="Tfng" typeface="Ebrima"/>
+      </a:majorFont>
+      <a:minorFont>
+        <a:latin typeface="Franklin Gothic Book" panose="020B0503020102020204"/>
+        <a:ea typeface=""/>
+        <a:cs typeface=""/>
+        <a:font script="Jpan" typeface="メイリオ"/>
+        <a:font script="Hang" typeface="돋움"/>
+        <a:font script="Hans" typeface="华文楷体"/>
+        <a:font script="Hant" typeface="微軟正黑體"/>
+        <a:font script="Arab" typeface="Tahoma"/>
+        <a:font script="Hebr" typeface="Aharoni"/>
+        <a:font script="Thai" typeface="LilyUPC"/>
+        <a:font script="Ethi" typeface="Nyala"/>
+        <a:font script="Beng" typeface="Vrinda"/>
+        <a:font script="Gujr" typeface="Shruti"/>
+        <a:font script="Khmr" typeface="DaunPenh"/>
+        <a:font script="Knda" typeface="Tunga"/>
+        <a:font script="Guru" typeface="Raavi"/>
+        <a:font script="Cans" typeface="Euphemia"/>
+        <a:font script="Cher" typeface="Plantagenet Cherokee"/>
+        <a:font script="Yiii" typeface="Microsoft Yi Baiti"/>
+        <a:font script="Tibt" typeface="Microsoft Himalaya"/>
+        <a:font script="Thaa" typeface="MV Boli"/>
+        <a:font script="Deva" typeface="Mangal"/>
+        <a:font script="Telu" typeface="Gautami"/>
+        <a:font script="Taml" typeface="Latha"/>
+        <a:font script="Syrc" typeface="Estrangelo Edessa"/>
+        <a:font script="Orya" typeface="Kalinga"/>
+        <a:font script="Mlym" typeface="Kartika"/>
+        <a:font script="Laoo" typeface="DokChampa"/>
+        <a:font script="Sinh" typeface="Iskoola Pota"/>
+        <a:font script="Mong" typeface="Mongolian Baiti"/>
+        <a:font script="Viet" typeface="Tahoma"/>
+        <a:font script="Uigh" typeface="Microsoft Uighur"/>
+        <a:font script="Geor" typeface="Sylfaen"/>
       </a:minorFont>
     </a:fontScheme>
-    <a:fmtScheme name="Office">
+    <a:fmtScheme name="Cadrage">
       <a:fillStyleLst>
         <a:solidFill>
           <a:schemeClr val="phClr"/>
@@ -5568,23 +7030,23 @@
           <a:gsLst>
             <a:gs pos="0">
               <a:schemeClr val="phClr">
+                <a:tint val="67000"/>
+                <a:satMod val="105000"/>
                 <a:lumMod val="110000"/>
-                <a:satMod val="105000"/>
-                <a:tint val="67000"/>
               </a:schemeClr>
             </a:gs>
             <a:gs pos="50000">
               <a:schemeClr val="phClr">
+                <a:tint val="73000"/>
+                <a:satMod val="103000"/>
                 <a:lumMod val="105000"/>
-                <a:satMod val="103000"/>
-                <a:tint val="73000"/>
               </a:schemeClr>
             </a:gs>
             <a:gs pos="100000">
               <a:schemeClr val="phClr">
+                <a:tint val="81000"/>
+                <a:satMod val="109000"/>
                 <a:lumMod val="105000"/>
-                <a:satMod val="109000"/>
-                <a:tint val="81000"/>
               </a:schemeClr>
             </a:gs>
           </a:gsLst>
@@ -5594,23 +7056,23 @@
           <a:gsLst>
             <a:gs pos="0">
               <a:schemeClr val="phClr">
+                <a:tint val="94000"/>
                 <a:satMod val="103000"/>
                 <a:lumMod val="102000"/>
-                <a:tint val="94000"/>
               </a:schemeClr>
             </a:gs>
             <a:gs pos="50000">
               <a:schemeClr val="phClr">
+                <a:shade val="100000"/>
                 <a:satMod val="110000"/>
                 <a:lumMod val="100000"/>
-                <a:shade val="100000"/>
               </a:schemeClr>
             </a:gs>
             <a:gs pos="100000">
               <a:schemeClr val="phClr">
+                <a:shade val="78000"/>
+                <a:satMod val="120000"/>
                 <a:lumMod val="99000"/>
-                <a:satMod val="120000"/>
-                <a:shade val="78000"/>
               </a:schemeClr>
             </a:gs>
           </a:gsLst>
@@ -5618,26 +7080,23 @@
         </a:gradFill>
       </a:fillStyleLst>
       <a:lnStyleLst>
-        <a:ln w="6350" cap="flat" cmpd="sng" algn="ctr">
+        <a:ln w="6350" cap="flat" cmpd="sng" algn="in">
           <a:solidFill>
             <a:schemeClr val="phClr"/>
           </a:solidFill>
           <a:prstDash val="solid"/>
-          <a:miter lim="800000"/>
         </a:ln>
-        <a:ln w="12700" cap="flat" cmpd="sng" algn="ctr">
+        <a:ln w="34925" cap="flat" cmpd="sng" algn="in">
           <a:solidFill>
             <a:schemeClr val="phClr"/>
           </a:solidFill>
           <a:prstDash val="solid"/>
-          <a:miter lim="800000"/>
         </a:ln>
-        <a:ln w="19050" cap="flat" cmpd="sng" algn="ctr">
+        <a:ln w="19050" cap="flat" cmpd="sng" algn="in">
           <a:solidFill>
             <a:schemeClr val="phClr"/>
           </a:solidFill>
           <a:prstDash val="solid"/>
-          <a:miter lim="800000"/>
         </a:ln>
       </a:lnStyleLst>
       <a:effectStyleLst>
@@ -5651,7 +7110,7 @@
           <a:effectLst>
             <a:outerShdw blurRad="57150" dist="19050" dir="5400000" algn="ctr" rotWithShape="0">
               <a:srgbClr val="000000">
-                <a:alpha val="63000"/>
+                <a:alpha val="35000"/>
               </a:srgbClr>
             </a:outerShdw>
           </a:effectLst>
@@ -5672,16 +7131,16 @@
             <a:gs pos="0">
               <a:schemeClr val="phClr">
                 <a:tint val="93000"/>
+                <a:shade val="98000"/>
                 <a:satMod val="150000"/>
-                <a:shade val="98000"/>
                 <a:lumMod val="102000"/>
               </a:schemeClr>
             </a:gs>
             <a:gs pos="50000">
               <a:schemeClr val="phClr">
                 <a:tint val="98000"/>
+                <a:shade val="90000"/>
                 <a:satMod val="130000"/>
-                <a:shade val="90000"/>
                 <a:lumMod val="103000"/>
               </a:schemeClr>
             </a:gs>
@@ -5701,7 +7160,7 @@
   <a:extraClrSchemeLst/>
   <a:extLst>
     <a:ext uri="{05A4C25C-085E-4340-85A3-A5531E510DB2}">
-      <thm15:themeFamily xmlns:thm15="http://schemas.microsoft.com/office/thememl/2012/main" name="Office Theme" id="{62F939B6-93AF-4DB8-9C6B-D6C7DFDC589F}" vid="{4A3C46E8-61CC-4603-A589-7422A47A8E4A}"/>
+      <thm15:themeFamily xmlns:thm15="http://schemas.microsoft.com/office/thememl/2012/main" name="Crop" id="{EC9488ED-E761-4D60-9AC4-764D1FE2C171}" vid="{CE19780C-D67D-4C13-9DE9-A52BC3BA51B4}"/>
     </a:ext>
   </a:extLst>
 </a:theme>

--- a/Docs/Presentation/Pres_1.pptx
+++ b/Docs/Presentation/Pres_1.pptx
@@ -5,16 +5,18 @@
     <p:sldMasterId id="2147483660" r:id="rId1"/>
   </p:sldMasterIdLst>
   <p:notesMasterIdLst>
-    <p:notesMasterId r:id="rId9"/>
+    <p:notesMasterId r:id="rId11"/>
   </p:notesMasterIdLst>
   <p:sldIdLst>
     <p:sldId id="256" r:id="rId2"/>
     <p:sldId id="257" r:id="rId3"/>
     <p:sldId id="258" r:id="rId4"/>
     <p:sldId id="259" r:id="rId5"/>
-    <p:sldId id="260" r:id="rId6"/>
+    <p:sldId id="264" r:id="rId6"/>
     <p:sldId id="263" r:id="rId7"/>
-    <p:sldId id="262" r:id="rId8"/>
+    <p:sldId id="265" r:id="rId8"/>
+    <p:sldId id="266" r:id="rId9"/>
+    <p:sldId id="262" r:id="rId10"/>
   </p:sldIdLst>
   <p:sldSz cx="12192000" cy="6858000"/>
   <p:notesSz cx="6858000" cy="9144000"/>
@@ -1449,7 +1451,7 @@
           <a:p>
             <a:fld id="{5EE062EE-B787-4BCB-A918-211457510161}" type="slidenum">
               <a:rPr lang="fr-FR" smtClean="0"/>
-              <a:t>7</a:t>
+              <a:t>9</a:t>
             </a:fld>
             <a:endParaRPr lang="fr-FR"/>
           </a:p>
@@ -6107,6 +6109,98 @@
           </a:p>
         </p:txBody>
       </p:sp>
+      <p:sp>
+        <p:nvSpPr>
+          <p:cNvPr id="2" name="Flèche : gauche 1">
+            <a:extLst>
+              <a:ext uri="{FF2B5EF4-FFF2-40B4-BE49-F238E27FC236}">
+                <a16:creationId xmlns:a16="http://schemas.microsoft.com/office/drawing/2014/main" id="{4C54F74C-6F66-48C6-A4BF-0B0058E5AB91}"/>
+              </a:ext>
+            </a:extLst>
+          </p:cNvPr>
+          <p:cNvSpPr/>
+          <p:nvPr/>
+        </p:nvSpPr>
+        <p:spPr>
+          <a:xfrm rot="21081855">
+            <a:off x="4280132" y="2625067"/>
+            <a:ext cx="1092333" cy="784809"/>
+          </a:xfrm>
+          <a:prstGeom prst="leftArrow">
+            <a:avLst/>
+          </a:prstGeom>
+        </p:spPr>
+        <p:style>
+          <a:lnRef idx="2">
+            <a:schemeClr val="accent1">
+              <a:shade val="50000"/>
+            </a:schemeClr>
+          </a:lnRef>
+          <a:fillRef idx="1">
+            <a:schemeClr val="accent1"/>
+          </a:fillRef>
+          <a:effectRef idx="0">
+            <a:schemeClr val="accent1"/>
+          </a:effectRef>
+          <a:fontRef idx="minor">
+            <a:schemeClr val="lt1"/>
+          </a:fontRef>
+        </p:style>
+        <p:txBody>
+          <a:bodyPr rtlCol="0" anchor="ctr"/>
+          <a:lstStyle/>
+          <a:p>
+            <a:pPr algn="ctr"/>
+            <a:endParaRPr lang="en-GB"/>
+          </a:p>
+        </p:txBody>
+      </p:sp>
+      <p:sp>
+        <p:nvSpPr>
+          <p:cNvPr id="9" name="Flèche : gauche 8">
+            <a:extLst>
+              <a:ext uri="{FF2B5EF4-FFF2-40B4-BE49-F238E27FC236}">
+                <a16:creationId xmlns:a16="http://schemas.microsoft.com/office/drawing/2014/main" id="{FB15BE7C-8C63-4D6C-A7EC-21643ACDAB4A}"/>
+              </a:ext>
+            </a:extLst>
+          </p:cNvPr>
+          <p:cNvSpPr/>
+          <p:nvPr/>
+        </p:nvSpPr>
+        <p:spPr>
+          <a:xfrm rot="11075729">
+            <a:off x="7362960" y="2834739"/>
+            <a:ext cx="1072736" cy="701114"/>
+          </a:xfrm>
+          <a:prstGeom prst="leftArrow">
+            <a:avLst/>
+          </a:prstGeom>
+        </p:spPr>
+        <p:style>
+          <a:lnRef idx="2">
+            <a:schemeClr val="accent1">
+              <a:shade val="50000"/>
+            </a:schemeClr>
+          </a:lnRef>
+          <a:fillRef idx="1">
+            <a:schemeClr val="accent1"/>
+          </a:fillRef>
+          <a:effectRef idx="0">
+            <a:schemeClr val="accent1"/>
+          </a:effectRef>
+          <a:fontRef idx="minor">
+            <a:schemeClr val="lt1"/>
+          </a:fontRef>
+        </p:style>
+        <p:txBody>
+          <a:bodyPr rtlCol="0" anchor="ctr"/>
+          <a:lstStyle/>
+          <a:p>
+            <a:pPr algn="ctr"/>
+            <a:endParaRPr lang="en-GB"/>
+          </a:p>
+        </p:txBody>
+      </p:sp>
     </p:spTree>
     <p:extLst>
       <p:ext uri="{BB962C8B-B14F-4D97-AF65-F5344CB8AC3E}">
@@ -6315,12 +6409,47 @@
           <a:chExt cx="0" cy="0"/>
         </a:xfrm>
       </p:grpSpPr>
+      <p:pic>
+        <p:nvPicPr>
+          <p:cNvPr id="6" name="Espace réservé du contenu 5">
+            <a:extLst>
+              <a:ext uri="{FF2B5EF4-FFF2-40B4-BE49-F238E27FC236}">
+                <a16:creationId xmlns:a16="http://schemas.microsoft.com/office/drawing/2014/main" id="{EC72CA34-429A-4454-BE35-FDF97F91A392}"/>
+              </a:ext>
+            </a:extLst>
+          </p:cNvPr>
+          <p:cNvPicPr>
+            <a:picLocks noGrp="1" noChangeAspect="1"/>
+          </p:cNvPicPr>
+          <p:nvPr>
+            <p:ph idx="1"/>
+          </p:nvPr>
+        </p:nvPicPr>
+        <p:blipFill>
+          <a:blip r:embed="rId2">
+            <a:extLst>
+              <a:ext uri="{28A0092B-C50C-407E-A947-70E740481C1C}">
+                <a14:useLocalDpi xmlns:a14="http://schemas.microsoft.com/office/drawing/2010/main" val="0"/>
+              </a:ext>
+            </a:extLst>
+          </a:blip>
+          <a:stretch>
+            <a:fillRect/>
+          </a:stretch>
+        </p:blipFill>
+        <p:spPr>
+          <a:xfrm>
+            <a:off x="3530600" y="107950"/>
+            <a:ext cx="6642100" cy="6642100"/>
+          </a:xfrm>
+        </p:spPr>
+      </p:pic>
       <p:sp>
         <p:nvSpPr>
           <p:cNvPr id="4" name="Espace réservé du numéro de diapositive 3">
             <a:extLst>
               <a:ext uri="{FF2B5EF4-FFF2-40B4-BE49-F238E27FC236}">
-                <a16:creationId xmlns:a16="http://schemas.microsoft.com/office/drawing/2014/main" id="{D061517A-75AA-4FBC-98A5-12BF2FECCA8B}"/>
+                <a16:creationId xmlns:a16="http://schemas.microsoft.com/office/drawing/2014/main" id="{22BCB98A-F969-4F23-99E8-E6950BD46FFC}"/>
               </a:ext>
             </a:extLst>
           </p:cNvPr>
@@ -6344,40 +6473,10 @@
           </a:p>
         </p:txBody>
       </p:sp>
-      <p:pic>
-        <p:nvPicPr>
-          <p:cNvPr id="5" name="Image 4">
-            <a:extLst>
-              <a:ext uri="{FF2B5EF4-FFF2-40B4-BE49-F238E27FC236}">
-                <a16:creationId xmlns:a16="http://schemas.microsoft.com/office/drawing/2014/main" id="{809FCFDC-0724-45BF-A6CA-3675ECF140E1}"/>
-              </a:ext>
-            </a:extLst>
-          </p:cNvPr>
-          <p:cNvPicPr>
-            <a:picLocks noChangeAspect="1"/>
-          </p:cNvPicPr>
-          <p:nvPr/>
-        </p:nvPicPr>
-        <p:blipFill>
-          <a:blip r:embed="rId2"/>
-          <a:stretch>
-            <a:fillRect/>
-          </a:stretch>
-        </p:blipFill>
-        <p:spPr>
-          <a:xfrm>
-            <a:off x="2950646" y="283646"/>
-            <a:ext cx="6290707" cy="6290707"/>
-          </a:xfrm>
-          <a:prstGeom prst="rect">
-            <a:avLst/>
-          </a:prstGeom>
-        </p:spPr>
-      </p:pic>
     </p:spTree>
     <p:extLst>
       <p:ext uri="{BB962C8B-B14F-4D97-AF65-F5344CB8AC3E}">
-        <p14:creationId xmlns:p14="http://schemas.microsoft.com/office/powerpoint/2010/main" val="3461820811"/>
+        <p14:creationId xmlns:p14="http://schemas.microsoft.com/office/powerpoint/2010/main" val="3651141009"/>
       </p:ext>
     </p:extLst>
   </p:cSld>
@@ -6433,6 +6532,42 @@
           </a:p>
         </p:txBody>
       </p:sp>
+      <p:pic>
+        <p:nvPicPr>
+          <p:cNvPr id="3" name="Image 2">
+            <a:extLst>
+              <a:ext uri="{FF2B5EF4-FFF2-40B4-BE49-F238E27FC236}">
+                <a16:creationId xmlns:a16="http://schemas.microsoft.com/office/drawing/2014/main" id="{82C8949B-D1B5-4BEC-8CB0-CF56211AFD3F}"/>
+              </a:ext>
+            </a:extLst>
+          </p:cNvPr>
+          <p:cNvPicPr>
+            <a:picLocks noChangeAspect="1"/>
+          </p:cNvPicPr>
+          <p:nvPr/>
+        </p:nvPicPr>
+        <p:blipFill>
+          <a:blip r:embed="rId2">
+            <a:extLst>
+              <a:ext uri="{28A0092B-C50C-407E-A947-70E740481C1C}">
+                <a14:useLocalDpi xmlns:a14="http://schemas.microsoft.com/office/drawing/2010/main" val="0"/>
+              </a:ext>
+            </a:extLst>
+          </a:blip>
+          <a:stretch>
+            <a:fillRect/>
+          </a:stretch>
+        </p:blipFill>
+        <p:spPr>
+          <a:xfrm>
+            <a:off x="3530600" y="141325"/>
+            <a:ext cx="6488236" cy="6488236"/>
+          </a:xfrm>
+          <a:prstGeom prst="rect">
+            <a:avLst/>
+          </a:prstGeom>
+        </p:spPr>
+      </p:pic>
     </p:spTree>
     <p:extLst>
       <p:ext uri="{BB962C8B-B14F-4D97-AF65-F5344CB8AC3E}">
@@ -6463,6 +6598,194 @@
           <a:chExt cx="0" cy="0"/>
         </a:xfrm>
       </p:grpSpPr>
+      <p:pic>
+        <p:nvPicPr>
+          <p:cNvPr id="6" name="Espace réservé du contenu 5">
+            <a:extLst>
+              <a:ext uri="{FF2B5EF4-FFF2-40B4-BE49-F238E27FC236}">
+                <a16:creationId xmlns:a16="http://schemas.microsoft.com/office/drawing/2014/main" id="{8830C7F8-80EB-4229-88D5-E0C599A3846B}"/>
+              </a:ext>
+            </a:extLst>
+          </p:cNvPr>
+          <p:cNvPicPr>
+            <a:picLocks noGrp="1" noChangeAspect="1"/>
+          </p:cNvPicPr>
+          <p:nvPr>
+            <p:ph idx="1"/>
+          </p:nvPr>
+        </p:nvPicPr>
+        <p:blipFill>
+          <a:blip r:embed="rId2">
+            <a:extLst>
+              <a:ext uri="{28A0092B-C50C-407E-A947-70E740481C1C}">
+                <a14:useLocalDpi xmlns:a14="http://schemas.microsoft.com/office/drawing/2010/main" val="0"/>
+              </a:ext>
+            </a:extLst>
+          </a:blip>
+          <a:stretch>
+            <a:fillRect/>
+          </a:stretch>
+        </p:blipFill>
+        <p:spPr>
+          <a:xfrm>
+            <a:off x="3492500" y="177800"/>
+            <a:ext cx="6502400" cy="6502400"/>
+          </a:xfrm>
+        </p:spPr>
+      </p:pic>
+      <p:sp>
+        <p:nvSpPr>
+          <p:cNvPr id="4" name="Espace réservé du numéro de diapositive 3">
+            <a:extLst>
+              <a:ext uri="{FF2B5EF4-FFF2-40B4-BE49-F238E27FC236}">
+                <a16:creationId xmlns:a16="http://schemas.microsoft.com/office/drawing/2014/main" id="{657EDB66-9956-48A4-A1D2-1EBCE345208B}"/>
+              </a:ext>
+            </a:extLst>
+          </p:cNvPr>
+          <p:cNvSpPr>
+            <a:spLocks noGrp="1"/>
+          </p:cNvSpPr>
+          <p:nvPr>
+            <p:ph type="sldNum" sz="quarter" idx="12"/>
+          </p:nvPr>
+        </p:nvSpPr>
+        <p:spPr/>
+        <p:txBody>
+          <a:bodyPr/>
+          <a:lstStyle/>
+          <a:p>
+            <a:fld id="{3129B59D-1082-45EE-B7B3-5CCEC6A72756}" type="slidenum">
+              <a:rPr lang="fr-FR" smtClean="0"/>
+              <a:t>7</a:t>
+            </a:fld>
+            <a:endParaRPr lang="fr-FR"/>
+          </a:p>
+        </p:txBody>
+      </p:sp>
+    </p:spTree>
+    <p:extLst>
+      <p:ext uri="{BB962C8B-B14F-4D97-AF65-F5344CB8AC3E}">
+        <p14:creationId xmlns:p14="http://schemas.microsoft.com/office/powerpoint/2010/main" val="4204800200"/>
+      </p:ext>
+    </p:extLst>
+  </p:cSld>
+  <p:clrMapOvr>
+    <a:masterClrMapping/>
+  </p:clrMapOvr>
+</p:sld>
+</file>
+
+<file path=ppt/slides/slide8.xml><?xml version="1.0" encoding="utf-8"?>
+<p:sld xmlns:a="http://schemas.openxmlformats.org/drawingml/2006/main" xmlns:r="http://schemas.openxmlformats.org/officeDocument/2006/relationships" xmlns:p="http://schemas.openxmlformats.org/presentationml/2006/main">
+  <p:cSld>
+    <p:spTree>
+      <p:nvGrpSpPr>
+        <p:cNvPr id="1" name=""/>
+        <p:cNvGrpSpPr/>
+        <p:nvPr/>
+      </p:nvGrpSpPr>
+      <p:grpSpPr>
+        <a:xfrm>
+          <a:off x="0" y="0"/>
+          <a:ext cx="0" cy="0"/>
+          <a:chOff x="0" y="0"/>
+          <a:chExt cx="0" cy="0"/>
+        </a:xfrm>
+      </p:grpSpPr>
+      <p:pic>
+        <p:nvPicPr>
+          <p:cNvPr id="6" name="Espace réservé du contenu 5">
+            <a:extLst>
+              <a:ext uri="{FF2B5EF4-FFF2-40B4-BE49-F238E27FC236}">
+                <a16:creationId xmlns:a16="http://schemas.microsoft.com/office/drawing/2014/main" id="{096A1552-2CD3-48AE-A7F0-A09049874658}"/>
+              </a:ext>
+            </a:extLst>
+          </p:cNvPr>
+          <p:cNvPicPr>
+            <a:picLocks noGrp="1" noChangeAspect="1"/>
+          </p:cNvPicPr>
+          <p:nvPr>
+            <p:ph idx="1"/>
+          </p:nvPr>
+        </p:nvPicPr>
+        <p:blipFill>
+          <a:blip r:embed="rId2">
+            <a:extLst>
+              <a:ext uri="{28A0092B-C50C-407E-A947-70E740481C1C}">
+                <a14:useLocalDpi xmlns:a14="http://schemas.microsoft.com/office/drawing/2010/main" val="0"/>
+              </a:ext>
+            </a:extLst>
+          </a:blip>
+          <a:stretch>
+            <a:fillRect/>
+          </a:stretch>
+        </p:blipFill>
+        <p:spPr>
+          <a:xfrm>
+            <a:off x="3704982" y="146050"/>
+            <a:ext cx="6565900" cy="6565900"/>
+          </a:xfrm>
+        </p:spPr>
+      </p:pic>
+      <p:sp>
+        <p:nvSpPr>
+          <p:cNvPr id="4" name="Espace réservé du numéro de diapositive 3">
+            <a:extLst>
+              <a:ext uri="{FF2B5EF4-FFF2-40B4-BE49-F238E27FC236}">
+                <a16:creationId xmlns:a16="http://schemas.microsoft.com/office/drawing/2014/main" id="{63B0CE68-A78E-4442-BAF6-DE9B1CB60357}"/>
+              </a:ext>
+            </a:extLst>
+          </p:cNvPr>
+          <p:cNvSpPr>
+            <a:spLocks noGrp="1"/>
+          </p:cNvSpPr>
+          <p:nvPr>
+            <p:ph type="sldNum" sz="quarter" idx="12"/>
+          </p:nvPr>
+        </p:nvSpPr>
+        <p:spPr/>
+        <p:txBody>
+          <a:bodyPr/>
+          <a:lstStyle/>
+          <a:p>
+            <a:fld id="{3129B59D-1082-45EE-B7B3-5CCEC6A72756}" type="slidenum">
+              <a:rPr lang="fr-FR" smtClean="0"/>
+              <a:t>8</a:t>
+            </a:fld>
+            <a:endParaRPr lang="fr-FR"/>
+          </a:p>
+        </p:txBody>
+      </p:sp>
+    </p:spTree>
+    <p:extLst>
+      <p:ext uri="{BB962C8B-B14F-4D97-AF65-F5344CB8AC3E}">
+        <p14:creationId xmlns:p14="http://schemas.microsoft.com/office/powerpoint/2010/main" val="2926711950"/>
+      </p:ext>
+    </p:extLst>
+  </p:cSld>
+  <p:clrMapOvr>
+    <a:masterClrMapping/>
+  </p:clrMapOvr>
+</p:sld>
+</file>
+
+<file path=ppt/slides/slide9.xml><?xml version="1.0" encoding="utf-8"?>
+<p:sld xmlns:a="http://schemas.openxmlformats.org/drawingml/2006/main" xmlns:r="http://schemas.openxmlformats.org/officeDocument/2006/relationships" xmlns:p="http://schemas.openxmlformats.org/presentationml/2006/main">
+  <p:cSld>
+    <p:spTree>
+      <p:nvGrpSpPr>
+        <p:cNvPr id="1" name=""/>
+        <p:cNvGrpSpPr/>
+        <p:nvPr/>
+      </p:nvGrpSpPr>
+      <p:grpSpPr>
+        <a:xfrm>
+          <a:off x="0" y="0"/>
+          <a:ext cx="0" cy="0"/>
+          <a:chOff x="0" y="0"/>
+          <a:chExt cx="0" cy="0"/>
+        </a:xfrm>
+      </p:grpSpPr>
       <p:sp>
         <p:nvSpPr>
           <p:cNvPr id="4" name="Espace réservé du numéro de diapositive 3">
@@ -6486,7 +6809,7 @@
           <a:p>
             <a:fld id="{3129B59D-1082-45EE-B7B3-5CCEC6A72756}" type="slidenum">
               <a:rPr lang="fr-FR" smtClean="0"/>
-              <a:t>7</a:t>
+              <a:t>9</a:t>
             </a:fld>
             <a:endParaRPr lang="fr-FR"/>
           </a:p>

--- a/Docs/Presentation/Pres_1.pptx
+++ b/Docs/Presentation/Pres_1.pptx
@@ -5,18 +5,21 @@
     <p:sldMasterId id="2147483660" r:id="rId1"/>
   </p:sldMasterIdLst>
   <p:notesMasterIdLst>
-    <p:notesMasterId r:id="rId11"/>
+    <p:notesMasterId r:id="rId14"/>
   </p:notesMasterIdLst>
   <p:sldIdLst>
     <p:sldId id="256" r:id="rId2"/>
     <p:sldId id="257" r:id="rId3"/>
-    <p:sldId id="258" r:id="rId4"/>
-    <p:sldId id="259" r:id="rId5"/>
-    <p:sldId id="264" r:id="rId6"/>
-    <p:sldId id="263" r:id="rId7"/>
-    <p:sldId id="265" r:id="rId8"/>
-    <p:sldId id="266" r:id="rId9"/>
-    <p:sldId id="262" r:id="rId10"/>
+    <p:sldId id="267" r:id="rId4"/>
+    <p:sldId id="258" r:id="rId5"/>
+    <p:sldId id="268" r:id="rId6"/>
+    <p:sldId id="259" r:id="rId7"/>
+    <p:sldId id="264" r:id="rId8"/>
+    <p:sldId id="263" r:id="rId9"/>
+    <p:sldId id="265" r:id="rId10"/>
+    <p:sldId id="266" r:id="rId11"/>
+    <p:sldId id="262" r:id="rId12"/>
+    <p:sldId id="269" r:id="rId13"/>
   </p:sldIdLst>
   <p:sldSz cx="12192000" cy="6858000"/>
   <p:notesSz cx="6858000" cy="9144000"/>
@@ -205,7 +208,7 @@
           <a:p>
             <a:fld id="{3D4D0121-AD04-4CEE-B068-23A25781959C}" type="datetimeFigureOut">
               <a:rPr lang="fr-FR" smtClean="0"/>
-              <a:t>11/04/2019</a:t>
+              <a:t>12/04/2019</a:t>
             </a:fld>
             <a:endParaRPr lang="fr-FR"/>
           </a:p>
@@ -518,6 +521,62 @@
           <a:p>
             <a:endParaRPr lang="en-GB" dirty="0"/>
           </a:p>
+          <a:p>
+            <a:pPr marL="0" marR="0" lvl="0" indent="0" algn="l" defTabSz="914400" rtl="0" eaLnBrk="1" fontAlgn="auto" latinLnBrk="0" hangingPunct="1">
+              <a:lnSpc>
+                <a:spcPct val="100000"/>
+              </a:lnSpc>
+              <a:spcBef>
+                <a:spcPts val="0"/>
+              </a:spcBef>
+              <a:spcAft>
+                <a:spcPts val="0"/>
+              </a:spcAft>
+              <a:buClrTx/>
+              <a:buSzTx/>
+              <a:buFontTx/>
+              <a:buNone/>
+              <a:tabLst/>
+              <a:defRPr/>
+            </a:pPr>
+            <a:r>
+              <a:rPr lang="en-GB" dirty="0"/>
+              <a:t>COMMUNAUTE INTERNATIONALE : 17300 : 7300 GVA, 6400 hors </a:t>
+            </a:r>
+            <a:r>
+              <a:rPr lang="en-GB" dirty="0" err="1"/>
+              <a:t>suisse</a:t>
+            </a:r>
+            <a:r>
+              <a:rPr lang="en-GB" dirty="0"/>
+              <a:t>, 3500 hors GVA, 7000 collabo et prof</a:t>
+            </a:r>
+          </a:p>
+          <a:p>
+            <a:r>
+              <a:rPr lang="en-GB" dirty="0"/>
+              <a:t>IL </a:t>
+            </a:r>
+            <a:r>
+              <a:rPr lang="en-GB" dirty="0" err="1"/>
+              <a:t>faut</a:t>
+            </a:r>
+            <a:r>
+              <a:rPr lang="en-GB" dirty="0"/>
+              <a:t> proposer anglaise et </a:t>
+            </a:r>
+            <a:r>
+              <a:rPr lang="en-GB" dirty="0" err="1"/>
+              <a:t>francais</a:t>
+            </a:r>
+            <a:r>
+              <a:rPr lang="en-GB" dirty="0"/>
+              <a:t> sur le site</a:t>
+            </a:r>
+          </a:p>
+          <a:p>
+            <a:endParaRPr lang="en-GB" dirty="0"/>
+          </a:p>
         </p:txBody>
       </p:sp>
       <p:sp>
@@ -601,41 +660,103 @@
           <a:lstStyle/>
           <a:p>
             <a:r>
-              <a:rPr lang="en-GB" dirty="0"/>
-              <a:t>Maven -&gt; build tool</a:t>
-            </a:r>
-          </a:p>
-          <a:p>
-            <a:r>
-              <a:rPr lang="en-GB" dirty="0"/>
-              <a:t>Kafka -&gt; message broker </a:t>
-            </a:r>
-          </a:p>
-          <a:p>
-            <a:r>
-              <a:rPr lang="en-GB" dirty="0"/>
-              <a:t>Kong -&gt; </a:t>
-            </a:r>
-            <a:r>
-              <a:rPr lang="en-GB" dirty="0" err="1"/>
-              <a:t>Api</a:t>
-            </a:r>
-            <a:r>
-              <a:rPr lang="en-GB" dirty="0"/>
-              <a:t> gateway services</a:t>
-            </a:r>
-          </a:p>
-          <a:p>
-            <a:r>
-              <a:rPr lang="en-GB" dirty="0"/>
-              <a:t>Docker -&gt; Container</a:t>
-            </a:r>
-          </a:p>
-          <a:p>
-            <a:r>
-              <a:rPr lang="en-GB" dirty="0"/>
-              <a:t>Angular -&gt; Frontend</a:t>
-            </a:r>
+              <a:rPr lang="en-GB" dirty="0" err="1"/>
+              <a:t>Proximite</a:t>
+            </a:r>
+            <a:r>
+              <a:rPr lang="en-GB" dirty="0"/>
+              <a:t> des </a:t>
+            </a:r>
+            <a:r>
+              <a:rPr lang="en-GB" dirty="0" err="1"/>
+              <a:t>offres</a:t>
+            </a:r>
+            <a:r>
+              <a:rPr lang="en-GB" dirty="0"/>
+              <a:t>, restraint a </a:t>
+            </a:r>
+            <a:r>
+              <a:rPr lang="en-GB" dirty="0" err="1"/>
+              <a:t>l’unige</a:t>
+            </a:r>
+            <a:r>
+              <a:rPr lang="en-GB" dirty="0"/>
+              <a:t>, </a:t>
+            </a:r>
+            <a:r>
+              <a:rPr lang="en-GB" dirty="0" err="1"/>
+              <a:t>facilite</a:t>
+            </a:r>
+            <a:r>
+              <a:rPr lang="en-GB" dirty="0"/>
+              <a:t> de se login</a:t>
+            </a:r>
+          </a:p>
+          <a:p>
+            <a:r>
+              <a:rPr lang="en-GB" dirty="0"/>
+              <a:t>Pas de structure </a:t>
+            </a:r>
+            <a:r>
+              <a:rPr lang="en-GB" dirty="0" err="1"/>
+              <a:t>deja</a:t>
+            </a:r>
+            <a:r>
+              <a:rPr lang="en-GB" dirty="0"/>
+              <a:t> </a:t>
+            </a:r>
+            <a:r>
+              <a:rPr lang="en-GB" dirty="0" err="1"/>
+              <a:t>existante</a:t>
+            </a:r>
+            <a:r>
+              <a:rPr lang="en-GB" dirty="0"/>
+              <a:t>, </a:t>
+            </a:r>
+            <a:r>
+              <a:rPr lang="en-GB" dirty="0" err="1"/>
+              <a:t>juste</a:t>
+            </a:r>
+            <a:r>
+              <a:rPr lang="en-GB" dirty="0"/>
+              <a:t> des events de temps a </a:t>
+            </a:r>
+            <a:r>
+              <a:rPr lang="en-GB" dirty="0" err="1"/>
+              <a:t>autres</a:t>
+            </a:r>
+            <a:r>
+              <a:rPr lang="en-GB" dirty="0"/>
+              <a:t>.</a:t>
+            </a:r>
+          </a:p>
+          <a:p>
+            <a:endParaRPr lang="en-GB" dirty="0"/>
+          </a:p>
+          <a:p>
+            <a:r>
+              <a:rPr lang="en-GB" dirty="0"/>
+              <a:t>Scalable, simple a </a:t>
+            </a:r>
+            <a:r>
+              <a:rPr lang="en-GB" dirty="0" err="1"/>
+              <a:t>mettre</a:t>
+            </a:r>
+            <a:r>
+              <a:rPr lang="en-GB" dirty="0"/>
+              <a:t> </a:t>
+            </a:r>
+            <a:r>
+              <a:rPr lang="en-GB" dirty="0" err="1"/>
+              <a:t>en</a:t>
+            </a:r>
+            <a:r>
+              <a:rPr lang="en-GB" dirty="0"/>
+              <a:t> place</a:t>
+            </a:r>
+          </a:p>
+          <a:p>
+            <a:endParaRPr lang="en-GB" dirty="0"/>
           </a:p>
         </p:txBody>
       </p:sp>
@@ -665,7 +786,7 @@
     </p:spTree>
     <p:extLst>
       <p:ext uri="{BB962C8B-B14F-4D97-AF65-F5344CB8AC3E}">
-        <p14:creationId xmlns:p14="http://schemas.microsoft.com/office/powerpoint/2010/main" val="1299115959"/>
+        <p14:creationId xmlns:p14="http://schemas.microsoft.com/office/powerpoint/2010/main" val="641582094"/>
       </p:ext>
     </p:extLst>
   </p:cSld>
@@ -721,716 +842,40 @@
           <a:p>
             <a:r>
               <a:rPr lang="en-GB" dirty="0"/>
-              <a:t>CONFLITS :</a:t>
-            </a:r>
-          </a:p>
-          <a:p>
-            <a:r>
-              <a:rPr lang="en-GB" dirty="0"/>
-              <a:t>-&gt; Impact : </a:t>
-            </a:r>
-            <a:r>
-              <a:rPr lang="en-GB" dirty="0" err="1"/>
-              <a:t>Peu</a:t>
-            </a:r>
-            <a:r>
-              <a:rPr lang="en-GB" dirty="0"/>
-              <a:t> </a:t>
-            </a:r>
-            <a:r>
-              <a:rPr lang="en-GB" dirty="0" err="1"/>
-              <a:t>avoir</a:t>
-            </a:r>
-            <a:r>
-              <a:rPr lang="en-GB" dirty="0"/>
-              <a:t> un </a:t>
-            </a:r>
-            <a:r>
-              <a:rPr lang="en-GB" dirty="0" err="1"/>
-              <a:t>gros</a:t>
-            </a:r>
-            <a:r>
-              <a:rPr lang="en-GB" dirty="0"/>
-              <a:t> impact sur le </a:t>
-            </a:r>
-            <a:r>
-              <a:rPr lang="en-GB" dirty="0" err="1"/>
-              <a:t>projet</a:t>
-            </a:r>
-            <a:endParaRPr lang="en-GB" dirty="0"/>
-          </a:p>
-          <a:p>
-            <a:r>
-              <a:rPr lang="en-GB" dirty="0"/>
-              <a:t>-&gt; </a:t>
-            </a:r>
-            <a:r>
-              <a:rPr lang="en-GB" dirty="0" err="1"/>
-              <a:t>Signes</a:t>
-            </a:r>
-            <a:r>
-              <a:rPr lang="en-GB" dirty="0"/>
-              <a:t> : Tension ca se </a:t>
-            </a:r>
-            <a:r>
-              <a:rPr lang="en-GB" dirty="0" err="1"/>
-              <a:t>voit</a:t>
-            </a:r>
-            <a:endParaRPr lang="en-GB" dirty="0"/>
-          </a:p>
-          <a:p>
-            <a:r>
-              <a:rPr lang="en-GB" dirty="0"/>
-              <a:t>-&gt; Faire </a:t>
-            </a:r>
-            <a:r>
-              <a:rPr lang="en-GB" dirty="0" err="1"/>
-              <a:t>en</a:t>
-            </a:r>
-            <a:r>
-              <a:rPr lang="en-GB" dirty="0"/>
-              <a:t> </a:t>
-            </a:r>
-            <a:r>
-              <a:rPr lang="en-GB" dirty="0" err="1"/>
-              <a:t>sorte</a:t>
-            </a:r>
-            <a:r>
-              <a:rPr lang="en-GB" dirty="0"/>
-              <a:t> que ca arrive pas : </a:t>
-            </a:r>
-            <a:r>
-              <a:rPr lang="en-GB" dirty="0" err="1"/>
-              <a:t>Communiquer</a:t>
-            </a:r>
-            <a:r>
-              <a:rPr lang="en-GB" dirty="0"/>
-              <a:t> entre </a:t>
-            </a:r>
-            <a:r>
-              <a:rPr lang="en-GB" dirty="0" err="1"/>
-              <a:t>collegues</a:t>
-            </a:r>
-            <a:r>
-              <a:rPr lang="en-GB" dirty="0"/>
-              <a:t> pour </a:t>
-            </a:r>
-            <a:r>
-              <a:rPr lang="en-GB" dirty="0" err="1"/>
-              <a:t>resoudre</a:t>
-            </a:r>
-            <a:r>
-              <a:rPr lang="en-GB" dirty="0"/>
-              <a:t> ca</a:t>
-            </a:r>
-          </a:p>
-          <a:p>
-            <a:r>
-              <a:rPr lang="en-GB" dirty="0"/>
-              <a:t>-&gt; Si jamais ca arrive plan B : faire des efforts, </a:t>
-            </a:r>
-            <a:r>
-              <a:rPr lang="en-GB" dirty="0" err="1"/>
-              <a:t>peut</a:t>
-            </a:r>
-            <a:r>
-              <a:rPr lang="en-GB" dirty="0"/>
-              <a:t> </a:t>
-            </a:r>
-            <a:r>
-              <a:rPr lang="en-GB" dirty="0" err="1"/>
-              <a:t>etre</a:t>
-            </a:r>
-            <a:r>
-              <a:rPr lang="en-GB" dirty="0"/>
-              <a:t> </a:t>
-            </a:r>
-            <a:r>
-              <a:rPr lang="en-GB" dirty="0" err="1"/>
-              <a:t>repartir</a:t>
-            </a:r>
-            <a:r>
-              <a:rPr lang="en-GB" dirty="0"/>
-              <a:t> les taches pour </a:t>
-            </a:r>
-            <a:r>
-              <a:rPr lang="en-GB" dirty="0" err="1"/>
-              <a:t>moins</a:t>
-            </a:r>
-            <a:r>
-              <a:rPr lang="en-GB" dirty="0"/>
-              <a:t> se </a:t>
-            </a:r>
-            <a:r>
-              <a:rPr lang="en-GB" dirty="0" err="1"/>
-              <a:t>voir</a:t>
-            </a:r>
-            <a:r>
-              <a:rPr lang="en-GB" dirty="0"/>
-              <a:t> =&gt; </a:t>
-            </a:r>
-            <a:r>
-              <a:rPr lang="en-GB" dirty="0" err="1"/>
-              <a:t>Favoriser</a:t>
-            </a:r>
-            <a:r>
-              <a:rPr lang="en-GB" dirty="0"/>
-              <a:t> la cohesion </a:t>
-            </a:r>
-          </a:p>
-          <a:p>
-            <a:endParaRPr lang="en-GB" dirty="0"/>
-          </a:p>
-          <a:p>
-            <a:endParaRPr lang="en-GB" dirty="0"/>
-          </a:p>
-          <a:p>
-            <a:r>
-              <a:rPr lang="en-GB" dirty="0"/>
-              <a:t>MALADIE :</a:t>
-            </a:r>
-          </a:p>
-          <a:p>
-            <a:r>
-              <a:rPr lang="en-GB" dirty="0"/>
-              <a:t>-&gt; Impact : </a:t>
-            </a:r>
-            <a:r>
-              <a:rPr lang="en-GB" dirty="0" err="1"/>
-              <a:t>Peu</a:t>
-            </a:r>
-            <a:r>
-              <a:rPr lang="en-GB" dirty="0"/>
-              <a:t> </a:t>
-            </a:r>
-            <a:r>
-              <a:rPr lang="en-GB" dirty="0" err="1"/>
-              <a:t>avoir</a:t>
-            </a:r>
-            <a:r>
-              <a:rPr lang="en-GB" dirty="0"/>
-              <a:t> un </a:t>
-            </a:r>
-            <a:r>
-              <a:rPr lang="en-GB" dirty="0" err="1"/>
-              <a:t>gros</a:t>
-            </a:r>
-            <a:r>
-              <a:rPr lang="en-GB" dirty="0"/>
-              <a:t> impact sur le </a:t>
-            </a:r>
-            <a:r>
-              <a:rPr lang="en-GB" dirty="0" err="1"/>
-              <a:t>projet</a:t>
-            </a:r>
-            <a:endParaRPr lang="en-GB" dirty="0"/>
-          </a:p>
-          <a:p>
-            <a:r>
-              <a:rPr lang="en-GB" dirty="0"/>
-              <a:t>-&gt; </a:t>
-            </a:r>
-            <a:r>
-              <a:rPr lang="en-GB" dirty="0" err="1"/>
-              <a:t>Signes</a:t>
-            </a:r>
-            <a:r>
-              <a:rPr lang="en-GB" dirty="0"/>
-              <a:t> : Bah </a:t>
-            </a:r>
-            <a:r>
-              <a:rPr lang="en-GB" dirty="0" err="1"/>
-              <a:t>y’en</a:t>
-            </a:r>
-            <a:r>
-              <a:rPr lang="en-GB" dirty="0"/>
-              <a:t> a un qui </a:t>
-            </a:r>
-            <a:r>
-              <a:rPr lang="en-GB" dirty="0" err="1"/>
-              <a:t>est</a:t>
-            </a:r>
-            <a:r>
-              <a:rPr lang="en-GB" dirty="0"/>
-              <a:t> pas la et qui a </a:t>
-            </a:r>
-            <a:r>
-              <a:rPr lang="en-GB" dirty="0" err="1"/>
-              <a:t>prevenu</a:t>
-            </a:r>
-            <a:endParaRPr lang="en-GB" dirty="0"/>
-          </a:p>
-          <a:p>
-            <a:r>
-              <a:rPr lang="en-GB" dirty="0"/>
-              <a:t>-&gt; Faire </a:t>
-            </a:r>
-            <a:r>
-              <a:rPr lang="en-GB" dirty="0" err="1"/>
-              <a:t>en</a:t>
-            </a:r>
-            <a:r>
-              <a:rPr lang="en-GB" dirty="0"/>
-              <a:t> </a:t>
-            </a:r>
-            <a:r>
-              <a:rPr lang="en-GB" dirty="0" err="1"/>
-              <a:t>sorte</a:t>
-            </a:r>
-            <a:r>
-              <a:rPr lang="en-GB" dirty="0"/>
-              <a:t> que ca arrive pas : On </a:t>
-            </a:r>
-            <a:r>
-              <a:rPr lang="en-GB" dirty="0" err="1"/>
-              <a:t>peut</a:t>
-            </a:r>
-            <a:r>
-              <a:rPr lang="en-GB" dirty="0"/>
-              <a:t> pas et </a:t>
-            </a:r>
-            <a:r>
-              <a:rPr lang="en-GB" dirty="0" err="1"/>
-              <a:t>si</a:t>
-            </a:r>
-            <a:r>
-              <a:rPr lang="en-GB" dirty="0"/>
-              <a:t> on </a:t>
-            </a:r>
-            <a:r>
-              <a:rPr lang="en-GB" dirty="0" err="1"/>
-              <a:t>est</a:t>
-            </a:r>
-            <a:r>
-              <a:rPr lang="en-GB" dirty="0"/>
-              <a:t> </a:t>
-            </a:r>
-            <a:r>
-              <a:rPr lang="en-GB" dirty="0" err="1"/>
-              <a:t>malade</a:t>
-            </a:r>
-            <a:r>
-              <a:rPr lang="en-GB" dirty="0"/>
-              <a:t> on </a:t>
-            </a:r>
-            <a:r>
-              <a:rPr lang="en-GB" dirty="0" err="1"/>
-              <a:t>reste</a:t>
-            </a:r>
-            <a:r>
-              <a:rPr lang="en-GB" dirty="0"/>
-              <a:t> chez </a:t>
-            </a:r>
-            <a:r>
-              <a:rPr lang="en-GB" dirty="0" err="1"/>
-              <a:t>soi</a:t>
-            </a:r>
-            <a:endParaRPr lang="en-GB" dirty="0"/>
-          </a:p>
-          <a:p>
-            <a:r>
-              <a:rPr lang="en-GB" dirty="0"/>
-              <a:t>-&gt; Si jamais ca arrive plan B : On se </a:t>
-            </a:r>
-            <a:r>
-              <a:rPr lang="en-GB" dirty="0" err="1"/>
-              <a:t>reparti</a:t>
-            </a:r>
-            <a:r>
-              <a:rPr lang="en-GB" dirty="0"/>
-              <a:t> le travail </a:t>
-            </a:r>
-            <a:r>
-              <a:rPr lang="en-GB" dirty="0" err="1"/>
-              <a:t>qu’il</a:t>
-            </a:r>
-            <a:r>
-              <a:rPr lang="en-GB" dirty="0"/>
-              <a:t> y </a:t>
-            </a:r>
-            <a:r>
-              <a:rPr lang="en-GB" dirty="0" err="1"/>
-              <a:t>avait</a:t>
-            </a:r>
-            <a:r>
-              <a:rPr lang="en-GB" dirty="0"/>
-              <a:t> a faire, </a:t>
-            </a:r>
-            <a:r>
-              <a:rPr lang="en-GB" dirty="0" err="1"/>
-              <a:t>si</a:t>
-            </a:r>
-            <a:r>
-              <a:rPr lang="en-GB" dirty="0"/>
-              <a:t> </a:t>
-            </a:r>
-            <a:r>
-              <a:rPr lang="en-GB" dirty="0" err="1"/>
-              <a:t>c’etati</a:t>
-            </a:r>
-            <a:r>
-              <a:rPr lang="en-GB" dirty="0"/>
-              <a:t> backend bah on </a:t>
-            </a:r>
-            <a:r>
-              <a:rPr lang="en-GB" dirty="0" err="1"/>
-              <a:t>aidera</a:t>
-            </a:r>
-            <a:r>
-              <a:rPr lang="en-GB" dirty="0"/>
-              <a:t> le backend</a:t>
-            </a:r>
-          </a:p>
-          <a:p>
-            <a:endParaRPr lang="en-GB" dirty="0"/>
-          </a:p>
-          <a:p>
-            <a:endParaRPr lang="en-GB" dirty="0"/>
-          </a:p>
-          <a:p>
-            <a:r>
-              <a:rPr lang="en-GB" dirty="0"/>
-              <a:t>TECHNOLOGIES :</a:t>
-            </a:r>
-          </a:p>
-          <a:p>
-            <a:r>
-              <a:rPr lang="en-GB" dirty="0"/>
-              <a:t>-&gt; Impact : </a:t>
-            </a:r>
-            <a:r>
-              <a:rPr lang="en-GB" dirty="0" err="1"/>
-              <a:t>Peu</a:t>
-            </a:r>
-            <a:r>
-              <a:rPr lang="en-GB" dirty="0"/>
-              <a:t> </a:t>
-            </a:r>
-            <a:r>
-              <a:rPr lang="en-GB" dirty="0" err="1"/>
-              <a:t>avoir</a:t>
-            </a:r>
-            <a:r>
-              <a:rPr lang="en-GB" dirty="0"/>
-              <a:t> un </a:t>
-            </a:r>
-            <a:r>
-              <a:rPr lang="en-GB" dirty="0" err="1"/>
-              <a:t>gros</a:t>
-            </a:r>
-            <a:r>
-              <a:rPr lang="en-GB" dirty="0"/>
-              <a:t> impact sur le </a:t>
-            </a:r>
-            <a:r>
-              <a:rPr lang="en-GB" dirty="0" err="1"/>
-              <a:t>projet</a:t>
-            </a:r>
-            <a:endParaRPr lang="en-GB" dirty="0"/>
-          </a:p>
-          <a:p>
-            <a:r>
-              <a:rPr lang="en-GB" dirty="0"/>
-              <a:t>-&gt; </a:t>
-            </a:r>
-            <a:r>
-              <a:rPr lang="en-GB" dirty="0" err="1"/>
-              <a:t>Signes</a:t>
-            </a:r>
-            <a:r>
-              <a:rPr lang="en-GB" dirty="0"/>
-              <a:t> : </a:t>
-            </a:r>
-            <a:r>
-              <a:rPr lang="en-GB" dirty="0" err="1"/>
-              <a:t>Quelqu’un</a:t>
-            </a:r>
-            <a:r>
-              <a:rPr lang="en-GB" dirty="0"/>
-              <a:t> qui </a:t>
-            </a:r>
-            <a:r>
-              <a:rPr lang="en-GB" dirty="0" err="1"/>
-              <a:t>est</a:t>
-            </a:r>
-            <a:r>
-              <a:rPr lang="en-GB" dirty="0"/>
-              <a:t> </a:t>
-            </a:r>
-            <a:r>
-              <a:rPr lang="en-GB" dirty="0" err="1"/>
-              <a:t>en</a:t>
-            </a:r>
-            <a:r>
-              <a:rPr lang="en-GB" dirty="0"/>
-              <a:t> </a:t>
-            </a:r>
-            <a:r>
-              <a:rPr lang="en-GB" dirty="0" err="1"/>
-              <a:t>galere</a:t>
-            </a:r>
-            <a:r>
-              <a:rPr lang="en-GB" dirty="0"/>
-              <a:t> </a:t>
-            </a:r>
-          </a:p>
-          <a:p>
-            <a:r>
-              <a:rPr lang="en-GB" dirty="0"/>
-              <a:t>-&gt; Faire </a:t>
-            </a:r>
-            <a:r>
-              <a:rPr lang="en-GB" dirty="0" err="1"/>
-              <a:t>en</a:t>
-            </a:r>
-            <a:r>
-              <a:rPr lang="en-GB" dirty="0"/>
-              <a:t> </a:t>
-            </a:r>
-            <a:r>
-              <a:rPr lang="en-GB" dirty="0" err="1"/>
-              <a:t>sorte</a:t>
-            </a:r>
-            <a:r>
-              <a:rPr lang="en-GB" dirty="0"/>
-              <a:t> que ca arrive pas : Dire a la team </a:t>
-            </a:r>
-            <a:r>
-              <a:rPr lang="en-GB" dirty="0" err="1"/>
-              <a:t>si</a:t>
-            </a:r>
-            <a:r>
-              <a:rPr lang="en-GB" dirty="0"/>
-              <a:t> </a:t>
-            </a:r>
-            <a:r>
-              <a:rPr lang="en-GB" dirty="0" err="1"/>
-              <a:t>y’a</a:t>
-            </a:r>
-            <a:r>
-              <a:rPr lang="en-GB" dirty="0"/>
-              <a:t> des pb de comprehension =&gt; </a:t>
-            </a:r>
-            <a:r>
-              <a:rPr lang="en-GB" dirty="0" err="1"/>
-              <a:t>vraiment</a:t>
-            </a:r>
-            <a:r>
-              <a:rPr lang="en-GB" dirty="0"/>
-              <a:t> </a:t>
-            </a:r>
-            <a:r>
-              <a:rPr lang="en-GB" dirty="0" err="1"/>
-              <a:t>communiquer</a:t>
-            </a:r>
-            <a:endParaRPr lang="en-GB" dirty="0"/>
-          </a:p>
-          <a:p>
-            <a:r>
-              <a:rPr lang="en-GB" dirty="0"/>
-              <a:t>-&gt; Si jamais ca arrive plan B :Si </a:t>
-            </a:r>
-            <a:r>
-              <a:rPr lang="en-GB" dirty="0" err="1"/>
-              <a:t>il</a:t>
-            </a:r>
-            <a:r>
-              <a:rPr lang="en-GB" dirty="0"/>
-              <a:t> </a:t>
-            </a:r>
-            <a:r>
-              <a:rPr lang="en-GB" dirty="0" err="1"/>
-              <a:t>reste</a:t>
-            </a:r>
-            <a:r>
-              <a:rPr lang="en-GB" dirty="0"/>
-              <a:t> du temps : </a:t>
-            </a:r>
-            <a:r>
-              <a:rPr lang="en-GB" dirty="0" err="1"/>
-              <a:t>chagner</a:t>
-            </a:r>
-            <a:r>
-              <a:rPr lang="en-GB" dirty="0"/>
-              <a:t> de </a:t>
-            </a:r>
-            <a:r>
-              <a:rPr lang="en-GB" dirty="0" err="1"/>
-              <a:t>technologie</a:t>
-            </a:r>
-            <a:r>
-              <a:rPr lang="en-GB" dirty="0"/>
-              <a:t>, </a:t>
-            </a:r>
-            <a:r>
-              <a:rPr lang="en-GB" dirty="0" err="1"/>
-              <a:t>sino</a:t>
-            </a:r>
-            <a:r>
-              <a:rPr lang="en-GB" dirty="0"/>
-              <a:t> </a:t>
-            </a:r>
-            <a:r>
-              <a:rPr lang="en-GB" dirty="0" err="1"/>
-              <a:t>ntryhard</a:t>
-            </a:r>
-            <a:r>
-              <a:rPr lang="en-GB" dirty="0"/>
-              <a:t> </a:t>
-            </a:r>
-            <a:r>
-              <a:rPr lang="en-GB" dirty="0" err="1"/>
-              <a:t>en</a:t>
-            </a:r>
-            <a:r>
-              <a:rPr lang="en-GB" dirty="0"/>
-              <a:t> team la </a:t>
-            </a:r>
-            <a:r>
-              <a:rPr lang="en-GB" dirty="0" err="1"/>
-              <a:t>comphrension</a:t>
-            </a:r>
-            <a:endParaRPr lang="en-GB" dirty="0"/>
-          </a:p>
-          <a:p>
-            <a:endParaRPr lang="en-GB" dirty="0"/>
-          </a:p>
-          <a:p>
-            <a:endParaRPr lang="en-GB" dirty="0"/>
-          </a:p>
-          <a:p>
-            <a:r>
-              <a:rPr lang="en-GB" dirty="0"/>
-              <a:t>TEMPS :</a:t>
-            </a:r>
-          </a:p>
-          <a:p>
-            <a:r>
-              <a:rPr lang="en-GB" dirty="0"/>
-              <a:t>-&gt; Impact : </a:t>
-            </a:r>
-            <a:r>
-              <a:rPr lang="en-GB" dirty="0" err="1"/>
-              <a:t>Peu</a:t>
-            </a:r>
-            <a:r>
-              <a:rPr lang="en-GB" dirty="0"/>
-              <a:t> </a:t>
-            </a:r>
-            <a:r>
-              <a:rPr lang="en-GB" dirty="0" err="1"/>
-              <a:t>avoir</a:t>
-            </a:r>
-            <a:r>
-              <a:rPr lang="en-GB" dirty="0"/>
-              <a:t> un </a:t>
-            </a:r>
-            <a:r>
-              <a:rPr lang="en-GB" dirty="0" err="1"/>
-              <a:t>gros</a:t>
-            </a:r>
-            <a:r>
-              <a:rPr lang="en-GB" dirty="0"/>
-              <a:t> impact sur le </a:t>
-            </a:r>
-            <a:r>
-              <a:rPr lang="en-GB" dirty="0" err="1"/>
-              <a:t>projet</a:t>
-            </a:r>
-            <a:endParaRPr lang="en-GB" dirty="0"/>
-          </a:p>
-          <a:p>
-            <a:r>
-              <a:rPr lang="en-GB" dirty="0"/>
-              <a:t>-&gt; </a:t>
-            </a:r>
-            <a:r>
-              <a:rPr lang="en-GB" dirty="0" err="1"/>
-              <a:t>Signes</a:t>
-            </a:r>
-            <a:r>
-              <a:rPr lang="en-GB" dirty="0"/>
-              <a:t> : Il </a:t>
-            </a:r>
-            <a:r>
-              <a:rPr lang="en-GB" dirty="0" err="1"/>
-              <a:t>reste</a:t>
-            </a:r>
-            <a:r>
-              <a:rPr lang="en-GB" dirty="0"/>
-              <a:t> 2 </a:t>
-            </a:r>
-            <a:r>
-              <a:rPr lang="en-GB" dirty="0" err="1"/>
-              <a:t>semaines</a:t>
-            </a:r>
-            <a:r>
-              <a:rPr lang="en-GB" dirty="0"/>
-              <a:t> et 3 microservices a implementer</a:t>
-            </a:r>
-          </a:p>
-          <a:p>
-            <a:r>
-              <a:rPr lang="en-GB" dirty="0"/>
-              <a:t>-&gt; Faire </a:t>
-            </a:r>
-            <a:r>
-              <a:rPr lang="en-GB" dirty="0" err="1"/>
-              <a:t>en</a:t>
-            </a:r>
-            <a:r>
-              <a:rPr lang="en-GB" dirty="0"/>
-              <a:t> </a:t>
-            </a:r>
-            <a:r>
-              <a:rPr lang="en-GB" dirty="0" err="1"/>
-              <a:t>sorte</a:t>
-            </a:r>
-            <a:r>
-              <a:rPr lang="en-GB" dirty="0"/>
-              <a:t> que ca arrive pas : </a:t>
-            </a:r>
-            <a:r>
-              <a:rPr lang="en-GB" dirty="0" err="1"/>
-              <a:t>Voir</a:t>
-            </a:r>
-            <a:r>
-              <a:rPr lang="en-GB" dirty="0"/>
-              <a:t> </a:t>
-            </a:r>
-            <a:r>
-              <a:rPr lang="en-GB" dirty="0" err="1"/>
-              <a:t>l’avancee</a:t>
-            </a:r>
-            <a:r>
-              <a:rPr lang="en-GB" dirty="0"/>
-              <a:t> du </a:t>
-            </a:r>
-            <a:r>
-              <a:rPr lang="en-GB" dirty="0" err="1"/>
-              <a:t>projet</a:t>
-            </a:r>
-            <a:r>
-              <a:rPr lang="en-GB" dirty="0"/>
-              <a:t> tout au long, avec velocity burndown chart par </a:t>
-            </a:r>
-            <a:r>
-              <a:rPr lang="en-GB" dirty="0" err="1"/>
-              <a:t>exemple</a:t>
-            </a:r>
-            <a:r>
-              <a:rPr lang="en-GB" dirty="0"/>
-              <a:t>..</a:t>
-            </a:r>
-          </a:p>
-          <a:p>
-            <a:r>
-              <a:rPr lang="en-GB" dirty="0"/>
-              <a:t>-&gt; Si jamais ca arrive plan B : On set up des priorities a implementer, faire le maximum</a:t>
-            </a:r>
-          </a:p>
-          <a:p>
-            <a:endParaRPr lang="en-GB" dirty="0"/>
+              <a:t>Maven -&gt; build tool</a:t>
+            </a:r>
+          </a:p>
+          <a:p>
+            <a:r>
+              <a:rPr lang="en-GB" dirty="0"/>
+              <a:t>Kafka -&gt; message broker </a:t>
+            </a:r>
+          </a:p>
+          <a:p>
+            <a:r>
+              <a:rPr lang="en-GB" dirty="0"/>
+              <a:t>Kong -&gt; </a:t>
+            </a:r>
+            <a:r>
+              <a:rPr lang="en-GB" dirty="0" err="1"/>
+              <a:t>Api</a:t>
+            </a:r>
+            <a:r>
+              <a:rPr lang="en-GB" dirty="0"/>
+              <a:t> gateway services</a:t>
+            </a:r>
+          </a:p>
+          <a:p>
+            <a:r>
+              <a:rPr lang="en-GB" dirty="0"/>
+              <a:t>Docker -&gt; Container</a:t>
+            </a:r>
+          </a:p>
+          <a:p>
+            <a:r>
+              <a:rPr lang="en-GB" dirty="0"/>
+              <a:t>Angular -&gt; Frontend</a:t>
+            </a:r>
           </a:p>
         </p:txBody>
       </p:sp>
@@ -1451,7 +896,846 @@
           <a:p>
             <a:fld id="{5EE062EE-B787-4BCB-A918-211457510161}" type="slidenum">
               <a:rPr lang="fr-FR" smtClean="0"/>
-              <a:t>9</a:t>
+              <a:t>4</a:t>
+            </a:fld>
+            <a:endParaRPr lang="fr-FR"/>
+          </a:p>
+        </p:txBody>
+      </p:sp>
+    </p:spTree>
+    <p:extLst>
+      <p:ext uri="{BB962C8B-B14F-4D97-AF65-F5344CB8AC3E}">
+        <p14:creationId xmlns:p14="http://schemas.microsoft.com/office/powerpoint/2010/main" val="1299115959"/>
+      </p:ext>
+    </p:extLst>
+  </p:cSld>
+  <p:clrMapOvr>
+    <a:masterClrMapping/>
+  </p:clrMapOvr>
+</p:notes>
+</file>
+
+<file path=ppt/notesSlides/notesSlide4.xml><?xml version="1.0" encoding="utf-8"?>
+<p:notes xmlns:a="http://schemas.openxmlformats.org/drawingml/2006/main" xmlns:r="http://schemas.openxmlformats.org/officeDocument/2006/relationships" xmlns:p="http://schemas.openxmlformats.org/presentationml/2006/main">
+  <p:cSld>
+    <p:spTree>
+      <p:nvGrpSpPr>
+        <p:cNvPr id="1" name=""/>
+        <p:cNvGrpSpPr/>
+        <p:nvPr/>
+      </p:nvGrpSpPr>
+      <p:grpSpPr>
+        <a:xfrm>
+          <a:off x="0" y="0"/>
+          <a:ext cx="0" cy="0"/>
+          <a:chOff x="0" y="0"/>
+          <a:chExt cx="0" cy="0"/>
+        </a:xfrm>
+      </p:grpSpPr>
+      <p:sp>
+        <p:nvSpPr>
+          <p:cNvPr id="2" name="Espace réservé de l'image des diapositives 1"/>
+          <p:cNvSpPr>
+            <a:spLocks noGrp="1" noRot="1" noChangeAspect="1"/>
+          </p:cNvSpPr>
+          <p:nvPr>
+            <p:ph type="sldImg"/>
+          </p:nvPr>
+        </p:nvSpPr>
+        <p:spPr/>
+      </p:sp>
+      <p:sp>
+        <p:nvSpPr>
+          <p:cNvPr id="3" name="Espace réservé des notes 2"/>
+          <p:cNvSpPr>
+            <a:spLocks noGrp="1"/>
+          </p:cNvSpPr>
+          <p:nvPr>
+            <p:ph type="body" idx="1"/>
+          </p:nvPr>
+        </p:nvSpPr>
+        <p:spPr/>
+        <p:txBody>
+          <a:bodyPr/>
+          <a:lstStyle/>
+          <a:p>
+            <a:endParaRPr lang="en-GB" dirty="0"/>
+          </a:p>
+        </p:txBody>
+      </p:sp>
+      <p:sp>
+        <p:nvSpPr>
+          <p:cNvPr id="4" name="Espace réservé du numéro de diapositive 3"/>
+          <p:cNvSpPr>
+            <a:spLocks noGrp="1"/>
+          </p:cNvSpPr>
+          <p:nvPr>
+            <p:ph type="sldNum" sz="quarter" idx="5"/>
+          </p:nvPr>
+        </p:nvSpPr>
+        <p:spPr/>
+        <p:txBody>
+          <a:bodyPr/>
+          <a:lstStyle/>
+          <a:p>
+            <a:fld id="{5EE062EE-B787-4BCB-A918-211457510161}" type="slidenum">
+              <a:rPr lang="fr-FR" smtClean="0"/>
+              <a:t>5</a:t>
+            </a:fld>
+            <a:endParaRPr lang="fr-FR"/>
+          </a:p>
+        </p:txBody>
+      </p:sp>
+    </p:spTree>
+    <p:extLst>
+      <p:ext uri="{BB962C8B-B14F-4D97-AF65-F5344CB8AC3E}">
+        <p14:creationId xmlns:p14="http://schemas.microsoft.com/office/powerpoint/2010/main" val="2803278637"/>
+      </p:ext>
+    </p:extLst>
+  </p:cSld>
+  <p:clrMapOvr>
+    <a:masterClrMapping/>
+  </p:clrMapOvr>
+</p:notes>
+</file>
+
+<file path=ppt/notesSlides/notesSlide5.xml><?xml version="1.0" encoding="utf-8"?>
+<p:notes xmlns:a="http://schemas.openxmlformats.org/drawingml/2006/main" xmlns:r="http://schemas.openxmlformats.org/officeDocument/2006/relationships" xmlns:p="http://schemas.openxmlformats.org/presentationml/2006/main">
+  <p:cSld>
+    <p:spTree>
+      <p:nvGrpSpPr>
+        <p:cNvPr id="1" name=""/>
+        <p:cNvGrpSpPr/>
+        <p:nvPr/>
+      </p:nvGrpSpPr>
+      <p:grpSpPr>
+        <a:xfrm>
+          <a:off x="0" y="0"/>
+          <a:ext cx="0" cy="0"/>
+          <a:chOff x="0" y="0"/>
+          <a:chExt cx="0" cy="0"/>
+        </a:xfrm>
+      </p:grpSpPr>
+      <p:sp>
+        <p:nvSpPr>
+          <p:cNvPr id="2" name="Espace réservé de l'image des diapositives 1"/>
+          <p:cNvSpPr>
+            <a:spLocks noGrp="1" noRot="1" noChangeAspect="1"/>
+          </p:cNvSpPr>
+          <p:nvPr>
+            <p:ph type="sldImg"/>
+          </p:nvPr>
+        </p:nvSpPr>
+        <p:spPr/>
+      </p:sp>
+      <p:sp>
+        <p:nvSpPr>
+          <p:cNvPr id="3" name="Espace réservé des notes 2"/>
+          <p:cNvSpPr>
+            <a:spLocks noGrp="1"/>
+          </p:cNvSpPr>
+          <p:nvPr>
+            <p:ph type="body" idx="1"/>
+          </p:nvPr>
+        </p:nvSpPr>
+        <p:spPr/>
+        <p:txBody>
+          <a:bodyPr/>
+          <a:lstStyle/>
+          <a:p>
+            <a:r>
+              <a:rPr lang="en-GB" dirty="0"/>
+              <a:t>CONFLITS :</a:t>
+            </a:r>
+          </a:p>
+          <a:p>
+            <a:r>
+              <a:rPr lang="en-GB" dirty="0"/>
+              <a:t>-&gt; Impact : </a:t>
+            </a:r>
+            <a:r>
+              <a:rPr lang="en-GB" dirty="0" err="1"/>
+              <a:t>Peu</a:t>
+            </a:r>
+            <a:r>
+              <a:rPr lang="en-GB" dirty="0"/>
+              <a:t> </a:t>
+            </a:r>
+            <a:r>
+              <a:rPr lang="en-GB" dirty="0" err="1"/>
+              <a:t>avoir</a:t>
+            </a:r>
+            <a:r>
+              <a:rPr lang="en-GB" dirty="0"/>
+              <a:t> un </a:t>
+            </a:r>
+            <a:r>
+              <a:rPr lang="en-GB" dirty="0" err="1"/>
+              <a:t>gros</a:t>
+            </a:r>
+            <a:r>
+              <a:rPr lang="en-GB" dirty="0"/>
+              <a:t> impact sur le </a:t>
+            </a:r>
+            <a:r>
+              <a:rPr lang="en-GB" dirty="0" err="1"/>
+              <a:t>projet</a:t>
+            </a:r>
+            <a:endParaRPr lang="en-GB" dirty="0"/>
+          </a:p>
+          <a:p>
+            <a:r>
+              <a:rPr lang="en-GB" dirty="0"/>
+              <a:t>-&gt; </a:t>
+            </a:r>
+            <a:r>
+              <a:rPr lang="en-GB" dirty="0" err="1"/>
+              <a:t>Signes</a:t>
+            </a:r>
+            <a:r>
+              <a:rPr lang="en-GB" dirty="0"/>
+              <a:t> : Tension ca se </a:t>
+            </a:r>
+            <a:r>
+              <a:rPr lang="en-GB" dirty="0" err="1"/>
+              <a:t>voit</a:t>
+            </a:r>
+            <a:endParaRPr lang="en-GB" dirty="0"/>
+          </a:p>
+          <a:p>
+            <a:r>
+              <a:rPr lang="en-GB" dirty="0"/>
+              <a:t>-&gt; Faire </a:t>
+            </a:r>
+            <a:r>
+              <a:rPr lang="en-GB" dirty="0" err="1"/>
+              <a:t>en</a:t>
+            </a:r>
+            <a:r>
+              <a:rPr lang="en-GB" dirty="0"/>
+              <a:t> </a:t>
+            </a:r>
+            <a:r>
+              <a:rPr lang="en-GB" dirty="0" err="1"/>
+              <a:t>sorte</a:t>
+            </a:r>
+            <a:r>
+              <a:rPr lang="en-GB" dirty="0"/>
+              <a:t> que ca arrive pas : </a:t>
+            </a:r>
+            <a:r>
+              <a:rPr lang="en-GB" dirty="0" err="1"/>
+              <a:t>Communiquer</a:t>
+            </a:r>
+            <a:r>
+              <a:rPr lang="en-GB" dirty="0"/>
+              <a:t> entre </a:t>
+            </a:r>
+            <a:r>
+              <a:rPr lang="en-GB" dirty="0" err="1"/>
+              <a:t>collegues</a:t>
+            </a:r>
+            <a:r>
+              <a:rPr lang="en-GB" dirty="0"/>
+              <a:t> pour </a:t>
+            </a:r>
+            <a:r>
+              <a:rPr lang="en-GB" dirty="0" err="1"/>
+              <a:t>resoudre</a:t>
+            </a:r>
+            <a:r>
+              <a:rPr lang="en-GB" dirty="0"/>
+              <a:t> ca</a:t>
+            </a:r>
+          </a:p>
+          <a:p>
+            <a:r>
+              <a:rPr lang="en-GB" dirty="0"/>
+              <a:t>-&gt; Si jamais ca arrive plan B : faire des efforts =&gt; </a:t>
+            </a:r>
+            <a:r>
+              <a:rPr lang="en-GB" dirty="0" err="1"/>
+              <a:t>Favoriser</a:t>
+            </a:r>
+            <a:r>
+              <a:rPr lang="en-GB" dirty="0"/>
+              <a:t> la cohesion </a:t>
+            </a:r>
+          </a:p>
+          <a:p>
+            <a:endParaRPr lang="en-GB" dirty="0"/>
+          </a:p>
+          <a:p>
+            <a:endParaRPr lang="en-GB" dirty="0"/>
+          </a:p>
+          <a:p>
+            <a:r>
+              <a:rPr lang="en-GB" dirty="0"/>
+              <a:t>MALADIE :</a:t>
+            </a:r>
+          </a:p>
+          <a:p>
+            <a:r>
+              <a:rPr lang="en-GB" dirty="0"/>
+              <a:t>-&gt; Impact : </a:t>
+            </a:r>
+            <a:r>
+              <a:rPr lang="en-GB" dirty="0" err="1"/>
+              <a:t>Peu</a:t>
+            </a:r>
+            <a:r>
+              <a:rPr lang="en-GB" dirty="0"/>
+              <a:t> </a:t>
+            </a:r>
+            <a:r>
+              <a:rPr lang="en-GB" dirty="0" err="1"/>
+              <a:t>avoir</a:t>
+            </a:r>
+            <a:r>
+              <a:rPr lang="en-GB" dirty="0"/>
+              <a:t> un </a:t>
+            </a:r>
+            <a:r>
+              <a:rPr lang="en-GB" dirty="0" err="1"/>
+              <a:t>gros</a:t>
+            </a:r>
+            <a:r>
+              <a:rPr lang="en-GB" dirty="0"/>
+              <a:t> impact sur le </a:t>
+            </a:r>
+            <a:r>
+              <a:rPr lang="en-GB" dirty="0" err="1"/>
+              <a:t>projet</a:t>
+            </a:r>
+            <a:endParaRPr lang="en-GB" dirty="0"/>
+          </a:p>
+          <a:p>
+            <a:r>
+              <a:rPr lang="en-GB" dirty="0"/>
+              <a:t>-&gt; </a:t>
+            </a:r>
+            <a:r>
+              <a:rPr lang="en-GB" dirty="0" err="1"/>
+              <a:t>Signes</a:t>
+            </a:r>
+            <a:r>
+              <a:rPr lang="en-GB" dirty="0"/>
+              <a:t> : Bah </a:t>
+            </a:r>
+            <a:r>
+              <a:rPr lang="en-GB" dirty="0" err="1"/>
+              <a:t>y’en</a:t>
+            </a:r>
+            <a:r>
+              <a:rPr lang="en-GB" dirty="0"/>
+              <a:t> a un qui </a:t>
+            </a:r>
+            <a:r>
+              <a:rPr lang="en-GB" dirty="0" err="1"/>
+              <a:t>est</a:t>
+            </a:r>
+            <a:r>
+              <a:rPr lang="en-GB" dirty="0"/>
+              <a:t> pas la et qui a </a:t>
+            </a:r>
+            <a:r>
+              <a:rPr lang="en-GB" dirty="0" err="1"/>
+              <a:t>prevenu</a:t>
+            </a:r>
+            <a:endParaRPr lang="en-GB" dirty="0"/>
+          </a:p>
+          <a:p>
+            <a:r>
+              <a:rPr lang="en-GB" dirty="0"/>
+              <a:t>-&gt; Faire </a:t>
+            </a:r>
+            <a:r>
+              <a:rPr lang="en-GB" dirty="0" err="1"/>
+              <a:t>en</a:t>
+            </a:r>
+            <a:r>
+              <a:rPr lang="en-GB" dirty="0"/>
+              <a:t> </a:t>
+            </a:r>
+            <a:r>
+              <a:rPr lang="en-GB" dirty="0" err="1"/>
+              <a:t>sorte</a:t>
+            </a:r>
+            <a:r>
+              <a:rPr lang="en-GB" dirty="0"/>
+              <a:t> que ca arrive pas : On </a:t>
+            </a:r>
+            <a:r>
+              <a:rPr lang="en-GB" dirty="0" err="1"/>
+              <a:t>peut</a:t>
+            </a:r>
+            <a:r>
+              <a:rPr lang="en-GB" dirty="0"/>
+              <a:t> pas et </a:t>
+            </a:r>
+            <a:r>
+              <a:rPr lang="en-GB" dirty="0" err="1"/>
+              <a:t>si</a:t>
+            </a:r>
+            <a:r>
+              <a:rPr lang="en-GB" dirty="0"/>
+              <a:t> on </a:t>
+            </a:r>
+            <a:r>
+              <a:rPr lang="en-GB" dirty="0" err="1"/>
+              <a:t>est</a:t>
+            </a:r>
+            <a:r>
+              <a:rPr lang="en-GB" dirty="0"/>
+              <a:t> </a:t>
+            </a:r>
+            <a:r>
+              <a:rPr lang="en-GB" dirty="0" err="1"/>
+              <a:t>malade</a:t>
+            </a:r>
+            <a:r>
+              <a:rPr lang="en-GB" dirty="0"/>
+              <a:t> on </a:t>
+            </a:r>
+            <a:r>
+              <a:rPr lang="en-GB" dirty="0" err="1"/>
+              <a:t>reste</a:t>
+            </a:r>
+            <a:r>
+              <a:rPr lang="en-GB" dirty="0"/>
+              <a:t> chez </a:t>
+            </a:r>
+            <a:r>
+              <a:rPr lang="en-GB" dirty="0" err="1"/>
+              <a:t>soi</a:t>
+            </a:r>
+            <a:endParaRPr lang="en-GB" dirty="0"/>
+          </a:p>
+          <a:p>
+            <a:r>
+              <a:rPr lang="en-GB" dirty="0"/>
+              <a:t>-&gt; Si jamais ca arrive plan B : On se </a:t>
+            </a:r>
+            <a:r>
+              <a:rPr lang="en-GB" dirty="0" err="1"/>
+              <a:t>reparti</a:t>
+            </a:r>
+            <a:r>
+              <a:rPr lang="en-GB" dirty="0"/>
+              <a:t> le travail </a:t>
+            </a:r>
+            <a:r>
+              <a:rPr lang="en-GB" dirty="0" err="1"/>
+              <a:t>qu’il</a:t>
+            </a:r>
+            <a:r>
+              <a:rPr lang="en-GB" dirty="0"/>
+              <a:t> y </a:t>
+            </a:r>
+            <a:r>
+              <a:rPr lang="en-GB" dirty="0" err="1"/>
+              <a:t>avait</a:t>
+            </a:r>
+            <a:r>
+              <a:rPr lang="en-GB" dirty="0"/>
+              <a:t> a faire, </a:t>
+            </a:r>
+            <a:r>
+              <a:rPr lang="en-GB" dirty="0" err="1"/>
+              <a:t>si</a:t>
+            </a:r>
+            <a:r>
+              <a:rPr lang="en-GB" dirty="0"/>
+              <a:t> </a:t>
+            </a:r>
+            <a:r>
+              <a:rPr lang="en-GB" dirty="0" err="1"/>
+              <a:t>c’etati</a:t>
+            </a:r>
+            <a:r>
+              <a:rPr lang="en-GB" dirty="0"/>
+              <a:t> backend bah on </a:t>
+            </a:r>
+            <a:r>
+              <a:rPr lang="en-GB" dirty="0" err="1"/>
+              <a:t>aidera</a:t>
+            </a:r>
+            <a:r>
+              <a:rPr lang="en-GB" dirty="0"/>
+              <a:t> le backend</a:t>
+            </a:r>
+          </a:p>
+          <a:p>
+            <a:endParaRPr lang="en-GB" dirty="0"/>
+          </a:p>
+          <a:p>
+            <a:endParaRPr lang="en-GB" dirty="0"/>
+          </a:p>
+          <a:p>
+            <a:r>
+              <a:rPr lang="en-GB" dirty="0"/>
+              <a:t>TECHNOLOGIES :</a:t>
+            </a:r>
+          </a:p>
+          <a:p>
+            <a:r>
+              <a:rPr lang="en-GB" dirty="0"/>
+              <a:t>-&gt; Impact : </a:t>
+            </a:r>
+            <a:r>
+              <a:rPr lang="en-GB" dirty="0" err="1"/>
+              <a:t>Peu</a:t>
+            </a:r>
+            <a:r>
+              <a:rPr lang="en-GB" dirty="0"/>
+              <a:t> </a:t>
+            </a:r>
+            <a:r>
+              <a:rPr lang="en-GB" dirty="0" err="1"/>
+              <a:t>avoir</a:t>
+            </a:r>
+            <a:r>
+              <a:rPr lang="en-GB" dirty="0"/>
+              <a:t> un </a:t>
+            </a:r>
+            <a:r>
+              <a:rPr lang="en-GB" dirty="0" err="1"/>
+              <a:t>gros</a:t>
+            </a:r>
+            <a:r>
+              <a:rPr lang="en-GB" dirty="0"/>
+              <a:t> impact sur le </a:t>
+            </a:r>
+            <a:r>
+              <a:rPr lang="en-GB" dirty="0" err="1"/>
+              <a:t>projet</a:t>
+            </a:r>
+            <a:endParaRPr lang="en-GB" dirty="0"/>
+          </a:p>
+          <a:p>
+            <a:r>
+              <a:rPr lang="en-GB" dirty="0"/>
+              <a:t>-&gt; </a:t>
+            </a:r>
+            <a:r>
+              <a:rPr lang="en-GB" dirty="0" err="1"/>
+              <a:t>Signes</a:t>
+            </a:r>
+            <a:r>
+              <a:rPr lang="en-GB" dirty="0"/>
+              <a:t> : </a:t>
+            </a:r>
+            <a:r>
+              <a:rPr lang="en-GB" dirty="0" err="1"/>
+              <a:t>Quelqu’un</a:t>
+            </a:r>
+            <a:r>
+              <a:rPr lang="en-GB" dirty="0"/>
+              <a:t> qui </a:t>
+            </a:r>
+            <a:r>
+              <a:rPr lang="en-GB" dirty="0" err="1"/>
+              <a:t>est</a:t>
+            </a:r>
+            <a:r>
+              <a:rPr lang="en-GB" dirty="0"/>
+              <a:t> </a:t>
+            </a:r>
+            <a:r>
+              <a:rPr lang="en-GB" dirty="0" err="1"/>
+              <a:t>en</a:t>
+            </a:r>
+            <a:r>
+              <a:rPr lang="en-GB" dirty="0"/>
+              <a:t> </a:t>
+            </a:r>
+            <a:r>
+              <a:rPr lang="en-GB" dirty="0" err="1"/>
+              <a:t>galere</a:t>
+            </a:r>
+            <a:r>
+              <a:rPr lang="en-GB" dirty="0"/>
+              <a:t> </a:t>
+            </a:r>
+          </a:p>
+          <a:p>
+            <a:r>
+              <a:rPr lang="en-GB" dirty="0"/>
+              <a:t>-&gt; Faire </a:t>
+            </a:r>
+            <a:r>
+              <a:rPr lang="en-GB" dirty="0" err="1"/>
+              <a:t>en</a:t>
+            </a:r>
+            <a:r>
+              <a:rPr lang="en-GB" dirty="0"/>
+              <a:t> </a:t>
+            </a:r>
+            <a:r>
+              <a:rPr lang="en-GB" dirty="0" err="1"/>
+              <a:t>sorte</a:t>
+            </a:r>
+            <a:r>
+              <a:rPr lang="en-GB" dirty="0"/>
+              <a:t> que ca arrive pas : Dire a la team </a:t>
+            </a:r>
+            <a:r>
+              <a:rPr lang="en-GB" dirty="0" err="1"/>
+              <a:t>si</a:t>
+            </a:r>
+            <a:r>
+              <a:rPr lang="en-GB" dirty="0"/>
+              <a:t> </a:t>
+            </a:r>
+            <a:r>
+              <a:rPr lang="en-GB" dirty="0" err="1"/>
+              <a:t>y’a</a:t>
+            </a:r>
+            <a:r>
+              <a:rPr lang="en-GB" dirty="0"/>
+              <a:t> des pb de comprehension =&gt; </a:t>
+            </a:r>
+            <a:r>
+              <a:rPr lang="en-GB" dirty="0" err="1"/>
+              <a:t>vraiment</a:t>
+            </a:r>
+            <a:r>
+              <a:rPr lang="en-GB" dirty="0"/>
+              <a:t> </a:t>
+            </a:r>
+            <a:r>
+              <a:rPr lang="en-GB" dirty="0" err="1"/>
+              <a:t>communiquer</a:t>
+            </a:r>
+            <a:endParaRPr lang="en-GB" dirty="0"/>
+          </a:p>
+          <a:p>
+            <a:r>
+              <a:rPr lang="en-GB" dirty="0"/>
+              <a:t>-&gt; Si jamais ca arrive plan B :Si </a:t>
+            </a:r>
+            <a:r>
+              <a:rPr lang="en-GB" dirty="0" err="1"/>
+              <a:t>il</a:t>
+            </a:r>
+            <a:r>
+              <a:rPr lang="en-GB" dirty="0"/>
+              <a:t> </a:t>
+            </a:r>
+            <a:r>
+              <a:rPr lang="en-GB" dirty="0" err="1"/>
+              <a:t>reste</a:t>
+            </a:r>
+            <a:r>
+              <a:rPr lang="en-GB" dirty="0"/>
+              <a:t> du temps : </a:t>
+            </a:r>
+            <a:r>
+              <a:rPr lang="en-GB" dirty="0" err="1"/>
+              <a:t>chagner</a:t>
+            </a:r>
+            <a:r>
+              <a:rPr lang="en-GB" dirty="0"/>
+              <a:t> de </a:t>
+            </a:r>
+            <a:r>
+              <a:rPr lang="en-GB" dirty="0" err="1"/>
+              <a:t>technologie</a:t>
+            </a:r>
+            <a:r>
+              <a:rPr lang="en-GB" dirty="0"/>
+              <a:t>, </a:t>
+            </a:r>
+            <a:r>
+              <a:rPr lang="en-GB" dirty="0" err="1"/>
+              <a:t>sinon</a:t>
+            </a:r>
+            <a:r>
+              <a:rPr lang="en-GB" dirty="0"/>
+              <a:t> </a:t>
+            </a:r>
+            <a:r>
+              <a:rPr lang="en-GB" dirty="0" err="1"/>
+              <a:t>tryhard</a:t>
+            </a:r>
+            <a:r>
+              <a:rPr lang="en-GB" dirty="0"/>
+              <a:t> </a:t>
+            </a:r>
+            <a:r>
+              <a:rPr lang="en-GB" dirty="0" err="1"/>
+              <a:t>en</a:t>
+            </a:r>
+            <a:r>
+              <a:rPr lang="en-GB" dirty="0"/>
+              <a:t> team la </a:t>
+            </a:r>
+            <a:r>
+              <a:rPr lang="en-GB" dirty="0" err="1"/>
+              <a:t>comphrension</a:t>
+            </a:r>
+            <a:endParaRPr lang="en-GB" dirty="0"/>
+          </a:p>
+          <a:p>
+            <a:endParaRPr lang="en-GB" dirty="0"/>
+          </a:p>
+          <a:p>
+            <a:endParaRPr lang="en-GB" dirty="0"/>
+          </a:p>
+          <a:p>
+            <a:r>
+              <a:rPr lang="en-GB" dirty="0"/>
+              <a:t>TEMPS :</a:t>
+            </a:r>
+          </a:p>
+          <a:p>
+            <a:r>
+              <a:rPr lang="en-GB" dirty="0"/>
+              <a:t>-&gt; Impact : </a:t>
+            </a:r>
+            <a:r>
+              <a:rPr lang="en-GB" dirty="0" err="1"/>
+              <a:t>Peu</a:t>
+            </a:r>
+            <a:r>
+              <a:rPr lang="en-GB" dirty="0"/>
+              <a:t> </a:t>
+            </a:r>
+            <a:r>
+              <a:rPr lang="en-GB" dirty="0" err="1"/>
+              <a:t>avoir</a:t>
+            </a:r>
+            <a:r>
+              <a:rPr lang="en-GB" dirty="0"/>
+              <a:t> un </a:t>
+            </a:r>
+            <a:r>
+              <a:rPr lang="en-GB" dirty="0" err="1"/>
+              <a:t>gros</a:t>
+            </a:r>
+            <a:r>
+              <a:rPr lang="en-GB" dirty="0"/>
+              <a:t> impact sur le </a:t>
+            </a:r>
+            <a:r>
+              <a:rPr lang="en-GB" dirty="0" err="1"/>
+              <a:t>projet</a:t>
+            </a:r>
+            <a:endParaRPr lang="en-GB" dirty="0"/>
+          </a:p>
+          <a:p>
+            <a:r>
+              <a:rPr lang="en-GB" dirty="0"/>
+              <a:t>-&gt; </a:t>
+            </a:r>
+            <a:r>
+              <a:rPr lang="en-GB" dirty="0" err="1"/>
+              <a:t>Signes</a:t>
+            </a:r>
+            <a:r>
+              <a:rPr lang="en-GB" dirty="0"/>
+              <a:t> : Il </a:t>
+            </a:r>
+            <a:r>
+              <a:rPr lang="en-GB" dirty="0" err="1"/>
+              <a:t>reste</a:t>
+            </a:r>
+            <a:r>
+              <a:rPr lang="en-GB" dirty="0"/>
+              <a:t> 2 </a:t>
+            </a:r>
+            <a:r>
+              <a:rPr lang="en-GB" dirty="0" err="1"/>
+              <a:t>semaines</a:t>
+            </a:r>
+            <a:r>
+              <a:rPr lang="en-GB" dirty="0"/>
+              <a:t> et 3 microservices a implementer</a:t>
+            </a:r>
+          </a:p>
+          <a:p>
+            <a:r>
+              <a:rPr lang="en-GB" dirty="0"/>
+              <a:t>-&gt; Faire </a:t>
+            </a:r>
+            <a:r>
+              <a:rPr lang="en-GB" dirty="0" err="1"/>
+              <a:t>en</a:t>
+            </a:r>
+            <a:r>
+              <a:rPr lang="en-GB" dirty="0"/>
+              <a:t> </a:t>
+            </a:r>
+            <a:r>
+              <a:rPr lang="en-GB" dirty="0" err="1"/>
+              <a:t>sorte</a:t>
+            </a:r>
+            <a:r>
+              <a:rPr lang="en-GB" dirty="0"/>
+              <a:t> que ca arrive pas : </a:t>
+            </a:r>
+            <a:r>
+              <a:rPr lang="en-GB" dirty="0" err="1"/>
+              <a:t>Voir</a:t>
+            </a:r>
+            <a:r>
+              <a:rPr lang="en-GB" dirty="0"/>
+              <a:t> </a:t>
+            </a:r>
+            <a:r>
+              <a:rPr lang="en-GB" dirty="0" err="1"/>
+              <a:t>l’avancee</a:t>
+            </a:r>
+            <a:r>
+              <a:rPr lang="en-GB" dirty="0"/>
+              <a:t> du </a:t>
+            </a:r>
+            <a:r>
+              <a:rPr lang="en-GB" dirty="0" err="1"/>
+              <a:t>projet</a:t>
+            </a:r>
+            <a:r>
+              <a:rPr lang="en-GB" dirty="0"/>
+              <a:t> tout au long, avec velocity burndown chart par </a:t>
+            </a:r>
+            <a:r>
+              <a:rPr lang="en-GB" dirty="0" err="1"/>
+              <a:t>exemple</a:t>
+            </a:r>
+            <a:r>
+              <a:rPr lang="en-GB" dirty="0"/>
+              <a:t>..</a:t>
+            </a:r>
+          </a:p>
+          <a:p>
+            <a:r>
+              <a:rPr lang="en-GB" dirty="0"/>
+              <a:t>-&gt; Si jamais ca arrive plan B : On set up des priorities a implementer, faire le maximum</a:t>
+            </a:r>
+          </a:p>
+          <a:p>
+            <a:endParaRPr lang="en-GB" dirty="0"/>
+          </a:p>
+        </p:txBody>
+      </p:sp>
+      <p:sp>
+        <p:nvSpPr>
+          <p:cNvPr id="4" name="Espace réservé du numéro de diapositive 3"/>
+          <p:cNvSpPr>
+            <a:spLocks noGrp="1"/>
+          </p:cNvSpPr>
+          <p:nvPr>
+            <p:ph type="sldNum" sz="quarter" idx="5"/>
+          </p:nvPr>
+        </p:nvSpPr>
+        <p:spPr/>
+        <p:txBody>
+          <a:bodyPr/>
+          <a:lstStyle/>
+          <a:p>
+            <a:fld id="{5EE062EE-B787-4BCB-A918-211457510161}" type="slidenum">
+              <a:rPr lang="fr-FR" smtClean="0"/>
+              <a:t>11</a:t>
             </a:fld>
             <a:endParaRPr lang="fr-FR"/>
           </a:p>
@@ -1639,7 +1923,7 @@
           <a:p>
             <a:fld id="{1B498702-ED62-466F-973F-6AF7CFD9E4D1}" type="datetime1">
               <a:rPr lang="fr-FR" smtClean="0"/>
-              <a:t>11/04/2019</a:t>
+              <a:t>12/04/2019</a:t>
             </a:fld>
             <a:endParaRPr lang="fr-FR"/>
           </a:p>
@@ -1969,7 +2253,7 @@
           <a:p>
             <a:fld id="{A4EE47B1-3242-4C47-BD9E-CF6B7814BC05}" type="datetime1">
               <a:rPr lang="fr-FR" smtClean="0"/>
-              <a:t>11/04/2019</a:t>
+              <a:t>12/04/2019</a:t>
             </a:fld>
             <a:endParaRPr lang="fr-FR"/>
           </a:p>
@@ -2149,7 +2433,7 @@
           <a:p>
             <a:fld id="{6C107521-40EB-4043-B595-2258B76D6983}" type="datetime1">
               <a:rPr lang="fr-FR" smtClean="0"/>
-              <a:t>11/04/2019</a:t>
+              <a:t>12/04/2019</a:t>
             </a:fld>
             <a:endParaRPr lang="fr-FR"/>
           </a:p>
@@ -2319,7 +2603,7 @@
           <a:p>
             <a:fld id="{6B3683F2-0608-43B8-86C7-1EF326ABA0DA}" type="datetime1">
               <a:rPr lang="fr-FR" smtClean="0"/>
-              <a:t>11/04/2019</a:t>
+              <a:t>12/04/2019</a:t>
             </a:fld>
             <a:endParaRPr lang="fr-FR"/>
           </a:p>
@@ -2596,7 +2880,7 @@
           <a:p>
             <a:fld id="{18154137-7BF6-449A-86D4-2492E0EC126A}" type="datetime1">
               <a:rPr lang="fr-FR" smtClean="0"/>
-              <a:t>11/04/2019</a:t>
+              <a:t>12/04/2019</a:t>
             </a:fld>
             <a:endParaRPr lang="fr-FR"/>
           </a:p>
@@ -2990,7 +3274,7 @@
           <a:p>
             <a:fld id="{1E8216B1-7782-40D2-BCAF-5FCF59F3764F}" type="datetime1">
               <a:rPr lang="fr-FR" smtClean="0"/>
-              <a:t>11/04/2019</a:t>
+              <a:t>12/04/2019</a:t>
             </a:fld>
             <a:endParaRPr lang="fr-FR"/>
           </a:p>
@@ -3467,7 +3751,7 @@
           <a:p>
             <a:fld id="{4DE2996A-7AED-42AB-A8A3-C2CBD12E08C5}" type="datetime1">
               <a:rPr lang="fr-FR" smtClean="0"/>
-              <a:t>11/04/2019</a:t>
+              <a:t>12/04/2019</a:t>
             </a:fld>
             <a:endParaRPr lang="fr-FR"/>
           </a:p>
@@ -3585,7 +3869,7 @@
           <a:p>
             <a:fld id="{BC20445E-C097-4449-A346-E7A2AC64279E}" type="datetime1">
               <a:rPr lang="fr-FR" smtClean="0"/>
-              <a:t>11/04/2019</a:t>
+              <a:t>12/04/2019</a:t>
             </a:fld>
             <a:endParaRPr lang="fr-FR"/>
           </a:p>
@@ -3680,7 +3964,7 @@
           <a:p>
             <a:fld id="{4D51378F-1B7C-4765-B556-414BBA697852}" type="datetime1">
               <a:rPr lang="fr-FR" smtClean="0"/>
-              <a:t>11/04/2019</a:t>
+              <a:t>12/04/2019</a:t>
             </a:fld>
             <a:endParaRPr lang="fr-FR"/>
           </a:p>
@@ -4026,7 +4310,7 @@
           <a:p>
             <a:fld id="{7E3C0D5E-83B9-4537-9F43-7CA77285A67A}" type="datetime1">
               <a:rPr lang="fr-FR" smtClean="0"/>
-              <a:t>11/04/2019</a:t>
+              <a:t>12/04/2019</a:t>
             </a:fld>
             <a:endParaRPr lang="fr-FR"/>
           </a:p>
@@ -4414,7 +4698,7 @@
           <a:p>
             <a:fld id="{2656B7E1-824B-4044-9A84-DB76C0FD0AF1}" type="datetime1">
               <a:rPr lang="fr-FR" smtClean="0"/>
-              <a:t>11/04/2019</a:t>
+              <a:t>12/04/2019</a:t>
             </a:fld>
             <a:endParaRPr lang="fr-FR"/>
           </a:p>
@@ -4692,7 +4976,7 @@
           <a:p>
             <a:fld id="{06394F4A-7D58-4D82-88B2-54CB712C27FA}" type="datetime1">
               <a:rPr lang="fr-FR" smtClean="0"/>
-              <a:t>11/04/2019</a:t>
+              <a:t>12/04/2019</a:t>
             </a:fld>
             <a:endParaRPr lang="fr-FR"/>
           </a:p>
@@ -5221,7 +5505,12 @@
             <p:ph type="ctrTitle"/>
           </p:nvPr>
         </p:nvSpPr>
-        <p:spPr/>
+        <p:spPr>
+          <a:xfrm>
+            <a:off x="1915385" y="2004859"/>
+            <a:ext cx="8361229" cy="1245080"/>
+          </a:xfrm>
+        </p:spPr>
         <p:txBody>
           <a:bodyPr/>
           <a:lstStyle/>
@@ -5250,7 +5539,12 @@
             <p:ph type="subTitle" idx="1"/>
           </p:nvPr>
         </p:nvSpPr>
-        <p:spPr/>
+        <p:spPr>
+          <a:xfrm>
+            <a:off x="2679904" y="3608062"/>
+            <a:ext cx="6831673" cy="1086237"/>
+          </a:xfrm>
+        </p:spPr>
         <p:txBody>
           <a:bodyPr/>
           <a:lstStyle/>
@@ -5291,10 +5585,695 @@
           </a:p>
         </p:txBody>
       </p:sp>
+      <p:pic>
+        <p:nvPicPr>
+          <p:cNvPr id="7" name="Image 6">
+            <a:extLst>
+              <a:ext uri="{FF2B5EF4-FFF2-40B4-BE49-F238E27FC236}">
+                <a16:creationId xmlns:a16="http://schemas.microsoft.com/office/drawing/2014/main" id="{B6E9AEB7-9AF2-4288-9009-F7BB10D9812B}"/>
+              </a:ext>
+            </a:extLst>
+          </p:cNvPr>
+          <p:cNvPicPr>
+            <a:picLocks noChangeAspect="1"/>
+          </p:cNvPicPr>
+          <p:nvPr/>
+        </p:nvPicPr>
+        <p:blipFill>
+          <a:blip r:embed="rId2">
+            <a:extLst>
+              <a:ext uri="{28A0092B-C50C-407E-A947-70E740481C1C}">
+                <a14:useLocalDpi xmlns:a14="http://schemas.microsoft.com/office/drawing/2010/main" val="0"/>
+              </a:ext>
+            </a:extLst>
+          </a:blip>
+          <a:stretch>
+            <a:fillRect/>
+          </a:stretch>
+        </p:blipFill>
+        <p:spPr>
+          <a:xfrm>
+            <a:off x="5451140" y="4279618"/>
+            <a:ext cx="1289719" cy="1289719"/>
+          </a:xfrm>
+          <a:prstGeom prst="rect">
+            <a:avLst/>
+          </a:prstGeom>
+        </p:spPr>
+      </p:pic>
     </p:spTree>
     <p:extLst>
       <p:ext uri="{BB962C8B-B14F-4D97-AF65-F5344CB8AC3E}">
         <p14:creationId xmlns:p14="http://schemas.microsoft.com/office/powerpoint/2010/main" val="3402780923"/>
+      </p:ext>
+    </p:extLst>
+  </p:cSld>
+  <p:clrMapOvr>
+    <a:masterClrMapping/>
+  </p:clrMapOvr>
+</p:sld>
+</file>
+
+<file path=ppt/slides/slide10.xml><?xml version="1.0" encoding="utf-8"?>
+<p:sld xmlns:a="http://schemas.openxmlformats.org/drawingml/2006/main" xmlns:r="http://schemas.openxmlformats.org/officeDocument/2006/relationships" xmlns:p="http://schemas.openxmlformats.org/presentationml/2006/main">
+  <p:cSld>
+    <p:spTree>
+      <p:nvGrpSpPr>
+        <p:cNvPr id="1" name=""/>
+        <p:cNvGrpSpPr/>
+        <p:nvPr/>
+      </p:nvGrpSpPr>
+      <p:grpSpPr>
+        <a:xfrm>
+          <a:off x="0" y="0"/>
+          <a:ext cx="0" cy="0"/>
+          <a:chOff x="0" y="0"/>
+          <a:chExt cx="0" cy="0"/>
+        </a:xfrm>
+      </p:grpSpPr>
+      <p:pic>
+        <p:nvPicPr>
+          <p:cNvPr id="6" name="Espace réservé du contenu 5">
+            <a:extLst>
+              <a:ext uri="{FF2B5EF4-FFF2-40B4-BE49-F238E27FC236}">
+                <a16:creationId xmlns:a16="http://schemas.microsoft.com/office/drawing/2014/main" id="{096A1552-2CD3-48AE-A7F0-A09049874658}"/>
+              </a:ext>
+            </a:extLst>
+          </p:cNvPr>
+          <p:cNvPicPr>
+            <a:picLocks noGrp="1" noChangeAspect="1"/>
+          </p:cNvPicPr>
+          <p:nvPr>
+            <p:ph idx="1"/>
+          </p:nvPr>
+        </p:nvPicPr>
+        <p:blipFill>
+          <a:blip r:embed="rId2">
+            <a:extLst>
+              <a:ext uri="{28A0092B-C50C-407E-A947-70E740481C1C}">
+                <a14:useLocalDpi xmlns:a14="http://schemas.microsoft.com/office/drawing/2010/main" val="0"/>
+              </a:ext>
+            </a:extLst>
+          </a:blip>
+          <a:stretch>
+            <a:fillRect/>
+          </a:stretch>
+        </p:blipFill>
+        <p:spPr>
+          <a:xfrm>
+            <a:off x="3704982" y="146050"/>
+            <a:ext cx="6565900" cy="6565900"/>
+          </a:xfrm>
+        </p:spPr>
+      </p:pic>
+      <p:sp>
+        <p:nvSpPr>
+          <p:cNvPr id="4" name="Espace réservé du numéro de diapositive 3">
+            <a:extLst>
+              <a:ext uri="{FF2B5EF4-FFF2-40B4-BE49-F238E27FC236}">
+                <a16:creationId xmlns:a16="http://schemas.microsoft.com/office/drawing/2014/main" id="{63B0CE68-A78E-4442-BAF6-DE9B1CB60357}"/>
+              </a:ext>
+            </a:extLst>
+          </p:cNvPr>
+          <p:cNvSpPr>
+            <a:spLocks noGrp="1"/>
+          </p:cNvSpPr>
+          <p:nvPr>
+            <p:ph type="sldNum" sz="quarter" idx="12"/>
+          </p:nvPr>
+        </p:nvSpPr>
+        <p:spPr/>
+        <p:txBody>
+          <a:bodyPr/>
+          <a:lstStyle/>
+          <a:p>
+            <a:fld id="{3129B59D-1082-45EE-B7B3-5CCEC6A72756}" type="slidenum">
+              <a:rPr lang="fr-FR" smtClean="0"/>
+              <a:t>10</a:t>
+            </a:fld>
+            <a:endParaRPr lang="fr-FR"/>
+          </a:p>
+        </p:txBody>
+      </p:sp>
+    </p:spTree>
+    <p:extLst>
+      <p:ext uri="{BB962C8B-B14F-4D97-AF65-F5344CB8AC3E}">
+        <p14:creationId xmlns:p14="http://schemas.microsoft.com/office/powerpoint/2010/main" val="2926711950"/>
+      </p:ext>
+    </p:extLst>
+  </p:cSld>
+  <p:clrMapOvr>
+    <a:masterClrMapping/>
+  </p:clrMapOvr>
+</p:sld>
+</file>
+
+<file path=ppt/slides/slide11.xml><?xml version="1.0" encoding="utf-8"?>
+<p:sld xmlns:a="http://schemas.openxmlformats.org/drawingml/2006/main" xmlns:r="http://schemas.openxmlformats.org/officeDocument/2006/relationships" xmlns:p="http://schemas.openxmlformats.org/presentationml/2006/main">
+  <p:cSld>
+    <p:spTree>
+      <p:nvGrpSpPr>
+        <p:cNvPr id="1" name=""/>
+        <p:cNvGrpSpPr/>
+        <p:nvPr/>
+      </p:nvGrpSpPr>
+      <p:grpSpPr>
+        <a:xfrm>
+          <a:off x="0" y="0"/>
+          <a:ext cx="0" cy="0"/>
+          <a:chOff x="0" y="0"/>
+          <a:chExt cx="0" cy="0"/>
+        </a:xfrm>
+      </p:grpSpPr>
+      <p:sp>
+        <p:nvSpPr>
+          <p:cNvPr id="4" name="Espace réservé du numéro de diapositive 3">
+            <a:extLst>
+              <a:ext uri="{FF2B5EF4-FFF2-40B4-BE49-F238E27FC236}">
+                <a16:creationId xmlns:a16="http://schemas.microsoft.com/office/drawing/2014/main" id="{FF497BC0-B144-4C45-A39D-6A100197EF55}"/>
+              </a:ext>
+            </a:extLst>
+          </p:cNvPr>
+          <p:cNvSpPr>
+            <a:spLocks noGrp="1"/>
+          </p:cNvSpPr>
+          <p:nvPr>
+            <p:ph type="sldNum" sz="quarter" idx="12"/>
+          </p:nvPr>
+        </p:nvSpPr>
+        <p:spPr/>
+        <p:txBody>
+          <a:bodyPr/>
+          <a:lstStyle/>
+          <a:p>
+            <a:fld id="{3129B59D-1082-45EE-B7B3-5CCEC6A72756}" type="slidenum">
+              <a:rPr lang="fr-FR" smtClean="0"/>
+              <a:t>11</a:t>
+            </a:fld>
+            <a:endParaRPr lang="fr-FR"/>
+          </a:p>
+        </p:txBody>
+      </p:sp>
+      <p:grpSp>
+        <p:nvGrpSpPr>
+          <p:cNvPr id="10" name="Groupe 9">
+            <a:extLst>
+              <a:ext uri="{FF2B5EF4-FFF2-40B4-BE49-F238E27FC236}">
+                <a16:creationId xmlns:a16="http://schemas.microsoft.com/office/drawing/2014/main" id="{D236AC66-122F-4B81-84EB-0ED546D26E11}"/>
+              </a:ext>
+            </a:extLst>
+          </p:cNvPr>
+          <p:cNvGrpSpPr/>
+          <p:nvPr/>
+        </p:nvGrpSpPr>
+        <p:grpSpPr>
+          <a:xfrm>
+            <a:off x="1348803" y="2588950"/>
+            <a:ext cx="1982680" cy="982450"/>
+            <a:chOff x="4213934" y="2799984"/>
+            <a:chExt cx="1828800" cy="936216"/>
+          </a:xfrm>
+        </p:grpSpPr>
+        <p:pic>
+          <p:nvPicPr>
+            <p:cNvPr id="8" name="Graphique 7" descr="Homme">
+              <a:extLst>
+                <a:ext uri="{FF2B5EF4-FFF2-40B4-BE49-F238E27FC236}">
+                  <a16:creationId xmlns:a16="http://schemas.microsoft.com/office/drawing/2014/main" id="{0EC5B858-91F6-4A0D-9DEA-5C9AAB1E0F48}"/>
+                </a:ext>
+              </a:extLst>
+            </p:cNvPr>
+            <p:cNvPicPr>
+              <a:picLocks noChangeAspect="1"/>
+            </p:cNvPicPr>
+            <p:nvPr/>
+          </p:nvPicPr>
+          <p:blipFill>
+            <a:blip r:embed="rId3">
+              <a:extLst>
+                <a:ext uri="{28A0092B-C50C-407E-A947-70E740481C1C}">
+                  <a14:useLocalDpi xmlns:a14="http://schemas.microsoft.com/office/drawing/2010/main" val="0"/>
+                </a:ext>
+                <a:ext uri="{96DAC541-7B7A-43D3-8B79-37D633B846F1}">
+                  <asvg:svgBlip xmlns:asvg="http://schemas.microsoft.com/office/drawing/2016/SVG/main" r:embed="rId4"/>
+                </a:ext>
+              </a:extLst>
+            </a:blip>
+            <a:stretch>
+              <a:fillRect/>
+            </a:stretch>
+          </p:blipFill>
+          <p:spPr>
+            <a:xfrm>
+              <a:off x="4213934" y="2821800"/>
+              <a:ext cx="914400" cy="914400"/>
+            </a:xfrm>
+            <a:prstGeom prst="rect">
+              <a:avLst/>
+            </a:prstGeom>
+          </p:spPr>
+        </p:pic>
+        <p:pic>
+          <p:nvPicPr>
+            <p:cNvPr id="9" name="Graphique 8" descr="Homme">
+              <a:extLst>
+                <a:ext uri="{FF2B5EF4-FFF2-40B4-BE49-F238E27FC236}">
+                  <a16:creationId xmlns:a16="http://schemas.microsoft.com/office/drawing/2014/main" id="{875C6363-39DA-49F0-84C2-A2971738F8B3}"/>
+                </a:ext>
+              </a:extLst>
+            </p:cNvPr>
+            <p:cNvPicPr>
+              <a:picLocks noChangeAspect="1"/>
+            </p:cNvPicPr>
+            <p:nvPr/>
+          </p:nvPicPr>
+          <p:blipFill>
+            <a:blip r:embed="rId3">
+              <a:extLst>
+                <a:ext uri="{28A0092B-C50C-407E-A947-70E740481C1C}">
+                  <a14:useLocalDpi xmlns:a14="http://schemas.microsoft.com/office/drawing/2010/main" val="0"/>
+                </a:ext>
+                <a:ext uri="{96DAC541-7B7A-43D3-8B79-37D633B846F1}">
+                  <asvg:svgBlip xmlns:asvg="http://schemas.microsoft.com/office/drawing/2016/SVG/main" r:embed="rId4"/>
+                </a:ext>
+              </a:extLst>
+            </a:blip>
+            <a:stretch>
+              <a:fillRect/>
+            </a:stretch>
+          </p:blipFill>
+          <p:spPr>
+            <a:xfrm>
+              <a:off x="5128334" y="2821800"/>
+              <a:ext cx="914400" cy="914400"/>
+            </a:xfrm>
+            <a:prstGeom prst="rect">
+              <a:avLst/>
+            </a:prstGeom>
+          </p:spPr>
+        </p:pic>
+        <p:pic>
+          <p:nvPicPr>
+            <p:cNvPr id="6" name="Graphique 5" descr="Éclair">
+              <a:extLst>
+                <a:ext uri="{FF2B5EF4-FFF2-40B4-BE49-F238E27FC236}">
+                  <a16:creationId xmlns:a16="http://schemas.microsoft.com/office/drawing/2014/main" id="{4985DA03-666D-43EC-8C1F-23B864AA994E}"/>
+                </a:ext>
+              </a:extLst>
+            </p:cNvPr>
+            <p:cNvPicPr>
+              <a:picLocks noChangeAspect="1"/>
+            </p:cNvPicPr>
+            <p:nvPr/>
+          </p:nvPicPr>
+          <p:blipFill>
+            <a:blip r:embed="rId5">
+              <a:extLst>
+                <a:ext uri="{28A0092B-C50C-407E-A947-70E740481C1C}">
+                  <a14:useLocalDpi xmlns:a14="http://schemas.microsoft.com/office/drawing/2010/main" val="0"/>
+                </a:ext>
+                <a:ext uri="{96DAC541-7B7A-43D3-8B79-37D633B846F1}">
+                  <asvg:svgBlip xmlns:asvg="http://schemas.microsoft.com/office/drawing/2016/SVG/main" r:embed="rId6"/>
+                </a:ext>
+              </a:extLst>
+            </a:blip>
+            <a:stretch>
+              <a:fillRect/>
+            </a:stretch>
+          </p:blipFill>
+          <p:spPr>
+            <a:xfrm>
+              <a:off x="4813826" y="2799984"/>
+              <a:ext cx="629016" cy="629016"/>
+            </a:xfrm>
+            <a:prstGeom prst="rect">
+              <a:avLst/>
+            </a:prstGeom>
+          </p:spPr>
+        </p:pic>
+      </p:grpSp>
+      <p:pic>
+        <p:nvPicPr>
+          <p:cNvPr id="12" name="Graphique 11" descr="Ambulance">
+            <a:extLst>
+              <a:ext uri="{FF2B5EF4-FFF2-40B4-BE49-F238E27FC236}">
+                <a16:creationId xmlns:a16="http://schemas.microsoft.com/office/drawing/2014/main" id="{6DFE18DB-89F9-4540-8596-8DF8506FF118}"/>
+              </a:ext>
+            </a:extLst>
+          </p:cNvPr>
+          <p:cNvPicPr>
+            <a:picLocks noChangeAspect="1"/>
+          </p:cNvPicPr>
+          <p:nvPr/>
+        </p:nvPicPr>
+        <p:blipFill>
+          <a:blip r:embed="rId7">
+            <a:extLst>
+              <a:ext uri="{28A0092B-C50C-407E-A947-70E740481C1C}">
+                <a14:useLocalDpi xmlns:a14="http://schemas.microsoft.com/office/drawing/2010/main" val="0"/>
+              </a:ext>
+              <a:ext uri="{96DAC541-7B7A-43D3-8B79-37D633B846F1}">
+                <asvg:svgBlip xmlns:asvg="http://schemas.microsoft.com/office/drawing/2016/SVG/main" r:embed="rId8"/>
+              </a:ext>
+            </a:extLst>
+          </a:blip>
+          <a:stretch>
+            <a:fillRect/>
+          </a:stretch>
+        </p:blipFill>
+        <p:spPr>
+          <a:xfrm>
+            <a:off x="4498020" y="2588950"/>
+            <a:ext cx="1096859" cy="1096859"/>
+          </a:xfrm>
+          <a:prstGeom prst="rect">
+            <a:avLst/>
+          </a:prstGeom>
+        </p:spPr>
+      </p:pic>
+      <p:pic>
+        <p:nvPicPr>
+          <p:cNvPr id="14" name="Graphique 13" descr="Tête avec engrenages">
+            <a:extLst>
+              <a:ext uri="{FF2B5EF4-FFF2-40B4-BE49-F238E27FC236}">
+                <a16:creationId xmlns:a16="http://schemas.microsoft.com/office/drawing/2014/main" id="{BA6FFBDC-B7D4-4421-A714-EDA0148E0B92}"/>
+              </a:ext>
+            </a:extLst>
+          </p:cNvPr>
+          <p:cNvPicPr>
+            <a:picLocks noChangeAspect="1"/>
+          </p:cNvPicPr>
+          <p:nvPr/>
+        </p:nvPicPr>
+        <p:blipFill>
+          <a:blip r:embed="rId9">
+            <a:extLst>
+              <a:ext uri="{28A0092B-C50C-407E-A947-70E740481C1C}">
+                <a14:useLocalDpi xmlns:a14="http://schemas.microsoft.com/office/drawing/2010/main" val="0"/>
+              </a:ext>
+              <a:ext uri="{96DAC541-7B7A-43D3-8B79-37D633B846F1}">
+                <asvg:svgBlip xmlns:asvg="http://schemas.microsoft.com/office/drawing/2016/SVG/main" r:embed="rId10"/>
+              </a:ext>
+            </a:extLst>
+          </a:blip>
+          <a:stretch>
+            <a:fillRect/>
+          </a:stretch>
+        </p:blipFill>
+        <p:spPr>
+          <a:xfrm>
+            <a:off x="7236588" y="2611843"/>
+            <a:ext cx="982450" cy="982450"/>
+          </a:xfrm>
+          <a:prstGeom prst="rect">
+            <a:avLst/>
+          </a:prstGeom>
+        </p:spPr>
+      </p:pic>
+      <p:pic>
+        <p:nvPicPr>
+          <p:cNvPr id="16" name="Graphique 15" descr="Sablier">
+            <a:extLst>
+              <a:ext uri="{FF2B5EF4-FFF2-40B4-BE49-F238E27FC236}">
+                <a16:creationId xmlns:a16="http://schemas.microsoft.com/office/drawing/2014/main" id="{E9B58E4A-88C7-44B1-B5DE-44BD9872CB2B}"/>
+              </a:ext>
+            </a:extLst>
+          </p:cNvPr>
+          <p:cNvPicPr>
+            <a:picLocks noChangeAspect="1"/>
+          </p:cNvPicPr>
+          <p:nvPr/>
+        </p:nvPicPr>
+        <p:blipFill>
+          <a:blip r:embed="rId11">
+            <a:extLst>
+              <a:ext uri="{28A0092B-C50C-407E-A947-70E740481C1C}">
+                <a14:useLocalDpi xmlns:a14="http://schemas.microsoft.com/office/drawing/2010/main" val="0"/>
+              </a:ext>
+              <a:ext uri="{96DAC541-7B7A-43D3-8B79-37D633B846F1}">
+                <asvg:svgBlip xmlns:asvg="http://schemas.microsoft.com/office/drawing/2016/SVG/main" r:embed="rId12"/>
+              </a:ext>
+            </a:extLst>
+          </a:blip>
+          <a:stretch>
+            <a:fillRect/>
+          </a:stretch>
+        </p:blipFill>
+        <p:spPr>
+          <a:xfrm>
+            <a:off x="9860747" y="2588950"/>
+            <a:ext cx="982450" cy="982450"/>
+          </a:xfrm>
+          <a:prstGeom prst="rect">
+            <a:avLst/>
+          </a:prstGeom>
+        </p:spPr>
+      </p:pic>
+      <p:sp>
+        <p:nvSpPr>
+          <p:cNvPr id="17" name="ZoneTexte 16">
+            <a:extLst>
+              <a:ext uri="{FF2B5EF4-FFF2-40B4-BE49-F238E27FC236}">
+                <a16:creationId xmlns:a16="http://schemas.microsoft.com/office/drawing/2014/main" id="{9392DFB5-0369-43A9-8C49-ACE0F1D5347F}"/>
+              </a:ext>
+            </a:extLst>
+          </p:cNvPr>
+          <p:cNvSpPr txBox="1"/>
+          <p:nvPr/>
+        </p:nvSpPr>
+        <p:spPr>
+          <a:xfrm>
+            <a:off x="1878503" y="3685809"/>
+            <a:ext cx="923277" cy="369332"/>
+          </a:xfrm>
+          <a:prstGeom prst="rect">
+            <a:avLst/>
+          </a:prstGeom>
+          <a:noFill/>
+        </p:spPr>
+        <p:txBody>
+          <a:bodyPr wrap="square" rtlCol="0">
+            <a:spAutoFit/>
+          </a:bodyPr>
+          <a:lstStyle/>
+          <a:p>
+            <a:r>
+              <a:rPr lang="fr-FR" dirty="0">
+                <a:latin typeface="+mj-lt"/>
+              </a:rPr>
+              <a:t>Conflits</a:t>
+            </a:r>
+          </a:p>
+        </p:txBody>
+      </p:sp>
+      <p:sp>
+        <p:nvSpPr>
+          <p:cNvPr id="18" name="ZoneTexte 17">
+            <a:extLst>
+              <a:ext uri="{FF2B5EF4-FFF2-40B4-BE49-F238E27FC236}">
+                <a16:creationId xmlns:a16="http://schemas.microsoft.com/office/drawing/2014/main" id="{00CCBD10-D010-4E08-B98E-93ABA161A133}"/>
+              </a:ext>
+            </a:extLst>
+          </p:cNvPr>
+          <p:cNvSpPr txBox="1"/>
+          <p:nvPr/>
+        </p:nvSpPr>
+        <p:spPr>
+          <a:xfrm>
+            <a:off x="4584810" y="3685809"/>
+            <a:ext cx="1010069" cy="369332"/>
+          </a:xfrm>
+          <a:prstGeom prst="rect">
+            <a:avLst/>
+          </a:prstGeom>
+          <a:noFill/>
+        </p:spPr>
+        <p:txBody>
+          <a:bodyPr wrap="square" rtlCol="0">
+            <a:spAutoFit/>
+          </a:bodyPr>
+          <a:lstStyle/>
+          <a:p>
+            <a:r>
+              <a:rPr lang="fr-FR" dirty="0">
+                <a:latin typeface="+mj-lt"/>
+              </a:rPr>
+              <a:t>Maladie</a:t>
+            </a:r>
+          </a:p>
+        </p:txBody>
+      </p:sp>
+      <p:sp>
+        <p:nvSpPr>
+          <p:cNvPr id="19" name="ZoneTexte 18">
+            <a:extLst>
+              <a:ext uri="{FF2B5EF4-FFF2-40B4-BE49-F238E27FC236}">
+                <a16:creationId xmlns:a16="http://schemas.microsoft.com/office/drawing/2014/main" id="{9284BEEF-15BD-4DA4-A1EE-EB43E4E764B3}"/>
+              </a:ext>
+            </a:extLst>
+          </p:cNvPr>
+          <p:cNvSpPr txBox="1"/>
+          <p:nvPr/>
+        </p:nvSpPr>
+        <p:spPr>
+          <a:xfrm>
+            <a:off x="7006403" y="3685809"/>
+            <a:ext cx="1442820" cy="369332"/>
+          </a:xfrm>
+          <a:prstGeom prst="rect">
+            <a:avLst/>
+          </a:prstGeom>
+          <a:noFill/>
+        </p:spPr>
+        <p:txBody>
+          <a:bodyPr wrap="square" rtlCol="0">
+            <a:spAutoFit/>
+          </a:bodyPr>
+          <a:lstStyle/>
+          <a:p>
+            <a:r>
+              <a:rPr lang="fr-FR" dirty="0">
+                <a:latin typeface="+mj-lt"/>
+              </a:rPr>
+              <a:t>Technologies</a:t>
+            </a:r>
+          </a:p>
+        </p:txBody>
+      </p:sp>
+      <p:sp>
+        <p:nvSpPr>
+          <p:cNvPr id="20" name="ZoneTexte 19">
+            <a:extLst>
+              <a:ext uri="{FF2B5EF4-FFF2-40B4-BE49-F238E27FC236}">
+                <a16:creationId xmlns:a16="http://schemas.microsoft.com/office/drawing/2014/main" id="{8DCB0EA4-4EFA-4B39-9EC4-4F5911EFF528}"/>
+              </a:ext>
+            </a:extLst>
+          </p:cNvPr>
+          <p:cNvSpPr txBox="1"/>
+          <p:nvPr/>
+        </p:nvSpPr>
+        <p:spPr>
+          <a:xfrm>
+            <a:off x="9982200" y="3685809"/>
+            <a:ext cx="982450" cy="369332"/>
+          </a:xfrm>
+          <a:prstGeom prst="rect">
+            <a:avLst/>
+          </a:prstGeom>
+          <a:noFill/>
+        </p:spPr>
+        <p:txBody>
+          <a:bodyPr wrap="square" rtlCol="0">
+            <a:spAutoFit/>
+          </a:bodyPr>
+          <a:lstStyle/>
+          <a:p>
+            <a:r>
+              <a:rPr lang="fr-FR" dirty="0">
+                <a:latin typeface="+mj-lt"/>
+              </a:rPr>
+              <a:t>Temps</a:t>
+            </a:r>
+          </a:p>
+        </p:txBody>
+      </p:sp>
+    </p:spTree>
+    <p:extLst>
+      <p:ext uri="{BB962C8B-B14F-4D97-AF65-F5344CB8AC3E}">
+        <p14:creationId xmlns:p14="http://schemas.microsoft.com/office/powerpoint/2010/main" val="524798747"/>
+      </p:ext>
+    </p:extLst>
+  </p:cSld>
+  <p:clrMapOvr>
+    <a:masterClrMapping/>
+  </p:clrMapOvr>
+</p:sld>
+</file>
+
+<file path=ppt/slides/slide12.xml><?xml version="1.0" encoding="utf-8"?>
+<p:sld xmlns:a="http://schemas.openxmlformats.org/drawingml/2006/main" xmlns:r="http://schemas.openxmlformats.org/officeDocument/2006/relationships" xmlns:p="http://schemas.openxmlformats.org/presentationml/2006/main">
+  <p:cSld>
+    <p:spTree>
+      <p:nvGrpSpPr>
+        <p:cNvPr id="1" name=""/>
+        <p:cNvGrpSpPr/>
+        <p:nvPr/>
+      </p:nvGrpSpPr>
+      <p:grpSpPr>
+        <a:xfrm>
+          <a:off x="0" y="0"/>
+          <a:ext cx="0" cy="0"/>
+          <a:chOff x="0" y="0"/>
+          <a:chExt cx="0" cy="0"/>
+        </a:xfrm>
+      </p:grpSpPr>
+      <p:sp>
+        <p:nvSpPr>
+          <p:cNvPr id="2" name="Titre 1">
+            <a:extLst>
+              <a:ext uri="{FF2B5EF4-FFF2-40B4-BE49-F238E27FC236}">
+                <a16:creationId xmlns:a16="http://schemas.microsoft.com/office/drawing/2014/main" id="{117C0348-A6E4-4E5F-88DA-4D31574B8562}"/>
+              </a:ext>
+            </a:extLst>
+          </p:cNvPr>
+          <p:cNvSpPr>
+            <a:spLocks noGrp="1"/>
+          </p:cNvSpPr>
+          <p:nvPr>
+            <p:ph type="title"/>
+          </p:nvPr>
+        </p:nvSpPr>
+        <p:spPr>
+          <a:xfrm>
+            <a:off x="1816100" y="2686050"/>
+            <a:ext cx="9601200" cy="1485900"/>
+          </a:xfrm>
+        </p:spPr>
+        <p:txBody>
+          <a:bodyPr/>
+          <a:lstStyle/>
+          <a:p>
+            <a:pPr algn="ctr"/>
+            <a:r>
+              <a:rPr lang="en-GB" dirty="0"/>
+              <a:t>Questions ?</a:t>
+            </a:r>
+          </a:p>
+        </p:txBody>
+      </p:sp>
+      <p:sp>
+        <p:nvSpPr>
+          <p:cNvPr id="4" name="Espace réservé du numéro de diapositive 3">
+            <a:extLst>
+              <a:ext uri="{FF2B5EF4-FFF2-40B4-BE49-F238E27FC236}">
+                <a16:creationId xmlns:a16="http://schemas.microsoft.com/office/drawing/2014/main" id="{638AFED1-4DED-46B3-B9D7-24E3AB69BCE3}"/>
+              </a:ext>
+            </a:extLst>
+          </p:cNvPr>
+          <p:cNvSpPr>
+            <a:spLocks noGrp="1"/>
+          </p:cNvSpPr>
+          <p:nvPr>
+            <p:ph type="sldNum" sz="quarter" idx="12"/>
+          </p:nvPr>
+        </p:nvSpPr>
+        <p:spPr/>
+        <p:txBody>
+          <a:bodyPr/>
+          <a:lstStyle/>
+          <a:p>
+            <a:fld id="{3129B59D-1082-45EE-B7B3-5CCEC6A72756}" type="slidenum">
+              <a:rPr lang="fr-FR" smtClean="0"/>
+              <a:t>12</a:t>
+            </a:fld>
+            <a:endParaRPr lang="fr-FR"/>
+          </a:p>
+        </p:txBody>
+      </p:sp>
+    </p:spTree>
+    <p:extLst>
+      <p:ext uri="{BB962C8B-B14F-4D97-AF65-F5344CB8AC3E}">
+        <p14:creationId xmlns:p14="http://schemas.microsoft.com/office/powerpoint/2010/main" val="2794739342"/>
       </p:ext>
     </p:extLst>
   </p:cSld>
@@ -5442,8 +6421,8 @@
         </p:nvSpPr>
         <p:spPr>
           <a:xfrm>
-            <a:off x="1944211" y="4012707"/>
-            <a:ext cx="1926454" cy="646331"/>
+            <a:off x="1989961" y="3920374"/>
+            <a:ext cx="1926454" cy="923330"/>
           </a:xfrm>
           <a:prstGeom prst="rect">
             <a:avLst/>
@@ -5461,7 +6440,7 @@
               <a:rPr lang="fr-FR" dirty="0">
                 <a:latin typeface="+mj-lt"/>
               </a:rPr>
-              <a:t>Pour les étudiants</a:t>
+              <a:t>Pour la communauté universitaire</a:t>
             </a:r>
           </a:p>
         </p:txBody>
@@ -5611,6 +6590,287 @@
       </p:grpSpPr>
       <p:sp>
         <p:nvSpPr>
+          <p:cNvPr id="2" name="Titre 1">
+            <a:extLst>
+              <a:ext uri="{FF2B5EF4-FFF2-40B4-BE49-F238E27FC236}">
+                <a16:creationId xmlns:a16="http://schemas.microsoft.com/office/drawing/2014/main" id="{44C19827-6258-4DF9-B56E-1E8378C49B9E}"/>
+              </a:ext>
+            </a:extLst>
+          </p:cNvPr>
+          <p:cNvSpPr>
+            <a:spLocks noGrp="1"/>
+          </p:cNvSpPr>
+          <p:nvPr>
+            <p:ph type="title"/>
+          </p:nvPr>
+        </p:nvSpPr>
+        <p:spPr>
+          <a:xfrm>
+            <a:off x="1620228" y="1965325"/>
+            <a:ext cx="9601200" cy="844550"/>
+          </a:xfrm>
+        </p:spPr>
+        <p:txBody>
+          <a:bodyPr/>
+          <a:lstStyle/>
+          <a:p>
+            <a:pPr algn="ctr"/>
+            <a:r>
+              <a:rPr lang="en-GB" dirty="0"/>
+              <a:t>Quelle place pour </a:t>
+            </a:r>
+            <a:r>
+              <a:rPr lang="en-GB" dirty="0" err="1"/>
+              <a:t>UniShare</a:t>
+            </a:r>
+            <a:r>
+              <a:rPr lang="en-GB" dirty="0"/>
+              <a:t> ?</a:t>
+            </a:r>
+          </a:p>
+        </p:txBody>
+      </p:sp>
+      <p:sp>
+        <p:nvSpPr>
+          <p:cNvPr id="4" name="Espace réservé du numéro de diapositive 3">
+            <a:extLst>
+              <a:ext uri="{FF2B5EF4-FFF2-40B4-BE49-F238E27FC236}">
+                <a16:creationId xmlns:a16="http://schemas.microsoft.com/office/drawing/2014/main" id="{A8C05F01-59F8-4F7F-A53D-1D2D01D7388B}"/>
+              </a:ext>
+            </a:extLst>
+          </p:cNvPr>
+          <p:cNvSpPr>
+            <a:spLocks noGrp="1"/>
+          </p:cNvSpPr>
+          <p:nvPr>
+            <p:ph type="sldNum" sz="quarter" idx="12"/>
+          </p:nvPr>
+        </p:nvSpPr>
+        <p:spPr/>
+        <p:txBody>
+          <a:bodyPr/>
+          <a:lstStyle/>
+          <a:p>
+            <a:fld id="{3129B59D-1082-45EE-B7B3-5CCEC6A72756}" type="slidenum">
+              <a:rPr lang="fr-FR" smtClean="0"/>
+              <a:t>3</a:t>
+            </a:fld>
+            <a:endParaRPr lang="fr-FR"/>
+          </a:p>
+        </p:txBody>
+      </p:sp>
+      <p:pic>
+        <p:nvPicPr>
+          <p:cNvPr id="6" name="Image 5">
+            <a:extLst>
+              <a:ext uri="{FF2B5EF4-FFF2-40B4-BE49-F238E27FC236}">
+                <a16:creationId xmlns:a16="http://schemas.microsoft.com/office/drawing/2014/main" id="{BF54BC02-67AE-457D-B37C-6FD4AFC8AFEA}"/>
+              </a:ext>
+            </a:extLst>
+          </p:cNvPr>
+          <p:cNvPicPr>
+            <a:picLocks noChangeAspect="1"/>
+          </p:cNvPicPr>
+          <p:nvPr/>
+        </p:nvPicPr>
+        <p:blipFill>
+          <a:blip r:embed="rId3">
+            <a:extLst>
+              <a:ext uri="{28A0092B-C50C-407E-A947-70E740481C1C}">
+                <a14:useLocalDpi xmlns:a14="http://schemas.microsoft.com/office/drawing/2010/main" val="0"/>
+              </a:ext>
+            </a:extLst>
+          </a:blip>
+          <a:stretch>
+            <a:fillRect/>
+          </a:stretch>
+        </p:blipFill>
+        <p:spPr>
+          <a:xfrm>
+            <a:off x="2895600" y="4693720"/>
+            <a:ext cx="1803400" cy="1013511"/>
+          </a:xfrm>
+          <a:prstGeom prst="rect">
+            <a:avLst/>
+          </a:prstGeom>
+        </p:spPr>
+      </p:pic>
+      <p:pic>
+        <p:nvPicPr>
+          <p:cNvPr id="8" name="Image 7">
+            <a:extLst>
+              <a:ext uri="{FF2B5EF4-FFF2-40B4-BE49-F238E27FC236}">
+                <a16:creationId xmlns:a16="http://schemas.microsoft.com/office/drawing/2014/main" id="{45B7F9C4-9291-4811-B91B-30ED38664411}"/>
+              </a:ext>
+            </a:extLst>
+          </p:cNvPr>
+          <p:cNvPicPr>
+            <a:picLocks noChangeAspect="1"/>
+          </p:cNvPicPr>
+          <p:nvPr/>
+        </p:nvPicPr>
+        <p:blipFill>
+          <a:blip r:embed="rId4">
+            <a:extLst>
+              <a:ext uri="{28A0092B-C50C-407E-A947-70E740481C1C}">
+                <a14:useLocalDpi xmlns:a14="http://schemas.microsoft.com/office/drawing/2010/main" val="0"/>
+              </a:ext>
+            </a:extLst>
+          </a:blip>
+          <a:stretch>
+            <a:fillRect/>
+          </a:stretch>
+        </p:blipFill>
+        <p:spPr>
+          <a:xfrm>
+            <a:off x="7670800" y="4110037"/>
+            <a:ext cx="2755900" cy="2066925"/>
+          </a:xfrm>
+          <a:prstGeom prst="rect">
+            <a:avLst/>
+          </a:prstGeom>
+        </p:spPr>
+      </p:pic>
+      <p:sp>
+        <p:nvSpPr>
+          <p:cNvPr id="10" name="Signe de multiplication 9">
+            <a:extLst>
+              <a:ext uri="{FF2B5EF4-FFF2-40B4-BE49-F238E27FC236}">
+                <a16:creationId xmlns:a16="http://schemas.microsoft.com/office/drawing/2014/main" id="{324C7F74-E83D-4789-B370-0650C5A15C97}"/>
+              </a:ext>
+            </a:extLst>
+          </p:cNvPr>
+          <p:cNvSpPr/>
+          <p:nvPr/>
+        </p:nvSpPr>
+        <p:spPr>
+          <a:xfrm>
+            <a:off x="8147050" y="4292599"/>
+            <a:ext cx="1803400" cy="1701800"/>
+          </a:xfrm>
+          <a:prstGeom prst="mathMultiply">
+            <a:avLst/>
+          </a:prstGeom>
+          <a:noFill/>
+          <a:ln>
+            <a:solidFill>
+              <a:schemeClr val="accent6">
+                <a:lumMod val="75000"/>
+              </a:schemeClr>
+            </a:solidFill>
+          </a:ln>
+        </p:spPr>
+        <p:style>
+          <a:lnRef idx="2">
+            <a:schemeClr val="accent1">
+              <a:shade val="50000"/>
+            </a:schemeClr>
+          </a:lnRef>
+          <a:fillRef idx="1">
+            <a:schemeClr val="accent1"/>
+          </a:fillRef>
+          <a:effectRef idx="0">
+            <a:schemeClr val="accent1"/>
+          </a:effectRef>
+          <a:fontRef idx="minor">
+            <a:schemeClr val="lt1"/>
+          </a:fontRef>
+        </p:style>
+        <p:txBody>
+          <a:bodyPr rtlCol="0" anchor="ctr"/>
+          <a:lstStyle/>
+          <a:p>
+            <a:pPr algn="ctr"/>
+            <a:endParaRPr lang="en-GB"/>
+          </a:p>
+        </p:txBody>
+      </p:sp>
+      <p:sp>
+        <p:nvSpPr>
+          <p:cNvPr id="11" name="Signe de multiplication 10">
+            <a:extLst>
+              <a:ext uri="{FF2B5EF4-FFF2-40B4-BE49-F238E27FC236}">
+                <a16:creationId xmlns:a16="http://schemas.microsoft.com/office/drawing/2014/main" id="{D129E81B-D3B8-4BBE-B1DE-343FE9230374}"/>
+              </a:ext>
+            </a:extLst>
+          </p:cNvPr>
+          <p:cNvSpPr/>
+          <p:nvPr/>
+        </p:nvSpPr>
+        <p:spPr>
+          <a:xfrm>
+            <a:off x="2895600" y="4349575"/>
+            <a:ext cx="1803400" cy="1701800"/>
+          </a:xfrm>
+          <a:prstGeom prst="mathMultiply">
+            <a:avLst/>
+          </a:prstGeom>
+          <a:noFill/>
+          <a:ln>
+            <a:solidFill>
+              <a:schemeClr val="accent6">
+                <a:lumMod val="75000"/>
+              </a:schemeClr>
+            </a:solidFill>
+          </a:ln>
+        </p:spPr>
+        <p:style>
+          <a:lnRef idx="2">
+            <a:schemeClr val="accent1">
+              <a:shade val="50000"/>
+            </a:schemeClr>
+          </a:lnRef>
+          <a:fillRef idx="1">
+            <a:schemeClr val="accent1"/>
+          </a:fillRef>
+          <a:effectRef idx="0">
+            <a:schemeClr val="accent1"/>
+          </a:effectRef>
+          <a:fontRef idx="minor">
+            <a:schemeClr val="lt1"/>
+          </a:fontRef>
+        </p:style>
+        <p:txBody>
+          <a:bodyPr rtlCol="0" anchor="ctr"/>
+          <a:lstStyle/>
+          <a:p>
+            <a:pPr algn="ctr"/>
+            <a:endParaRPr lang="en-GB"/>
+          </a:p>
+        </p:txBody>
+      </p:sp>
+    </p:spTree>
+    <p:extLst>
+      <p:ext uri="{BB962C8B-B14F-4D97-AF65-F5344CB8AC3E}">
+        <p14:creationId xmlns:p14="http://schemas.microsoft.com/office/powerpoint/2010/main" val="410534133"/>
+      </p:ext>
+    </p:extLst>
+  </p:cSld>
+  <p:clrMapOvr>
+    <a:masterClrMapping/>
+  </p:clrMapOvr>
+</p:sld>
+</file>
+
+<file path=ppt/slides/slide4.xml><?xml version="1.0" encoding="utf-8"?>
+<p:sld xmlns:a="http://schemas.openxmlformats.org/drawingml/2006/main" xmlns:r="http://schemas.openxmlformats.org/officeDocument/2006/relationships" xmlns:p="http://schemas.openxmlformats.org/presentationml/2006/main">
+  <p:cSld>
+    <p:spTree>
+      <p:nvGrpSpPr>
+        <p:cNvPr id="1" name=""/>
+        <p:cNvGrpSpPr/>
+        <p:nvPr/>
+      </p:nvGrpSpPr>
+      <p:grpSpPr>
+        <a:xfrm>
+          <a:off x="0" y="0"/>
+          <a:ext cx="0" cy="0"/>
+          <a:chOff x="0" y="0"/>
+          <a:chExt cx="0" cy="0"/>
+        </a:xfrm>
+      </p:grpSpPr>
+      <p:sp>
+        <p:nvSpPr>
           <p:cNvPr id="4" name="Espace réservé du numéro de diapositive 3">
             <a:extLst>
               <a:ext uri="{FF2B5EF4-FFF2-40B4-BE49-F238E27FC236}">
@@ -5632,7 +6892,7 @@
           <a:p>
             <a:fld id="{3129B59D-1082-45EE-B7B3-5CCEC6A72756}" type="slidenum">
               <a:rPr lang="fr-FR" smtClean="0"/>
-              <a:t>3</a:t>
+              <a:t>4</a:t>
             </a:fld>
             <a:endParaRPr lang="fr-FR"/>
           </a:p>
@@ -5666,7 +6926,7 @@
         </p:blipFill>
         <p:spPr>
           <a:xfrm>
-            <a:off x="2096671" y="1249987"/>
+            <a:off x="2107395" y="837036"/>
             <a:ext cx="1579180" cy="1677879"/>
           </a:xfrm>
           <a:prstGeom prst="rect">
@@ -5702,8 +6962,8 @@
         </p:blipFill>
         <p:spPr>
           <a:xfrm>
-            <a:off x="5117968" y="2177110"/>
-            <a:ext cx="2503780" cy="2503780"/>
+            <a:off x="5026023" y="1708102"/>
+            <a:ext cx="2396570" cy="2396570"/>
           </a:xfrm>
           <a:prstGeom prst="rect">
             <a:avLst/>
@@ -5746,8 +7006,8 @@
         </p:blipFill>
         <p:spPr>
           <a:xfrm>
-            <a:off x="9128405" y="1506060"/>
-            <a:ext cx="1492294" cy="1922940"/>
+            <a:off x="9472736" y="745680"/>
+            <a:ext cx="1826485" cy="2353572"/>
           </a:xfrm>
           <a:prstGeom prst="rect">
             <a:avLst/>
@@ -5782,7 +7042,7 @@
         </p:blipFill>
         <p:spPr>
           <a:xfrm>
-            <a:off x="2337528" y="4110460"/>
+            <a:off x="1540546" y="3471730"/>
             <a:ext cx="1922941" cy="1922941"/>
           </a:xfrm>
           <a:prstGeom prst="rect">
@@ -5818,8 +7078,8 @@
         </p:blipFill>
         <p:spPr>
           <a:xfrm>
-            <a:off x="8479247" y="4245801"/>
-            <a:ext cx="1791635" cy="1791635"/>
+            <a:off x="8407401" y="3713963"/>
+            <a:ext cx="2145674" cy="2145674"/>
           </a:xfrm>
           <a:prstGeom prst="rect">
             <a:avLst/>
@@ -5854,8 +7114,44 @@
         </p:blipFill>
         <p:spPr>
           <a:xfrm>
-            <a:off x="4828775" y="679944"/>
+            <a:off x="5276919" y="492220"/>
             <a:ext cx="3454699" cy="873836"/>
+          </a:xfrm>
+          <a:prstGeom prst="rect">
+            <a:avLst/>
+          </a:prstGeom>
+        </p:spPr>
+      </p:pic>
+      <p:pic>
+        <p:nvPicPr>
+          <p:cNvPr id="5" name="Image 4">
+            <a:extLst>
+              <a:ext uri="{FF2B5EF4-FFF2-40B4-BE49-F238E27FC236}">
+                <a16:creationId xmlns:a16="http://schemas.microsoft.com/office/drawing/2014/main" id="{BA3D7F25-06DE-4801-BA5C-ED9857A66283}"/>
+              </a:ext>
+            </a:extLst>
+          </p:cNvPr>
+          <p:cNvPicPr>
+            <a:picLocks noChangeAspect="1"/>
+          </p:cNvPicPr>
+          <p:nvPr/>
+        </p:nvPicPr>
+        <p:blipFill>
+          <a:blip r:embed="rId10">
+            <a:extLst>
+              <a:ext uri="{28A0092B-C50C-407E-A947-70E740481C1C}">
+                <a14:useLocalDpi xmlns:a14="http://schemas.microsoft.com/office/drawing/2010/main" val="0"/>
+              </a:ext>
+            </a:extLst>
+          </a:blip>
+          <a:stretch>
+            <a:fillRect/>
+          </a:stretch>
+        </p:blipFill>
+        <p:spPr>
+          <a:xfrm>
+            <a:off x="4255129" y="4489676"/>
+            <a:ext cx="2446050" cy="2054300"/>
           </a:xfrm>
           <a:prstGeom prst="rect">
             <a:avLst/>
@@ -5875,7 +7171,7 @@
 </p:sld>
 </file>
 
-<file path=ppt/slides/slide4.xml><?xml version="1.0" encoding="utf-8"?>
+<file path=ppt/slides/slide5.xml><?xml version="1.0" encoding="utf-8"?>
 <p:sld xmlns:a="http://schemas.openxmlformats.org/drawingml/2006/main" xmlns:r="http://schemas.openxmlformats.org/officeDocument/2006/relationships" xmlns:p="http://schemas.openxmlformats.org/presentationml/2006/main">
   <p:cSld>
     <p:spTree>
@@ -5894,6 +7190,167 @@
       </p:grpSpPr>
       <p:sp>
         <p:nvSpPr>
+          <p:cNvPr id="2" name="Titre 1">
+            <a:extLst>
+              <a:ext uri="{FF2B5EF4-FFF2-40B4-BE49-F238E27FC236}">
+                <a16:creationId xmlns:a16="http://schemas.microsoft.com/office/drawing/2014/main" id="{AB58B37B-EF65-4B39-ACB4-D81A5C67817F}"/>
+              </a:ext>
+            </a:extLst>
+          </p:cNvPr>
+          <p:cNvSpPr>
+            <a:spLocks noGrp="1"/>
+          </p:cNvSpPr>
+          <p:nvPr>
+            <p:ph type="title"/>
+          </p:nvPr>
+        </p:nvSpPr>
+        <p:spPr/>
+        <p:txBody>
+          <a:bodyPr/>
+          <a:lstStyle/>
+          <a:p>
+            <a:r>
+              <a:rPr lang="en-GB" dirty="0"/>
+              <a:t>Dev</a:t>
+            </a:r>
+          </a:p>
+        </p:txBody>
+      </p:sp>
+      <p:sp>
+        <p:nvSpPr>
+          <p:cNvPr id="4" name="Espace réservé du numéro de diapositive 3">
+            <a:extLst>
+              <a:ext uri="{FF2B5EF4-FFF2-40B4-BE49-F238E27FC236}">
+                <a16:creationId xmlns:a16="http://schemas.microsoft.com/office/drawing/2014/main" id="{C7A5DD72-3E00-4D11-83A1-7E3F9908F779}"/>
+              </a:ext>
+            </a:extLst>
+          </p:cNvPr>
+          <p:cNvSpPr>
+            <a:spLocks noGrp="1"/>
+          </p:cNvSpPr>
+          <p:nvPr>
+            <p:ph type="sldNum" sz="quarter" idx="12"/>
+          </p:nvPr>
+        </p:nvSpPr>
+        <p:spPr/>
+        <p:txBody>
+          <a:bodyPr/>
+          <a:lstStyle/>
+          <a:p>
+            <a:fld id="{3129B59D-1082-45EE-B7B3-5CCEC6A72756}" type="slidenum">
+              <a:rPr lang="fr-FR" smtClean="0"/>
+              <a:t>5</a:t>
+            </a:fld>
+            <a:endParaRPr lang="fr-FR"/>
+          </a:p>
+        </p:txBody>
+      </p:sp>
+      <p:sp>
+        <p:nvSpPr>
+          <p:cNvPr id="8" name="Espace réservé du contenu 7">
+            <a:extLst>
+              <a:ext uri="{FF2B5EF4-FFF2-40B4-BE49-F238E27FC236}">
+                <a16:creationId xmlns:a16="http://schemas.microsoft.com/office/drawing/2014/main" id="{23662BB9-9905-47D0-B810-4E9F25DD820A}"/>
+              </a:ext>
+            </a:extLst>
+          </p:cNvPr>
+          <p:cNvSpPr>
+            <a:spLocks noGrp="1"/>
+          </p:cNvSpPr>
+          <p:nvPr>
+            <p:ph idx="1"/>
+          </p:nvPr>
+        </p:nvSpPr>
+        <p:spPr/>
+        <p:txBody>
+          <a:bodyPr/>
+          <a:lstStyle/>
+          <a:p>
+            <a:r>
+              <a:rPr lang="en-GB" dirty="0" err="1"/>
+              <a:t>Développement</a:t>
+            </a:r>
+            <a:r>
+              <a:rPr lang="en-GB" dirty="0"/>
+              <a:t> agile</a:t>
+            </a:r>
+          </a:p>
+          <a:p>
+            <a:endParaRPr lang="en-GB" dirty="0"/>
+          </a:p>
+          <a:p>
+            <a:r>
+              <a:rPr lang="en-GB" dirty="0" err="1"/>
+              <a:t>Intégration</a:t>
+            </a:r>
+            <a:r>
+              <a:rPr lang="en-GB" dirty="0"/>
+              <a:t> continue</a:t>
+            </a:r>
+          </a:p>
+          <a:p>
+            <a:endParaRPr lang="en-GB" dirty="0"/>
+          </a:p>
+          <a:p>
+            <a:r>
+              <a:rPr lang="en-GB" dirty="0" err="1"/>
+              <a:t>Développement</a:t>
+            </a:r>
+            <a:r>
+              <a:rPr lang="en-GB" dirty="0"/>
+              <a:t> </a:t>
+            </a:r>
+            <a:r>
+              <a:rPr lang="en-GB" dirty="0" err="1"/>
+              <a:t>indépendent</a:t>
+            </a:r>
+            <a:r>
+              <a:rPr lang="en-GB" dirty="0"/>
+              <a:t> grâce à </a:t>
+            </a:r>
+            <a:r>
+              <a:rPr lang="en-GB" dirty="0" err="1"/>
+              <a:t>l’architecture</a:t>
+            </a:r>
+            <a:r>
+              <a:rPr lang="en-GB" dirty="0"/>
+              <a:t> microservices</a:t>
+            </a:r>
+          </a:p>
+        </p:txBody>
+      </p:sp>
+    </p:spTree>
+    <p:extLst>
+      <p:ext uri="{BB962C8B-B14F-4D97-AF65-F5344CB8AC3E}">
+        <p14:creationId xmlns:p14="http://schemas.microsoft.com/office/powerpoint/2010/main" val="4184144616"/>
+      </p:ext>
+    </p:extLst>
+  </p:cSld>
+  <p:clrMapOvr>
+    <a:masterClrMapping/>
+  </p:clrMapOvr>
+</p:sld>
+</file>
+
+<file path=ppt/slides/slide6.xml><?xml version="1.0" encoding="utf-8"?>
+<p:sld xmlns:a="http://schemas.openxmlformats.org/drawingml/2006/main" xmlns:r="http://schemas.openxmlformats.org/officeDocument/2006/relationships" xmlns:p="http://schemas.openxmlformats.org/presentationml/2006/main">
+  <p:cSld>
+    <p:spTree>
+      <p:nvGrpSpPr>
+        <p:cNvPr id="1" name=""/>
+        <p:cNvGrpSpPr/>
+        <p:nvPr/>
+      </p:nvGrpSpPr>
+      <p:grpSpPr>
+        <a:xfrm>
+          <a:off x="0" y="0"/>
+          <a:ext cx="0" cy="0"/>
+          <a:chOff x="0" y="0"/>
+          <a:chExt cx="0" cy="0"/>
+        </a:xfrm>
+      </p:grpSpPr>
+      <p:sp>
+        <p:nvSpPr>
           <p:cNvPr id="4" name="Espace réservé du numéro de diapositive 3">
             <a:extLst>
               <a:ext uri="{FF2B5EF4-FFF2-40B4-BE49-F238E27FC236}">
@@ -5915,7 +7372,7 @@
           <a:p>
             <a:fld id="{3129B59D-1082-45EE-B7B3-5CCEC6A72756}" type="slidenum">
               <a:rPr lang="fr-FR" smtClean="0"/>
-              <a:t>4</a:t>
+              <a:t>6</a:t>
             </a:fld>
             <a:endParaRPr lang="fr-FR"/>
           </a:p>
@@ -6392,7 +7849,7 @@
 </p:sld>
 </file>
 
-<file path=ppt/slides/slide5.xml><?xml version="1.0" encoding="utf-8"?>
+<file path=ppt/slides/slide7.xml><?xml version="1.0" encoding="utf-8"?>
 <p:sld xmlns:a="http://schemas.openxmlformats.org/drawingml/2006/main" xmlns:r="http://schemas.openxmlformats.org/officeDocument/2006/relationships" xmlns:p="http://schemas.openxmlformats.org/presentationml/2006/main">
   <p:cSld>
     <p:spTree>
@@ -6467,7 +7924,7 @@
           <a:p>
             <a:fld id="{3129B59D-1082-45EE-B7B3-5CCEC6A72756}" type="slidenum">
               <a:rPr lang="fr-FR" smtClean="0"/>
-              <a:t>5</a:t>
+              <a:t>7</a:t>
             </a:fld>
             <a:endParaRPr lang="fr-FR"/>
           </a:p>
@@ -6486,7 +7943,7 @@
 </p:sld>
 </file>
 
-<file path=ppt/slides/slide6.xml><?xml version="1.0" encoding="utf-8"?>
+<file path=ppt/slides/slide8.xml><?xml version="1.0" encoding="utf-8"?>
 <p:sld xmlns:a="http://schemas.openxmlformats.org/drawingml/2006/main" xmlns:r="http://schemas.openxmlformats.org/officeDocument/2006/relationships" xmlns:p="http://schemas.openxmlformats.org/presentationml/2006/main">
   <p:cSld>
     <p:spTree>
@@ -6526,7 +7983,7 @@
           <a:p>
             <a:fld id="{3129B59D-1082-45EE-B7B3-5CCEC6A72756}" type="slidenum">
               <a:rPr lang="fr-FR" smtClean="0"/>
-              <a:t>6</a:t>
+              <a:t>8</a:t>
             </a:fld>
             <a:endParaRPr lang="fr-FR"/>
           </a:p>
@@ -6581,7 +8038,7 @@
 </p:sld>
 </file>
 
-<file path=ppt/slides/slide7.xml><?xml version="1.0" encoding="utf-8"?>
+<file path=ppt/slides/slide9.xml><?xml version="1.0" encoding="utf-8"?>
 <p:sld xmlns:a="http://schemas.openxmlformats.org/drawingml/2006/main" xmlns:r="http://schemas.openxmlformats.org/officeDocument/2006/relationships" xmlns:p="http://schemas.openxmlformats.org/presentationml/2006/main">
   <p:cSld>
     <p:spTree>
@@ -6656,7 +8113,7 @@
           <a:p>
             <a:fld id="{3129B59D-1082-45EE-B7B3-5CCEC6A72756}" type="slidenum">
               <a:rPr lang="fr-FR" smtClean="0"/>
-              <a:t>7</a:t>
+              <a:t>9</a:t>
             </a:fld>
             <a:endParaRPr lang="fr-FR"/>
           </a:p>
@@ -6666,562 +8123,6 @@
     <p:extLst>
       <p:ext uri="{BB962C8B-B14F-4D97-AF65-F5344CB8AC3E}">
         <p14:creationId xmlns:p14="http://schemas.microsoft.com/office/powerpoint/2010/main" val="4204800200"/>
-      </p:ext>
-    </p:extLst>
-  </p:cSld>
-  <p:clrMapOvr>
-    <a:masterClrMapping/>
-  </p:clrMapOvr>
-</p:sld>
-</file>
-
-<file path=ppt/slides/slide8.xml><?xml version="1.0" encoding="utf-8"?>
-<p:sld xmlns:a="http://schemas.openxmlformats.org/drawingml/2006/main" xmlns:r="http://schemas.openxmlformats.org/officeDocument/2006/relationships" xmlns:p="http://schemas.openxmlformats.org/presentationml/2006/main">
-  <p:cSld>
-    <p:spTree>
-      <p:nvGrpSpPr>
-        <p:cNvPr id="1" name=""/>
-        <p:cNvGrpSpPr/>
-        <p:nvPr/>
-      </p:nvGrpSpPr>
-      <p:grpSpPr>
-        <a:xfrm>
-          <a:off x="0" y="0"/>
-          <a:ext cx="0" cy="0"/>
-          <a:chOff x="0" y="0"/>
-          <a:chExt cx="0" cy="0"/>
-        </a:xfrm>
-      </p:grpSpPr>
-      <p:pic>
-        <p:nvPicPr>
-          <p:cNvPr id="6" name="Espace réservé du contenu 5">
-            <a:extLst>
-              <a:ext uri="{FF2B5EF4-FFF2-40B4-BE49-F238E27FC236}">
-                <a16:creationId xmlns:a16="http://schemas.microsoft.com/office/drawing/2014/main" id="{096A1552-2CD3-48AE-A7F0-A09049874658}"/>
-              </a:ext>
-            </a:extLst>
-          </p:cNvPr>
-          <p:cNvPicPr>
-            <a:picLocks noGrp="1" noChangeAspect="1"/>
-          </p:cNvPicPr>
-          <p:nvPr>
-            <p:ph idx="1"/>
-          </p:nvPr>
-        </p:nvPicPr>
-        <p:blipFill>
-          <a:blip r:embed="rId2">
-            <a:extLst>
-              <a:ext uri="{28A0092B-C50C-407E-A947-70E740481C1C}">
-                <a14:useLocalDpi xmlns:a14="http://schemas.microsoft.com/office/drawing/2010/main" val="0"/>
-              </a:ext>
-            </a:extLst>
-          </a:blip>
-          <a:stretch>
-            <a:fillRect/>
-          </a:stretch>
-        </p:blipFill>
-        <p:spPr>
-          <a:xfrm>
-            <a:off x="3704982" y="146050"/>
-            <a:ext cx="6565900" cy="6565900"/>
-          </a:xfrm>
-        </p:spPr>
-      </p:pic>
-      <p:sp>
-        <p:nvSpPr>
-          <p:cNvPr id="4" name="Espace réservé du numéro de diapositive 3">
-            <a:extLst>
-              <a:ext uri="{FF2B5EF4-FFF2-40B4-BE49-F238E27FC236}">
-                <a16:creationId xmlns:a16="http://schemas.microsoft.com/office/drawing/2014/main" id="{63B0CE68-A78E-4442-BAF6-DE9B1CB60357}"/>
-              </a:ext>
-            </a:extLst>
-          </p:cNvPr>
-          <p:cNvSpPr>
-            <a:spLocks noGrp="1"/>
-          </p:cNvSpPr>
-          <p:nvPr>
-            <p:ph type="sldNum" sz="quarter" idx="12"/>
-          </p:nvPr>
-        </p:nvSpPr>
-        <p:spPr/>
-        <p:txBody>
-          <a:bodyPr/>
-          <a:lstStyle/>
-          <a:p>
-            <a:fld id="{3129B59D-1082-45EE-B7B3-5CCEC6A72756}" type="slidenum">
-              <a:rPr lang="fr-FR" smtClean="0"/>
-              <a:t>8</a:t>
-            </a:fld>
-            <a:endParaRPr lang="fr-FR"/>
-          </a:p>
-        </p:txBody>
-      </p:sp>
-    </p:spTree>
-    <p:extLst>
-      <p:ext uri="{BB962C8B-B14F-4D97-AF65-F5344CB8AC3E}">
-        <p14:creationId xmlns:p14="http://schemas.microsoft.com/office/powerpoint/2010/main" val="2926711950"/>
-      </p:ext>
-    </p:extLst>
-  </p:cSld>
-  <p:clrMapOvr>
-    <a:masterClrMapping/>
-  </p:clrMapOvr>
-</p:sld>
-</file>
-
-<file path=ppt/slides/slide9.xml><?xml version="1.0" encoding="utf-8"?>
-<p:sld xmlns:a="http://schemas.openxmlformats.org/drawingml/2006/main" xmlns:r="http://schemas.openxmlformats.org/officeDocument/2006/relationships" xmlns:p="http://schemas.openxmlformats.org/presentationml/2006/main">
-  <p:cSld>
-    <p:spTree>
-      <p:nvGrpSpPr>
-        <p:cNvPr id="1" name=""/>
-        <p:cNvGrpSpPr/>
-        <p:nvPr/>
-      </p:nvGrpSpPr>
-      <p:grpSpPr>
-        <a:xfrm>
-          <a:off x="0" y="0"/>
-          <a:ext cx="0" cy="0"/>
-          <a:chOff x="0" y="0"/>
-          <a:chExt cx="0" cy="0"/>
-        </a:xfrm>
-      </p:grpSpPr>
-      <p:sp>
-        <p:nvSpPr>
-          <p:cNvPr id="4" name="Espace réservé du numéro de diapositive 3">
-            <a:extLst>
-              <a:ext uri="{FF2B5EF4-FFF2-40B4-BE49-F238E27FC236}">
-                <a16:creationId xmlns:a16="http://schemas.microsoft.com/office/drawing/2014/main" id="{FF497BC0-B144-4C45-A39D-6A100197EF55}"/>
-              </a:ext>
-            </a:extLst>
-          </p:cNvPr>
-          <p:cNvSpPr>
-            <a:spLocks noGrp="1"/>
-          </p:cNvSpPr>
-          <p:nvPr>
-            <p:ph type="sldNum" sz="quarter" idx="12"/>
-          </p:nvPr>
-        </p:nvSpPr>
-        <p:spPr/>
-        <p:txBody>
-          <a:bodyPr/>
-          <a:lstStyle/>
-          <a:p>
-            <a:fld id="{3129B59D-1082-45EE-B7B3-5CCEC6A72756}" type="slidenum">
-              <a:rPr lang="fr-FR" smtClean="0"/>
-              <a:t>9</a:t>
-            </a:fld>
-            <a:endParaRPr lang="fr-FR"/>
-          </a:p>
-        </p:txBody>
-      </p:sp>
-      <p:grpSp>
-        <p:nvGrpSpPr>
-          <p:cNvPr id="10" name="Groupe 9">
-            <a:extLst>
-              <a:ext uri="{FF2B5EF4-FFF2-40B4-BE49-F238E27FC236}">
-                <a16:creationId xmlns:a16="http://schemas.microsoft.com/office/drawing/2014/main" id="{D236AC66-122F-4B81-84EB-0ED546D26E11}"/>
-              </a:ext>
-            </a:extLst>
-          </p:cNvPr>
-          <p:cNvGrpSpPr/>
-          <p:nvPr/>
-        </p:nvGrpSpPr>
-        <p:grpSpPr>
-          <a:xfrm>
-            <a:off x="1348803" y="2588950"/>
-            <a:ext cx="1982680" cy="982450"/>
-            <a:chOff x="4213934" y="2799984"/>
-            <a:chExt cx="1828800" cy="936216"/>
-          </a:xfrm>
-        </p:grpSpPr>
-        <p:pic>
-          <p:nvPicPr>
-            <p:cNvPr id="8" name="Graphique 7" descr="Homme">
-              <a:extLst>
-                <a:ext uri="{FF2B5EF4-FFF2-40B4-BE49-F238E27FC236}">
-                  <a16:creationId xmlns:a16="http://schemas.microsoft.com/office/drawing/2014/main" id="{0EC5B858-91F6-4A0D-9DEA-5C9AAB1E0F48}"/>
-                </a:ext>
-              </a:extLst>
-            </p:cNvPr>
-            <p:cNvPicPr>
-              <a:picLocks noChangeAspect="1"/>
-            </p:cNvPicPr>
-            <p:nvPr/>
-          </p:nvPicPr>
-          <p:blipFill>
-            <a:blip r:embed="rId3">
-              <a:extLst>
-                <a:ext uri="{28A0092B-C50C-407E-A947-70E740481C1C}">
-                  <a14:useLocalDpi xmlns:a14="http://schemas.microsoft.com/office/drawing/2010/main" val="0"/>
-                </a:ext>
-                <a:ext uri="{96DAC541-7B7A-43D3-8B79-37D633B846F1}">
-                  <asvg:svgBlip xmlns:asvg="http://schemas.microsoft.com/office/drawing/2016/SVG/main" r:embed="rId4"/>
-                </a:ext>
-              </a:extLst>
-            </a:blip>
-            <a:stretch>
-              <a:fillRect/>
-            </a:stretch>
-          </p:blipFill>
-          <p:spPr>
-            <a:xfrm>
-              <a:off x="4213934" y="2821800"/>
-              <a:ext cx="914400" cy="914400"/>
-            </a:xfrm>
-            <a:prstGeom prst="rect">
-              <a:avLst/>
-            </a:prstGeom>
-          </p:spPr>
-        </p:pic>
-        <p:pic>
-          <p:nvPicPr>
-            <p:cNvPr id="9" name="Graphique 8" descr="Homme">
-              <a:extLst>
-                <a:ext uri="{FF2B5EF4-FFF2-40B4-BE49-F238E27FC236}">
-                  <a16:creationId xmlns:a16="http://schemas.microsoft.com/office/drawing/2014/main" id="{875C6363-39DA-49F0-84C2-A2971738F8B3}"/>
-                </a:ext>
-              </a:extLst>
-            </p:cNvPr>
-            <p:cNvPicPr>
-              <a:picLocks noChangeAspect="1"/>
-            </p:cNvPicPr>
-            <p:nvPr/>
-          </p:nvPicPr>
-          <p:blipFill>
-            <a:blip r:embed="rId3">
-              <a:extLst>
-                <a:ext uri="{28A0092B-C50C-407E-A947-70E740481C1C}">
-                  <a14:useLocalDpi xmlns:a14="http://schemas.microsoft.com/office/drawing/2010/main" val="0"/>
-                </a:ext>
-                <a:ext uri="{96DAC541-7B7A-43D3-8B79-37D633B846F1}">
-                  <asvg:svgBlip xmlns:asvg="http://schemas.microsoft.com/office/drawing/2016/SVG/main" r:embed="rId4"/>
-                </a:ext>
-              </a:extLst>
-            </a:blip>
-            <a:stretch>
-              <a:fillRect/>
-            </a:stretch>
-          </p:blipFill>
-          <p:spPr>
-            <a:xfrm>
-              <a:off x="5128334" y="2821800"/>
-              <a:ext cx="914400" cy="914400"/>
-            </a:xfrm>
-            <a:prstGeom prst="rect">
-              <a:avLst/>
-            </a:prstGeom>
-          </p:spPr>
-        </p:pic>
-        <p:pic>
-          <p:nvPicPr>
-            <p:cNvPr id="6" name="Graphique 5" descr="Éclair">
-              <a:extLst>
-                <a:ext uri="{FF2B5EF4-FFF2-40B4-BE49-F238E27FC236}">
-                  <a16:creationId xmlns:a16="http://schemas.microsoft.com/office/drawing/2014/main" id="{4985DA03-666D-43EC-8C1F-23B864AA994E}"/>
-                </a:ext>
-              </a:extLst>
-            </p:cNvPr>
-            <p:cNvPicPr>
-              <a:picLocks noChangeAspect="1"/>
-            </p:cNvPicPr>
-            <p:nvPr/>
-          </p:nvPicPr>
-          <p:blipFill>
-            <a:blip r:embed="rId5">
-              <a:extLst>
-                <a:ext uri="{28A0092B-C50C-407E-A947-70E740481C1C}">
-                  <a14:useLocalDpi xmlns:a14="http://schemas.microsoft.com/office/drawing/2010/main" val="0"/>
-                </a:ext>
-                <a:ext uri="{96DAC541-7B7A-43D3-8B79-37D633B846F1}">
-                  <asvg:svgBlip xmlns:asvg="http://schemas.microsoft.com/office/drawing/2016/SVG/main" r:embed="rId6"/>
-                </a:ext>
-              </a:extLst>
-            </a:blip>
-            <a:stretch>
-              <a:fillRect/>
-            </a:stretch>
-          </p:blipFill>
-          <p:spPr>
-            <a:xfrm>
-              <a:off x="4813826" y="2799984"/>
-              <a:ext cx="629016" cy="629016"/>
-            </a:xfrm>
-            <a:prstGeom prst="rect">
-              <a:avLst/>
-            </a:prstGeom>
-          </p:spPr>
-        </p:pic>
-      </p:grpSp>
-      <p:pic>
-        <p:nvPicPr>
-          <p:cNvPr id="12" name="Graphique 11" descr="Ambulance">
-            <a:extLst>
-              <a:ext uri="{FF2B5EF4-FFF2-40B4-BE49-F238E27FC236}">
-                <a16:creationId xmlns:a16="http://schemas.microsoft.com/office/drawing/2014/main" id="{6DFE18DB-89F9-4540-8596-8DF8506FF118}"/>
-              </a:ext>
-            </a:extLst>
-          </p:cNvPr>
-          <p:cNvPicPr>
-            <a:picLocks noChangeAspect="1"/>
-          </p:cNvPicPr>
-          <p:nvPr/>
-        </p:nvPicPr>
-        <p:blipFill>
-          <a:blip r:embed="rId7">
-            <a:extLst>
-              <a:ext uri="{28A0092B-C50C-407E-A947-70E740481C1C}">
-                <a14:useLocalDpi xmlns:a14="http://schemas.microsoft.com/office/drawing/2010/main" val="0"/>
-              </a:ext>
-              <a:ext uri="{96DAC541-7B7A-43D3-8B79-37D633B846F1}">
-                <asvg:svgBlip xmlns:asvg="http://schemas.microsoft.com/office/drawing/2016/SVG/main" r:embed="rId8"/>
-              </a:ext>
-            </a:extLst>
-          </a:blip>
-          <a:stretch>
-            <a:fillRect/>
-          </a:stretch>
-        </p:blipFill>
-        <p:spPr>
-          <a:xfrm>
-            <a:off x="4498020" y="2588950"/>
-            <a:ext cx="1096859" cy="1096859"/>
-          </a:xfrm>
-          <a:prstGeom prst="rect">
-            <a:avLst/>
-          </a:prstGeom>
-        </p:spPr>
-      </p:pic>
-      <p:pic>
-        <p:nvPicPr>
-          <p:cNvPr id="14" name="Graphique 13" descr="Tête avec engrenages">
-            <a:extLst>
-              <a:ext uri="{FF2B5EF4-FFF2-40B4-BE49-F238E27FC236}">
-                <a16:creationId xmlns:a16="http://schemas.microsoft.com/office/drawing/2014/main" id="{BA6FFBDC-B7D4-4421-A714-EDA0148E0B92}"/>
-              </a:ext>
-            </a:extLst>
-          </p:cNvPr>
-          <p:cNvPicPr>
-            <a:picLocks noChangeAspect="1"/>
-          </p:cNvPicPr>
-          <p:nvPr/>
-        </p:nvPicPr>
-        <p:blipFill>
-          <a:blip r:embed="rId9">
-            <a:extLst>
-              <a:ext uri="{28A0092B-C50C-407E-A947-70E740481C1C}">
-                <a14:useLocalDpi xmlns:a14="http://schemas.microsoft.com/office/drawing/2010/main" val="0"/>
-              </a:ext>
-              <a:ext uri="{96DAC541-7B7A-43D3-8B79-37D633B846F1}">
-                <asvg:svgBlip xmlns:asvg="http://schemas.microsoft.com/office/drawing/2016/SVG/main" r:embed="rId10"/>
-              </a:ext>
-            </a:extLst>
-          </a:blip>
-          <a:stretch>
-            <a:fillRect/>
-          </a:stretch>
-        </p:blipFill>
-        <p:spPr>
-          <a:xfrm>
-            <a:off x="7236588" y="2611843"/>
-            <a:ext cx="982450" cy="982450"/>
-          </a:xfrm>
-          <a:prstGeom prst="rect">
-            <a:avLst/>
-          </a:prstGeom>
-        </p:spPr>
-      </p:pic>
-      <p:pic>
-        <p:nvPicPr>
-          <p:cNvPr id="16" name="Graphique 15" descr="Sablier">
-            <a:extLst>
-              <a:ext uri="{FF2B5EF4-FFF2-40B4-BE49-F238E27FC236}">
-                <a16:creationId xmlns:a16="http://schemas.microsoft.com/office/drawing/2014/main" id="{E9B58E4A-88C7-44B1-B5DE-44BD9872CB2B}"/>
-              </a:ext>
-            </a:extLst>
-          </p:cNvPr>
-          <p:cNvPicPr>
-            <a:picLocks noChangeAspect="1"/>
-          </p:cNvPicPr>
-          <p:nvPr/>
-        </p:nvPicPr>
-        <p:blipFill>
-          <a:blip r:embed="rId11">
-            <a:extLst>
-              <a:ext uri="{28A0092B-C50C-407E-A947-70E740481C1C}">
-                <a14:useLocalDpi xmlns:a14="http://schemas.microsoft.com/office/drawing/2010/main" val="0"/>
-              </a:ext>
-              <a:ext uri="{96DAC541-7B7A-43D3-8B79-37D633B846F1}">
-                <asvg:svgBlip xmlns:asvg="http://schemas.microsoft.com/office/drawing/2016/SVG/main" r:embed="rId12"/>
-              </a:ext>
-            </a:extLst>
-          </a:blip>
-          <a:stretch>
-            <a:fillRect/>
-          </a:stretch>
-        </p:blipFill>
-        <p:spPr>
-          <a:xfrm>
-            <a:off x="9860747" y="2588950"/>
-            <a:ext cx="982450" cy="982450"/>
-          </a:xfrm>
-          <a:prstGeom prst="rect">
-            <a:avLst/>
-          </a:prstGeom>
-        </p:spPr>
-      </p:pic>
-      <p:sp>
-        <p:nvSpPr>
-          <p:cNvPr id="17" name="ZoneTexte 16">
-            <a:extLst>
-              <a:ext uri="{FF2B5EF4-FFF2-40B4-BE49-F238E27FC236}">
-                <a16:creationId xmlns:a16="http://schemas.microsoft.com/office/drawing/2014/main" id="{9392DFB5-0369-43A9-8C49-ACE0F1D5347F}"/>
-              </a:ext>
-            </a:extLst>
-          </p:cNvPr>
-          <p:cNvSpPr txBox="1"/>
-          <p:nvPr/>
-        </p:nvSpPr>
-        <p:spPr>
-          <a:xfrm>
-            <a:off x="1878503" y="3685809"/>
-            <a:ext cx="923277" cy="369332"/>
-          </a:xfrm>
-          <a:prstGeom prst="rect">
-            <a:avLst/>
-          </a:prstGeom>
-          <a:noFill/>
-        </p:spPr>
-        <p:txBody>
-          <a:bodyPr wrap="square" rtlCol="0">
-            <a:spAutoFit/>
-          </a:bodyPr>
-          <a:lstStyle/>
-          <a:p>
-            <a:r>
-              <a:rPr lang="fr-FR" dirty="0">
-                <a:latin typeface="+mj-lt"/>
-              </a:rPr>
-              <a:t>Conflits</a:t>
-            </a:r>
-          </a:p>
-        </p:txBody>
-      </p:sp>
-      <p:sp>
-        <p:nvSpPr>
-          <p:cNvPr id="18" name="ZoneTexte 17">
-            <a:extLst>
-              <a:ext uri="{FF2B5EF4-FFF2-40B4-BE49-F238E27FC236}">
-                <a16:creationId xmlns:a16="http://schemas.microsoft.com/office/drawing/2014/main" id="{00CCBD10-D010-4E08-B98E-93ABA161A133}"/>
-              </a:ext>
-            </a:extLst>
-          </p:cNvPr>
-          <p:cNvSpPr txBox="1"/>
-          <p:nvPr/>
-        </p:nvSpPr>
-        <p:spPr>
-          <a:xfrm>
-            <a:off x="4584810" y="3685809"/>
-            <a:ext cx="1010069" cy="369332"/>
-          </a:xfrm>
-          <a:prstGeom prst="rect">
-            <a:avLst/>
-          </a:prstGeom>
-          <a:noFill/>
-        </p:spPr>
-        <p:txBody>
-          <a:bodyPr wrap="square" rtlCol="0">
-            <a:spAutoFit/>
-          </a:bodyPr>
-          <a:lstStyle/>
-          <a:p>
-            <a:r>
-              <a:rPr lang="fr-FR" dirty="0">
-                <a:latin typeface="+mj-lt"/>
-              </a:rPr>
-              <a:t>Maladie</a:t>
-            </a:r>
-          </a:p>
-        </p:txBody>
-      </p:sp>
-      <p:sp>
-        <p:nvSpPr>
-          <p:cNvPr id="19" name="ZoneTexte 18">
-            <a:extLst>
-              <a:ext uri="{FF2B5EF4-FFF2-40B4-BE49-F238E27FC236}">
-                <a16:creationId xmlns:a16="http://schemas.microsoft.com/office/drawing/2014/main" id="{9284BEEF-15BD-4DA4-A1EE-EB43E4E764B3}"/>
-              </a:ext>
-            </a:extLst>
-          </p:cNvPr>
-          <p:cNvSpPr txBox="1"/>
-          <p:nvPr/>
-        </p:nvSpPr>
-        <p:spPr>
-          <a:xfrm>
-            <a:off x="7006403" y="3685809"/>
-            <a:ext cx="1442820" cy="369332"/>
-          </a:xfrm>
-          <a:prstGeom prst="rect">
-            <a:avLst/>
-          </a:prstGeom>
-          <a:noFill/>
-        </p:spPr>
-        <p:txBody>
-          <a:bodyPr wrap="square" rtlCol="0">
-            <a:spAutoFit/>
-          </a:bodyPr>
-          <a:lstStyle/>
-          <a:p>
-            <a:r>
-              <a:rPr lang="fr-FR" dirty="0">
-                <a:latin typeface="+mj-lt"/>
-              </a:rPr>
-              <a:t>Technologies</a:t>
-            </a:r>
-          </a:p>
-        </p:txBody>
-      </p:sp>
-      <p:sp>
-        <p:nvSpPr>
-          <p:cNvPr id="20" name="ZoneTexte 19">
-            <a:extLst>
-              <a:ext uri="{FF2B5EF4-FFF2-40B4-BE49-F238E27FC236}">
-                <a16:creationId xmlns:a16="http://schemas.microsoft.com/office/drawing/2014/main" id="{8DCB0EA4-4EFA-4B39-9EC4-4F5911EFF528}"/>
-              </a:ext>
-            </a:extLst>
-          </p:cNvPr>
-          <p:cNvSpPr txBox="1"/>
-          <p:nvPr/>
-        </p:nvSpPr>
-        <p:spPr>
-          <a:xfrm>
-            <a:off x="9982200" y="3685809"/>
-            <a:ext cx="982450" cy="369332"/>
-          </a:xfrm>
-          <a:prstGeom prst="rect">
-            <a:avLst/>
-          </a:prstGeom>
-          <a:noFill/>
-        </p:spPr>
-        <p:txBody>
-          <a:bodyPr wrap="square" rtlCol="0">
-            <a:spAutoFit/>
-          </a:bodyPr>
-          <a:lstStyle/>
-          <a:p>
-            <a:r>
-              <a:rPr lang="fr-FR" dirty="0">
-                <a:latin typeface="+mj-lt"/>
-              </a:rPr>
-              <a:t>Temps</a:t>
-            </a:r>
-          </a:p>
-        </p:txBody>
-      </p:sp>
-    </p:spTree>
-    <p:extLst>
-      <p:ext uri="{BB962C8B-B14F-4D97-AF65-F5344CB8AC3E}">
-        <p14:creationId xmlns:p14="http://schemas.microsoft.com/office/powerpoint/2010/main" val="524798747"/>
       </p:ext>
     </p:extLst>
   </p:cSld>
